--- a/eostalk/EOS Talk Lodz2.pptx
+++ b/eostalk/EOS Talk Lodz2.pptx
@@ -3352,6 +3352,753 @@
 </dgm:colorsDef>
 </file>
 
+<file path=ppt/diagrams/colors4.xml><?xml version="1.0" encoding="utf-8"?>
+<dgm:colorsDef xmlns:dgm="http://schemas.openxmlformats.org/drawingml/2006/diagram" xmlns:a="http://schemas.openxmlformats.org/drawingml/2006/main" uniqueId="urn:microsoft.com/office/officeart/2005/8/colors/accent1_2">
+  <dgm:title val=""/>
+  <dgm:desc val=""/>
+  <dgm:catLst>
+    <dgm:cat type="accent1" pri="11200"/>
+  </dgm:catLst>
+  <dgm:styleLbl name="node0">
+    <dgm:fillClrLst meth="repeat">
+      <a:schemeClr val="accent1"/>
+    </dgm:fillClrLst>
+    <dgm:linClrLst meth="repeat">
+      <a:schemeClr val="lt1"/>
+    </dgm:linClrLst>
+    <dgm:effectClrLst/>
+    <dgm:txLinClrLst/>
+    <dgm:txFillClrLst/>
+    <dgm:txEffectClrLst/>
+  </dgm:styleLbl>
+  <dgm:styleLbl name="alignNode1">
+    <dgm:fillClrLst meth="repeat">
+      <a:schemeClr val="accent1"/>
+    </dgm:fillClrLst>
+    <dgm:linClrLst meth="repeat">
+      <a:schemeClr val="accent1"/>
+    </dgm:linClrLst>
+    <dgm:effectClrLst/>
+    <dgm:txLinClrLst/>
+    <dgm:txFillClrLst/>
+    <dgm:txEffectClrLst/>
+  </dgm:styleLbl>
+  <dgm:styleLbl name="node1">
+    <dgm:fillClrLst meth="repeat">
+      <a:schemeClr val="accent1"/>
+    </dgm:fillClrLst>
+    <dgm:linClrLst meth="repeat">
+      <a:schemeClr val="lt1"/>
+    </dgm:linClrLst>
+    <dgm:effectClrLst/>
+    <dgm:txLinClrLst/>
+    <dgm:txFillClrLst/>
+    <dgm:txEffectClrLst/>
+  </dgm:styleLbl>
+  <dgm:styleLbl name="lnNode1">
+    <dgm:fillClrLst meth="repeat">
+      <a:schemeClr val="accent1"/>
+    </dgm:fillClrLst>
+    <dgm:linClrLst meth="repeat">
+      <a:schemeClr val="lt1"/>
+    </dgm:linClrLst>
+    <dgm:effectClrLst/>
+    <dgm:txLinClrLst/>
+    <dgm:txFillClrLst/>
+    <dgm:txEffectClrLst/>
+  </dgm:styleLbl>
+  <dgm:styleLbl name="vennNode1">
+    <dgm:fillClrLst meth="repeat">
+      <a:schemeClr val="accent1">
+        <a:alpha val="50000"/>
+      </a:schemeClr>
+    </dgm:fillClrLst>
+    <dgm:linClrLst meth="repeat">
+      <a:schemeClr val="lt1"/>
+    </dgm:linClrLst>
+    <dgm:effectClrLst/>
+    <dgm:txLinClrLst/>
+    <dgm:txFillClrLst/>
+    <dgm:txEffectClrLst/>
+  </dgm:styleLbl>
+  <dgm:styleLbl name="node2">
+    <dgm:fillClrLst meth="repeat">
+      <a:schemeClr val="accent1"/>
+    </dgm:fillClrLst>
+    <dgm:linClrLst meth="repeat">
+      <a:schemeClr val="lt1"/>
+    </dgm:linClrLst>
+    <dgm:effectClrLst/>
+    <dgm:txLinClrLst/>
+    <dgm:txFillClrLst/>
+    <dgm:txEffectClrLst/>
+  </dgm:styleLbl>
+  <dgm:styleLbl name="node3">
+    <dgm:fillClrLst meth="repeat">
+      <a:schemeClr val="accent1"/>
+    </dgm:fillClrLst>
+    <dgm:linClrLst meth="repeat">
+      <a:schemeClr val="lt1"/>
+    </dgm:linClrLst>
+    <dgm:effectClrLst/>
+    <dgm:txLinClrLst/>
+    <dgm:txFillClrLst/>
+    <dgm:txEffectClrLst/>
+  </dgm:styleLbl>
+  <dgm:styleLbl name="node4">
+    <dgm:fillClrLst meth="repeat">
+      <a:schemeClr val="accent1"/>
+    </dgm:fillClrLst>
+    <dgm:linClrLst meth="repeat">
+      <a:schemeClr val="lt1"/>
+    </dgm:linClrLst>
+    <dgm:effectClrLst/>
+    <dgm:txLinClrLst/>
+    <dgm:txFillClrLst/>
+    <dgm:txEffectClrLst/>
+  </dgm:styleLbl>
+  <dgm:styleLbl name="fgImgPlace1">
+    <dgm:fillClrLst meth="repeat">
+      <a:schemeClr val="accent1">
+        <a:tint val="50000"/>
+      </a:schemeClr>
+    </dgm:fillClrLst>
+    <dgm:linClrLst meth="repeat">
+      <a:schemeClr val="lt1"/>
+    </dgm:linClrLst>
+    <dgm:effectClrLst/>
+    <dgm:txLinClrLst/>
+    <dgm:txFillClrLst meth="repeat">
+      <a:schemeClr val="lt1"/>
+    </dgm:txFillClrLst>
+    <dgm:txEffectClrLst/>
+  </dgm:styleLbl>
+  <dgm:styleLbl name="alignImgPlace1">
+    <dgm:fillClrLst meth="repeat">
+      <a:schemeClr val="accent1">
+        <a:tint val="50000"/>
+      </a:schemeClr>
+    </dgm:fillClrLst>
+    <dgm:linClrLst meth="repeat">
+      <a:schemeClr val="lt1"/>
+    </dgm:linClrLst>
+    <dgm:effectClrLst/>
+    <dgm:txLinClrLst/>
+    <dgm:txFillClrLst meth="repeat">
+      <a:schemeClr val="lt1"/>
+    </dgm:txFillClrLst>
+    <dgm:txEffectClrLst/>
+  </dgm:styleLbl>
+  <dgm:styleLbl name="bgImgPlace1">
+    <dgm:fillClrLst meth="repeat">
+      <a:schemeClr val="accent1">
+        <a:tint val="50000"/>
+      </a:schemeClr>
+    </dgm:fillClrLst>
+    <dgm:linClrLst meth="repeat">
+      <a:schemeClr val="lt1"/>
+    </dgm:linClrLst>
+    <dgm:effectClrLst/>
+    <dgm:txLinClrLst/>
+    <dgm:txFillClrLst meth="repeat">
+      <a:schemeClr val="lt1"/>
+    </dgm:txFillClrLst>
+    <dgm:txEffectClrLst/>
+  </dgm:styleLbl>
+  <dgm:styleLbl name="sibTrans2D1">
+    <dgm:fillClrLst meth="repeat">
+      <a:schemeClr val="accent1">
+        <a:tint val="60000"/>
+      </a:schemeClr>
+    </dgm:fillClrLst>
+    <dgm:linClrLst meth="repeat">
+      <a:schemeClr val="accent1">
+        <a:tint val="60000"/>
+      </a:schemeClr>
+    </dgm:linClrLst>
+    <dgm:effectClrLst/>
+    <dgm:txLinClrLst/>
+    <dgm:txFillClrLst/>
+    <dgm:txEffectClrLst/>
+  </dgm:styleLbl>
+  <dgm:styleLbl name="fgSibTrans2D1">
+    <dgm:fillClrLst meth="repeat">
+      <a:schemeClr val="accent1">
+        <a:tint val="60000"/>
+      </a:schemeClr>
+    </dgm:fillClrLst>
+    <dgm:linClrLst meth="repeat">
+      <a:schemeClr val="accent1">
+        <a:tint val="60000"/>
+      </a:schemeClr>
+    </dgm:linClrLst>
+    <dgm:effectClrLst/>
+    <dgm:txLinClrLst/>
+    <dgm:txFillClrLst/>
+    <dgm:txEffectClrLst/>
+  </dgm:styleLbl>
+  <dgm:styleLbl name="bgSibTrans2D1">
+    <dgm:fillClrLst meth="repeat">
+      <a:schemeClr val="accent1">
+        <a:tint val="60000"/>
+      </a:schemeClr>
+    </dgm:fillClrLst>
+    <dgm:linClrLst meth="repeat">
+      <a:schemeClr val="accent1">
+        <a:tint val="60000"/>
+      </a:schemeClr>
+    </dgm:linClrLst>
+    <dgm:effectClrLst/>
+    <dgm:txLinClrLst/>
+    <dgm:txFillClrLst/>
+    <dgm:txEffectClrLst/>
+  </dgm:styleLbl>
+  <dgm:styleLbl name="sibTrans1D1">
+    <dgm:fillClrLst meth="repeat">
+      <a:schemeClr val="accent1"/>
+    </dgm:fillClrLst>
+    <dgm:linClrLst meth="repeat">
+      <a:schemeClr val="accent1"/>
+    </dgm:linClrLst>
+    <dgm:effectClrLst/>
+    <dgm:txLinClrLst/>
+    <dgm:txFillClrLst meth="repeat">
+      <a:schemeClr val="tx1"/>
+    </dgm:txFillClrLst>
+    <dgm:txEffectClrLst/>
+  </dgm:styleLbl>
+  <dgm:styleLbl name="callout">
+    <dgm:fillClrLst meth="repeat">
+      <a:schemeClr val="accent1"/>
+    </dgm:fillClrLst>
+    <dgm:linClrLst meth="repeat">
+      <a:schemeClr val="accent1">
+        <a:tint val="50000"/>
+      </a:schemeClr>
+    </dgm:linClrLst>
+    <dgm:effectClrLst/>
+    <dgm:txLinClrLst/>
+    <dgm:txFillClrLst meth="repeat">
+      <a:schemeClr val="tx1"/>
+    </dgm:txFillClrLst>
+    <dgm:txEffectClrLst/>
+  </dgm:styleLbl>
+  <dgm:styleLbl name="asst0">
+    <dgm:fillClrLst meth="repeat">
+      <a:schemeClr val="accent1"/>
+    </dgm:fillClrLst>
+    <dgm:linClrLst meth="repeat">
+      <a:schemeClr val="lt1"/>
+    </dgm:linClrLst>
+    <dgm:effectClrLst/>
+    <dgm:txLinClrLst/>
+    <dgm:txFillClrLst/>
+    <dgm:txEffectClrLst/>
+  </dgm:styleLbl>
+  <dgm:styleLbl name="asst1">
+    <dgm:fillClrLst meth="repeat">
+      <a:schemeClr val="accent1"/>
+    </dgm:fillClrLst>
+    <dgm:linClrLst meth="repeat">
+      <a:schemeClr val="lt1"/>
+    </dgm:linClrLst>
+    <dgm:effectClrLst/>
+    <dgm:txLinClrLst/>
+    <dgm:txFillClrLst/>
+    <dgm:txEffectClrLst/>
+  </dgm:styleLbl>
+  <dgm:styleLbl name="asst2">
+    <dgm:fillClrLst meth="repeat">
+      <a:schemeClr val="accent1"/>
+    </dgm:fillClrLst>
+    <dgm:linClrLst meth="repeat">
+      <a:schemeClr val="lt1"/>
+    </dgm:linClrLst>
+    <dgm:effectClrLst/>
+    <dgm:txLinClrLst/>
+    <dgm:txFillClrLst/>
+    <dgm:txEffectClrLst/>
+  </dgm:styleLbl>
+  <dgm:styleLbl name="asst3">
+    <dgm:fillClrLst meth="repeat">
+      <a:schemeClr val="accent1"/>
+    </dgm:fillClrLst>
+    <dgm:linClrLst meth="repeat">
+      <a:schemeClr val="lt1"/>
+    </dgm:linClrLst>
+    <dgm:effectClrLst/>
+    <dgm:txLinClrLst/>
+    <dgm:txFillClrLst/>
+    <dgm:txEffectClrLst/>
+  </dgm:styleLbl>
+  <dgm:styleLbl name="asst4">
+    <dgm:fillClrLst meth="repeat">
+      <a:schemeClr val="accent1"/>
+    </dgm:fillClrLst>
+    <dgm:linClrLst meth="repeat">
+      <a:schemeClr val="lt1"/>
+    </dgm:linClrLst>
+    <dgm:effectClrLst/>
+    <dgm:txLinClrLst/>
+    <dgm:txFillClrLst/>
+    <dgm:txEffectClrLst/>
+  </dgm:styleLbl>
+  <dgm:styleLbl name="parChTrans2D1">
+    <dgm:fillClrLst meth="repeat">
+      <a:schemeClr val="accent1">
+        <a:tint val="60000"/>
+      </a:schemeClr>
+    </dgm:fillClrLst>
+    <dgm:linClrLst meth="repeat">
+      <a:schemeClr val="accent1">
+        <a:tint val="60000"/>
+      </a:schemeClr>
+    </dgm:linClrLst>
+    <dgm:effectClrLst/>
+    <dgm:txLinClrLst/>
+    <dgm:txFillClrLst meth="repeat">
+      <a:schemeClr val="lt1"/>
+    </dgm:txFillClrLst>
+    <dgm:txEffectClrLst/>
+  </dgm:styleLbl>
+  <dgm:styleLbl name="parChTrans2D2">
+    <dgm:fillClrLst meth="repeat">
+      <a:schemeClr val="accent1"/>
+    </dgm:fillClrLst>
+    <dgm:linClrLst meth="repeat">
+      <a:schemeClr val="accent1"/>
+    </dgm:linClrLst>
+    <dgm:effectClrLst/>
+    <dgm:txLinClrLst/>
+    <dgm:txFillClrLst meth="repeat">
+      <a:schemeClr val="lt1"/>
+    </dgm:txFillClrLst>
+    <dgm:txEffectClrLst/>
+  </dgm:styleLbl>
+  <dgm:styleLbl name="parChTrans2D3">
+    <dgm:fillClrLst meth="repeat">
+      <a:schemeClr val="accent1"/>
+    </dgm:fillClrLst>
+    <dgm:linClrLst meth="repeat">
+      <a:schemeClr val="accent1"/>
+    </dgm:linClrLst>
+    <dgm:effectClrLst/>
+    <dgm:txLinClrLst/>
+    <dgm:txFillClrLst meth="repeat">
+      <a:schemeClr val="lt1"/>
+    </dgm:txFillClrLst>
+    <dgm:txEffectClrLst/>
+  </dgm:styleLbl>
+  <dgm:styleLbl name="parChTrans2D4">
+    <dgm:fillClrLst meth="repeat">
+      <a:schemeClr val="accent1"/>
+    </dgm:fillClrLst>
+    <dgm:linClrLst meth="repeat">
+      <a:schemeClr val="accent1"/>
+    </dgm:linClrLst>
+    <dgm:effectClrLst/>
+    <dgm:txLinClrLst/>
+    <dgm:txFillClrLst meth="repeat">
+      <a:schemeClr val="lt1"/>
+    </dgm:txFillClrLst>
+    <dgm:txEffectClrLst/>
+  </dgm:styleLbl>
+  <dgm:styleLbl name="parChTrans1D1">
+    <dgm:fillClrLst meth="repeat">
+      <a:schemeClr val="accent1"/>
+    </dgm:fillClrLst>
+    <dgm:linClrLst meth="repeat">
+      <a:schemeClr val="accent1">
+        <a:shade val="60000"/>
+      </a:schemeClr>
+    </dgm:linClrLst>
+    <dgm:effectClrLst/>
+    <dgm:txLinClrLst/>
+    <dgm:txFillClrLst meth="repeat">
+      <a:schemeClr val="tx1"/>
+    </dgm:txFillClrLst>
+    <dgm:txEffectClrLst/>
+  </dgm:styleLbl>
+  <dgm:styleLbl name="parChTrans1D2">
+    <dgm:fillClrLst meth="repeat">
+      <a:schemeClr val="accent1"/>
+    </dgm:fillClrLst>
+    <dgm:linClrLst meth="repeat">
+      <a:schemeClr val="accent1">
+        <a:shade val="60000"/>
+      </a:schemeClr>
+    </dgm:linClrLst>
+    <dgm:effectClrLst/>
+    <dgm:txLinClrLst/>
+    <dgm:txFillClrLst meth="repeat">
+      <a:schemeClr val="tx1"/>
+    </dgm:txFillClrLst>
+    <dgm:txEffectClrLst/>
+  </dgm:styleLbl>
+  <dgm:styleLbl name="parChTrans1D3">
+    <dgm:fillClrLst meth="repeat">
+      <a:schemeClr val="accent1"/>
+    </dgm:fillClrLst>
+    <dgm:linClrLst meth="repeat">
+      <a:schemeClr val="accent1">
+        <a:shade val="80000"/>
+      </a:schemeClr>
+    </dgm:linClrLst>
+    <dgm:effectClrLst/>
+    <dgm:txLinClrLst/>
+    <dgm:txFillClrLst meth="repeat">
+      <a:schemeClr val="tx1"/>
+    </dgm:txFillClrLst>
+    <dgm:txEffectClrLst/>
+  </dgm:styleLbl>
+  <dgm:styleLbl name="parChTrans1D4">
+    <dgm:fillClrLst meth="repeat">
+      <a:schemeClr val="accent1"/>
+    </dgm:fillClrLst>
+    <dgm:linClrLst meth="repeat">
+      <a:schemeClr val="accent1">
+        <a:shade val="80000"/>
+      </a:schemeClr>
+    </dgm:linClrLst>
+    <dgm:effectClrLst/>
+    <dgm:txLinClrLst/>
+    <dgm:txFillClrLst meth="repeat">
+      <a:schemeClr val="tx1"/>
+    </dgm:txFillClrLst>
+    <dgm:txEffectClrLst/>
+  </dgm:styleLbl>
+  <dgm:styleLbl name="fgAcc1">
+    <dgm:fillClrLst meth="repeat">
+      <a:schemeClr val="lt1">
+        <a:alpha val="90000"/>
+      </a:schemeClr>
+    </dgm:fillClrLst>
+    <dgm:linClrLst meth="repeat">
+      <a:schemeClr val="accent1"/>
+    </dgm:linClrLst>
+    <dgm:effectClrLst/>
+    <dgm:txLinClrLst/>
+    <dgm:txFillClrLst meth="repeat">
+      <a:schemeClr val="dk1"/>
+    </dgm:txFillClrLst>
+    <dgm:txEffectClrLst/>
+  </dgm:styleLbl>
+  <dgm:styleLbl name="conFgAcc1">
+    <dgm:fillClrLst meth="repeat">
+      <a:schemeClr val="lt1">
+        <a:alpha val="90000"/>
+      </a:schemeClr>
+    </dgm:fillClrLst>
+    <dgm:linClrLst meth="repeat">
+      <a:schemeClr val="accent1"/>
+    </dgm:linClrLst>
+    <dgm:effectClrLst/>
+    <dgm:txLinClrLst/>
+    <dgm:txFillClrLst meth="repeat">
+      <a:schemeClr val="dk1"/>
+    </dgm:txFillClrLst>
+    <dgm:txEffectClrLst/>
+  </dgm:styleLbl>
+  <dgm:styleLbl name="alignAcc1">
+    <dgm:fillClrLst meth="repeat">
+      <a:schemeClr val="lt1">
+        <a:alpha val="90000"/>
+      </a:schemeClr>
+    </dgm:fillClrLst>
+    <dgm:linClrLst meth="repeat">
+      <a:schemeClr val="accent1"/>
+    </dgm:linClrLst>
+    <dgm:effectClrLst/>
+    <dgm:txLinClrLst/>
+    <dgm:txFillClrLst meth="repeat">
+      <a:schemeClr val="dk1"/>
+    </dgm:txFillClrLst>
+    <dgm:txEffectClrLst/>
+  </dgm:styleLbl>
+  <dgm:styleLbl name="trAlignAcc1">
+    <dgm:fillClrLst meth="repeat">
+      <a:schemeClr val="lt1">
+        <a:alpha val="40000"/>
+      </a:schemeClr>
+    </dgm:fillClrLst>
+    <dgm:linClrLst meth="repeat">
+      <a:schemeClr val="accent1"/>
+    </dgm:linClrLst>
+    <dgm:effectClrLst/>
+    <dgm:txLinClrLst/>
+    <dgm:txFillClrLst meth="repeat">
+      <a:schemeClr val="dk1"/>
+    </dgm:txFillClrLst>
+    <dgm:txEffectClrLst/>
+  </dgm:styleLbl>
+  <dgm:styleLbl name="bgAcc1">
+    <dgm:fillClrLst meth="repeat">
+      <a:schemeClr val="lt1">
+        <a:alpha val="90000"/>
+      </a:schemeClr>
+    </dgm:fillClrLst>
+    <dgm:linClrLst meth="repeat">
+      <a:schemeClr val="accent1"/>
+    </dgm:linClrLst>
+    <dgm:effectClrLst/>
+    <dgm:txLinClrLst/>
+    <dgm:txFillClrLst meth="repeat">
+      <a:schemeClr val="dk1"/>
+    </dgm:txFillClrLst>
+    <dgm:txEffectClrLst/>
+  </dgm:styleLbl>
+  <dgm:styleLbl name="solidFgAcc1">
+    <dgm:fillClrLst meth="repeat">
+      <a:schemeClr val="lt1"/>
+    </dgm:fillClrLst>
+    <dgm:linClrLst meth="repeat">
+      <a:schemeClr val="accent1"/>
+    </dgm:linClrLst>
+    <dgm:effectClrLst/>
+    <dgm:txLinClrLst/>
+    <dgm:txFillClrLst meth="repeat">
+      <a:schemeClr val="dk1"/>
+    </dgm:txFillClrLst>
+    <dgm:txEffectClrLst/>
+  </dgm:styleLbl>
+  <dgm:styleLbl name="solidAlignAcc1">
+    <dgm:fillClrLst meth="repeat">
+      <a:schemeClr val="lt1"/>
+    </dgm:fillClrLst>
+    <dgm:linClrLst meth="repeat">
+      <a:schemeClr val="accent1"/>
+    </dgm:linClrLst>
+    <dgm:effectClrLst/>
+    <dgm:txLinClrLst/>
+    <dgm:txFillClrLst meth="repeat">
+      <a:schemeClr val="dk1"/>
+    </dgm:txFillClrLst>
+    <dgm:txEffectClrLst/>
+  </dgm:styleLbl>
+  <dgm:styleLbl name="solidBgAcc1">
+    <dgm:fillClrLst meth="repeat">
+      <a:schemeClr val="lt1"/>
+    </dgm:fillClrLst>
+    <dgm:linClrLst meth="repeat">
+      <a:schemeClr val="accent1"/>
+    </dgm:linClrLst>
+    <dgm:effectClrLst/>
+    <dgm:txLinClrLst/>
+    <dgm:txFillClrLst meth="repeat">
+      <a:schemeClr val="dk1"/>
+    </dgm:txFillClrLst>
+    <dgm:txEffectClrLst/>
+  </dgm:styleLbl>
+  <dgm:styleLbl name="fgAccFollowNode1">
+    <dgm:fillClrLst meth="repeat">
+      <a:schemeClr val="accent1">
+        <a:alpha val="90000"/>
+        <a:tint val="40000"/>
+      </a:schemeClr>
+    </dgm:fillClrLst>
+    <dgm:linClrLst meth="repeat">
+      <a:schemeClr val="accent1">
+        <a:alpha val="90000"/>
+        <a:tint val="40000"/>
+      </a:schemeClr>
+    </dgm:linClrLst>
+    <dgm:effectClrLst/>
+    <dgm:txLinClrLst/>
+    <dgm:txFillClrLst meth="repeat">
+      <a:schemeClr val="dk1"/>
+    </dgm:txFillClrLst>
+    <dgm:txEffectClrLst/>
+  </dgm:styleLbl>
+  <dgm:styleLbl name="alignAccFollowNode1">
+    <dgm:fillClrLst meth="repeat">
+      <a:schemeClr val="accent1">
+        <a:alpha val="90000"/>
+        <a:tint val="40000"/>
+      </a:schemeClr>
+    </dgm:fillClrLst>
+    <dgm:linClrLst meth="repeat">
+      <a:schemeClr val="accent1">
+        <a:alpha val="90000"/>
+        <a:tint val="40000"/>
+      </a:schemeClr>
+    </dgm:linClrLst>
+    <dgm:effectClrLst/>
+    <dgm:txLinClrLst/>
+    <dgm:txFillClrLst meth="repeat">
+      <a:schemeClr val="dk1"/>
+    </dgm:txFillClrLst>
+    <dgm:txEffectClrLst/>
+  </dgm:styleLbl>
+  <dgm:styleLbl name="bgAccFollowNode1">
+    <dgm:fillClrLst meth="repeat">
+      <a:schemeClr val="accent1">
+        <a:alpha val="90000"/>
+        <a:tint val="40000"/>
+      </a:schemeClr>
+    </dgm:fillClrLst>
+    <dgm:linClrLst meth="repeat">
+      <a:schemeClr val="accent1">
+        <a:alpha val="90000"/>
+        <a:tint val="40000"/>
+      </a:schemeClr>
+    </dgm:linClrLst>
+    <dgm:effectClrLst/>
+    <dgm:txLinClrLst/>
+    <dgm:txFillClrLst meth="repeat">
+      <a:schemeClr val="dk1"/>
+    </dgm:txFillClrLst>
+    <dgm:txEffectClrLst/>
+  </dgm:styleLbl>
+  <dgm:styleLbl name="fgAcc0">
+    <dgm:fillClrLst meth="repeat">
+      <a:schemeClr val="lt1">
+        <a:alpha val="90000"/>
+      </a:schemeClr>
+    </dgm:fillClrLst>
+    <dgm:linClrLst meth="repeat">
+      <a:schemeClr val="accent1"/>
+    </dgm:linClrLst>
+    <dgm:effectClrLst/>
+    <dgm:txLinClrLst/>
+    <dgm:txFillClrLst meth="repeat">
+      <a:schemeClr val="dk1"/>
+    </dgm:txFillClrLst>
+    <dgm:txEffectClrLst/>
+  </dgm:styleLbl>
+  <dgm:styleLbl name="fgAcc2">
+    <dgm:fillClrLst meth="repeat">
+      <a:schemeClr val="lt1">
+        <a:alpha val="90000"/>
+      </a:schemeClr>
+    </dgm:fillClrLst>
+    <dgm:linClrLst meth="repeat">
+      <a:schemeClr val="accent1"/>
+    </dgm:linClrLst>
+    <dgm:effectClrLst/>
+    <dgm:txLinClrLst/>
+    <dgm:txFillClrLst meth="repeat">
+      <a:schemeClr val="dk1"/>
+    </dgm:txFillClrLst>
+    <dgm:txEffectClrLst/>
+  </dgm:styleLbl>
+  <dgm:styleLbl name="fgAcc3">
+    <dgm:fillClrLst meth="repeat">
+      <a:schemeClr val="lt1">
+        <a:alpha val="90000"/>
+      </a:schemeClr>
+    </dgm:fillClrLst>
+    <dgm:linClrLst meth="repeat">
+      <a:schemeClr val="accent1"/>
+    </dgm:linClrLst>
+    <dgm:effectClrLst/>
+    <dgm:txLinClrLst/>
+    <dgm:txFillClrLst meth="repeat">
+      <a:schemeClr val="dk1"/>
+    </dgm:txFillClrLst>
+    <dgm:txEffectClrLst/>
+  </dgm:styleLbl>
+  <dgm:styleLbl name="fgAcc4">
+    <dgm:fillClrLst meth="repeat">
+      <a:schemeClr val="lt1">
+        <a:alpha val="90000"/>
+      </a:schemeClr>
+    </dgm:fillClrLst>
+    <dgm:linClrLst meth="repeat">
+      <a:schemeClr val="accent1"/>
+    </dgm:linClrLst>
+    <dgm:effectClrLst/>
+    <dgm:txLinClrLst/>
+    <dgm:txFillClrLst meth="repeat">
+      <a:schemeClr val="dk1"/>
+    </dgm:txFillClrLst>
+    <dgm:txEffectClrLst/>
+  </dgm:styleLbl>
+  <dgm:styleLbl name="bgShp">
+    <dgm:fillClrLst meth="repeat">
+      <a:schemeClr val="accent1">
+        <a:tint val="40000"/>
+      </a:schemeClr>
+    </dgm:fillClrLst>
+    <dgm:linClrLst meth="repeat">
+      <a:schemeClr val="accent1"/>
+    </dgm:linClrLst>
+    <dgm:effectClrLst/>
+    <dgm:txLinClrLst/>
+    <dgm:txFillClrLst meth="repeat">
+      <a:schemeClr val="dk1"/>
+    </dgm:txFillClrLst>
+    <dgm:txEffectClrLst/>
+  </dgm:styleLbl>
+  <dgm:styleLbl name="dkBgShp">
+    <dgm:fillClrLst meth="repeat">
+      <a:schemeClr val="accent1">
+        <a:shade val="80000"/>
+      </a:schemeClr>
+    </dgm:fillClrLst>
+    <dgm:linClrLst meth="repeat">
+      <a:schemeClr val="accent1"/>
+    </dgm:linClrLst>
+    <dgm:effectClrLst/>
+    <dgm:txLinClrLst/>
+    <dgm:txFillClrLst meth="repeat">
+      <a:schemeClr val="lt1"/>
+    </dgm:txFillClrLst>
+    <dgm:txEffectClrLst/>
+  </dgm:styleLbl>
+  <dgm:styleLbl name="trBgShp">
+    <dgm:fillClrLst meth="repeat">
+      <a:schemeClr val="accent1">
+        <a:tint val="50000"/>
+        <a:alpha val="40000"/>
+      </a:schemeClr>
+    </dgm:fillClrLst>
+    <dgm:linClrLst meth="repeat">
+      <a:schemeClr val="accent1"/>
+    </dgm:linClrLst>
+    <dgm:effectClrLst/>
+    <dgm:txLinClrLst/>
+    <dgm:txFillClrLst meth="repeat">
+      <a:schemeClr val="lt1"/>
+    </dgm:txFillClrLst>
+    <dgm:txEffectClrLst/>
+  </dgm:styleLbl>
+  <dgm:styleLbl name="fgShp">
+    <dgm:fillClrLst meth="repeat">
+      <a:schemeClr val="accent1">
+        <a:tint val="60000"/>
+      </a:schemeClr>
+    </dgm:fillClrLst>
+    <dgm:linClrLst meth="repeat">
+      <a:schemeClr val="lt1"/>
+    </dgm:linClrLst>
+    <dgm:effectClrLst/>
+    <dgm:txLinClrLst/>
+    <dgm:txFillClrLst meth="repeat">
+      <a:schemeClr val="dk1"/>
+    </dgm:txFillClrLst>
+    <dgm:txEffectClrLst/>
+  </dgm:styleLbl>
+  <dgm:styleLbl name="revTx">
+    <dgm:fillClrLst meth="repeat">
+      <a:schemeClr val="lt1">
+        <a:alpha val="0"/>
+      </a:schemeClr>
+    </dgm:fillClrLst>
+    <dgm:linClrLst meth="repeat">
+      <a:schemeClr val="dk1">
+        <a:alpha val="0"/>
+      </a:schemeClr>
+    </dgm:linClrLst>
+    <dgm:effectClrLst/>
+    <dgm:txLinClrLst/>
+    <dgm:txFillClrLst meth="repeat">
+      <a:schemeClr val="tx1"/>
+    </dgm:txFillClrLst>
+    <dgm:txEffectClrLst/>
+  </dgm:styleLbl>
+</dgm:colorsDef>
+</file>
+
 <file path=ppt/diagrams/data1.xml><?xml version="1.0" encoding="utf-8"?>
 <dgm:dataModel xmlns:dgm="http://schemas.openxmlformats.org/drawingml/2006/diagram" xmlns:a="http://schemas.openxmlformats.org/drawingml/2006/main">
   <dgm:ptLst>
@@ -3648,6 +4395,187 @@
 </file>
 
 <file path=ppt/diagrams/data2.xml><?xml version="1.0" encoding="utf-8"?>
+<dgm:dataModel xmlns:dgm="http://schemas.openxmlformats.org/drawingml/2006/diagram" xmlns:a="http://schemas.openxmlformats.org/drawingml/2006/main">
+  <dgm:ptLst>
+    <dgm:pt modelId="{C18CD602-B028-45C0-BD2F-712A671C1AA5}" type="doc">
+      <dgm:prSet loTypeId="urn:microsoft.com/office/officeart/2005/8/layout/arrow5" loCatId="process" qsTypeId="urn:microsoft.com/office/officeart/2005/8/quickstyle/simple1" qsCatId="simple" csTypeId="urn:microsoft.com/office/officeart/2005/8/colors/accent1_2" csCatId="accent1" phldr="1"/>
+      <dgm:spPr/>
+      <dgm:t>
+        <a:bodyPr/>
+        <a:lstStyle/>
+        <a:p>
+          <a:endParaRPr lang="pl-PL"/>
+        </a:p>
+      </dgm:t>
+    </dgm:pt>
+    <dgm:pt modelId="{3C881DE9-577B-45F5-A0A8-7B6E3DEA131C}">
+      <dgm:prSet phldrT="[Text]"/>
+      <dgm:spPr>
+        <a:solidFill>
+          <a:schemeClr val="bg1">
+            <a:alpha val="34000"/>
+          </a:schemeClr>
+        </a:solidFill>
+        <a:ln>
+          <a:solidFill>
+            <a:schemeClr val="tx2">
+              <a:lumMod val="50000"/>
+            </a:schemeClr>
+          </a:solidFill>
+        </a:ln>
+      </dgm:spPr>
+      <dgm:t>
+        <a:bodyPr/>
+        <a:lstStyle/>
+        <a:p>
+          <a:r>
+            <a:rPr lang="pl-PL" dirty="0">
+              <a:solidFill>
+                <a:schemeClr val="tx2">
+                  <a:lumMod val="75000"/>
+                </a:schemeClr>
+              </a:solidFill>
+            </a:rPr>
+            <a:t>Un</a:t>
+          </a:r>
+          <a:r>
+            <a:rPr lang="pl-PL" dirty="0"/>
+            <a:t>permissioned</a:t>
+          </a:r>
+          <a:br>
+            <a:rPr lang="pl-PL" dirty="0"/>
+          </a:br>
+          <a:r>
+            <a:rPr lang="pl-PL" dirty="0"/>
+            <a:t>Blockchain</a:t>
+          </a:r>
+        </a:p>
+      </dgm:t>
+    </dgm:pt>
+    <dgm:pt modelId="{EEE5EB16-8F6C-41B1-B622-0A0028DE9D2F}" type="parTrans" cxnId="{1C9DAD0A-2B27-4B61-A8DD-2BDEA9598ED0}">
+      <dgm:prSet/>
+      <dgm:spPr/>
+      <dgm:t>
+        <a:bodyPr/>
+        <a:lstStyle/>
+        <a:p>
+          <a:endParaRPr lang="pl-PL"/>
+        </a:p>
+      </dgm:t>
+    </dgm:pt>
+    <dgm:pt modelId="{03C2FC2B-B823-420C-9D9A-815C65A3D18D}" type="sibTrans" cxnId="{1C9DAD0A-2B27-4B61-A8DD-2BDEA9598ED0}">
+      <dgm:prSet/>
+      <dgm:spPr/>
+      <dgm:t>
+        <a:bodyPr/>
+        <a:lstStyle/>
+        <a:p>
+          <a:endParaRPr lang="pl-PL"/>
+        </a:p>
+      </dgm:t>
+    </dgm:pt>
+    <dgm:pt modelId="{5E0EA39C-C455-4E53-B78D-64116CD7BC5D}">
+      <dgm:prSet phldrT="[Text]"/>
+      <dgm:spPr>
+        <a:solidFill>
+          <a:schemeClr val="bg1">
+            <a:alpha val="34000"/>
+          </a:schemeClr>
+        </a:solidFill>
+        <a:ln>
+          <a:solidFill>
+            <a:schemeClr val="tx2">
+              <a:lumMod val="50000"/>
+            </a:schemeClr>
+          </a:solidFill>
+        </a:ln>
+      </dgm:spPr>
+      <dgm:t>
+        <a:bodyPr/>
+        <a:lstStyle/>
+        <a:p>
+          <a:r>
+            <a:rPr lang="pl-PL" dirty="0" err="1"/>
+            <a:t>Permissioned</a:t>
+          </a:r>
+          <a:br>
+            <a:rPr lang="pl-PL" dirty="0"/>
+          </a:br>
+          <a:r>
+            <a:rPr lang="pl-PL" dirty="0"/>
+            <a:t>Blockchain</a:t>
+          </a:r>
+        </a:p>
+      </dgm:t>
+    </dgm:pt>
+    <dgm:pt modelId="{1744BC4B-7E35-4F6C-BE21-3AA52CCB0834}" type="parTrans" cxnId="{54918564-7C5F-4765-96A6-3DF3BCE2199D}">
+      <dgm:prSet/>
+      <dgm:spPr/>
+      <dgm:t>
+        <a:bodyPr/>
+        <a:lstStyle/>
+        <a:p>
+          <a:endParaRPr lang="pl-PL"/>
+        </a:p>
+      </dgm:t>
+    </dgm:pt>
+    <dgm:pt modelId="{2D95F5A6-64A0-40D2-B5B0-7D6ECBCA89C8}" type="sibTrans" cxnId="{54918564-7C5F-4765-96A6-3DF3BCE2199D}">
+      <dgm:prSet/>
+      <dgm:spPr/>
+      <dgm:t>
+        <a:bodyPr/>
+        <a:lstStyle/>
+        <a:p>
+          <a:endParaRPr lang="pl-PL"/>
+        </a:p>
+      </dgm:t>
+    </dgm:pt>
+    <dgm:pt modelId="{62F5B6C0-5C6F-42E9-B831-B172BB630F90}" type="pres">
+      <dgm:prSet presAssocID="{C18CD602-B028-45C0-BD2F-712A671C1AA5}" presName="diagram" presStyleCnt="0">
+        <dgm:presLayoutVars>
+          <dgm:dir/>
+          <dgm:resizeHandles val="exact"/>
+        </dgm:presLayoutVars>
+      </dgm:prSet>
+      <dgm:spPr/>
+    </dgm:pt>
+    <dgm:pt modelId="{B3902B03-2627-4957-8187-3E66946BCF92}" type="pres">
+      <dgm:prSet presAssocID="{3C881DE9-577B-45F5-A0A8-7B6E3DEA131C}" presName="arrow" presStyleLbl="node1" presStyleIdx="0" presStyleCnt="2">
+        <dgm:presLayoutVars>
+          <dgm:bulletEnabled val="1"/>
+        </dgm:presLayoutVars>
+      </dgm:prSet>
+      <dgm:spPr/>
+    </dgm:pt>
+    <dgm:pt modelId="{6425D257-0C03-421A-8747-944C63D173A7}" type="pres">
+      <dgm:prSet presAssocID="{5E0EA39C-C455-4E53-B78D-64116CD7BC5D}" presName="arrow" presStyleLbl="node1" presStyleIdx="1" presStyleCnt="2">
+        <dgm:presLayoutVars>
+          <dgm:bulletEnabled val="1"/>
+        </dgm:presLayoutVars>
+      </dgm:prSet>
+      <dgm:spPr/>
+    </dgm:pt>
+  </dgm:ptLst>
+  <dgm:cxnLst>
+    <dgm:cxn modelId="{1C9DAD0A-2B27-4B61-A8DD-2BDEA9598ED0}" srcId="{C18CD602-B028-45C0-BD2F-712A671C1AA5}" destId="{3C881DE9-577B-45F5-A0A8-7B6E3DEA131C}" srcOrd="0" destOrd="0" parTransId="{EEE5EB16-8F6C-41B1-B622-0A0028DE9D2F}" sibTransId="{03C2FC2B-B823-420C-9D9A-815C65A3D18D}"/>
+    <dgm:cxn modelId="{69392613-F5DD-42F3-AC0D-46536A1AF090}" type="presOf" srcId="{3C881DE9-577B-45F5-A0A8-7B6E3DEA131C}" destId="{B3902B03-2627-4957-8187-3E66946BCF92}" srcOrd="0" destOrd="0" presId="urn:microsoft.com/office/officeart/2005/8/layout/arrow5"/>
+    <dgm:cxn modelId="{6D493927-01F9-483D-B4EC-8C7ADFC6F049}" type="presOf" srcId="{5E0EA39C-C455-4E53-B78D-64116CD7BC5D}" destId="{6425D257-0C03-421A-8747-944C63D173A7}" srcOrd="0" destOrd="0" presId="urn:microsoft.com/office/officeart/2005/8/layout/arrow5"/>
+    <dgm:cxn modelId="{54918564-7C5F-4765-96A6-3DF3BCE2199D}" srcId="{C18CD602-B028-45C0-BD2F-712A671C1AA5}" destId="{5E0EA39C-C455-4E53-B78D-64116CD7BC5D}" srcOrd="1" destOrd="0" parTransId="{1744BC4B-7E35-4F6C-BE21-3AA52CCB0834}" sibTransId="{2D95F5A6-64A0-40D2-B5B0-7D6ECBCA89C8}"/>
+    <dgm:cxn modelId="{70CF1AD5-1855-4D8C-9EB8-C557CC3EC3E5}" type="presOf" srcId="{C18CD602-B028-45C0-BD2F-712A671C1AA5}" destId="{62F5B6C0-5C6F-42E9-B831-B172BB630F90}" srcOrd="0" destOrd="0" presId="urn:microsoft.com/office/officeart/2005/8/layout/arrow5"/>
+    <dgm:cxn modelId="{34225033-C2F3-4BB5-A138-09685783226D}" type="presParOf" srcId="{62F5B6C0-5C6F-42E9-B831-B172BB630F90}" destId="{B3902B03-2627-4957-8187-3E66946BCF92}" srcOrd="0" destOrd="0" presId="urn:microsoft.com/office/officeart/2005/8/layout/arrow5"/>
+    <dgm:cxn modelId="{009FF6DB-E657-42A8-A82D-A744A8F7BE63}" type="presParOf" srcId="{62F5B6C0-5C6F-42E9-B831-B172BB630F90}" destId="{6425D257-0C03-421A-8747-944C63D173A7}" srcOrd="1" destOrd="0" presId="urn:microsoft.com/office/officeart/2005/8/layout/arrow5"/>
+  </dgm:cxnLst>
+  <dgm:bg/>
+  <dgm:whole/>
+  <dgm:extLst>
+    <a:ext uri="http://schemas.microsoft.com/office/drawing/2008/diagram">
+      <dsp:dataModelExt xmlns:dsp="http://schemas.microsoft.com/office/drawing/2008/diagram" relId="rId6" minVer="http://schemas.openxmlformats.org/drawingml/2006/diagram"/>
+    </a:ext>
+  </dgm:extLst>
+</dgm:dataModel>
+</file>
+
+<file path=ppt/diagrams/data3.xml><?xml version="1.0" encoding="utf-8"?>
 <dgm:dataModel xmlns:dgm="http://schemas.openxmlformats.org/drawingml/2006/diagram" xmlns:a="http://schemas.openxmlformats.org/drawingml/2006/main">
   <dgm:ptLst>
     <dgm:pt modelId="{F533CACE-0D31-4C84-B714-15662A3F88B8}" type="doc">
@@ -4087,7 +5015,7 @@
 </dgm:dataModel>
 </file>
 
-<file path=ppt/diagrams/data3.xml><?xml version="1.0" encoding="utf-8"?>
+<file path=ppt/diagrams/data4.xml><?xml version="1.0" encoding="utf-8"?>
 <dgm:dataModel xmlns:dgm="http://schemas.openxmlformats.org/drawingml/2006/diagram" xmlns:a="http://schemas.openxmlformats.org/drawingml/2006/main">
   <dgm:ptLst>
     <dgm:pt modelId="{3F3A8D19-9928-444A-9473-F4FCCE20ED5C}" type="doc">
@@ -5151,6 +6079,190 @@
       <dsp:cNvGrpSpPr/>
     </dsp:nvGrpSpPr>
     <dsp:grpSpPr/>
+    <dsp:sp modelId="{B3902B03-2627-4957-8187-3E66946BCF92}">
+      <dsp:nvSpPr>
+        <dsp:cNvPr id="0" name=""/>
+        <dsp:cNvSpPr/>
+      </dsp:nvSpPr>
+      <dsp:spPr>
+        <a:xfrm rot="16200000">
+          <a:off x="399" y="324779"/>
+          <a:ext cx="2758638" cy="2758638"/>
+        </a:xfrm>
+        <a:prstGeom prst="downArrow">
+          <a:avLst>
+            <a:gd name="adj1" fmla="val 50000"/>
+            <a:gd name="adj2" fmla="val 35000"/>
+          </a:avLst>
+        </a:prstGeom>
+        <a:solidFill>
+          <a:schemeClr val="bg1">
+            <a:alpha val="34000"/>
+          </a:schemeClr>
+        </a:solidFill>
+        <a:ln w="15875" cap="flat" cmpd="sng" algn="ctr">
+          <a:solidFill>
+            <a:schemeClr val="tx2">
+              <a:lumMod val="50000"/>
+            </a:schemeClr>
+          </a:solidFill>
+          <a:prstDash val="solid"/>
+        </a:ln>
+        <a:effectLst/>
+      </dsp:spPr>
+      <dsp:style>
+        <a:lnRef idx="2">
+          <a:scrgbClr r="0" g="0" b="0"/>
+        </a:lnRef>
+        <a:fillRef idx="1">
+          <a:scrgbClr r="0" g="0" b="0"/>
+        </a:fillRef>
+        <a:effectRef idx="0">
+          <a:scrgbClr r="0" g="0" b="0"/>
+        </a:effectRef>
+        <a:fontRef idx="minor">
+          <a:schemeClr val="lt1"/>
+        </a:fontRef>
+      </dsp:style>
+      <dsp:txBody>
+        <a:bodyPr spcFirstLastPara="0" vert="horz" wrap="square" lIns="170688" tIns="170688" rIns="170688" bIns="170688" numCol="1" spcCol="1270" anchor="ctr" anchorCtr="0">
+          <a:noAutofit/>
+        </a:bodyPr>
+        <a:lstStyle/>
+        <a:p>
+          <a:pPr marL="0" lvl="0" indent="0" algn="ctr" defTabSz="1066800">
+            <a:lnSpc>
+              <a:spcPct val="90000"/>
+            </a:lnSpc>
+            <a:spcBef>
+              <a:spcPct val="0"/>
+            </a:spcBef>
+            <a:spcAft>
+              <a:spcPct val="35000"/>
+            </a:spcAft>
+            <a:buNone/>
+          </a:pPr>
+          <a:r>
+            <a:rPr lang="pl-PL" sz="2400" kern="1200" dirty="0">
+              <a:solidFill>
+                <a:schemeClr val="tx2">
+                  <a:lumMod val="75000"/>
+                </a:schemeClr>
+              </a:solidFill>
+            </a:rPr>
+            <a:t>Un</a:t>
+          </a:r>
+          <a:r>
+            <a:rPr lang="pl-PL" sz="2400" kern="1200" dirty="0"/>
+            <a:t>permissioned</a:t>
+          </a:r>
+          <a:br>
+            <a:rPr lang="pl-PL" sz="2400" kern="1200" dirty="0"/>
+          </a:br>
+          <a:r>
+            <a:rPr lang="pl-PL" sz="2400" kern="1200" dirty="0"/>
+            <a:t>Blockchain</a:t>
+          </a:r>
+        </a:p>
+      </dsp:txBody>
+      <dsp:txXfrm rot="5400000">
+        <a:off x="400" y="1014437"/>
+        <a:ext cx="2275876" cy="1379319"/>
+      </dsp:txXfrm>
+    </dsp:sp>
+    <dsp:sp modelId="{6425D257-0C03-421A-8747-944C63D173A7}">
+      <dsp:nvSpPr>
+        <dsp:cNvPr id="0" name=""/>
+        <dsp:cNvSpPr/>
+      </dsp:nvSpPr>
+      <dsp:spPr>
+        <a:xfrm rot="5400000">
+          <a:off x="2924756" y="324779"/>
+          <a:ext cx="2758638" cy="2758638"/>
+        </a:xfrm>
+        <a:prstGeom prst="downArrow">
+          <a:avLst>
+            <a:gd name="adj1" fmla="val 50000"/>
+            <a:gd name="adj2" fmla="val 35000"/>
+          </a:avLst>
+        </a:prstGeom>
+        <a:solidFill>
+          <a:schemeClr val="bg1">
+            <a:alpha val="34000"/>
+          </a:schemeClr>
+        </a:solidFill>
+        <a:ln w="15875" cap="flat" cmpd="sng" algn="ctr">
+          <a:solidFill>
+            <a:schemeClr val="tx2">
+              <a:lumMod val="50000"/>
+            </a:schemeClr>
+          </a:solidFill>
+          <a:prstDash val="solid"/>
+        </a:ln>
+        <a:effectLst/>
+      </dsp:spPr>
+      <dsp:style>
+        <a:lnRef idx="2">
+          <a:scrgbClr r="0" g="0" b="0"/>
+        </a:lnRef>
+        <a:fillRef idx="1">
+          <a:scrgbClr r="0" g="0" b="0"/>
+        </a:fillRef>
+        <a:effectRef idx="0">
+          <a:scrgbClr r="0" g="0" b="0"/>
+        </a:effectRef>
+        <a:fontRef idx="minor">
+          <a:schemeClr val="lt1"/>
+        </a:fontRef>
+      </dsp:style>
+      <dsp:txBody>
+        <a:bodyPr spcFirstLastPara="0" vert="horz" wrap="square" lIns="170688" tIns="170688" rIns="170688" bIns="170688" numCol="1" spcCol="1270" anchor="ctr" anchorCtr="0">
+          <a:noAutofit/>
+        </a:bodyPr>
+        <a:lstStyle/>
+        <a:p>
+          <a:pPr marL="0" lvl="0" indent="0" algn="ctr" defTabSz="1066800">
+            <a:lnSpc>
+              <a:spcPct val="90000"/>
+            </a:lnSpc>
+            <a:spcBef>
+              <a:spcPct val="0"/>
+            </a:spcBef>
+            <a:spcAft>
+              <a:spcPct val="35000"/>
+            </a:spcAft>
+            <a:buNone/>
+          </a:pPr>
+          <a:r>
+            <a:rPr lang="pl-PL" sz="2400" kern="1200" dirty="0" err="1"/>
+            <a:t>Permissioned</a:t>
+          </a:r>
+          <a:br>
+            <a:rPr lang="pl-PL" sz="2400" kern="1200" dirty="0"/>
+          </a:br>
+          <a:r>
+            <a:rPr lang="pl-PL" sz="2400" kern="1200" dirty="0"/>
+            <a:t>Blockchain</a:t>
+          </a:r>
+        </a:p>
+      </dsp:txBody>
+      <dsp:txXfrm rot="-5400000">
+        <a:off x="3407519" y="1014439"/>
+        <a:ext cx="2275876" cy="1379319"/>
+      </dsp:txXfrm>
+    </dsp:sp>
+  </dsp:spTree>
+</dsp:drawing>
+</file>
+
+<file path=ppt/diagrams/drawing3.xml><?xml version="1.0" encoding="utf-8"?>
+<dsp:drawing xmlns:dgm="http://schemas.openxmlformats.org/drawingml/2006/diagram" xmlns:dsp="http://schemas.microsoft.com/office/drawing/2008/diagram" xmlns:a="http://schemas.openxmlformats.org/drawingml/2006/main">
+  <dsp:spTree>
+    <dsp:nvGrpSpPr>
+      <dsp:cNvPr id="0" name=""/>
+      <dsp:cNvGrpSpPr/>
+    </dsp:nvGrpSpPr>
+    <dsp:grpSpPr/>
     <dsp:sp modelId="{309B67DA-2D1C-4FA0-A057-AAA502257B1F}">
       <dsp:nvSpPr>
         <dsp:cNvPr id="0" name=""/>
@@ -5839,7 +6951,7 @@
 </dsp:drawing>
 </file>
 
-<file path=ppt/diagrams/drawing3.xml><?xml version="1.0" encoding="utf-8"?>
+<file path=ppt/diagrams/drawing4.xml><?xml version="1.0" encoding="utf-8"?>
 <dsp:drawing xmlns:dgm="http://schemas.openxmlformats.org/drawingml/2006/diagram" xmlns:dsp="http://schemas.microsoft.com/office/drawing/2008/diagram" xmlns:a="http://schemas.openxmlformats.org/drawingml/2006/main">
   <dsp:spTree>
     <dsp:nvGrpSpPr>
@@ -6695,6 +7807,198 @@
 </file>
 
 <file path=ppt/diagrams/layout2.xml><?xml version="1.0" encoding="utf-8"?>
+<dgm:layoutDef xmlns:dgm="http://schemas.openxmlformats.org/drawingml/2006/diagram" xmlns:a="http://schemas.openxmlformats.org/drawingml/2006/main" uniqueId="urn:microsoft.com/office/officeart/2005/8/layout/arrow5">
+  <dgm:title val=""/>
+  <dgm:desc val=""/>
+  <dgm:catLst>
+    <dgm:cat type="relationship" pri="6000"/>
+    <dgm:cat type="process" pri="31000"/>
+  </dgm:catLst>
+  <dgm:sampData>
+    <dgm:dataModel>
+      <dgm:ptLst>
+        <dgm:pt modelId="0" type="doc"/>
+        <dgm:pt modelId="1">
+          <dgm:prSet phldr="1"/>
+        </dgm:pt>
+        <dgm:pt modelId="2">
+          <dgm:prSet phldr="1"/>
+        </dgm:pt>
+      </dgm:ptLst>
+      <dgm:cxnLst>
+        <dgm:cxn modelId="4" srcId="0" destId="1" srcOrd="0" destOrd="0"/>
+        <dgm:cxn modelId="5" srcId="0" destId="2" srcOrd="1" destOrd="0"/>
+      </dgm:cxnLst>
+      <dgm:bg/>
+      <dgm:whole/>
+    </dgm:dataModel>
+  </dgm:sampData>
+  <dgm:styleData>
+    <dgm:dataModel>
+      <dgm:ptLst>
+        <dgm:pt modelId="0" type="doc"/>
+        <dgm:pt modelId="1"/>
+        <dgm:pt modelId="2"/>
+      </dgm:ptLst>
+      <dgm:cxnLst>
+        <dgm:cxn modelId="3" srcId="0" destId="1" srcOrd="0" destOrd="0"/>
+        <dgm:cxn modelId="4" srcId="0" destId="2" srcOrd="1" destOrd="0"/>
+      </dgm:cxnLst>
+      <dgm:bg/>
+      <dgm:whole/>
+    </dgm:dataModel>
+  </dgm:styleData>
+  <dgm:clrData>
+    <dgm:dataModel>
+      <dgm:ptLst>
+        <dgm:pt modelId="0" type="doc"/>
+        <dgm:pt modelId="1"/>
+        <dgm:pt modelId="2"/>
+        <dgm:pt modelId="3"/>
+        <dgm:pt modelId="4"/>
+      </dgm:ptLst>
+      <dgm:cxnLst>
+        <dgm:cxn modelId="5" srcId="0" destId="1" srcOrd="0" destOrd="0"/>
+        <dgm:cxn modelId="6" srcId="0" destId="2" srcOrd="1" destOrd="0"/>
+        <dgm:cxn modelId="7" srcId="0" destId="3" srcOrd="2" destOrd="0"/>
+        <dgm:cxn modelId="8" srcId="0" destId="4" srcOrd="3" destOrd="0"/>
+      </dgm:cxnLst>
+      <dgm:bg/>
+      <dgm:whole/>
+    </dgm:dataModel>
+  </dgm:clrData>
+  <dgm:layoutNode name="diagram">
+    <dgm:varLst>
+      <dgm:dir/>
+      <dgm:resizeHandles val="exact"/>
+    </dgm:varLst>
+    <dgm:choose name="Name0">
+      <dgm:if name="Name1" axis="ch" ptType="node" func="cnt" op="equ" val="2">
+        <dgm:choose name="Name2">
+          <dgm:if name="Name3" func="var" arg="dir" op="equ" val="norm">
+            <dgm:alg type="cycle">
+              <dgm:param type="rotPath" val="alongPath"/>
+              <dgm:param type="stAng" val="270"/>
+            </dgm:alg>
+          </dgm:if>
+          <dgm:else name="Name4">
+            <dgm:alg type="cycle">
+              <dgm:param type="rotPath" val="alongPath"/>
+              <dgm:param type="stAng" val="90"/>
+              <dgm:param type="spanAng" val="-360"/>
+            </dgm:alg>
+          </dgm:else>
+        </dgm:choose>
+      </dgm:if>
+      <dgm:else name="Name5">
+        <dgm:choose name="Name6">
+          <dgm:if name="Name7" func="var" arg="dir" op="equ" val="norm">
+            <dgm:alg type="cycle">
+              <dgm:param type="rotPath" val="alongPath"/>
+            </dgm:alg>
+          </dgm:if>
+          <dgm:else name="Name8">
+            <dgm:alg type="cycle">
+              <dgm:param type="rotPath" val="alongPath"/>
+              <dgm:param type="spanAng" val="-360"/>
+            </dgm:alg>
+          </dgm:else>
+        </dgm:choose>
+      </dgm:else>
+    </dgm:choose>
+    <dgm:shape xmlns:r="http://schemas.openxmlformats.org/officeDocument/2006/relationships" r:blip="">
+      <dgm:adjLst/>
+    </dgm:shape>
+    <dgm:presOf/>
+    <dgm:choose name="Name9">
+      <dgm:if name="Name10" axis="ch" ptType="node" func="cnt" op="lte" val="2">
+        <dgm:constrLst>
+          <dgm:constr type="primFontSz" for="ch" ptType="node" op="equ" val="65"/>
+          <dgm:constr type="w" for="ch" ptType="node" refType="w"/>
+          <dgm:constr type="h" for="ch" ptType="node" refType="w" refFor="ch" refPtType="node" op="equ"/>
+          <dgm:constr type="sibSp" refType="w" refFor="ch" refPtType="node" fact="0.1"/>
+          <dgm:constr type="sibSp" refType="h" op="lte" fact="0.1"/>
+          <dgm:constr type="diam" refType="w" refFor="ch" refPtType="node" op="equ" fact="1.1"/>
+        </dgm:constrLst>
+      </dgm:if>
+      <dgm:if name="Name11" axis="ch" ptType="node" func="cnt" op="equ" val="5">
+        <dgm:constrLst>
+          <dgm:constr type="primFontSz" for="ch" ptType="node" op="equ" val="65"/>
+          <dgm:constr type="w" for="ch" ptType="node" refType="w"/>
+          <dgm:constr type="h" for="ch" ptType="node" refType="w" refFor="ch" refPtType="node" op="equ"/>
+          <dgm:constr type="sibSp" refType="w" refFor="ch" refPtType="node" fact="-0.2"/>
+          <dgm:constr type="sibSp" refType="h" op="lte" fact="0.1"/>
+        </dgm:constrLst>
+      </dgm:if>
+      <dgm:if name="Name12" axis="ch" ptType="node" func="cnt" op="equ" val="6">
+        <dgm:constrLst>
+          <dgm:constr type="primFontSz" for="ch" ptType="node" op="equ" val="65"/>
+          <dgm:constr type="w" for="ch" ptType="node" refType="w"/>
+          <dgm:constr type="h" for="ch" ptType="node" refType="w" refFor="ch" refPtType="node" op="equ"/>
+          <dgm:constr type="sibSp" refType="w" refFor="ch" refPtType="node" fact="-0.1"/>
+          <dgm:constr type="sibSp" refType="h" op="lte" fact="0.1"/>
+        </dgm:constrLst>
+      </dgm:if>
+      <dgm:if name="Name13" axis="ch" ptType="node" func="cnt" op="equ" val="7">
+        <dgm:constrLst>
+          <dgm:constr type="primFontSz" for="ch" ptType="node" op="equ" val="65"/>
+          <dgm:constr type="w" for="ch" ptType="node" refType="w"/>
+          <dgm:constr type="h" for="ch" ptType="node" refType="w" refFor="ch" refPtType="node" op="equ"/>
+          <dgm:constr type="sibSp" refType="w" refFor="ch" refPtType="node" fact="-0.1"/>
+          <dgm:constr type="sibSp" refType="h" op="lte" fact="0.1"/>
+        </dgm:constrLst>
+      </dgm:if>
+      <dgm:if name="Name14" axis="ch" ptType="node" func="cnt" op="equ" val="8">
+        <dgm:constrLst>
+          <dgm:constr type="primFontSz" for="ch" ptType="node" op="equ" val="65"/>
+          <dgm:constr type="w" for="ch" ptType="node" refType="w"/>
+          <dgm:constr type="h" for="ch" ptType="node" refType="w" refFor="ch" refPtType="node" op="equ"/>
+          <dgm:constr type="sibSp"/>
+          <dgm:constr type="sibSp" refType="h" op="lte" fact="0.1"/>
+        </dgm:constrLst>
+      </dgm:if>
+      <dgm:if name="Name15" axis="ch" ptType="node" func="cnt" op="gte" val="9">
+        <dgm:constrLst>
+          <dgm:constr type="primFontSz" for="ch" ptType="node" op="equ" val="65"/>
+          <dgm:constr type="w" for="ch" ptType="node" refType="w"/>
+          <dgm:constr type="h" for="ch" ptType="node" refType="w" refFor="ch" refPtType="node" op="equ"/>
+          <dgm:constr type="sibSp" refType="w" refFor="ch" refPtType="node" fact="-0.1"/>
+          <dgm:constr type="sibSp" refType="h" op="lte" fact="0.1"/>
+        </dgm:constrLst>
+      </dgm:if>
+      <dgm:else name="Name16">
+        <dgm:constrLst>
+          <dgm:constr type="primFontSz" for="ch" ptType="node" op="equ" val="65"/>
+          <dgm:constr type="w" for="ch" ptType="node" refType="w"/>
+          <dgm:constr type="h" for="ch" ptType="node" refType="w" refFor="ch" refPtType="node" op="equ"/>
+          <dgm:constr type="sibSp" refType="w" refFor="ch" refPtType="node" fact="-0.35"/>
+        </dgm:constrLst>
+      </dgm:else>
+    </dgm:choose>
+    <dgm:ruleLst/>
+    <dgm:forEach name="Name17" axis="ch" ptType="node">
+      <dgm:layoutNode name="arrow">
+        <dgm:varLst>
+          <dgm:bulletEnabled val="1"/>
+        </dgm:varLst>
+        <dgm:alg type="tx"/>
+        <dgm:shape xmlns:r="http://schemas.openxmlformats.org/officeDocument/2006/relationships" type="downArrow" r:blip="">
+          <dgm:adjLst>
+            <dgm:adj idx="2" val="0.35"/>
+          </dgm:adjLst>
+        </dgm:shape>
+        <dgm:presOf axis="desOrSelf" ptType="node"/>
+        <dgm:constrLst/>
+        <dgm:ruleLst>
+          <dgm:rule type="primFontSz" val="5" fact="NaN" max="NaN"/>
+        </dgm:ruleLst>
+      </dgm:layoutNode>
+    </dgm:forEach>
+  </dgm:layoutNode>
+</dgm:layoutDef>
+</file>
+
+<file path=ppt/diagrams/layout3.xml><?xml version="1.0" encoding="utf-8"?>
 <dgm:layoutDef xmlns:dgm="http://schemas.openxmlformats.org/drawingml/2006/diagram" xmlns:a="http://schemas.openxmlformats.org/drawingml/2006/main" uniqueId="urn:microsoft.com/office/officeart/2005/8/layout/venn1">
   <dgm:title val=""/>
   <dgm:desc val=""/>
@@ -7569,7 +8873,7 @@
 </dgm:layoutDef>
 </file>
 
-<file path=ppt/diagrams/layout3.xml><?xml version="1.0" encoding="utf-8"?>
+<file path=ppt/diagrams/layout4.xml><?xml version="1.0" encoding="utf-8"?>
 <dgm:layoutDef xmlns:dgm="http://schemas.openxmlformats.org/drawingml/2006/diagram" xmlns:a="http://schemas.openxmlformats.org/drawingml/2006/main" uniqueId="urn:microsoft.com/office/officeart/2005/8/layout/default">
   <dgm:title val=""/>
   <dgm:desc val=""/>
@@ -10818,6 +12122,1040 @@
 </dgm:styleDef>
 </file>
 
+<file path=ppt/diagrams/quickStyle4.xml><?xml version="1.0" encoding="utf-8"?>
+<dgm:styleDef xmlns:dgm="http://schemas.openxmlformats.org/drawingml/2006/diagram" xmlns:a="http://schemas.openxmlformats.org/drawingml/2006/main" uniqueId="urn:microsoft.com/office/officeart/2005/8/quickstyle/simple1">
+  <dgm:title val=""/>
+  <dgm:desc val=""/>
+  <dgm:catLst>
+    <dgm:cat type="simple" pri="10100"/>
+  </dgm:catLst>
+  <dgm:scene3d>
+    <a:camera prst="orthographicFront"/>
+    <a:lightRig rig="threePt" dir="t"/>
+  </dgm:scene3d>
+  <dgm:styleLbl name="node0">
+    <dgm:scene3d>
+      <a:camera prst="orthographicFront"/>
+      <a:lightRig rig="threePt" dir="t"/>
+    </dgm:scene3d>
+    <dgm:sp3d/>
+    <dgm:txPr/>
+    <dgm:style>
+      <a:lnRef idx="2">
+        <a:scrgbClr r="0" g="0" b="0"/>
+      </a:lnRef>
+      <a:fillRef idx="1">
+        <a:scrgbClr r="0" g="0" b="0"/>
+      </a:fillRef>
+      <a:effectRef idx="0">
+        <a:scrgbClr r="0" g="0" b="0"/>
+      </a:effectRef>
+      <a:fontRef idx="minor">
+        <a:schemeClr val="lt1"/>
+      </a:fontRef>
+    </dgm:style>
+  </dgm:styleLbl>
+  <dgm:styleLbl name="lnNode1">
+    <dgm:scene3d>
+      <a:camera prst="orthographicFront"/>
+      <a:lightRig rig="threePt" dir="t"/>
+    </dgm:scene3d>
+    <dgm:sp3d/>
+    <dgm:txPr/>
+    <dgm:style>
+      <a:lnRef idx="2">
+        <a:scrgbClr r="0" g="0" b="0"/>
+      </a:lnRef>
+      <a:fillRef idx="1">
+        <a:scrgbClr r="0" g="0" b="0"/>
+      </a:fillRef>
+      <a:effectRef idx="0">
+        <a:scrgbClr r="0" g="0" b="0"/>
+      </a:effectRef>
+      <a:fontRef idx="minor">
+        <a:schemeClr val="lt1"/>
+      </a:fontRef>
+    </dgm:style>
+  </dgm:styleLbl>
+  <dgm:styleLbl name="vennNode1">
+    <dgm:scene3d>
+      <a:camera prst="orthographicFront"/>
+      <a:lightRig rig="threePt" dir="t"/>
+    </dgm:scene3d>
+    <dgm:sp3d/>
+    <dgm:txPr/>
+    <dgm:style>
+      <a:lnRef idx="2">
+        <a:scrgbClr r="0" g="0" b="0"/>
+      </a:lnRef>
+      <a:fillRef idx="1">
+        <a:scrgbClr r="0" g="0" b="0"/>
+      </a:fillRef>
+      <a:effectRef idx="0">
+        <a:scrgbClr r="0" g="0" b="0"/>
+      </a:effectRef>
+      <a:fontRef idx="minor">
+        <a:schemeClr val="tx1"/>
+      </a:fontRef>
+    </dgm:style>
+  </dgm:styleLbl>
+  <dgm:styleLbl name="alignNode1">
+    <dgm:scene3d>
+      <a:camera prst="orthographicFront"/>
+      <a:lightRig rig="threePt" dir="t"/>
+    </dgm:scene3d>
+    <dgm:sp3d/>
+    <dgm:txPr/>
+    <dgm:style>
+      <a:lnRef idx="2">
+        <a:scrgbClr r="0" g="0" b="0"/>
+      </a:lnRef>
+      <a:fillRef idx="1">
+        <a:scrgbClr r="0" g="0" b="0"/>
+      </a:fillRef>
+      <a:effectRef idx="0">
+        <a:scrgbClr r="0" g="0" b="0"/>
+      </a:effectRef>
+      <a:fontRef idx="minor">
+        <a:schemeClr val="lt1"/>
+      </a:fontRef>
+    </dgm:style>
+  </dgm:styleLbl>
+  <dgm:styleLbl name="node1">
+    <dgm:scene3d>
+      <a:camera prst="orthographicFront"/>
+      <a:lightRig rig="threePt" dir="t"/>
+    </dgm:scene3d>
+    <dgm:sp3d/>
+    <dgm:txPr/>
+    <dgm:style>
+      <a:lnRef idx="2">
+        <a:scrgbClr r="0" g="0" b="0"/>
+      </a:lnRef>
+      <a:fillRef idx="1">
+        <a:scrgbClr r="0" g="0" b="0"/>
+      </a:fillRef>
+      <a:effectRef idx="0">
+        <a:scrgbClr r="0" g="0" b="0"/>
+      </a:effectRef>
+      <a:fontRef idx="minor">
+        <a:schemeClr val="lt1"/>
+      </a:fontRef>
+    </dgm:style>
+  </dgm:styleLbl>
+  <dgm:styleLbl name="node2">
+    <dgm:scene3d>
+      <a:camera prst="orthographicFront"/>
+      <a:lightRig rig="threePt" dir="t"/>
+    </dgm:scene3d>
+    <dgm:sp3d/>
+    <dgm:txPr/>
+    <dgm:style>
+      <a:lnRef idx="2">
+        <a:scrgbClr r="0" g="0" b="0"/>
+      </a:lnRef>
+      <a:fillRef idx="1">
+        <a:scrgbClr r="0" g="0" b="0"/>
+      </a:fillRef>
+      <a:effectRef idx="0">
+        <a:scrgbClr r="0" g="0" b="0"/>
+      </a:effectRef>
+      <a:fontRef idx="minor">
+        <a:schemeClr val="lt1"/>
+      </a:fontRef>
+    </dgm:style>
+  </dgm:styleLbl>
+  <dgm:styleLbl name="node3">
+    <dgm:scene3d>
+      <a:camera prst="orthographicFront"/>
+      <a:lightRig rig="threePt" dir="t"/>
+    </dgm:scene3d>
+    <dgm:sp3d/>
+    <dgm:txPr/>
+    <dgm:style>
+      <a:lnRef idx="2">
+        <a:scrgbClr r="0" g="0" b="0"/>
+      </a:lnRef>
+      <a:fillRef idx="1">
+        <a:scrgbClr r="0" g="0" b="0"/>
+      </a:fillRef>
+      <a:effectRef idx="0">
+        <a:scrgbClr r="0" g="0" b="0"/>
+      </a:effectRef>
+      <a:fontRef idx="minor">
+        <a:schemeClr val="lt1"/>
+      </a:fontRef>
+    </dgm:style>
+  </dgm:styleLbl>
+  <dgm:styleLbl name="node4">
+    <dgm:scene3d>
+      <a:camera prst="orthographicFront"/>
+      <a:lightRig rig="threePt" dir="t"/>
+    </dgm:scene3d>
+    <dgm:sp3d/>
+    <dgm:txPr/>
+    <dgm:style>
+      <a:lnRef idx="2">
+        <a:scrgbClr r="0" g="0" b="0"/>
+      </a:lnRef>
+      <a:fillRef idx="1">
+        <a:scrgbClr r="0" g="0" b="0"/>
+      </a:fillRef>
+      <a:effectRef idx="0">
+        <a:scrgbClr r="0" g="0" b="0"/>
+      </a:effectRef>
+      <a:fontRef idx="minor">
+        <a:schemeClr val="lt1"/>
+      </a:fontRef>
+    </dgm:style>
+  </dgm:styleLbl>
+  <dgm:styleLbl name="fgImgPlace1">
+    <dgm:scene3d>
+      <a:camera prst="orthographicFront"/>
+      <a:lightRig rig="threePt" dir="t"/>
+    </dgm:scene3d>
+    <dgm:sp3d/>
+    <dgm:txPr/>
+    <dgm:style>
+      <a:lnRef idx="2">
+        <a:scrgbClr r="0" g="0" b="0"/>
+      </a:lnRef>
+      <a:fillRef idx="1">
+        <a:scrgbClr r="0" g="0" b="0"/>
+      </a:fillRef>
+      <a:effectRef idx="0">
+        <a:scrgbClr r="0" g="0" b="0"/>
+      </a:effectRef>
+      <a:fontRef idx="minor"/>
+    </dgm:style>
+  </dgm:styleLbl>
+  <dgm:styleLbl name="alignImgPlace1">
+    <dgm:scene3d>
+      <a:camera prst="orthographicFront"/>
+      <a:lightRig rig="threePt" dir="t"/>
+    </dgm:scene3d>
+    <dgm:sp3d/>
+    <dgm:txPr/>
+    <dgm:style>
+      <a:lnRef idx="2">
+        <a:scrgbClr r="0" g="0" b="0"/>
+      </a:lnRef>
+      <a:fillRef idx="1">
+        <a:scrgbClr r="0" g="0" b="0"/>
+      </a:fillRef>
+      <a:effectRef idx="0">
+        <a:scrgbClr r="0" g="0" b="0"/>
+      </a:effectRef>
+      <a:fontRef idx="minor"/>
+    </dgm:style>
+  </dgm:styleLbl>
+  <dgm:styleLbl name="bgImgPlace1">
+    <dgm:scene3d>
+      <a:camera prst="orthographicFront"/>
+      <a:lightRig rig="threePt" dir="t"/>
+    </dgm:scene3d>
+    <dgm:sp3d/>
+    <dgm:txPr/>
+    <dgm:style>
+      <a:lnRef idx="2">
+        <a:scrgbClr r="0" g="0" b="0"/>
+      </a:lnRef>
+      <a:fillRef idx="1">
+        <a:scrgbClr r="0" g="0" b="0"/>
+      </a:fillRef>
+      <a:effectRef idx="0">
+        <a:scrgbClr r="0" g="0" b="0"/>
+      </a:effectRef>
+      <a:fontRef idx="minor"/>
+    </dgm:style>
+  </dgm:styleLbl>
+  <dgm:styleLbl name="sibTrans2D1">
+    <dgm:scene3d>
+      <a:camera prst="orthographicFront"/>
+      <a:lightRig rig="threePt" dir="t"/>
+    </dgm:scene3d>
+    <dgm:sp3d/>
+    <dgm:txPr/>
+    <dgm:style>
+      <a:lnRef idx="0">
+        <a:scrgbClr r="0" g="0" b="0"/>
+      </a:lnRef>
+      <a:fillRef idx="1">
+        <a:scrgbClr r="0" g="0" b="0"/>
+      </a:fillRef>
+      <a:effectRef idx="0">
+        <a:scrgbClr r="0" g="0" b="0"/>
+      </a:effectRef>
+      <a:fontRef idx="minor">
+        <a:schemeClr val="lt1"/>
+      </a:fontRef>
+    </dgm:style>
+  </dgm:styleLbl>
+  <dgm:styleLbl name="fgSibTrans2D1">
+    <dgm:scene3d>
+      <a:camera prst="orthographicFront"/>
+      <a:lightRig rig="threePt" dir="t"/>
+    </dgm:scene3d>
+    <dgm:sp3d/>
+    <dgm:txPr/>
+    <dgm:style>
+      <a:lnRef idx="0">
+        <a:scrgbClr r="0" g="0" b="0"/>
+      </a:lnRef>
+      <a:fillRef idx="1">
+        <a:scrgbClr r="0" g="0" b="0"/>
+      </a:fillRef>
+      <a:effectRef idx="0">
+        <a:scrgbClr r="0" g="0" b="0"/>
+      </a:effectRef>
+      <a:fontRef idx="minor">
+        <a:schemeClr val="lt1"/>
+      </a:fontRef>
+    </dgm:style>
+  </dgm:styleLbl>
+  <dgm:styleLbl name="bgSibTrans2D1">
+    <dgm:scene3d>
+      <a:camera prst="orthographicFront"/>
+      <a:lightRig rig="threePt" dir="t"/>
+    </dgm:scene3d>
+    <dgm:sp3d/>
+    <dgm:txPr/>
+    <dgm:style>
+      <a:lnRef idx="0">
+        <a:scrgbClr r="0" g="0" b="0"/>
+      </a:lnRef>
+      <a:fillRef idx="1">
+        <a:scrgbClr r="0" g="0" b="0"/>
+      </a:fillRef>
+      <a:effectRef idx="0">
+        <a:scrgbClr r="0" g="0" b="0"/>
+      </a:effectRef>
+      <a:fontRef idx="minor">
+        <a:schemeClr val="lt1"/>
+      </a:fontRef>
+    </dgm:style>
+  </dgm:styleLbl>
+  <dgm:styleLbl name="sibTrans1D1">
+    <dgm:scene3d>
+      <a:camera prst="orthographicFront"/>
+      <a:lightRig rig="threePt" dir="t"/>
+    </dgm:scene3d>
+    <dgm:sp3d/>
+    <dgm:txPr/>
+    <dgm:style>
+      <a:lnRef idx="1">
+        <a:scrgbClr r="0" g="0" b="0"/>
+      </a:lnRef>
+      <a:fillRef idx="0">
+        <a:scrgbClr r="0" g="0" b="0"/>
+      </a:fillRef>
+      <a:effectRef idx="0">
+        <a:scrgbClr r="0" g="0" b="0"/>
+      </a:effectRef>
+      <a:fontRef idx="minor"/>
+    </dgm:style>
+  </dgm:styleLbl>
+  <dgm:styleLbl name="callout">
+    <dgm:scene3d>
+      <a:camera prst="orthographicFront"/>
+      <a:lightRig rig="threePt" dir="t"/>
+    </dgm:scene3d>
+    <dgm:sp3d/>
+    <dgm:txPr/>
+    <dgm:style>
+      <a:lnRef idx="2">
+        <a:scrgbClr r="0" g="0" b="0"/>
+      </a:lnRef>
+      <a:fillRef idx="1">
+        <a:scrgbClr r="0" g="0" b="0"/>
+      </a:fillRef>
+      <a:effectRef idx="0">
+        <a:scrgbClr r="0" g="0" b="0"/>
+      </a:effectRef>
+      <a:fontRef idx="minor"/>
+    </dgm:style>
+  </dgm:styleLbl>
+  <dgm:styleLbl name="asst0">
+    <dgm:scene3d>
+      <a:camera prst="orthographicFront"/>
+      <a:lightRig rig="threePt" dir="t"/>
+    </dgm:scene3d>
+    <dgm:sp3d/>
+    <dgm:txPr/>
+    <dgm:style>
+      <a:lnRef idx="2">
+        <a:scrgbClr r="0" g="0" b="0"/>
+      </a:lnRef>
+      <a:fillRef idx="1">
+        <a:scrgbClr r="0" g="0" b="0"/>
+      </a:fillRef>
+      <a:effectRef idx="0">
+        <a:scrgbClr r="0" g="0" b="0"/>
+      </a:effectRef>
+      <a:fontRef idx="minor">
+        <a:schemeClr val="lt1"/>
+      </a:fontRef>
+    </dgm:style>
+  </dgm:styleLbl>
+  <dgm:styleLbl name="asst1">
+    <dgm:scene3d>
+      <a:camera prst="orthographicFront"/>
+      <a:lightRig rig="threePt" dir="t"/>
+    </dgm:scene3d>
+    <dgm:sp3d/>
+    <dgm:txPr/>
+    <dgm:style>
+      <a:lnRef idx="2">
+        <a:scrgbClr r="0" g="0" b="0"/>
+      </a:lnRef>
+      <a:fillRef idx="1">
+        <a:scrgbClr r="0" g="0" b="0"/>
+      </a:fillRef>
+      <a:effectRef idx="0">
+        <a:scrgbClr r="0" g="0" b="0"/>
+      </a:effectRef>
+      <a:fontRef idx="minor">
+        <a:schemeClr val="lt1"/>
+      </a:fontRef>
+    </dgm:style>
+  </dgm:styleLbl>
+  <dgm:styleLbl name="asst2">
+    <dgm:scene3d>
+      <a:camera prst="orthographicFront"/>
+      <a:lightRig rig="threePt" dir="t"/>
+    </dgm:scene3d>
+    <dgm:sp3d/>
+    <dgm:txPr/>
+    <dgm:style>
+      <a:lnRef idx="2">
+        <a:scrgbClr r="0" g="0" b="0"/>
+      </a:lnRef>
+      <a:fillRef idx="1">
+        <a:scrgbClr r="0" g="0" b="0"/>
+      </a:fillRef>
+      <a:effectRef idx="0">
+        <a:scrgbClr r="0" g="0" b="0"/>
+      </a:effectRef>
+      <a:fontRef idx="minor">
+        <a:schemeClr val="lt1"/>
+      </a:fontRef>
+    </dgm:style>
+  </dgm:styleLbl>
+  <dgm:styleLbl name="asst3">
+    <dgm:scene3d>
+      <a:camera prst="orthographicFront"/>
+      <a:lightRig rig="threePt" dir="t"/>
+    </dgm:scene3d>
+    <dgm:sp3d/>
+    <dgm:txPr/>
+    <dgm:style>
+      <a:lnRef idx="2">
+        <a:scrgbClr r="0" g="0" b="0"/>
+      </a:lnRef>
+      <a:fillRef idx="1">
+        <a:scrgbClr r="0" g="0" b="0"/>
+      </a:fillRef>
+      <a:effectRef idx="0">
+        <a:scrgbClr r="0" g="0" b="0"/>
+      </a:effectRef>
+      <a:fontRef idx="minor">
+        <a:schemeClr val="lt1"/>
+      </a:fontRef>
+    </dgm:style>
+  </dgm:styleLbl>
+  <dgm:styleLbl name="asst4">
+    <dgm:scene3d>
+      <a:camera prst="orthographicFront"/>
+      <a:lightRig rig="threePt" dir="t"/>
+    </dgm:scene3d>
+    <dgm:sp3d/>
+    <dgm:txPr/>
+    <dgm:style>
+      <a:lnRef idx="2">
+        <a:scrgbClr r="0" g="0" b="0"/>
+      </a:lnRef>
+      <a:fillRef idx="1">
+        <a:scrgbClr r="0" g="0" b="0"/>
+      </a:fillRef>
+      <a:effectRef idx="0">
+        <a:scrgbClr r="0" g="0" b="0"/>
+      </a:effectRef>
+      <a:fontRef idx="minor">
+        <a:schemeClr val="lt1"/>
+      </a:fontRef>
+    </dgm:style>
+  </dgm:styleLbl>
+  <dgm:styleLbl name="parChTrans2D1">
+    <dgm:scene3d>
+      <a:camera prst="orthographicFront"/>
+      <a:lightRig rig="threePt" dir="t"/>
+    </dgm:scene3d>
+    <dgm:sp3d/>
+    <dgm:txPr/>
+    <dgm:style>
+      <a:lnRef idx="2">
+        <a:scrgbClr r="0" g="0" b="0"/>
+      </a:lnRef>
+      <a:fillRef idx="1">
+        <a:scrgbClr r="0" g="0" b="0"/>
+      </a:fillRef>
+      <a:effectRef idx="0">
+        <a:scrgbClr r="0" g="0" b="0"/>
+      </a:effectRef>
+      <a:fontRef idx="minor">
+        <a:schemeClr val="lt1"/>
+      </a:fontRef>
+    </dgm:style>
+  </dgm:styleLbl>
+  <dgm:styleLbl name="parChTrans2D2">
+    <dgm:scene3d>
+      <a:camera prst="orthographicFront"/>
+      <a:lightRig rig="threePt" dir="t"/>
+    </dgm:scene3d>
+    <dgm:sp3d/>
+    <dgm:txPr/>
+    <dgm:style>
+      <a:lnRef idx="2">
+        <a:scrgbClr r="0" g="0" b="0"/>
+      </a:lnRef>
+      <a:fillRef idx="1">
+        <a:scrgbClr r="0" g="0" b="0"/>
+      </a:fillRef>
+      <a:effectRef idx="0">
+        <a:scrgbClr r="0" g="0" b="0"/>
+      </a:effectRef>
+      <a:fontRef idx="minor">
+        <a:schemeClr val="lt1"/>
+      </a:fontRef>
+    </dgm:style>
+  </dgm:styleLbl>
+  <dgm:styleLbl name="parChTrans2D3">
+    <dgm:scene3d>
+      <a:camera prst="orthographicFront"/>
+      <a:lightRig rig="threePt" dir="t"/>
+    </dgm:scene3d>
+    <dgm:sp3d/>
+    <dgm:txPr/>
+    <dgm:style>
+      <a:lnRef idx="2">
+        <a:scrgbClr r="0" g="0" b="0"/>
+      </a:lnRef>
+      <a:fillRef idx="1">
+        <a:scrgbClr r="0" g="0" b="0"/>
+      </a:fillRef>
+      <a:effectRef idx="0">
+        <a:scrgbClr r="0" g="0" b="0"/>
+      </a:effectRef>
+      <a:fontRef idx="minor">
+        <a:schemeClr val="lt1"/>
+      </a:fontRef>
+    </dgm:style>
+  </dgm:styleLbl>
+  <dgm:styleLbl name="parChTrans2D4">
+    <dgm:scene3d>
+      <a:camera prst="orthographicFront"/>
+      <a:lightRig rig="threePt" dir="t"/>
+    </dgm:scene3d>
+    <dgm:sp3d/>
+    <dgm:txPr/>
+    <dgm:style>
+      <a:lnRef idx="2">
+        <a:scrgbClr r="0" g="0" b="0"/>
+      </a:lnRef>
+      <a:fillRef idx="1">
+        <a:scrgbClr r="0" g="0" b="0"/>
+      </a:fillRef>
+      <a:effectRef idx="0">
+        <a:scrgbClr r="0" g="0" b="0"/>
+      </a:effectRef>
+      <a:fontRef idx="minor">
+        <a:schemeClr val="lt1"/>
+      </a:fontRef>
+    </dgm:style>
+  </dgm:styleLbl>
+  <dgm:styleLbl name="parChTrans1D1">
+    <dgm:scene3d>
+      <a:camera prst="orthographicFront"/>
+      <a:lightRig rig="threePt" dir="t"/>
+    </dgm:scene3d>
+    <dgm:sp3d/>
+    <dgm:txPr/>
+    <dgm:style>
+      <a:lnRef idx="2">
+        <a:scrgbClr r="0" g="0" b="0"/>
+      </a:lnRef>
+      <a:fillRef idx="0">
+        <a:scrgbClr r="0" g="0" b="0"/>
+      </a:fillRef>
+      <a:effectRef idx="0">
+        <a:scrgbClr r="0" g="0" b="0"/>
+      </a:effectRef>
+      <a:fontRef idx="minor"/>
+    </dgm:style>
+  </dgm:styleLbl>
+  <dgm:styleLbl name="parChTrans1D2">
+    <dgm:scene3d>
+      <a:camera prst="orthographicFront"/>
+      <a:lightRig rig="threePt" dir="t"/>
+    </dgm:scene3d>
+    <dgm:sp3d/>
+    <dgm:txPr/>
+    <dgm:style>
+      <a:lnRef idx="2">
+        <a:scrgbClr r="0" g="0" b="0"/>
+      </a:lnRef>
+      <a:fillRef idx="0">
+        <a:scrgbClr r="0" g="0" b="0"/>
+      </a:fillRef>
+      <a:effectRef idx="0">
+        <a:scrgbClr r="0" g="0" b="0"/>
+      </a:effectRef>
+      <a:fontRef idx="minor"/>
+    </dgm:style>
+  </dgm:styleLbl>
+  <dgm:styleLbl name="parChTrans1D3">
+    <dgm:scene3d>
+      <a:camera prst="orthographicFront"/>
+      <a:lightRig rig="threePt" dir="t"/>
+    </dgm:scene3d>
+    <dgm:sp3d/>
+    <dgm:txPr/>
+    <dgm:style>
+      <a:lnRef idx="2">
+        <a:scrgbClr r="0" g="0" b="0"/>
+      </a:lnRef>
+      <a:fillRef idx="0">
+        <a:scrgbClr r="0" g="0" b="0"/>
+      </a:fillRef>
+      <a:effectRef idx="0">
+        <a:scrgbClr r="0" g="0" b="0"/>
+      </a:effectRef>
+      <a:fontRef idx="minor"/>
+    </dgm:style>
+  </dgm:styleLbl>
+  <dgm:styleLbl name="parChTrans1D4">
+    <dgm:scene3d>
+      <a:camera prst="orthographicFront"/>
+      <a:lightRig rig="threePt" dir="t"/>
+    </dgm:scene3d>
+    <dgm:sp3d/>
+    <dgm:txPr/>
+    <dgm:style>
+      <a:lnRef idx="2">
+        <a:scrgbClr r="0" g="0" b="0"/>
+      </a:lnRef>
+      <a:fillRef idx="0">
+        <a:scrgbClr r="0" g="0" b="0"/>
+      </a:fillRef>
+      <a:effectRef idx="0">
+        <a:scrgbClr r="0" g="0" b="0"/>
+      </a:effectRef>
+      <a:fontRef idx="minor"/>
+    </dgm:style>
+  </dgm:styleLbl>
+  <dgm:styleLbl name="fgAcc1">
+    <dgm:scene3d>
+      <a:camera prst="orthographicFront"/>
+      <a:lightRig rig="threePt" dir="t"/>
+    </dgm:scene3d>
+    <dgm:sp3d/>
+    <dgm:txPr/>
+    <dgm:style>
+      <a:lnRef idx="2">
+        <a:scrgbClr r="0" g="0" b="0"/>
+      </a:lnRef>
+      <a:fillRef idx="1">
+        <a:scrgbClr r="0" g="0" b="0"/>
+      </a:fillRef>
+      <a:effectRef idx="0">
+        <a:scrgbClr r="0" g="0" b="0"/>
+      </a:effectRef>
+      <a:fontRef idx="minor"/>
+    </dgm:style>
+  </dgm:styleLbl>
+  <dgm:styleLbl name="conFgAcc1">
+    <dgm:scene3d>
+      <a:camera prst="orthographicFront"/>
+      <a:lightRig rig="threePt" dir="t"/>
+    </dgm:scene3d>
+    <dgm:sp3d/>
+    <dgm:txPr/>
+    <dgm:style>
+      <a:lnRef idx="2">
+        <a:scrgbClr r="0" g="0" b="0"/>
+      </a:lnRef>
+      <a:fillRef idx="1">
+        <a:scrgbClr r="0" g="0" b="0"/>
+      </a:fillRef>
+      <a:effectRef idx="0">
+        <a:scrgbClr r="0" g="0" b="0"/>
+      </a:effectRef>
+      <a:fontRef idx="minor"/>
+    </dgm:style>
+  </dgm:styleLbl>
+  <dgm:styleLbl name="alignAcc1">
+    <dgm:scene3d>
+      <a:camera prst="orthographicFront"/>
+      <a:lightRig rig="threePt" dir="t"/>
+    </dgm:scene3d>
+    <dgm:sp3d/>
+    <dgm:txPr/>
+    <dgm:style>
+      <a:lnRef idx="2">
+        <a:scrgbClr r="0" g="0" b="0"/>
+      </a:lnRef>
+      <a:fillRef idx="1">
+        <a:scrgbClr r="0" g="0" b="0"/>
+      </a:fillRef>
+      <a:effectRef idx="0">
+        <a:scrgbClr r="0" g="0" b="0"/>
+      </a:effectRef>
+      <a:fontRef idx="minor"/>
+    </dgm:style>
+  </dgm:styleLbl>
+  <dgm:styleLbl name="trAlignAcc1">
+    <dgm:scene3d>
+      <a:camera prst="orthographicFront"/>
+      <a:lightRig rig="threePt" dir="t"/>
+    </dgm:scene3d>
+    <dgm:sp3d/>
+    <dgm:txPr/>
+    <dgm:style>
+      <a:lnRef idx="1">
+        <a:scrgbClr r="0" g="0" b="0"/>
+      </a:lnRef>
+      <a:fillRef idx="1">
+        <a:scrgbClr r="0" g="0" b="0"/>
+      </a:fillRef>
+      <a:effectRef idx="0">
+        <a:scrgbClr r="0" g="0" b="0"/>
+      </a:effectRef>
+      <a:fontRef idx="minor"/>
+    </dgm:style>
+  </dgm:styleLbl>
+  <dgm:styleLbl name="bgAcc1">
+    <dgm:scene3d>
+      <a:camera prst="orthographicFront"/>
+      <a:lightRig rig="threePt" dir="t"/>
+    </dgm:scene3d>
+    <dgm:sp3d/>
+    <dgm:txPr/>
+    <dgm:style>
+      <a:lnRef idx="2">
+        <a:scrgbClr r="0" g="0" b="0"/>
+      </a:lnRef>
+      <a:fillRef idx="1">
+        <a:scrgbClr r="0" g="0" b="0"/>
+      </a:fillRef>
+      <a:effectRef idx="0">
+        <a:scrgbClr r="0" g="0" b="0"/>
+      </a:effectRef>
+      <a:fontRef idx="minor"/>
+    </dgm:style>
+  </dgm:styleLbl>
+  <dgm:styleLbl name="solidFgAcc1">
+    <dgm:scene3d>
+      <a:camera prst="orthographicFront"/>
+      <a:lightRig rig="threePt" dir="t"/>
+    </dgm:scene3d>
+    <dgm:sp3d/>
+    <dgm:txPr/>
+    <dgm:style>
+      <a:lnRef idx="2">
+        <a:scrgbClr r="0" g="0" b="0"/>
+      </a:lnRef>
+      <a:fillRef idx="1">
+        <a:scrgbClr r="0" g="0" b="0"/>
+      </a:fillRef>
+      <a:effectRef idx="0">
+        <a:scrgbClr r="0" g="0" b="0"/>
+      </a:effectRef>
+      <a:fontRef idx="minor"/>
+    </dgm:style>
+  </dgm:styleLbl>
+  <dgm:styleLbl name="solidAlignAcc1">
+    <dgm:scene3d>
+      <a:camera prst="orthographicFront"/>
+      <a:lightRig rig="threePt" dir="t"/>
+    </dgm:scene3d>
+    <dgm:sp3d/>
+    <dgm:txPr/>
+    <dgm:style>
+      <a:lnRef idx="2">
+        <a:scrgbClr r="0" g="0" b="0"/>
+      </a:lnRef>
+      <a:fillRef idx="1">
+        <a:scrgbClr r="0" g="0" b="0"/>
+      </a:fillRef>
+      <a:effectRef idx="0">
+        <a:scrgbClr r="0" g="0" b="0"/>
+      </a:effectRef>
+      <a:fontRef idx="minor"/>
+    </dgm:style>
+  </dgm:styleLbl>
+  <dgm:styleLbl name="solidBgAcc1">
+    <dgm:scene3d>
+      <a:camera prst="orthographicFront"/>
+      <a:lightRig rig="threePt" dir="t"/>
+    </dgm:scene3d>
+    <dgm:sp3d/>
+    <dgm:txPr/>
+    <dgm:style>
+      <a:lnRef idx="2">
+        <a:scrgbClr r="0" g="0" b="0"/>
+      </a:lnRef>
+      <a:fillRef idx="1">
+        <a:scrgbClr r="0" g="0" b="0"/>
+      </a:fillRef>
+      <a:effectRef idx="0">
+        <a:scrgbClr r="0" g="0" b="0"/>
+      </a:effectRef>
+      <a:fontRef idx="minor"/>
+    </dgm:style>
+  </dgm:styleLbl>
+  <dgm:styleLbl name="fgAccFollowNode1">
+    <dgm:scene3d>
+      <a:camera prst="orthographicFront"/>
+      <a:lightRig rig="threePt" dir="t"/>
+    </dgm:scene3d>
+    <dgm:sp3d/>
+    <dgm:txPr/>
+    <dgm:style>
+      <a:lnRef idx="2">
+        <a:scrgbClr r="0" g="0" b="0"/>
+      </a:lnRef>
+      <a:fillRef idx="1">
+        <a:scrgbClr r="0" g="0" b="0"/>
+      </a:fillRef>
+      <a:effectRef idx="0">
+        <a:scrgbClr r="0" g="0" b="0"/>
+      </a:effectRef>
+      <a:fontRef idx="minor"/>
+    </dgm:style>
+  </dgm:styleLbl>
+  <dgm:styleLbl name="alignAccFollowNode1">
+    <dgm:scene3d>
+      <a:camera prst="orthographicFront"/>
+      <a:lightRig rig="threePt" dir="t"/>
+    </dgm:scene3d>
+    <dgm:sp3d/>
+    <dgm:txPr/>
+    <dgm:style>
+      <a:lnRef idx="2">
+        <a:scrgbClr r="0" g="0" b="0"/>
+      </a:lnRef>
+      <a:fillRef idx="1">
+        <a:scrgbClr r="0" g="0" b="0"/>
+      </a:fillRef>
+      <a:effectRef idx="0">
+        <a:scrgbClr r="0" g="0" b="0"/>
+      </a:effectRef>
+      <a:fontRef idx="minor"/>
+    </dgm:style>
+  </dgm:styleLbl>
+  <dgm:styleLbl name="bgAccFollowNode1">
+    <dgm:scene3d>
+      <a:camera prst="orthographicFront"/>
+      <a:lightRig rig="threePt" dir="t"/>
+    </dgm:scene3d>
+    <dgm:sp3d/>
+    <dgm:txPr/>
+    <dgm:style>
+      <a:lnRef idx="2">
+        <a:scrgbClr r="0" g="0" b="0"/>
+      </a:lnRef>
+      <a:fillRef idx="1">
+        <a:scrgbClr r="0" g="0" b="0"/>
+      </a:fillRef>
+      <a:effectRef idx="0">
+        <a:scrgbClr r="0" g="0" b="0"/>
+      </a:effectRef>
+      <a:fontRef idx="minor"/>
+    </dgm:style>
+  </dgm:styleLbl>
+  <dgm:styleLbl name="fgAcc0">
+    <dgm:scene3d>
+      <a:camera prst="orthographicFront"/>
+      <a:lightRig rig="threePt" dir="t"/>
+    </dgm:scene3d>
+    <dgm:sp3d/>
+    <dgm:txPr/>
+    <dgm:style>
+      <a:lnRef idx="2">
+        <a:scrgbClr r="0" g="0" b="0"/>
+      </a:lnRef>
+      <a:fillRef idx="1">
+        <a:scrgbClr r="0" g="0" b="0"/>
+      </a:fillRef>
+      <a:effectRef idx="0">
+        <a:scrgbClr r="0" g="0" b="0"/>
+      </a:effectRef>
+      <a:fontRef idx="minor"/>
+    </dgm:style>
+  </dgm:styleLbl>
+  <dgm:styleLbl name="fgAcc2">
+    <dgm:scene3d>
+      <a:camera prst="orthographicFront"/>
+      <a:lightRig rig="threePt" dir="t"/>
+    </dgm:scene3d>
+    <dgm:sp3d/>
+    <dgm:txPr/>
+    <dgm:style>
+      <a:lnRef idx="2">
+        <a:scrgbClr r="0" g="0" b="0"/>
+      </a:lnRef>
+      <a:fillRef idx="1">
+        <a:scrgbClr r="0" g="0" b="0"/>
+      </a:fillRef>
+      <a:effectRef idx="0">
+        <a:scrgbClr r="0" g="0" b="0"/>
+      </a:effectRef>
+      <a:fontRef idx="minor"/>
+    </dgm:style>
+  </dgm:styleLbl>
+  <dgm:styleLbl name="fgAcc3">
+    <dgm:scene3d>
+      <a:camera prst="orthographicFront"/>
+      <a:lightRig rig="threePt" dir="t"/>
+    </dgm:scene3d>
+    <dgm:sp3d/>
+    <dgm:txPr/>
+    <dgm:style>
+      <a:lnRef idx="2">
+        <a:scrgbClr r="0" g="0" b="0"/>
+      </a:lnRef>
+      <a:fillRef idx="1">
+        <a:scrgbClr r="0" g="0" b="0"/>
+      </a:fillRef>
+      <a:effectRef idx="0">
+        <a:scrgbClr r="0" g="0" b="0"/>
+      </a:effectRef>
+      <a:fontRef idx="minor"/>
+    </dgm:style>
+  </dgm:styleLbl>
+  <dgm:styleLbl name="fgAcc4">
+    <dgm:scene3d>
+      <a:camera prst="orthographicFront"/>
+      <a:lightRig rig="threePt" dir="t"/>
+    </dgm:scene3d>
+    <dgm:sp3d/>
+    <dgm:txPr/>
+    <dgm:style>
+      <a:lnRef idx="2">
+        <a:scrgbClr r="0" g="0" b="0"/>
+      </a:lnRef>
+      <a:fillRef idx="1">
+        <a:scrgbClr r="0" g="0" b="0"/>
+      </a:fillRef>
+      <a:effectRef idx="0">
+        <a:scrgbClr r="0" g="0" b="0"/>
+      </a:effectRef>
+      <a:fontRef idx="minor"/>
+    </dgm:style>
+  </dgm:styleLbl>
+  <dgm:styleLbl name="bgShp">
+    <dgm:scene3d>
+      <a:camera prst="orthographicFront"/>
+      <a:lightRig rig="threePt" dir="t"/>
+    </dgm:scene3d>
+    <dgm:sp3d/>
+    <dgm:txPr/>
+    <dgm:style>
+      <a:lnRef idx="0">
+        <a:scrgbClr r="0" g="0" b="0"/>
+      </a:lnRef>
+      <a:fillRef idx="1">
+        <a:scrgbClr r="0" g="0" b="0"/>
+      </a:fillRef>
+      <a:effectRef idx="0">
+        <a:scrgbClr r="0" g="0" b="0"/>
+      </a:effectRef>
+      <a:fontRef idx="minor"/>
+    </dgm:style>
+  </dgm:styleLbl>
+  <dgm:styleLbl name="dkBgShp">
+    <dgm:scene3d>
+      <a:camera prst="orthographicFront"/>
+      <a:lightRig rig="threePt" dir="t"/>
+    </dgm:scene3d>
+    <dgm:sp3d/>
+    <dgm:txPr/>
+    <dgm:style>
+      <a:lnRef idx="0">
+        <a:scrgbClr r="0" g="0" b="0"/>
+      </a:lnRef>
+      <a:fillRef idx="1">
+        <a:scrgbClr r="0" g="0" b="0"/>
+      </a:fillRef>
+      <a:effectRef idx="0">
+        <a:scrgbClr r="0" g="0" b="0"/>
+      </a:effectRef>
+      <a:fontRef idx="minor"/>
+    </dgm:style>
+  </dgm:styleLbl>
+  <dgm:styleLbl name="trBgShp">
+    <dgm:scene3d>
+      <a:camera prst="orthographicFront"/>
+      <a:lightRig rig="threePt" dir="t"/>
+    </dgm:scene3d>
+    <dgm:sp3d/>
+    <dgm:txPr/>
+    <dgm:style>
+      <a:lnRef idx="0">
+        <a:scrgbClr r="0" g="0" b="0"/>
+      </a:lnRef>
+      <a:fillRef idx="1">
+        <a:scrgbClr r="0" g="0" b="0"/>
+      </a:fillRef>
+      <a:effectRef idx="0">
+        <a:scrgbClr r="0" g="0" b="0"/>
+      </a:effectRef>
+      <a:fontRef idx="minor"/>
+    </dgm:style>
+  </dgm:styleLbl>
+  <dgm:styleLbl name="fgShp">
+    <dgm:scene3d>
+      <a:camera prst="orthographicFront"/>
+      <a:lightRig rig="threePt" dir="t"/>
+    </dgm:scene3d>
+    <dgm:sp3d/>
+    <dgm:txPr/>
+    <dgm:style>
+      <a:lnRef idx="2">
+        <a:scrgbClr r="0" g="0" b="0"/>
+      </a:lnRef>
+      <a:fillRef idx="1">
+        <a:scrgbClr r="0" g="0" b="0"/>
+      </a:fillRef>
+      <a:effectRef idx="0">
+        <a:scrgbClr r="0" g="0" b="0"/>
+      </a:effectRef>
+      <a:fontRef idx="minor"/>
+    </dgm:style>
+  </dgm:styleLbl>
+  <dgm:styleLbl name="revTx">
+    <dgm:scene3d>
+      <a:camera prst="orthographicFront"/>
+      <a:lightRig rig="threePt" dir="t"/>
+    </dgm:scene3d>
+    <dgm:sp3d/>
+    <dgm:txPr/>
+    <dgm:style>
+      <a:lnRef idx="0">
+        <a:scrgbClr r="0" g="0" b="0"/>
+      </a:lnRef>
+      <a:fillRef idx="0">
+        <a:scrgbClr r="0" g="0" b="0"/>
+      </a:fillRef>
+      <a:effectRef idx="0">
+        <a:scrgbClr r="0" g="0" b="0"/>
+      </a:effectRef>
+      <a:fontRef idx="minor"/>
+    </dgm:style>
+  </dgm:styleLbl>
+</dgm:styleDef>
+</file>
+
 <file path=ppt/notesMasters/notesMaster1.xml><?xml version="1.0" encoding="utf-8"?>
 <p:notesMaster xmlns:a="http://schemas.openxmlformats.org/drawingml/2006/main" xmlns:r="http://schemas.openxmlformats.org/officeDocument/2006/relationships" xmlns:p="http://schemas.openxmlformats.org/presentationml/2006/main">
   <p:cSld>
@@ -10900,7 +13238,7 @@
           <a:p>
             <a:fld id="{6D9EE66E-0075-4EC7-AFEF-A844E5107398}" type="datetimeFigureOut">
               <a:rPr lang="en-US" smtClean="0"/>
-              <a:t>4/24/2018</a:t>
+              <a:t>4/25/2018</a:t>
             </a:fld>
             <a:endParaRPr lang="en-US" dirty="0"/>
           </a:p>
@@ -12419,7 +14757,7 @@
             </a:ln>
             <a:extLst>
               <a:ext uri="{91240B29-F687-4f45-9708-019B960494DF}">
-                <a14:hiddenLine xmlns:a14="http://schemas.microsoft.com/office/drawing/2010/main" xmlns="" w="9525">
+                <a14:hiddenLine xmlns="" xmlns:a14="http://schemas.microsoft.com/office/drawing/2010/main" w="9525">
                   <a:solidFill>
                     <a:srgbClr val="000000"/>
                   </a:solidFill>
@@ -12509,7 +14847,7 @@
             </a:ln>
             <a:extLst>
               <a:ext uri="{91240B29-F687-4f45-9708-019B960494DF}">
-                <a14:hiddenLine xmlns:a14="http://schemas.microsoft.com/office/drawing/2010/main" xmlns="" w="9525">
+                <a14:hiddenLine xmlns="" xmlns:a14="http://schemas.microsoft.com/office/drawing/2010/main" w="9525">
                   <a:solidFill>
                     <a:srgbClr val="000000"/>
                   </a:solidFill>
@@ -12599,7 +14937,7 @@
             </a:ln>
             <a:extLst>
               <a:ext uri="{91240B29-F687-4f45-9708-019B960494DF}">
-                <a14:hiddenLine xmlns:a14="http://schemas.microsoft.com/office/drawing/2010/main" xmlns="" w="9525">
+                <a14:hiddenLine xmlns="" xmlns:a14="http://schemas.microsoft.com/office/drawing/2010/main" w="9525">
                   <a:solidFill>
                     <a:srgbClr val="000000"/>
                   </a:solidFill>
@@ -12633,7 +14971,7 @@
             </a:ln>
             <a:extLst>
               <a:ext uri="{91240B29-F687-4f45-9708-019B960494DF}">
-                <a14:hiddenLine xmlns:a14="http://schemas.microsoft.com/office/drawing/2010/main" xmlns="" w="9525">
+                <a14:hiddenLine xmlns="" xmlns:a14="http://schemas.microsoft.com/office/drawing/2010/main" w="9525">
                   <a:solidFill>
                     <a:srgbClr val="000000"/>
                   </a:solidFill>
@@ -12723,7 +15061,7 @@
             </a:ln>
             <a:extLst>
               <a:ext uri="{91240B29-F687-4f45-9708-019B960494DF}">
-                <a14:hiddenLine xmlns:a14="http://schemas.microsoft.com/office/drawing/2010/main" xmlns="" w="9525">
+                <a14:hiddenLine xmlns="" xmlns:a14="http://schemas.microsoft.com/office/drawing/2010/main" w="9525">
                   <a:solidFill>
                     <a:srgbClr val="000000"/>
                   </a:solidFill>
@@ -12785,7 +15123,7 @@
             </a:ln>
             <a:extLst>
               <a:ext uri="{91240B29-F687-4f45-9708-019B960494DF}">
-                <a14:hiddenLine xmlns:a14="http://schemas.microsoft.com/office/drawing/2010/main" xmlns="" w="9525">
+                <a14:hiddenLine xmlns="" xmlns:a14="http://schemas.microsoft.com/office/drawing/2010/main" w="9525">
                   <a:solidFill>
                     <a:srgbClr val="000000"/>
                   </a:solidFill>
@@ -12847,7 +15185,7 @@
             </a:ln>
             <a:extLst>
               <a:ext uri="{91240B29-F687-4f45-9708-019B960494DF}">
-                <a14:hiddenLine xmlns:a14="http://schemas.microsoft.com/office/drawing/2010/main" xmlns="" w="9525">
+                <a14:hiddenLine xmlns="" xmlns:a14="http://schemas.microsoft.com/office/drawing/2010/main" w="9525">
                   <a:solidFill>
                     <a:srgbClr val="000000"/>
                   </a:solidFill>
@@ -12937,7 +15275,7 @@
             </a:ln>
             <a:extLst>
               <a:ext uri="{91240B29-F687-4f45-9708-019B960494DF}">
-                <a14:hiddenLine xmlns:a14="http://schemas.microsoft.com/office/drawing/2010/main" xmlns="" w="9525">
+                <a14:hiddenLine xmlns="" xmlns:a14="http://schemas.microsoft.com/office/drawing/2010/main" w="9525">
                   <a:solidFill>
                     <a:srgbClr val="000000"/>
                   </a:solidFill>
@@ -12999,7 +15337,7 @@
             </a:ln>
             <a:extLst>
               <a:ext uri="{91240B29-F687-4f45-9708-019B960494DF}">
-                <a14:hiddenLine xmlns:a14="http://schemas.microsoft.com/office/drawing/2010/main" xmlns="" w="9525">
+                <a14:hiddenLine xmlns="" xmlns:a14="http://schemas.microsoft.com/office/drawing/2010/main" w="9525">
                   <a:solidFill>
                     <a:srgbClr val="000000"/>
                   </a:solidFill>
@@ -13061,7 +15399,7 @@
             </a:ln>
             <a:extLst>
               <a:ext uri="{91240B29-F687-4f45-9708-019B960494DF}">
-                <a14:hiddenLine xmlns:a14="http://schemas.microsoft.com/office/drawing/2010/main" xmlns="" w="9525">
+                <a14:hiddenLine xmlns="" xmlns:a14="http://schemas.microsoft.com/office/drawing/2010/main" w="9525">
                   <a:solidFill>
                     <a:srgbClr val="000000"/>
                   </a:solidFill>
@@ -13151,7 +15489,7 @@
             </a:ln>
             <a:extLst>
               <a:ext uri="{91240B29-F687-4f45-9708-019B960494DF}">
-                <a14:hiddenLine xmlns:a14="http://schemas.microsoft.com/office/drawing/2010/main" xmlns="" w="9525">
+                <a14:hiddenLine xmlns="" xmlns:a14="http://schemas.microsoft.com/office/drawing/2010/main" w="9525">
                   <a:solidFill>
                     <a:srgbClr val="000000"/>
                   </a:solidFill>
@@ -13241,7 +15579,7 @@
             </a:ln>
             <a:extLst>
               <a:ext uri="{91240B29-F687-4f45-9708-019B960494DF}">
-                <a14:hiddenLine xmlns:a14="http://schemas.microsoft.com/office/drawing/2010/main" xmlns="" w="9525">
+                <a14:hiddenLine xmlns="" xmlns:a14="http://schemas.microsoft.com/office/drawing/2010/main" w="9525">
                   <a:solidFill>
                     <a:srgbClr val="000000"/>
                   </a:solidFill>
@@ -13303,7 +15641,7 @@
             </a:ln>
             <a:extLst>
               <a:ext uri="{91240B29-F687-4f45-9708-019B960494DF}">
-                <a14:hiddenLine xmlns:a14="http://schemas.microsoft.com/office/drawing/2010/main" xmlns="" w="9525">
+                <a14:hiddenLine xmlns="" xmlns:a14="http://schemas.microsoft.com/office/drawing/2010/main" w="9525">
                   <a:solidFill>
                     <a:srgbClr val="000000"/>
                   </a:solidFill>
@@ -13413,7 +15751,7 @@
             </a:ln>
             <a:extLst>
               <a:ext uri="{91240B29-F687-4f45-9708-019B960494DF}">
-                <a14:hiddenLine xmlns:a14="http://schemas.microsoft.com/office/drawing/2010/main" xmlns="" w="9525">
+                <a14:hiddenLine xmlns="" xmlns:a14="http://schemas.microsoft.com/office/drawing/2010/main" w="9525">
                   <a:solidFill>
                     <a:srgbClr val="000000"/>
                   </a:solidFill>
@@ -13475,7 +15813,7 @@
             </a:ln>
             <a:extLst>
               <a:ext uri="{91240B29-F687-4f45-9708-019B960494DF}">
-                <a14:hiddenLine xmlns:a14="http://schemas.microsoft.com/office/drawing/2010/main" xmlns="" w="9525">
+                <a14:hiddenLine xmlns="" xmlns:a14="http://schemas.microsoft.com/office/drawing/2010/main" w="9525">
                   <a:solidFill>
                     <a:srgbClr val="000000"/>
                   </a:solidFill>
@@ -13565,7 +15903,7 @@
             </a:ln>
             <a:extLst>
               <a:ext uri="{91240B29-F687-4f45-9708-019B960494DF}">
-                <a14:hiddenLine xmlns:a14="http://schemas.microsoft.com/office/drawing/2010/main" xmlns="" w="9525">
+                <a14:hiddenLine xmlns="" xmlns:a14="http://schemas.microsoft.com/office/drawing/2010/main" w="9525">
                   <a:solidFill>
                     <a:srgbClr val="000000"/>
                   </a:solidFill>
@@ -13655,7 +15993,7 @@
             </a:ln>
             <a:extLst>
               <a:ext uri="{91240B29-F687-4f45-9708-019B960494DF}">
-                <a14:hiddenLine xmlns:a14="http://schemas.microsoft.com/office/drawing/2010/main" xmlns="" w="9525">
+                <a14:hiddenLine xmlns="" xmlns:a14="http://schemas.microsoft.com/office/drawing/2010/main" w="9525">
                   <a:solidFill>
                     <a:srgbClr val="000000"/>
                   </a:solidFill>
@@ -13717,7 +16055,7 @@
             </a:ln>
             <a:extLst>
               <a:ext uri="{91240B29-F687-4f45-9708-019B960494DF}">
-                <a14:hiddenLine xmlns:a14="http://schemas.microsoft.com/office/drawing/2010/main" xmlns="" w="9525">
+                <a14:hiddenLine xmlns="" xmlns:a14="http://schemas.microsoft.com/office/drawing/2010/main" w="9525">
                   <a:solidFill>
                     <a:srgbClr val="000000"/>
                   </a:solidFill>
@@ -13807,7 +16145,7 @@
             </a:ln>
             <a:extLst>
               <a:ext uri="{91240B29-F687-4f45-9708-019B960494DF}">
-                <a14:hiddenLine xmlns:a14="http://schemas.microsoft.com/office/drawing/2010/main" xmlns="" w="9525">
+                <a14:hiddenLine xmlns="" xmlns:a14="http://schemas.microsoft.com/office/drawing/2010/main" w="9525">
                   <a:solidFill>
                     <a:srgbClr val="000000"/>
                   </a:solidFill>
@@ -13897,7 +16235,7 @@
             </a:ln>
             <a:extLst>
               <a:ext uri="{91240B29-F687-4f45-9708-019B960494DF}">
-                <a14:hiddenLine xmlns:a14="http://schemas.microsoft.com/office/drawing/2010/main" xmlns="" w="9525">
+                <a14:hiddenLine xmlns="" xmlns:a14="http://schemas.microsoft.com/office/drawing/2010/main" w="9525">
                   <a:solidFill>
                     <a:srgbClr val="000000"/>
                   </a:solidFill>
@@ -13953,7 +16291,7 @@
             </a:ln>
             <a:extLst>
               <a:ext uri="{91240B29-F687-4f45-9708-019B960494DF}">
-                <a14:hiddenLine xmlns:a14="http://schemas.microsoft.com/office/drawing/2010/main" xmlns="" w="9525">
+                <a14:hiddenLine xmlns="" xmlns:a14="http://schemas.microsoft.com/office/drawing/2010/main" w="9525">
                   <a:solidFill>
                     <a:srgbClr val="000000"/>
                   </a:solidFill>
@@ -14043,7 +16381,7 @@
             </a:ln>
             <a:extLst>
               <a:ext uri="{91240B29-F687-4f45-9708-019B960494DF}">
-                <a14:hiddenLine xmlns:a14="http://schemas.microsoft.com/office/drawing/2010/main" xmlns="" w="9525">
+                <a14:hiddenLine xmlns="" xmlns:a14="http://schemas.microsoft.com/office/drawing/2010/main" w="9525">
                   <a:solidFill>
                     <a:srgbClr val="000000"/>
                   </a:solidFill>
@@ -14099,7 +16437,7 @@
             </a:ln>
             <a:extLst>
               <a:ext uri="{91240B29-F687-4f45-9708-019B960494DF}">
-                <a14:hiddenLine xmlns:a14="http://schemas.microsoft.com/office/drawing/2010/main" xmlns="" w="9525">
+                <a14:hiddenLine xmlns="" xmlns:a14="http://schemas.microsoft.com/office/drawing/2010/main" w="9525">
                   <a:solidFill>
                     <a:srgbClr val="000000"/>
                   </a:solidFill>
@@ -14189,7 +16527,7 @@
             </a:ln>
             <a:extLst>
               <a:ext uri="{91240B29-F687-4f45-9708-019B960494DF}">
-                <a14:hiddenLine xmlns:a14="http://schemas.microsoft.com/office/drawing/2010/main" xmlns="" w="9525">
+                <a14:hiddenLine xmlns="" xmlns:a14="http://schemas.microsoft.com/office/drawing/2010/main" w="9525">
                   <a:solidFill>
                     <a:srgbClr val="000000"/>
                   </a:solidFill>
@@ -14257,7 +16595,7 @@
             </a:ln>
             <a:extLst>
               <a:ext uri="{91240B29-F687-4f45-9708-019B960494DF}">
-                <a14:hiddenLine xmlns:a14="http://schemas.microsoft.com/office/drawing/2010/main" xmlns="" w="9525">
+                <a14:hiddenLine xmlns="" xmlns:a14="http://schemas.microsoft.com/office/drawing/2010/main" w="9525">
                   <a:solidFill>
                     <a:srgbClr val="000000"/>
                   </a:solidFill>
@@ -14347,7 +16685,7 @@
             </a:ln>
             <a:extLst>
               <a:ext uri="{91240B29-F687-4f45-9708-019B960494DF}">
-                <a14:hiddenLine xmlns:a14="http://schemas.microsoft.com/office/drawing/2010/main" xmlns="" w="9525">
+                <a14:hiddenLine xmlns="" xmlns:a14="http://schemas.microsoft.com/office/drawing/2010/main" w="9525">
                   <a:solidFill>
                     <a:srgbClr val="000000"/>
                   </a:solidFill>
@@ -14415,7 +16753,7 @@
             </a:ln>
             <a:extLst>
               <a:ext uri="{91240B29-F687-4f45-9708-019B960494DF}">
-                <a14:hiddenLine xmlns:a14="http://schemas.microsoft.com/office/drawing/2010/main" xmlns="" w="9525">
+                <a14:hiddenLine xmlns="" xmlns:a14="http://schemas.microsoft.com/office/drawing/2010/main" w="9525">
                   <a:solidFill>
                     <a:srgbClr val="000000"/>
                   </a:solidFill>
@@ -14505,7 +16843,7 @@
             </a:ln>
             <a:extLst>
               <a:ext uri="{91240B29-F687-4f45-9708-019B960494DF}">
-                <a14:hiddenLine xmlns:a14="http://schemas.microsoft.com/office/drawing/2010/main" xmlns="" w="9525">
+                <a14:hiddenLine xmlns="" xmlns:a14="http://schemas.microsoft.com/office/drawing/2010/main" w="9525">
                   <a:solidFill>
                     <a:srgbClr val="000000"/>
                   </a:solidFill>
@@ -14539,7 +16877,7 @@
             </a:ln>
             <a:extLst>
               <a:ext uri="{91240B29-F687-4f45-9708-019B960494DF}">
-                <a14:hiddenLine xmlns:a14="http://schemas.microsoft.com/office/drawing/2010/main" xmlns="" w="9525">
+                <a14:hiddenLine xmlns="" xmlns:a14="http://schemas.microsoft.com/office/drawing/2010/main" w="9525">
                   <a:solidFill>
                     <a:srgbClr val="000000"/>
                   </a:solidFill>
@@ -14629,7 +16967,7 @@
             </a:ln>
             <a:extLst>
               <a:ext uri="{91240B29-F687-4f45-9708-019B960494DF}">
-                <a14:hiddenLine xmlns:a14="http://schemas.microsoft.com/office/drawing/2010/main" xmlns="" w="9525">
+                <a14:hiddenLine xmlns="" xmlns:a14="http://schemas.microsoft.com/office/drawing/2010/main" w="9525">
                   <a:solidFill>
                     <a:srgbClr val="000000"/>
                   </a:solidFill>
@@ -14691,7 +17029,7 @@
             </a:ln>
             <a:extLst>
               <a:ext uri="{91240B29-F687-4f45-9708-019B960494DF}">
-                <a14:hiddenLine xmlns:a14="http://schemas.microsoft.com/office/drawing/2010/main" xmlns="" w="9525">
+                <a14:hiddenLine xmlns="" xmlns:a14="http://schemas.microsoft.com/office/drawing/2010/main" w="9525">
                   <a:solidFill>
                     <a:srgbClr val="000000"/>
                   </a:solidFill>
@@ -14753,7 +17091,7 @@
             </a:ln>
             <a:extLst>
               <a:ext uri="{91240B29-F687-4f45-9708-019B960494DF}">
-                <a14:hiddenLine xmlns:a14="http://schemas.microsoft.com/office/drawing/2010/main" xmlns="" w="9525">
+                <a14:hiddenLine xmlns="" xmlns:a14="http://schemas.microsoft.com/office/drawing/2010/main" w="9525">
                   <a:solidFill>
                     <a:srgbClr val="000000"/>
                   </a:solidFill>
@@ -14843,7 +17181,7 @@
             </a:ln>
             <a:extLst>
               <a:ext uri="{91240B29-F687-4f45-9708-019B960494DF}">
-                <a14:hiddenLine xmlns:a14="http://schemas.microsoft.com/office/drawing/2010/main" xmlns="" w="9525">
+                <a14:hiddenLine xmlns="" xmlns:a14="http://schemas.microsoft.com/office/drawing/2010/main" w="9525">
                   <a:solidFill>
                     <a:srgbClr val="000000"/>
                   </a:solidFill>
@@ -14911,7 +17249,7 @@
             </a:ln>
             <a:extLst>
               <a:ext uri="{91240B29-F687-4f45-9708-019B960494DF}">
-                <a14:hiddenLine xmlns:a14="http://schemas.microsoft.com/office/drawing/2010/main" xmlns="" w="9525">
+                <a14:hiddenLine xmlns="" xmlns:a14="http://schemas.microsoft.com/office/drawing/2010/main" w="9525">
                   <a:solidFill>
                     <a:srgbClr val="000000"/>
                   </a:solidFill>
@@ -14973,7 +17311,7 @@
             </a:ln>
             <a:extLst>
               <a:ext uri="{91240B29-F687-4f45-9708-019B960494DF}">
-                <a14:hiddenLine xmlns:a14="http://schemas.microsoft.com/office/drawing/2010/main" xmlns="" w="9525">
+                <a14:hiddenLine xmlns="" xmlns:a14="http://schemas.microsoft.com/office/drawing/2010/main" w="9525">
                   <a:solidFill>
                     <a:srgbClr val="000000"/>
                   </a:solidFill>
@@ -15063,7 +17401,7 @@
             </a:ln>
             <a:extLst>
               <a:ext uri="{91240B29-F687-4f45-9708-019B960494DF}">
-                <a14:hiddenLine xmlns:a14="http://schemas.microsoft.com/office/drawing/2010/main" xmlns="" w="9525">
+                <a14:hiddenLine xmlns="" xmlns:a14="http://schemas.microsoft.com/office/drawing/2010/main" w="9525">
                   <a:solidFill>
                     <a:srgbClr val="000000"/>
                   </a:solidFill>
@@ -15125,7 +17463,7 @@
             </a:ln>
             <a:extLst>
               <a:ext uri="{91240B29-F687-4f45-9708-019B960494DF}">
-                <a14:hiddenLine xmlns:a14="http://schemas.microsoft.com/office/drawing/2010/main" xmlns="" w="9525">
+                <a14:hiddenLine xmlns="" xmlns:a14="http://schemas.microsoft.com/office/drawing/2010/main" w="9525">
                   <a:solidFill>
                     <a:srgbClr val="000000"/>
                   </a:solidFill>
@@ -15215,7 +17553,7 @@
             </a:ln>
             <a:extLst>
               <a:ext uri="{91240B29-F687-4f45-9708-019B960494DF}">
-                <a14:hiddenLine xmlns:a14="http://schemas.microsoft.com/office/drawing/2010/main" xmlns="" w="9525">
+                <a14:hiddenLine xmlns="" xmlns:a14="http://schemas.microsoft.com/office/drawing/2010/main" w="9525">
                   <a:solidFill>
                     <a:srgbClr val="000000"/>
                   </a:solidFill>
@@ -15277,7 +17615,7 @@
             </a:ln>
             <a:extLst>
               <a:ext uri="{91240B29-F687-4f45-9708-019B960494DF}">
-                <a14:hiddenLine xmlns:a14="http://schemas.microsoft.com/office/drawing/2010/main" xmlns="" w="9525">
+                <a14:hiddenLine xmlns="" xmlns:a14="http://schemas.microsoft.com/office/drawing/2010/main" w="9525">
                   <a:solidFill>
                     <a:srgbClr val="000000"/>
                   </a:solidFill>
@@ -15367,7 +17705,7 @@
             </a:ln>
             <a:extLst>
               <a:ext uri="{91240B29-F687-4f45-9708-019B960494DF}">
-                <a14:hiddenLine xmlns:a14="http://schemas.microsoft.com/office/drawing/2010/main" xmlns="" w="9525">
+                <a14:hiddenLine xmlns="" xmlns:a14="http://schemas.microsoft.com/office/drawing/2010/main" w="9525">
                   <a:solidFill>
                     <a:srgbClr val="000000"/>
                   </a:solidFill>
@@ -15401,7 +17739,7 @@
             </a:ln>
             <a:extLst>
               <a:ext uri="{91240B29-F687-4f45-9708-019B960494DF}">
-                <a14:hiddenLine xmlns:a14="http://schemas.microsoft.com/office/drawing/2010/main" xmlns="" w="9525">
+                <a14:hiddenLine xmlns="" xmlns:a14="http://schemas.microsoft.com/office/drawing/2010/main" w="9525">
                   <a:solidFill>
                     <a:srgbClr val="000000"/>
                   </a:solidFill>
@@ -15466,7 +17804,7 @@
             </a:ln>
             <a:extLst>
               <a:ext uri="{91240B29-F687-4f45-9708-019B960494DF}">
-                <a14:hiddenLine xmlns:a14="http://schemas.microsoft.com/office/drawing/2010/main" xmlns="" w="9525">
+                <a14:hiddenLine xmlns="" xmlns:a14="http://schemas.microsoft.com/office/drawing/2010/main" w="9525">
                   <a:solidFill>
                     <a:srgbClr val="000000"/>
                   </a:solidFill>
@@ -15556,7 +17894,7 @@
             </a:ln>
             <a:extLst>
               <a:ext uri="{91240B29-F687-4f45-9708-019B960494DF}">
-                <a14:hiddenLine xmlns:a14="http://schemas.microsoft.com/office/drawing/2010/main" xmlns="" w="9525">
+                <a14:hiddenLine xmlns="" xmlns:a14="http://schemas.microsoft.com/office/drawing/2010/main" w="9525">
                   <a:solidFill>
                     <a:srgbClr val="000000"/>
                   </a:solidFill>
@@ -15618,7 +17956,7 @@
             </a:ln>
             <a:extLst>
               <a:ext uri="{91240B29-F687-4f45-9708-019B960494DF}">
-                <a14:hiddenLine xmlns:a14="http://schemas.microsoft.com/office/drawing/2010/main" xmlns="" w="9525">
+                <a14:hiddenLine xmlns="" xmlns:a14="http://schemas.microsoft.com/office/drawing/2010/main" w="9525">
                   <a:solidFill>
                     <a:srgbClr val="000000"/>
                   </a:solidFill>
@@ -15708,7 +18046,7 @@
             </a:ln>
             <a:extLst>
               <a:ext uri="{91240B29-F687-4f45-9708-019B960494DF}">
-                <a14:hiddenLine xmlns:a14="http://schemas.microsoft.com/office/drawing/2010/main" xmlns="" w="9525">
+                <a14:hiddenLine xmlns="" xmlns:a14="http://schemas.microsoft.com/office/drawing/2010/main" w="9525">
                   <a:solidFill>
                     <a:srgbClr val="000000"/>
                   </a:solidFill>
@@ -15798,7 +18136,7 @@
             </a:ln>
             <a:extLst>
               <a:ext uri="{91240B29-F687-4f45-9708-019B960494DF}">
-                <a14:hiddenLine xmlns:a14="http://schemas.microsoft.com/office/drawing/2010/main" xmlns="" w="9525">
+                <a14:hiddenLine xmlns="" xmlns:a14="http://schemas.microsoft.com/office/drawing/2010/main" w="9525">
                   <a:solidFill>
                     <a:srgbClr val="000000"/>
                   </a:solidFill>
@@ -15863,7 +18201,7 @@
             </a:ln>
             <a:extLst>
               <a:ext uri="{91240B29-F687-4f45-9708-019B960494DF}">
-                <a14:hiddenLine xmlns:a14="http://schemas.microsoft.com/office/drawing/2010/main" xmlns="" w="9525">
+                <a14:hiddenLine xmlns="" xmlns:a14="http://schemas.microsoft.com/office/drawing/2010/main" w="9525">
                   <a:solidFill>
                     <a:srgbClr val="000000"/>
                   </a:solidFill>
@@ -15925,7 +18263,7 @@
             </a:ln>
             <a:extLst>
               <a:ext uri="{91240B29-F687-4f45-9708-019B960494DF}">
-                <a14:hiddenLine xmlns:a14="http://schemas.microsoft.com/office/drawing/2010/main" xmlns="" w="9525">
+                <a14:hiddenLine xmlns="" xmlns:a14="http://schemas.microsoft.com/office/drawing/2010/main" w="9525">
                   <a:solidFill>
                     <a:srgbClr val="000000"/>
                   </a:solidFill>
@@ -16015,7 +18353,7 @@
             </a:ln>
             <a:extLst>
               <a:ext uri="{91240B29-F687-4f45-9708-019B960494DF}">
-                <a14:hiddenLine xmlns:a14="http://schemas.microsoft.com/office/drawing/2010/main" xmlns="" w="9525">
+                <a14:hiddenLine xmlns="" xmlns:a14="http://schemas.microsoft.com/office/drawing/2010/main" w="9525">
                   <a:solidFill>
                     <a:srgbClr val="000000"/>
                   </a:solidFill>
@@ -16105,7 +18443,7 @@
             </a:ln>
             <a:extLst>
               <a:ext uri="{91240B29-F687-4f45-9708-019B960494DF}">
-                <a14:hiddenLine xmlns:a14="http://schemas.microsoft.com/office/drawing/2010/main" xmlns="" w="9525">
+                <a14:hiddenLine xmlns="" xmlns:a14="http://schemas.microsoft.com/office/drawing/2010/main" w="9525">
                   <a:solidFill>
                     <a:srgbClr val="000000"/>
                   </a:solidFill>
@@ -16167,7 +18505,7 @@
             </a:ln>
             <a:extLst>
               <a:ext uri="{91240B29-F687-4f45-9708-019B960494DF}">
-                <a14:hiddenLine xmlns:a14="http://schemas.microsoft.com/office/drawing/2010/main" xmlns="" w="9525">
+                <a14:hiddenLine xmlns="" xmlns:a14="http://schemas.microsoft.com/office/drawing/2010/main" w="9525">
                   <a:solidFill>
                     <a:srgbClr val="000000"/>
                   </a:solidFill>
@@ -16287,7 +18625,7 @@
             </a:ln>
             <a:extLst>
               <a:ext uri="{91240B29-F687-4f45-9708-019B960494DF}">
-                <a14:hiddenLine xmlns:a14="http://schemas.microsoft.com/office/drawing/2010/main" xmlns="" w="9525">
+                <a14:hiddenLine xmlns="" xmlns:a14="http://schemas.microsoft.com/office/drawing/2010/main" w="9525">
                   <a:solidFill>
                     <a:srgbClr val="000000"/>
                   </a:solidFill>
@@ -16355,7 +18693,7 @@
             </a:ln>
             <a:extLst>
               <a:ext uri="{91240B29-F687-4f45-9708-019B960494DF}">
-                <a14:hiddenLine xmlns:a14="http://schemas.microsoft.com/office/drawing/2010/main" xmlns="" w="9525">
+                <a14:hiddenLine xmlns="" xmlns:a14="http://schemas.microsoft.com/office/drawing/2010/main" w="9525">
                   <a:solidFill>
                     <a:srgbClr val="000000"/>
                   </a:solidFill>
@@ -16445,7 +18783,7 @@
             </a:ln>
             <a:extLst>
               <a:ext uri="{91240B29-F687-4f45-9708-019B960494DF}">
-                <a14:hiddenLine xmlns:a14="http://schemas.microsoft.com/office/drawing/2010/main" xmlns="" w="9525">
+                <a14:hiddenLine xmlns="" xmlns:a14="http://schemas.microsoft.com/office/drawing/2010/main" w="9525">
                   <a:solidFill>
                     <a:srgbClr val="000000"/>
                   </a:solidFill>
@@ -16585,7 +18923,7 @@
           <a:p>
             <a:fld id="{B76943AF-B946-47F7-8510-2C710F5C29B5}" type="datetimeFigureOut">
               <a:rPr lang="en-US" smtClean="0"/>
-              <a:t>4/24/2018</a:t>
+              <a:t>4/25/2018</a:t>
             </a:fld>
             <a:endParaRPr lang="en-US" dirty="0"/>
           </a:p>
@@ -16851,7 +19189,7 @@
           <a:p>
             <a:fld id="{B76943AF-B946-47F7-8510-2C710F5C29B5}" type="datetimeFigureOut">
               <a:rPr lang="en-US" smtClean="0"/>
-              <a:t>4/24/2018</a:t>
+              <a:t>4/25/2018</a:t>
             </a:fld>
             <a:endParaRPr lang="en-US" dirty="0"/>
           </a:p>
@@ -17047,7 +19385,7 @@
           <a:p>
             <a:fld id="{B76943AF-B946-47F7-8510-2C710F5C29B5}" type="datetimeFigureOut">
               <a:rPr lang="en-US" smtClean="0"/>
-              <a:t>4/24/2018</a:t>
+              <a:t>4/25/2018</a:t>
             </a:fld>
             <a:endParaRPr lang="en-US" dirty="0"/>
           </a:p>
@@ -17310,7 +19648,7 @@
           <a:p>
             <a:fld id="{B76943AF-B946-47F7-8510-2C710F5C29B5}" type="datetimeFigureOut">
               <a:rPr lang="en-US" smtClean="0"/>
-              <a:t>4/24/2018</a:t>
+              <a:t>4/25/2018</a:t>
             </a:fld>
             <a:endParaRPr lang="en-US" dirty="0"/>
           </a:p>
@@ -17789,7 +20127,7 @@
           <a:p>
             <a:fld id="{B76943AF-B946-47F7-8510-2C710F5C29B5}" type="datetimeFigureOut">
               <a:rPr lang="en-US" smtClean="0"/>
-              <a:t>4/24/2018</a:t>
+              <a:t>4/25/2018</a:t>
             </a:fld>
             <a:endParaRPr lang="en-US" dirty="0"/>
           </a:p>
@@ -18335,7 +20673,7 @@
           <a:p>
             <a:fld id="{B76943AF-B946-47F7-8510-2C710F5C29B5}" type="datetimeFigureOut">
               <a:rPr lang="en-US" smtClean="0"/>
-              <a:t>4/24/2018</a:t>
+              <a:t>4/25/2018</a:t>
             </a:fld>
             <a:endParaRPr lang="en-US" dirty="0"/>
           </a:p>
@@ -19052,7 +21390,7 @@
           <a:p>
             <a:fld id="{B76943AF-B946-47F7-8510-2C710F5C29B5}" type="datetimeFigureOut">
               <a:rPr lang="en-US" smtClean="0"/>
-              <a:t>4/24/2018</a:t>
+              <a:t>4/25/2018</a:t>
             </a:fld>
             <a:endParaRPr lang="en-US" dirty="0"/>
           </a:p>
@@ -19222,7 +21560,7 @@
           <a:p>
             <a:fld id="{B76943AF-B946-47F7-8510-2C710F5C29B5}" type="datetimeFigureOut">
               <a:rPr lang="en-US" smtClean="0"/>
-              <a:t>4/24/2018</a:t>
+              <a:t>4/25/2018</a:t>
             </a:fld>
             <a:endParaRPr lang="en-US" dirty="0"/>
           </a:p>
@@ -19402,7 +21740,7 @@
           <a:p>
             <a:fld id="{B76943AF-B946-47F7-8510-2C710F5C29B5}" type="datetimeFigureOut">
               <a:rPr lang="en-US" smtClean="0"/>
-              <a:t>4/24/2018</a:t>
+              <a:t>4/25/2018</a:t>
             </a:fld>
             <a:endParaRPr lang="en-US" dirty="0"/>
           </a:p>
@@ -19572,7 +21910,7 @@
           <a:p>
             <a:fld id="{B76943AF-B946-47F7-8510-2C710F5C29B5}" type="datetimeFigureOut">
               <a:rPr lang="en-US" smtClean="0"/>
-              <a:t>4/24/2018</a:t>
+              <a:t>4/25/2018</a:t>
             </a:fld>
             <a:endParaRPr lang="en-US" dirty="0"/>
           </a:p>
@@ -19912,7 +22250,7 @@
           <a:p>
             <a:fld id="{B76943AF-B946-47F7-8510-2C710F5C29B5}" type="datetimeFigureOut">
               <a:rPr lang="en-US" smtClean="0"/>
-              <a:t>4/24/2018</a:t>
+              <a:t>4/25/2018</a:t>
             </a:fld>
             <a:endParaRPr lang="en-US" dirty="0"/>
           </a:p>
@@ -20144,7 +22482,7 @@
           <a:p>
             <a:fld id="{B76943AF-B946-47F7-8510-2C710F5C29B5}" type="datetimeFigureOut">
               <a:rPr lang="en-US" smtClean="0"/>
-              <a:t>4/24/2018</a:t>
+              <a:t>4/25/2018</a:t>
             </a:fld>
             <a:endParaRPr lang="en-US" dirty="0"/>
           </a:p>
@@ -20525,7 +22863,7 @@
           <a:p>
             <a:fld id="{B76943AF-B946-47F7-8510-2C710F5C29B5}" type="datetimeFigureOut">
               <a:rPr lang="en-US" smtClean="0"/>
-              <a:t>4/24/2018</a:t>
+              <a:t>4/25/2018</a:t>
             </a:fld>
             <a:endParaRPr lang="en-US" dirty="0"/>
           </a:p>
@@ -20643,7 +22981,7 @@
           <a:p>
             <a:fld id="{B76943AF-B946-47F7-8510-2C710F5C29B5}" type="datetimeFigureOut">
               <a:rPr lang="en-US" smtClean="0"/>
-              <a:t>4/24/2018</a:t>
+              <a:t>4/25/2018</a:t>
             </a:fld>
             <a:endParaRPr lang="en-US" dirty="0"/>
           </a:p>
@@ -20738,7 +23076,7 @@
           <a:p>
             <a:fld id="{B76943AF-B946-47F7-8510-2C710F5C29B5}" type="datetimeFigureOut">
               <a:rPr lang="en-US" smtClean="0"/>
-              <a:t>4/24/2018</a:t>
+              <a:t>4/25/2018</a:t>
             </a:fld>
             <a:endParaRPr lang="en-US" dirty="0"/>
           </a:p>
@@ -20987,7 +23325,7 @@
           <a:p>
             <a:fld id="{B76943AF-B946-47F7-8510-2C710F5C29B5}" type="datetimeFigureOut">
               <a:rPr lang="en-US" smtClean="0"/>
-              <a:t>4/24/2018</a:t>
+              <a:t>4/25/2018</a:t>
             </a:fld>
             <a:endParaRPr lang="en-US" dirty="0"/>
           </a:p>
@@ -21266,7 +23604,7 @@
           <a:p>
             <a:fld id="{B76943AF-B946-47F7-8510-2C710F5C29B5}" type="datetimeFigureOut">
               <a:rPr lang="en-US" smtClean="0"/>
-              <a:t>4/24/2018</a:t>
+              <a:t>4/25/2018</a:t>
             </a:fld>
             <a:endParaRPr lang="en-US" dirty="0"/>
           </a:p>
@@ -21425,7 +23763,7 @@
               </a:ln>
               <a:extLst>
                 <a:ext uri="{91240B29-F687-4f45-9708-019B960494DF}">
-                  <a14:hiddenLine xmlns:a14="http://schemas.microsoft.com/office/drawing/2010/main" xmlns="" w="9525">
+                  <a14:hiddenLine xmlns="" xmlns:a14="http://schemas.microsoft.com/office/drawing/2010/main" w="9525">
                     <a:solidFill>
                       <a:srgbClr val="000000"/>
                     </a:solidFill>
@@ -21515,7 +23853,7 @@
               </a:ln>
               <a:extLst>
                 <a:ext uri="{91240B29-F687-4f45-9708-019B960494DF}">
-                  <a14:hiddenLine xmlns:a14="http://schemas.microsoft.com/office/drawing/2010/main" xmlns="" w="9525">
+                  <a14:hiddenLine xmlns="" xmlns:a14="http://schemas.microsoft.com/office/drawing/2010/main" w="9525">
                     <a:solidFill>
                       <a:srgbClr val="000000"/>
                     </a:solidFill>
@@ -21605,7 +23943,7 @@
               </a:ln>
               <a:extLst>
                 <a:ext uri="{91240B29-F687-4f45-9708-019B960494DF}">
-                  <a14:hiddenLine xmlns:a14="http://schemas.microsoft.com/office/drawing/2010/main" xmlns="" w="9525">
+                  <a14:hiddenLine xmlns="" xmlns:a14="http://schemas.microsoft.com/office/drawing/2010/main" w="9525">
                     <a:solidFill>
                       <a:srgbClr val="000000"/>
                     </a:solidFill>
@@ -21667,7 +24005,7 @@
               </a:ln>
               <a:extLst>
                 <a:ext uri="{91240B29-F687-4f45-9708-019B960494DF}">
-                  <a14:hiddenLine xmlns:a14="http://schemas.microsoft.com/office/drawing/2010/main" xmlns="" w="9525">
+                  <a14:hiddenLine xmlns="" xmlns:a14="http://schemas.microsoft.com/office/drawing/2010/main" w="9525">
                     <a:solidFill>
                       <a:srgbClr val="000000"/>
                     </a:solidFill>
@@ -21757,7 +24095,7 @@
               </a:ln>
               <a:extLst>
                 <a:ext uri="{91240B29-F687-4f45-9708-019B960494DF}">
-                  <a14:hiddenLine xmlns:a14="http://schemas.microsoft.com/office/drawing/2010/main" xmlns="" w="9525">
+                  <a14:hiddenLine xmlns="" xmlns:a14="http://schemas.microsoft.com/office/drawing/2010/main" w="9525">
                     <a:solidFill>
                       <a:srgbClr val="000000"/>
                     </a:solidFill>
@@ -21819,7 +24157,7 @@
               </a:ln>
               <a:extLst>
                 <a:ext uri="{91240B29-F687-4f45-9708-019B960494DF}">
-                  <a14:hiddenLine xmlns:a14="http://schemas.microsoft.com/office/drawing/2010/main" xmlns="" w="9525">
+                  <a14:hiddenLine xmlns="" xmlns:a14="http://schemas.microsoft.com/office/drawing/2010/main" w="9525">
                     <a:solidFill>
                       <a:srgbClr val="000000"/>
                     </a:solidFill>
@@ -21881,7 +24219,7 @@
               </a:ln>
               <a:extLst>
                 <a:ext uri="{91240B29-F687-4f45-9708-019B960494DF}">
-                  <a14:hiddenLine xmlns:a14="http://schemas.microsoft.com/office/drawing/2010/main" xmlns="" w="9525">
+                  <a14:hiddenLine xmlns="" xmlns:a14="http://schemas.microsoft.com/office/drawing/2010/main" w="9525">
                     <a:solidFill>
                       <a:srgbClr val="000000"/>
                     </a:solidFill>
@@ -21971,7 +24309,7 @@
               </a:ln>
               <a:extLst>
                 <a:ext uri="{91240B29-F687-4f45-9708-019B960494DF}">
-                  <a14:hiddenLine xmlns:a14="http://schemas.microsoft.com/office/drawing/2010/main" xmlns="" w="9525">
+                  <a14:hiddenLine xmlns="" xmlns:a14="http://schemas.microsoft.com/office/drawing/2010/main" w="9525">
                     <a:solidFill>
                       <a:srgbClr val="000000"/>
                     </a:solidFill>
@@ -22061,7 +24399,7 @@
               </a:ln>
               <a:extLst>
                 <a:ext uri="{91240B29-F687-4f45-9708-019B960494DF}">
-                  <a14:hiddenLine xmlns:a14="http://schemas.microsoft.com/office/drawing/2010/main" xmlns="" w="9525">
+                  <a14:hiddenLine xmlns="" xmlns:a14="http://schemas.microsoft.com/office/drawing/2010/main" w="9525">
                     <a:solidFill>
                       <a:srgbClr val="000000"/>
                     </a:solidFill>
@@ -22123,7 +24461,7 @@
               </a:ln>
               <a:extLst>
                 <a:ext uri="{91240B29-F687-4f45-9708-019B960494DF}">
-                  <a14:hiddenLine xmlns:a14="http://schemas.microsoft.com/office/drawing/2010/main" xmlns="" w="9525">
+                  <a14:hiddenLine xmlns="" xmlns:a14="http://schemas.microsoft.com/office/drawing/2010/main" w="9525">
                     <a:solidFill>
                       <a:srgbClr val="000000"/>
                     </a:solidFill>
@@ -22233,7 +24571,7 @@
               </a:ln>
               <a:extLst>
                 <a:ext uri="{91240B29-F687-4f45-9708-019B960494DF}">
-                  <a14:hiddenLine xmlns:a14="http://schemas.microsoft.com/office/drawing/2010/main" xmlns="" w="9525">
+                  <a14:hiddenLine xmlns="" xmlns:a14="http://schemas.microsoft.com/office/drawing/2010/main" w="9525">
                     <a:solidFill>
                       <a:srgbClr val="000000"/>
                     </a:solidFill>
@@ -22317,7 +24655,7 @@
               </a:ln>
               <a:extLst>
                 <a:ext uri="{91240B29-F687-4f45-9708-019B960494DF}">
-                  <a14:hiddenLine xmlns:a14="http://schemas.microsoft.com/office/drawing/2010/main" xmlns="" w="9525">
+                  <a14:hiddenLine xmlns="" xmlns:a14="http://schemas.microsoft.com/office/drawing/2010/main" w="9525">
                     <a:solidFill>
                       <a:srgbClr val="000000"/>
                     </a:solidFill>
@@ -22379,7 +24717,7 @@
               </a:ln>
               <a:extLst>
                 <a:ext uri="{91240B29-F687-4f45-9708-019B960494DF}">
-                  <a14:hiddenLine xmlns:a14="http://schemas.microsoft.com/office/drawing/2010/main" xmlns="" w="9525">
+                  <a14:hiddenLine xmlns="" xmlns:a14="http://schemas.microsoft.com/office/drawing/2010/main" w="9525">
                     <a:solidFill>
                       <a:srgbClr val="000000"/>
                     </a:solidFill>
@@ -22441,7 +24779,7 @@
               </a:ln>
               <a:extLst>
                 <a:ext uri="{91240B29-F687-4f45-9708-019B960494DF}">
-                  <a14:hiddenLine xmlns:a14="http://schemas.microsoft.com/office/drawing/2010/main" xmlns="" w="9525">
+                  <a14:hiddenLine xmlns="" xmlns:a14="http://schemas.microsoft.com/office/drawing/2010/main" w="9525">
                     <a:solidFill>
                       <a:srgbClr val="000000"/>
                     </a:solidFill>
@@ -22531,7 +24869,7 @@
               </a:ln>
               <a:extLst>
                 <a:ext uri="{91240B29-F687-4f45-9708-019B960494DF}">
-                  <a14:hiddenLine xmlns:a14="http://schemas.microsoft.com/office/drawing/2010/main" xmlns="" w="9525">
+                  <a14:hiddenLine xmlns="" xmlns:a14="http://schemas.microsoft.com/office/drawing/2010/main" w="9525">
                     <a:solidFill>
                       <a:srgbClr val="000000"/>
                     </a:solidFill>
@@ -22565,7 +24903,7 @@
               </a:ln>
               <a:extLst>
                 <a:ext uri="{91240B29-F687-4f45-9708-019B960494DF}">
-                  <a14:hiddenLine xmlns:a14="http://schemas.microsoft.com/office/drawing/2010/main" xmlns="" w="9525">
+                  <a14:hiddenLine xmlns="" xmlns:a14="http://schemas.microsoft.com/office/drawing/2010/main" w="9525">
                     <a:solidFill>
                       <a:srgbClr val="000000"/>
                     </a:solidFill>
@@ -22630,7 +24968,7 @@
               </a:ln>
               <a:extLst>
                 <a:ext uri="{91240B29-F687-4f45-9708-019B960494DF}">
-                  <a14:hiddenLine xmlns:a14="http://schemas.microsoft.com/office/drawing/2010/main" xmlns="" w="9525">
+                  <a14:hiddenLine xmlns="" xmlns:a14="http://schemas.microsoft.com/office/drawing/2010/main" w="9525">
                     <a:solidFill>
                       <a:srgbClr val="000000"/>
                     </a:solidFill>
@@ -22720,7 +25058,7 @@
               </a:ln>
               <a:extLst>
                 <a:ext uri="{91240B29-F687-4f45-9708-019B960494DF}">
-                  <a14:hiddenLine xmlns:a14="http://schemas.microsoft.com/office/drawing/2010/main" xmlns="" w="9525">
+                  <a14:hiddenLine xmlns="" xmlns:a14="http://schemas.microsoft.com/office/drawing/2010/main" w="9525">
                     <a:solidFill>
                       <a:srgbClr val="000000"/>
                     </a:solidFill>
@@ -22782,7 +25120,7 @@
               </a:ln>
               <a:extLst>
                 <a:ext uri="{91240B29-F687-4f45-9708-019B960494DF}">
-                  <a14:hiddenLine xmlns:a14="http://schemas.microsoft.com/office/drawing/2010/main" xmlns="" w="9525">
+                  <a14:hiddenLine xmlns="" xmlns:a14="http://schemas.microsoft.com/office/drawing/2010/main" w="9525">
                     <a:solidFill>
                       <a:srgbClr val="000000"/>
                     </a:solidFill>
@@ -22872,7 +25210,7 @@
               </a:ln>
               <a:extLst>
                 <a:ext uri="{91240B29-F687-4f45-9708-019B960494DF}">
-                  <a14:hiddenLine xmlns:a14="http://schemas.microsoft.com/office/drawing/2010/main" xmlns="" w="9525">
+                  <a14:hiddenLine xmlns="" xmlns:a14="http://schemas.microsoft.com/office/drawing/2010/main" w="9525">
                     <a:solidFill>
                       <a:srgbClr val="000000"/>
                     </a:solidFill>
@@ -22937,7 +25275,7 @@
               </a:ln>
               <a:extLst>
                 <a:ext uri="{91240B29-F687-4f45-9708-019B960494DF}">
-                  <a14:hiddenLine xmlns:a14="http://schemas.microsoft.com/office/drawing/2010/main" xmlns="" w="9525">
+                  <a14:hiddenLine xmlns="" xmlns:a14="http://schemas.microsoft.com/office/drawing/2010/main" w="9525">
                     <a:solidFill>
                       <a:srgbClr val="000000"/>
                     </a:solidFill>
@@ -22999,7 +25337,7 @@
               </a:ln>
               <a:extLst>
                 <a:ext uri="{91240B29-F687-4f45-9708-019B960494DF}">
-                  <a14:hiddenLine xmlns:a14="http://schemas.microsoft.com/office/drawing/2010/main" xmlns="" w="9525">
+                  <a14:hiddenLine xmlns="" xmlns:a14="http://schemas.microsoft.com/office/drawing/2010/main" w="9525">
                     <a:solidFill>
                       <a:srgbClr val="000000"/>
                     </a:solidFill>
@@ -23089,7 +25427,7 @@
               </a:ln>
               <a:extLst>
                 <a:ext uri="{91240B29-F687-4f45-9708-019B960494DF}">
-                  <a14:hiddenLine xmlns:a14="http://schemas.microsoft.com/office/drawing/2010/main" xmlns="" w="9525">
+                  <a14:hiddenLine xmlns="" xmlns:a14="http://schemas.microsoft.com/office/drawing/2010/main" w="9525">
                     <a:solidFill>
                       <a:srgbClr val="000000"/>
                     </a:solidFill>
@@ -23179,7 +25517,7 @@
               </a:ln>
               <a:extLst>
                 <a:ext uri="{91240B29-F687-4f45-9708-019B960494DF}">
-                  <a14:hiddenLine xmlns:a14="http://schemas.microsoft.com/office/drawing/2010/main" xmlns="" w="9525">
+                  <a14:hiddenLine xmlns="" xmlns:a14="http://schemas.microsoft.com/office/drawing/2010/main" w="9525">
                     <a:solidFill>
                       <a:srgbClr val="000000"/>
                     </a:solidFill>
@@ -23244,7 +25582,7 @@
               </a:ln>
               <a:extLst>
                 <a:ext uri="{91240B29-F687-4f45-9708-019B960494DF}">
-                  <a14:hiddenLine xmlns:a14="http://schemas.microsoft.com/office/drawing/2010/main" xmlns="" w="9525">
+                  <a14:hiddenLine xmlns="" xmlns:a14="http://schemas.microsoft.com/office/drawing/2010/main" w="9525">
                     <a:solidFill>
                       <a:srgbClr val="000000"/>
                     </a:solidFill>
@@ -23364,7 +25702,7 @@
               </a:ln>
               <a:extLst>
                 <a:ext uri="{91240B29-F687-4f45-9708-019B960494DF}">
-                  <a14:hiddenLine xmlns:a14="http://schemas.microsoft.com/office/drawing/2010/main" xmlns="" w="9525">
+                  <a14:hiddenLine xmlns="" xmlns:a14="http://schemas.microsoft.com/office/drawing/2010/main" w="9525">
                     <a:solidFill>
                       <a:srgbClr val="000000"/>
                     </a:solidFill>
@@ -23462,7 +25800,7 @@
               </a:ln>
               <a:extLst>
                 <a:ext uri="{91240B29-F687-4f45-9708-019B960494DF}">
-                  <a14:hiddenLine xmlns:a14="http://schemas.microsoft.com/office/drawing/2010/main" xmlns="" w="9525">
+                  <a14:hiddenLine xmlns="" xmlns:a14="http://schemas.microsoft.com/office/drawing/2010/main" w="9525">
                     <a:solidFill>
                       <a:srgbClr val="000000"/>
                     </a:solidFill>
@@ -23577,7 +25915,7 @@
               </a:ln>
               <a:extLst>
                 <a:ext uri="{91240B29-F687-4f45-9708-019B960494DF}">
-                  <a14:hiddenLine xmlns:a14="http://schemas.microsoft.com/office/drawing/2010/main" xmlns="" w="9525">
+                  <a14:hiddenLine xmlns="" xmlns:a14="http://schemas.microsoft.com/office/drawing/2010/main" w="9525">
                     <a:solidFill>
                       <a:srgbClr val="000000"/>
                     </a:solidFill>
@@ -23667,7 +26005,7 @@
               </a:ln>
               <a:extLst>
                 <a:ext uri="{91240B29-F687-4f45-9708-019B960494DF}">
-                  <a14:hiddenLine xmlns:a14="http://schemas.microsoft.com/office/drawing/2010/main" xmlns="" w="9525">
+                  <a14:hiddenLine xmlns="" xmlns:a14="http://schemas.microsoft.com/office/drawing/2010/main" w="9525">
                     <a:solidFill>
                       <a:srgbClr val="000000"/>
                     </a:solidFill>
@@ -23732,7 +26070,7 @@
               </a:ln>
               <a:extLst>
                 <a:ext uri="{91240B29-F687-4f45-9708-019B960494DF}">
-                  <a14:hiddenLine xmlns:a14="http://schemas.microsoft.com/office/drawing/2010/main" xmlns="" w="9525">
+                  <a14:hiddenLine xmlns="" xmlns:a14="http://schemas.microsoft.com/office/drawing/2010/main" w="9525">
                     <a:solidFill>
                       <a:srgbClr val="000000"/>
                     </a:solidFill>
@@ -23822,7 +26160,7 @@
               </a:ln>
               <a:extLst>
                 <a:ext uri="{91240B29-F687-4f45-9708-019B960494DF}">
-                  <a14:hiddenLine xmlns:a14="http://schemas.microsoft.com/office/drawing/2010/main" xmlns="" w="9525">
+                  <a14:hiddenLine xmlns="" xmlns:a14="http://schemas.microsoft.com/office/drawing/2010/main" w="9525">
                     <a:solidFill>
                       <a:srgbClr val="000000"/>
                     </a:solidFill>
@@ -23890,7 +26228,7 @@
               </a:ln>
               <a:extLst>
                 <a:ext uri="{91240B29-F687-4f45-9708-019B960494DF}">
-                  <a14:hiddenLine xmlns:a14="http://schemas.microsoft.com/office/drawing/2010/main" xmlns="" w="9525">
+                  <a14:hiddenLine xmlns="" xmlns:a14="http://schemas.microsoft.com/office/drawing/2010/main" w="9525">
                     <a:solidFill>
                       <a:srgbClr val="000000"/>
                     </a:solidFill>
@@ -23980,7 +26318,7 @@
               </a:ln>
               <a:extLst>
                 <a:ext uri="{91240B29-F687-4f45-9708-019B960494DF}">
-                  <a14:hiddenLine xmlns:a14="http://schemas.microsoft.com/office/drawing/2010/main" xmlns="" w="9525">
+                  <a14:hiddenLine xmlns="" xmlns:a14="http://schemas.microsoft.com/office/drawing/2010/main" w="9525">
                     <a:solidFill>
                       <a:srgbClr val="000000"/>
                     </a:solidFill>
@@ -24048,7 +26386,7 @@
               </a:ln>
               <a:extLst>
                 <a:ext uri="{91240B29-F687-4f45-9708-019B960494DF}">
-                  <a14:hiddenLine xmlns:a14="http://schemas.microsoft.com/office/drawing/2010/main" xmlns="" w="9525">
+                  <a14:hiddenLine xmlns="" xmlns:a14="http://schemas.microsoft.com/office/drawing/2010/main" w="9525">
                     <a:solidFill>
                       <a:srgbClr val="000000"/>
                     </a:solidFill>
@@ -24138,7 +26476,7 @@
               </a:ln>
               <a:extLst>
                 <a:ext uri="{91240B29-F687-4f45-9708-019B960494DF}">
-                  <a14:hiddenLine xmlns:a14="http://schemas.microsoft.com/office/drawing/2010/main" xmlns="" w="9525">
+                  <a14:hiddenLine xmlns="" xmlns:a14="http://schemas.microsoft.com/office/drawing/2010/main" w="9525">
                     <a:solidFill>
                       <a:srgbClr val="000000"/>
                     </a:solidFill>
@@ -24172,7 +26510,7 @@
               </a:ln>
               <a:extLst>
                 <a:ext uri="{91240B29-F687-4f45-9708-019B960494DF}">
-                  <a14:hiddenLine xmlns:a14="http://schemas.microsoft.com/office/drawing/2010/main" xmlns="" w="9525">
+                  <a14:hiddenLine xmlns="" xmlns:a14="http://schemas.microsoft.com/office/drawing/2010/main" w="9525">
                     <a:solidFill>
                       <a:srgbClr val="000000"/>
                     </a:solidFill>
@@ -24312,7 +26650,7 @@
           <a:p>
             <a:fld id="{B76943AF-B946-47F7-8510-2C710F5C29B5}" type="datetimeFigureOut">
               <a:rPr lang="en-US" smtClean="0"/>
-              <a:t>4/24/2018</a:t>
+              <a:t>4/25/2018</a:t>
             </a:fld>
             <a:endParaRPr lang="en-US" dirty="0"/>
           </a:p>
@@ -24787,7 +27125,7 @@
         <p:spPr>
           <a:xfrm>
             <a:off x="5266302" y="2908069"/>
-            <a:ext cx="5855871" cy="1042404"/>
+            <a:ext cx="6718175" cy="1042404"/>
           </a:xfrm>
         </p:spPr>
         <p:txBody>
@@ -24798,14 +27136,7 @@
           <a:p>
             <a:r>
               <a:rPr lang="en-US" sz="2200" dirty="0"/>
-              <a:t>the blockchain that solves</a:t>
-            </a:r>
-            <a:br>
-              <a:rPr lang="pl-PL" sz="2200" dirty="0"/>
-            </a:br>
-            <a:r>
-              <a:rPr lang="en-US" sz="2200" dirty="0"/>
-              <a:t>the black swan</a:t>
+              <a:t>The blockchain for business is the blockchain that solves the black swan</a:t>
             </a:r>
           </a:p>
         </p:txBody>
@@ -25826,8 +28157,26 @@
           </a:p>
           <a:p>
             <a:r>
+              <a:rPr lang="pl-PL" dirty="0"/>
+              <a:t>W</a:t>
+            </a:r>
+            <a:r>
               <a:rPr lang="en-US" dirty="0"/>
-              <a:t>So we need the freedom of </a:t>
+              <a:t>e need </a:t>
+            </a:r>
+            <a:r>
+              <a:rPr lang="en-US" dirty="0">
+                <a:solidFill>
+                  <a:schemeClr val="tx2">
+                    <a:lumMod val="75000"/>
+                  </a:schemeClr>
+                </a:solidFill>
+              </a:rPr>
+              <a:t>the freedom</a:t>
+            </a:r>
+            <a:r>
+              <a:rPr lang="en-US" dirty="0"/>
+              <a:t> of </a:t>
             </a:r>
             <a:r>
               <a:rPr lang="pl-PL" dirty="0"/>
@@ -25846,7 +28195,13 @@
               <a:t> </a:t>
             </a:r>
             <a:r>
-              <a:rPr lang="en-US" dirty="0"/>
+              <a:rPr lang="en-US" dirty="0">
+                <a:solidFill>
+                  <a:schemeClr val="tx2">
+                    <a:lumMod val="75000"/>
+                  </a:schemeClr>
+                </a:solidFill>
+              </a:rPr>
               <a:t>the protection</a:t>
             </a:r>
             <a:r>
@@ -26156,7 +28511,14 @@
           <a:p>
             <a:r>
               <a:rPr lang="en-US" cap="none" dirty="0"/>
-              <a:t>The fallacy is that we need a wall. Actually</a:t>
+              <a:t>The fallacy is that we need a wall.</a:t>
+            </a:r>
+            <a:br>
+              <a:rPr lang="pl-PL" cap="none" dirty="0"/>
+            </a:br>
+            <a:r>
+              <a:rPr lang="en-US" cap="none" dirty="0"/>
+              <a:t>Actually</a:t>
             </a:r>
             <a:r>
               <a:rPr lang="pl-PL" cap="none" dirty="0"/>
@@ -26164,7 +28526,14 @@
             </a:r>
             <a:r>
               <a:rPr lang="en-US" cap="none" dirty="0"/>
-              <a:t> we don't need a wall. What we need is </a:t>
+              <a:t> we don't need a wall.</a:t>
+            </a:r>
+            <a:br>
+              <a:rPr lang="pl-PL" cap="none" dirty="0"/>
+            </a:br>
+            <a:r>
+              <a:rPr lang="en-US" cap="none" dirty="0"/>
+              <a:t>What we need is </a:t>
             </a:r>
             <a:r>
               <a:rPr lang="en-US" cap="none" dirty="0">
@@ -26375,13 +28744,13 @@
   <p:clrMapOvr>
     <a:masterClrMapping/>
   </p:clrMapOvr>
-  <mc:AlternateContent xmlns:mc="http://schemas.openxmlformats.org/markup-compatibility/2006">
-    <mc:Choice xmlns:p14="http://schemas.microsoft.com/office/powerpoint/2010/main" Requires="p14">
+  <mc:AlternateContent xmlns:mc="http://schemas.openxmlformats.org/markup-compatibility/2006" xmlns:p14="http://schemas.microsoft.com/office/powerpoint/2010/main">
+    <mc:Choice Requires="p14">
       <p:transition spd="slow" p14:dur="2500">
         <p:checker/>
       </p:transition>
     </mc:Choice>
-    <mc:Fallback>
+    <mc:Fallback xmlns="">
       <p:transition spd="slow">
         <p:checker/>
       </p:transition>
@@ -26693,7 +29062,7 @@
             </a:r>
             <a:r>
               <a:rPr lang="pl-PL" dirty="0"/>
-              <a:t> of the </a:t>
+              <a:t> to the </a:t>
             </a:r>
             <a:r>
               <a:rPr lang="pl-PL" dirty="0" err="1"/>
@@ -26750,13 +29119,13 @@
   <p:clrMapOvr>
     <a:masterClrMapping/>
   </p:clrMapOvr>
-  <mc:AlternateContent xmlns:mc="http://schemas.openxmlformats.org/markup-compatibility/2006">
-    <mc:Choice xmlns:p14="http://schemas.microsoft.com/office/powerpoint/2010/main" Requires="p14">
+  <mc:AlternateContent xmlns:mc="http://schemas.openxmlformats.org/markup-compatibility/2006" xmlns:p14="http://schemas.microsoft.com/office/powerpoint/2010/main">
+    <mc:Choice Requires="p14">
       <p:transition spd="slow" p14:dur="2500">
         <p:checker/>
       </p:transition>
     </mc:Choice>
-    <mc:Fallback>
+    <mc:Fallback xmlns="">
       <p:transition spd="slow">
         <p:checker/>
       </p:transition>
@@ -26853,7 +29222,13 @@
               <a:t>e are </a:t>
             </a:r>
             <a:r>
-              <a:rPr lang="pl-PL" dirty="0"/>
+              <a:rPr lang="pl-PL" dirty="0">
+                <a:solidFill>
+                  <a:schemeClr val="tx2">
+                    <a:lumMod val="75000"/>
+                  </a:schemeClr>
+                </a:solidFill>
+              </a:rPr>
               <a:t>NOT</a:t>
             </a:r>
             <a:r>
@@ -27371,8 +29746,54 @@
           <a:lstStyle/>
           <a:p>
             <a:r>
+              <a:rPr lang="pl-PL" dirty="0"/>
+              <a:t>Vitalik Buterin: </a:t>
+            </a:r>
+            <a:r>
               <a:rPr lang="pl-PL" dirty="0" err="1"/>
-              <a:t>Vitalik</a:t>
+              <a:t>governance</a:t>
+            </a:r>
+            <a:r>
+              <a:rPr lang="pl-PL" dirty="0"/>
+              <a:t> by </a:t>
+            </a:r>
+            <a:r>
+              <a:rPr lang="pl-PL" dirty="0">
+                <a:solidFill>
+                  <a:schemeClr val="tx2">
+                    <a:lumMod val="75000"/>
+                  </a:schemeClr>
+                </a:solidFill>
+              </a:rPr>
+              <a:t>cryptoeconomics</a:t>
+            </a:r>
+            <a:r>
+              <a:rPr lang="pl-PL" dirty="0"/>
+              <a:t>. I</a:t>
+            </a:r>
+            <a:r>
+              <a:rPr lang="en-US" dirty="0"/>
+              <a:t>f we could only put the right algorithm inside </a:t>
+            </a:r>
+            <a:r>
+              <a:rPr lang="pl-PL" dirty="0"/>
+              <a:t>a</a:t>
+            </a:r>
+            <a:r>
+              <a:rPr lang="en-US" dirty="0"/>
+              <a:t> box</a:t>
+            </a:r>
+            <a:r>
+              <a:rPr lang="pl-PL" dirty="0"/>
+              <a:t>,</a:t>
+            </a:r>
+            <a:r>
+              <a:rPr lang="en-US" dirty="0"/>
+              <a:t> then </a:t>
+            </a:r>
+            <a:r>
+              <a:rPr lang="pl-PL" dirty="0" err="1"/>
+              <a:t>it</a:t>
             </a:r>
             <a:r>
               <a:rPr lang="pl-PL" dirty="0"/>
@@ -27380,11 +29801,33 @@
             </a:r>
             <a:r>
               <a:rPr lang="pl-PL" dirty="0" err="1"/>
-              <a:t>Buterin</a:t>
+              <a:t>could</a:t>
             </a:r>
             <a:r>
               <a:rPr lang="pl-PL" dirty="0"/>
-              <a:t>: </a:t>
+              <a:t> be </a:t>
+            </a:r>
+            <a:r>
+              <a:rPr lang="pl-PL" dirty="0" err="1"/>
+              <a:t>fully</a:t>
+            </a:r>
+            <a:r>
+              <a:rPr lang="pl-PL" dirty="0"/>
+              <a:t> </a:t>
+            </a:r>
+            <a:r>
+              <a:rPr lang="pl-PL" dirty="0" err="1"/>
+              <a:t>autonomous</a:t>
+            </a:r>
+            <a:r>
+              <a:rPr lang="pl-PL" dirty="0"/>
+              <a:t>.</a:t>
+            </a:r>
+          </a:p>
+          <a:p>
+            <a:r>
+              <a:rPr lang="pl-PL" dirty="0"/>
+              <a:t>Daniel Larimer: </a:t>
             </a:r>
             <a:r>
               <a:rPr lang="pl-PL" dirty="0" err="1"/>
@@ -27395,36 +29838,30 @@
               <a:t> by </a:t>
             </a:r>
             <a:r>
+              <a:rPr lang="pl-PL" dirty="0" err="1">
+                <a:solidFill>
+                  <a:schemeClr val="tx2">
+                    <a:lumMod val="75000"/>
+                  </a:schemeClr>
+                </a:solidFill>
+              </a:rPr>
+              <a:t>community</a:t>
+            </a:r>
+            <a:r>
+              <a:rPr lang="pl-PL" dirty="0"/>
+              <a:t>. T</a:t>
+            </a:r>
+            <a:r>
+              <a:rPr lang="en-US" dirty="0"/>
+              <a:t>here is no such thing as a closed economic system</a:t>
+            </a:r>
+            <a:r>
+              <a:rPr lang="pl-PL" dirty="0"/>
+              <a:t>, we </a:t>
+            </a:r>
+            <a:r>
               <a:rPr lang="pl-PL" dirty="0" err="1"/>
-              <a:t>cryptoeconomics</a:t>
-            </a:r>
-            <a:r>
-              <a:rPr lang="pl-PL" dirty="0"/>
-              <a:t>. I</a:t>
-            </a:r>
-            <a:r>
-              <a:rPr lang="en-US" dirty="0"/>
-              <a:t>f we could only put the right algorithm inside </a:t>
-            </a:r>
-            <a:r>
-              <a:rPr lang="pl-PL" dirty="0"/>
-              <a:t>a</a:t>
-            </a:r>
-            <a:r>
-              <a:rPr lang="en-US" dirty="0"/>
-              <a:t> box</a:t>
-            </a:r>
-            <a:r>
-              <a:rPr lang="pl-PL" dirty="0"/>
-              <a:t>,</a:t>
-            </a:r>
-            <a:r>
-              <a:rPr lang="en-US" dirty="0"/>
-              <a:t> then </a:t>
-            </a:r>
-            <a:r>
-              <a:rPr lang="pl-PL" dirty="0" err="1"/>
-              <a:t>it</a:t>
+              <a:t>must</a:t>
             </a:r>
             <a:r>
               <a:rPr lang="pl-PL" dirty="0"/>
@@ -27432,15 +29869,7 @@
             </a:r>
             <a:r>
               <a:rPr lang="pl-PL" dirty="0" err="1"/>
-              <a:t>could</a:t>
-            </a:r>
-            <a:r>
-              <a:rPr lang="pl-PL" dirty="0"/>
-              <a:t> be </a:t>
-            </a:r>
-            <a:r>
-              <a:rPr lang="pl-PL" dirty="0" err="1"/>
-              <a:t>fully</a:t>
+              <a:t>always</a:t>
             </a:r>
             <a:r>
               <a:rPr lang="pl-PL" dirty="0"/>
@@ -27448,87 +29877,52 @@
             </a:r>
             <a:r>
               <a:rPr lang="pl-PL" dirty="0" err="1"/>
-              <a:t>autonomous</a:t>
+              <a:t>rely</a:t>
+            </a:r>
+            <a:r>
+              <a:rPr lang="pl-PL" dirty="0"/>
+              <a:t> on </a:t>
+            </a:r>
+            <a:r>
+              <a:rPr lang="pl-PL" dirty="0" err="1"/>
+              <a:t>external</a:t>
+            </a:r>
+            <a:r>
+              <a:rPr lang="pl-PL" dirty="0"/>
+              <a:t> </a:t>
+            </a:r>
+            <a:r>
+              <a:rPr lang="pl-PL" dirty="0" err="1"/>
+              <a:t>input</a:t>
+            </a:r>
+            <a:r>
+              <a:rPr lang="pl-PL" dirty="0"/>
+              <a:t>, </a:t>
+            </a:r>
+            <a:r>
+              <a:rPr lang="pl-PL" dirty="0" err="1"/>
+              <a:t>such</a:t>
+            </a:r>
+            <a:r>
+              <a:rPr lang="pl-PL" dirty="0"/>
+              <a:t> as </a:t>
+            </a:r>
+            <a:r>
+              <a:rPr lang="pl-PL" dirty="0" err="1"/>
+              <a:t>human</a:t>
+            </a:r>
+            <a:r>
+              <a:rPr lang="pl-PL" dirty="0"/>
+              <a:t> </a:t>
+            </a:r>
+            <a:r>
+              <a:rPr lang="pl-PL" dirty="0" err="1"/>
+              <a:t>judgement</a:t>
             </a:r>
             <a:r>
               <a:rPr lang="pl-PL" dirty="0"/>
               <a:t>.</a:t>
             </a:r>
-          </a:p>
-          <a:p>
-            <a:r>
-              <a:rPr lang="pl-PL" dirty="0"/>
-              <a:t>Daniel Larimer: t</a:t>
-            </a:r>
-            <a:r>
-              <a:rPr lang="en-US" dirty="0"/>
-              <a:t>here is no such thing as a closed economic system</a:t>
-            </a:r>
-            <a:r>
-              <a:rPr lang="pl-PL" dirty="0"/>
-              <a:t>, we </a:t>
-            </a:r>
-            <a:r>
-              <a:rPr lang="pl-PL" dirty="0" err="1"/>
-              <a:t>must</a:t>
-            </a:r>
-            <a:r>
-              <a:rPr lang="pl-PL" dirty="0"/>
-              <a:t> </a:t>
-            </a:r>
-            <a:r>
-              <a:rPr lang="pl-PL" dirty="0" err="1"/>
-              <a:t>always</a:t>
-            </a:r>
-            <a:r>
-              <a:rPr lang="pl-PL" dirty="0"/>
-              <a:t> </a:t>
-            </a:r>
-            <a:r>
-              <a:rPr lang="pl-PL" dirty="0" err="1"/>
-              <a:t>rely</a:t>
-            </a:r>
-            <a:r>
-              <a:rPr lang="pl-PL" dirty="0"/>
-              <a:t> on </a:t>
-            </a:r>
-            <a:r>
-              <a:rPr lang="pl-PL" dirty="0" err="1"/>
-              <a:t>external</a:t>
-            </a:r>
-            <a:r>
-              <a:rPr lang="pl-PL" dirty="0"/>
-              <a:t> </a:t>
-            </a:r>
-            <a:r>
-              <a:rPr lang="pl-PL" dirty="0" err="1"/>
-              <a:t>input</a:t>
-            </a:r>
-            <a:r>
-              <a:rPr lang="pl-PL" dirty="0"/>
-              <a:t>, </a:t>
-            </a:r>
-            <a:r>
-              <a:rPr lang="pl-PL" dirty="0" err="1"/>
-              <a:t>such</a:t>
-            </a:r>
-            <a:r>
-              <a:rPr lang="pl-PL" dirty="0"/>
-              <a:t> as </a:t>
-            </a:r>
-            <a:r>
-              <a:rPr lang="pl-PL" dirty="0" err="1"/>
-              <a:t>human</a:t>
-            </a:r>
-            <a:r>
-              <a:rPr lang="pl-PL" dirty="0"/>
-              <a:t> </a:t>
-            </a:r>
-            <a:r>
-              <a:rPr lang="pl-PL" dirty="0" err="1"/>
-              <a:t>judgement</a:t>
-            </a:r>
-            <a:endParaRPr lang="pl-PL" dirty="0"/>
           </a:p>
         </p:txBody>
       </p:sp>
@@ -27542,13 +29936,13 @@
   <p:clrMapOvr>
     <a:masterClrMapping/>
   </p:clrMapOvr>
-  <mc:AlternateContent xmlns:mc="http://schemas.openxmlformats.org/markup-compatibility/2006">
-    <mc:Choice xmlns:p14="http://schemas.microsoft.com/office/powerpoint/2010/main" Requires="p14">
+  <mc:AlternateContent xmlns:mc="http://schemas.openxmlformats.org/markup-compatibility/2006" xmlns:p14="http://schemas.microsoft.com/office/powerpoint/2010/main">
+    <mc:Choice Requires="p14">
       <p:transition spd="slow" p14:dur="2500">
         <p:checker/>
       </p:transition>
     </mc:Choice>
-    <mc:Fallback>
+    <mc:Fallback xmlns="">
       <p:transition spd="slow">
         <p:checker/>
       </p:transition>
@@ -27711,13 +30105,13 @@
   <p:clrMapOvr>
     <a:masterClrMapping/>
   </p:clrMapOvr>
-  <mc:AlternateContent xmlns:mc="http://schemas.openxmlformats.org/markup-compatibility/2006">
-    <mc:Choice xmlns:p14="http://schemas.microsoft.com/office/powerpoint/2010/main" Requires="p14">
+  <mc:AlternateContent xmlns:mc="http://schemas.openxmlformats.org/markup-compatibility/2006" xmlns:p14="http://schemas.microsoft.com/office/powerpoint/2010/main">
+    <mc:Choice Requires="p14">
       <p:transition spd="slow" p14:dur="2500">
         <p:checker/>
       </p:transition>
     </mc:Choice>
-    <mc:Fallback>
+    <mc:Fallback xmlns="">
       <p:transition spd="slow">
         <p:checker/>
       </p:transition>
@@ -28262,13 +30656,13 @@
   <p:clrMapOvr>
     <a:masterClrMapping/>
   </p:clrMapOvr>
-  <mc:AlternateContent xmlns:mc="http://schemas.openxmlformats.org/markup-compatibility/2006">
-    <mc:Choice xmlns:p14="http://schemas.microsoft.com/office/powerpoint/2010/main" Requires="p14">
+  <mc:AlternateContent xmlns:mc="http://schemas.openxmlformats.org/markup-compatibility/2006" xmlns:p14="http://schemas.microsoft.com/office/powerpoint/2010/main">
+    <mc:Choice Requires="p14">
       <p:transition spd="slow" p14:dur="2500">
         <p:checker/>
       </p:transition>
     </mc:Choice>
-    <mc:Fallback>
+    <mc:Fallback xmlns="">
       <p:transition spd="slow">
         <p:checker/>
       </p:transition>
@@ -31699,13 +34093,13 @@
   <p:clrMapOvr>
     <a:masterClrMapping/>
   </p:clrMapOvr>
-  <mc:AlternateContent xmlns:mc="http://schemas.openxmlformats.org/markup-compatibility/2006">
-    <mc:Choice xmlns:p14="http://schemas.microsoft.com/office/powerpoint/2010/main" Requires="p14">
+  <mc:AlternateContent xmlns:mc="http://schemas.openxmlformats.org/markup-compatibility/2006" xmlns:p14="http://schemas.microsoft.com/office/powerpoint/2010/main">
+    <mc:Choice Requires="p14">
       <p:transition spd="slow" p14:dur="2500">
         <p:checker/>
       </p:transition>
     </mc:Choice>
-    <mc:Fallback>
+    <mc:Fallback xmlns="">
       <p:transition spd="slow">
         <p:checker/>
       </p:transition>
@@ -31937,13 +34331,13 @@
   <p:clrMapOvr>
     <a:masterClrMapping/>
   </p:clrMapOvr>
-  <mc:AlternateContent xmlns:mc="http://schemas.openxmlformats.org/markup-compatibility/2006">
-    <mc:Choice xmlns:p14="http://schemas.microsoft.com/office/powerpoint/2010/main" Requires="p14">
+  <mc:AlternateContent xmlns:mc="http://schemas.openxmlformats.org/markup-compatibility/2006" xmlns:p14="http://schemas.microsoft.com/office/powerpoint/2010/main">
+    <mc:Choice Requires="p14">
       <p:transition spd="slow" p14:dur="2500">
         <p:checker/>
       </p:transition>
     </mc:Choice>
-    <mc:Fallback>
+    <mc:Fallback xmlns="">
       <p:transition spd="slow">
         <p:checker/>
       </p:transition>
@@ -33716,13 +36110,13 @@
   <p:clrMapOvr>
     <a:masterClrMapping/>
   </p:clrMapOvr>
-  <mc:AlternateContent xmlns:mc="http://schemas.openxmlformats.org/markup-compatibility/2006">
-    <mc:Choice xmlns:p14="http://schemas.microsoft.com/office/powerpoint/2010/main" Requires="p14">
+  <mc:AlternateContent xmlns:mc="http://schemas.openxmlformats.org/markup-compatibility/2006" xmlns:p14="http://schemas.microsoft.com/office/powerpoint/2010/main">
+    <mc:Choice Requires="p14">
       <p:transition spd="slow" p14:dur="2500">
         <p:checker/>
       </p:transition>
     </mc:Choice>
-    <mc:Fallback>
+    <mc:Fallback xmlns="">
       <p:transition spd="slow">
         <p:checker/>
       </p:transition>
@@ -34976,63 +37370,39 @@
             </a:r>
             <a:r>
               <a:rPr lang="pl-PL" dirty="0"/>
-              <a:t> FORMS OF BLOCKCHAINS</a:t>
+              <a:t> FORMS OF BLOCKCHAIN</a:t>
             </a:r>
           </a:p>
         </p:txBody>
       </p:sp>
-      <p:sp>
-        <p:nvSpPr>
-          <p:cNvPr id="3" name="Content Placeholder 2">
+      <p:graphicFrame>
+        <p:nvGraphicFramePr>
+          <p:cNvPr id="5" name="Diagram 4">
             <a:extLst>
               <a:ext uri="{FF2B5EF4-FFF2-40B4-BE49-F238E27FC236}">
-                <a16:creationId xmlns:a16="http://schemas.microsoft.com/office/drawing/2014/main" id="{21BC3B13-91C2-4964-A2E1-5141059D33C9}"/>
+                <a16:creationId xmlns:a16="http://schemas.microsoft.com/office/drawing/2014/main" id="{7D65F6E9-8C68-42AC-9AC8-0F1072D914E1}"/>
               </a:ext>
             </a:extLst>
           </p:cNvPr>
-          <p:cNvSpPr>
-            <a:spLocks noGrp="1"/>
-          </p:cNvSpPr>
+          <p:cNvGraphicFramePr/>
           <p:nvPr>
-            <p:ph idx="1"/>
+            <p:extLst>
+              <p:ext uri="{D42A27DB-BD31-4B8C-83A1-F6EECF244321}">
+                <p14:modId xmlns:p14="http://schemas.microsoft.com/office/powerpoint/2010/main" val="3687512247"/>
+              </p:ext>
+            </p:extLst>
           </p:nvPr>
-        </p:nvSpPr>
-        <p:spPr/>
-        <p:txBody>
-          <a:bodyPr/>
-          <a:lstStyle/>
-          <a:p>
-            <a:r>
-              <a:rPr lang="pl-PL" dirty="0" err="1"/>
-              <a:t>Unpermissioned</a:t>
-            </a:r>
-            <a:r>
-              <a:rPr lang="pl-PL" dirty="0"/>
-              <a:t> </a:t>
-            </a:r>
-            <a:r>
-              <a:rPr lang="pl-PL" dirty="0" err="1"/>
-              <a:t>blockchains</a:t>
-            </a:r>
-            <a:endParaRPr lang="pl-PL" dirty="0"/>
-          </a:p>
-          <a:p>
-            <a:r>
-              <a:rPr lang="pl-PL" dirty="0" err="1"/>
-              <a:t>Permissioned</a:t>
-            </a:r>
-            <a:r>
-              <a:rPr lang="pl-PL" dirty="0"/>
-              <a:t> </a:t>
-            </a:r>
-            <a:r>
-              <a:rPr lang="pl-PL" dirty="0" err="1"/>
-              <a:t>blockchains</a:t>
-            </a:r>
-            <a:endParaRPr lang="pl-PL" dirty="0"/>
-          </a:p>
-        </p:txBody>
-      </p:sp>
+        </p:nvGraphicFramePr>
+        <p:xfrm>
+          <a:off x="3254103" y="2097088"/>
+          <a:ext cx="5683794" cy="3408197"/>
+        </p:xfrm>
+        <a:graphic>
+          <a:graphicData uri="http://schemas.openxmlformats.org/drawingml/2006/diagram">
+            <dgm:relIds xmlns:dgm="http://schemas.openxmlformats.org/drawingml/2006/diagram" xmlns:r="http://schemas.openxmlformats.org/officeDocument/2006/relationships" r:dm="rId2" r:lo="rId3" r:qs="rId4" r:cs="rId5"/>
+          </a:graphicData>
+        </a:graphic>
+      </p:graphicFrame>
     </p:spTree>
     <p:extLst>
       <p:ext uri="{BB962C8B-B14F-4D97-AF65-F5344CB8AC3E}">
@@ -35233,7 +37603,7 @@
             </a:r>
             <a:r>
               <a:rPr lang="pl-PL" dirty="0"/>
-              <a:t> / </a:t>
+              <a:t> &amp; „</a:t>
             </a:r>
             <a:r>
               <a:rPr lang="pl-PL" dirty="0" err="1"/>
@@ -35241,7 +37611,7 @@
             </a:r>
             <a:r>
               <a:rPr lang="pl-PL" dirty="0"/>
-              <a:t> west</a:t>
+              <a:t> west”</a:t>
             </a:r>
           </a:p>
         </p:txBody>
@@ -35553,15 +37923,27 @@
             </a:r>
             <a:r>
               <a:rPr lang="pl-PL" dirty="0" err="1"/>
-              <a:t>also</a:t>
+              <a:t>means</a:t>
             </a:r>
             <a:r>
               <a:rPr lang="pl-PL" dirty="0"/>
               <a:t> </a:t>
             </a:r>
             <a:r>
+              <a:rPr lang="en-US" dirty="0"/>
+              <a:t>lot</a:t>
+            </a:r>
+            <a:r>
+              <a:rPr lang="pl-PL" dirty="0"/>
+              <a:t>s</a:t>
+            </a:r>
+            <a:r>
+              <a:rPr lang="en-US" dirty="0"/>
+              <a:t> of things </a:t>
+            </a:r>
+            <a:r>
               <a:rPr lang="pl-PL" dirty="0" err="1"/>
-              <a:t>means</a:t>
+              <a:t>can</a:t>
             </a:r>
             <a:r>
               <a:rPr lang="pl-PL" dirty="0"/>
@@ -35569,15 +37951,7 @@
             </a:r>
             <a:r>
               <a:rPr lang="en-US" dirty="0"/>
-              <a:t>lot</a:t>
-            </a:r>
-            <a:r>
-              <a:rPr lang="pl-PL" dirty="0"/>
-              <a:t>s</a:t>
-            </a:r>
-            <a:r>
-              <a:rPr lang="en-US" dirty="0"/>
-              <a:t> of things which can go wrong</a:t>
+              <a:t>go wrong</a:t>
             </a:r>
             <a:r>
               <a:rPr lang="pl-PL" dirty="0"/>
@@ -35878,23 +38252,47 @@
           <a:p>
             <a:r>
               <a:rPr lang="pl-PL" dirty="0"/>
-              <a:t>In real-life the </a:t>
+              <a:t>In real-life </a:t>
             </a:r>
             <a:r>
               <a:rPr lang="pl-PL" dirty="0" err="1"/>
-              <a:t>legal</a:t>
-            </a:r>
-            <a:r>
-              <a:rPr lang="pl-PL" dirty="0"/>
-              <a:t> system </a:t>
-            </a:r>
-            <a:r>
-              <a:rPr lang="pl-PL" dirty="0" err="1"/>
-              <a:t>offers</a:t>
+              <a:t>there</a:t>
             </a:r>
             <a:r>
               <a:rPr lang="pl-PL" dirty="0"/>
               <a:t> </a:t>
+            </a:r>
+            <a:r>
+              <a:rPr lang="pl-PL" dirty="0" err="1"/>
+              <a:t>are</a:t>
+            </a:r>
+            <a:r>
+              <a:rPr lang="pl-PL" dirty="0"/>
+              <a:t> </a:t>
+            </a:r>
+            <a:r>
+              <a:rPr lang="pl-PL" dirty="0" err="1"/>
+              <a:t>safety</a:t>
+            </a:r>
+            <a:r>
+              <a:rPr lang="pl-PL" dirty="0"/>
+              <a:t> </a:t>
+            </a:r>
+            <a:r>
+              <a:rPr lang="pl-PL" dirty="0" err="1"/>
+              <a:t>mechanisms</a:t>
+            </a:r>
+            <a:r>
+              <a:rPr lang="pl-PL" dirty="0"/>
+              <a:t>, </a:t>
+            </a:r>
+            <a:r>
+              <a:rPr lang="pl-PL" dirty="0" err="1"/>
+              <a:t>e.g</a:t>
+            </a:r>
+            <a:r>
+              <a:rPr lang="pl-PL" dirty="0"/>
+              <a:t>. </a:t>
             </a:r>
             <a:r>
               <a:rPr lang="pl-PL" dirty="0" err="1"/>

--- a/eostalk/EOS Talk Lodz2.pptx
+++ b/eostalk/EOS Talk Lodz2.pptx
@@ -5,7 +5,7 @@
     <p:sldMasterId id="2147483660" r:id="rId1"/>
   </p:sldMasterIdLst>
   <p:notesMasterIdLst>
-    <p:notesMasterId r:id="rId36"/>
+    <p:notesMasterId r:id="rId37"/>
   </p:notesMasterIdLst>
   <p:sldIdLst>
     <p:sldId id="256" r:id="rId2"/>
@@ -24,24 +24,25 @@
     <p:sldId id="410" r:id="rId15"/>
     <p:sldId id="411" r:id="rId16"/>
     <p:sldId id="412" r:id="rId17"/>
-    <p:sldId id="279" r:id="rId18"/>
-    <p:sldId id="398" r:id="rId19"/>
-    <p:sldId id="413" r:id="rId20"/>
-    <p:sldId id="323" r:id="rId21"/>
-    <p:sldId id="414" r:id="rId22"/>
-    <p:sldId id="416" r:id="rId23"/>
-    <p:sldId id="415" r:id="rId24"/>
-    <p:sldId id="361" r:id="rId25"/>
-    <p:sldId id="391" r:id="rId26"/>
-    <p:sldId id="392" r:id="rId27"/>
-    <p:sldId id="375" r:id="rId28"/>
-    <p:sldId id="363" r:id="rId29"/>
-    <p:sldId id="390" r:id="rId30"/>
-    <p:sldId id="338" r:id="rId31"/>
-    <p:sldId id="399" r:id="rId32"/>
-    <p:sldId id="313" r:id="rId33"/>
-    <p:sldId id="397" r:id="rId34"/>
-    <p:sldId id="317" r:id="rId35"/>
+    <p:sldId id="417" r:id="rId18"/>
+    <p:sldId id="279" r:id="rId19"/>
+    <p:sldId id="398" r:id="rId20"/>
+    <p:sldId id="413" r:id="rId21"/>
+    <p:sldId id="323" r:id="rId22"/>
+    <p:sldId id="414" r:id="rId23"/>
+    <p:sldId id="416" r:id="rId24"/>
+    <p:sldId id="415" r:id="rId25"/>
+    <p:sldId id="361" r:id="rId26"/>
+    <p:sldId id="391" r:id="rId27"/>
+    <p:sldId id="392" r:id="rId28"/>
+    <p:sldId id="375" r:id="rId29"/>
+    <p:sldId id="363" r:id="rId30"/>
+    <p:sldId id="390" r:id="rId31"/>
+    <p:sldId id="338" r:id="rId32"/>
+    <p:sldId id="399" r:id="rId33"/>
+    <p:sldId id="313" r:id="rId34"/>
+    <p:sldId id="397" r:id="rId35"/>
+    <p:sldId id="317" r:id="rId36"/>
   </p:sldIdLst>
   <p:sldSz cx="12192000" cy="6858000"/>
   <p:notesSz cx="6858000" cy="9144000"/>
@@ -13654,7 +13655,7 @@
           <a:p>
             <a:fld id="{0028CEC6-6647-4E08-96EC-6F66E0D22DB5}" type="slidenum">
               <a:rPr lang="en-US" smtClean="0"/>
-              <a:t>23</a:t>
+              <a:t>24</a:t>
             </a:fld>
             <a:endParaRPr lang="en-US" dirty="0"/>
           </a:p>
@@ -13738,7 +13739,7 @@
           <a:p>
             <a:fld id="{0028CEC6-6647-4E08-96EC-6F66E0D22DB5}" type="slidenum">
               <a:rPr lang="en-US" smtClean="0"/>
-              <a:t>24</a:t>
+              <a:t>25</a:t>
             </a:fld>
             <a:endParaRPr lang="en-US" dirty="0"/>
           </a:p>
@@ -13822,7 +13823,7 @@
           <a:p>
             <a:fld id="{0028CEC6-6647-4E08-96EC-6F66E0D22DB5}" type="slidenum">
               <a:rPr lang="en-US" smtClean="0"/>
-              <a:t>27</a:t>
+              <a:t>28</a:t>
             </a:fld>
             <a:endParaRPr lang="en-US" dirty="0"/>
           </a:p>
@@ -13906,7 +13907,7 @@
           <a:p>
             <a:fld id="{0028CEC6-6647-4E08-96EC-6F66E0D22DB5}" type="slidenum">
               <a:rPr lang="en-US" smtClean="0"/>
-              <a:t>31</a:t>
+              <a:t>32</a:t>
             </a:fld>
             <a:endParaRPr lang="en-US" dirty="0"/>
           </a:p>
@@ -13990,7 +13991,7 @@
           <a:p>
             <a:fld id="{0028CEC6-6647-4E08-96EC-6F66E0D22DB5}" type="slidenum">
               <a:rPr lang="en-US" smtClean="0"/>
-              <a:t>32</a:t>
+              <a:t>33</a:t>
             </a:fld>
             <a:endParaRPr lang="en-US" dirty="0"/>
           </a:p>
@@ -14502,7 +14503,7 @@
           <a:p>
             <a:fld id="{0028CEC6-6647-4E08-96EC-6F66E0D22DB5}" type="slidenum">
               <a:rPr lang="en-US" smtClean="0"/>
-              <a:t>17</a:t>
+              <a:t>18</a:t>
             </a:fld>
             <a:endParaRPr lang="en-US" dirty="0"/>
           </a:p>
@@ -14586,7 +14587,7 @@
           <a:p>
             <a:fld id="{0028CEC6-6647-4E08-96EC-6F66E0D22DB5}" type="slidenum">
               <a:rPr lang="en-US" smtClean="0"/>
-              <a:t>18</a:t>
+              <a:t>19</a:t>
             </a:fld>
             <a:endParaRPr lang="en-US" dirty="0"/>
           </a:p>
@@ -14670,7 +14671,7 @@
           <a:p>
             <a:fld id="{0028CEC6-6647-4E08-96EC-6F66E0D22DB5}" type="slidenum">
               <a:rPr lang="en-US" smtClean="0"/>
-              <a:t>20</a:t>
+              <a:t>21</a:t>
             </a:fld>
             <a:endParaRPr lang="en-US" dirty="0"/>
           </a:p>
@@ -14757,7 +14758,7 @@
             </a:ln>
             <a:extLst>
               <a:ext uri="{91240B29-F687-4f45-9708-019B960494DF}">
-                <a14:hiddenLine xmlns="" xmlns:a14="http://schemas.microsoft.com/office/drawing/2010/main" w="9525">
+                <a14:hiddenLine xmlns:a14="http://schemas.microsoft.com/office/drawing/2010/main" xmlns="" w="9525">
                   <a:solidFill>
                     <a:srgbClr val="000000"/>
                   </a:solidFill>
@@ -14847,7 +14848,7 @@
             </a:ln>
             <a:extLst>
               <a:ext uri="{91240B29-F687-4f45-9708-019B960494DF}">
-                <a14:hiddenLine xmlns="" xmlns:a14="http://schemas.microsoft.com/office/drawing/2010/main" w="9525">
+                <a14:hiddenLine xmlns:a14="http://schemas.microsoft.com/office/drawing/2010/main" xmlns="" w="9525">
                   <a:solidFill>
                     <a:srgbClr val="000000"/>
                   </a:solidFill>
@@ -14937,7 +14938,7 @@
             </a:ln>
             <a:extLst>
               <a:ext uri="{91240B29-F687-4f45-9708-019B960494DF}">
-                <a14:hiddenLine xmlns="" xmlns:a14="http://schemas.microsoft.com/office/drawing/2010/main" w="9525">
+                <a14:hiddenLine xmlns:a14="http://schemas.microsoft.com/office/drawing/2010/main" xmlns="" w="9525">
                   <a:solidFill>
                     <a:srgbClr val="000000"/>
                   </a:solidFill>
@@ -14971,7 +14972,7 @@
             </a:ln>
             <a:extLst>
               <a:ext uri="{91240B29-F687-4f45-9708-019B960494DF}">
-                <a14:hiddenLine xmlns="" xmlns:a14="http://schemas.microsoft.com/office/drawing/2010/main" w="9525">
+                <a14:hiddenLine xmlns:a14="http://schemas.microsoft.com/office/drawing/2010/main" xmlns="" w="9525">
                   <a:solidFill>
                     <a:srgbClr val="000000"/>
                   </a:solidFill>
@@ -15061,7 +15062,7 @@
             </a:ln>
             <a:extLst>
               <a:ext uri="{91240B29-F687-4f45-9708-019B960494DF}">
-                <a14:hiddenLine xmlns="" xmlns:a14="http://schemas.microsoft.com/office/drawing/2010/main" w="9525">
+                <a14:hiddenLine xmlns:a14="http://schemas.microsoft.com/office/drawing/2010/main" xmlns="" w="9525">
                   <a:solidFill>
                     <a:srgbClr val="000000"/>
                   </a:solidFill>
@@ -15123,7 +15124,7 @@
             </a:ln>
             <a:extLst>
               <a:ext uri="{91240B29-F687-4f45-9708-019B960494DF}">
-                <a14:hiddenLine xmlns="" xmlns:a14="http://schemas.microsoft.com/office/drawing/2010/main" w="9525">
+                <a14:hiddenLine xmlns:a14="http://schemas.microsoft.com/office/drawing/2010/main" xmlns="" w="9525">
                   <a:solidFill>
                     <a:srgbClr val="000000"/>
                   </a:solidFill>
@@ -15185,7 +15186,7 @@
             </a:ln>
             <a:extLst>
               <a:ext uri="{91240B29-F687-4f45-9708-019B960494DF}">
-                <a14:hiddenLine xmlns="" xmlns:a14="http://schemas.microsoft.com/office/drawing/2010/main" w="9525">
+                <a14:hiddenLine xmlns:a14="http://schemas.microsoft.com/office/drawing/2010/main" xmlns="" w="9525">
                   <a:solidFill>
                     <a:srgbClr val="000000"/>
                   </a:solidFill>
@@ -15275,7 +15276,7 @@
             </a:ln>
             <a:extLst>
               <a:ext uri="{91240B29-F687-4f45-9708-019B960494DF}">
-                <a14:hiddenLine xmlns="" xmlns:a14="http://schemas.microsoft.com/office/drawing/2010/main" w="9525">
+                <a14:hiddenLine xmlns:a14="http://schemas.microsoft.com/office/drawing/2010/main" xmlns="" w="9525">
                   <a:solidFill>
                     <a:srgbClr val="000000"/>
                   </a:solidFill>
@@ -15337,7 +15338,7 @@
             </a:ln>
             <a:extLst>
               <a:ext uri="{91240B29-F687-4f45-9708-019B960494DF}">
-                <a14:hiddenLine xmlns="" xmlns:a14="http://schemas.microsoft.com/office/drawing/2010/main" w="9525">
+                <a14:hiddenLine xmlns:a14="http://schemas.microsoft.com/office/drawing/2010/main" xmlns="" w="9525">
                   <a:solidFill>
                     <a:srgbClr val="000000"/>
                   </a:solidFill>
@@ -15399,7 +15400,7 @@
             </a:ln>
             <a:extLst>
               <a:ext uri="{91240B29-F687-4f45-9708-019B960494DF}">
-                <a14:hiddenLine xmlns="" xmlns:a14="http://schemas.microsoft.com/office/drawing/2010/main" w="9525">
+                <a14:hiddenLine xmlns:a14="http://schemas.microsoft.com/office/drawing/2010/main" xmlns="" w="9525">
                   <a:solidFill>
                     <a:srgbClr val="000000"/>
                   </a:solidFill>
@@ -15489,7 +15490,7 @@
             </a:ln>
             <a:extLst>
               <a:ext uri="{91240B29-F687-4f45-9708-019B960494DF}">
-                <a14:hiddenLine xmlns="" xmlns:a14="http://schemas.microsoft.com/office/drawing/2010/main" w="9525">
+                <a14:hiddenLine xmlns:a14="http://schemas.microsoft.com/office/drawing/2010/main" xmlns="" w="9525">
                   <a:solidFill>
                     <a:srgbClr val="000000"/>
                   </a:solidFill>
@@ -15579,7 +15580,7 @@
             </a:ln>
             <a:extLst>
               <a:ext uri="{91240B29-F687-4f45-9708-019B960494DF}">
-                <a14:hiddenLine xmlns="" xmlns:a14="http://schemas.microsoft.com/office/drawing/2010/main" w="9525">
+                <a14:hiddenLine xmlns:a14="http://schemas.microsoft.com/office/drawing/2010/main" xmlns="" w="9525">
                   <a:solidFill>
                     <a:srgbClr val="000000"/>
                   </a:solidFill>
@@ -15641,7 +15642,7 @@
             </a:ln>
             <a:extLst>
               <a:ext uri="{91240B29-F687-4f45-9708-019B960494DF}">
-                <a14:hiddenLine xmlns="" xmlns:a14="http://schemas.microsoft.com/office/drawing/2010/main" w="9525">
+                <a14:hiddenLine xmlns:a14="http://schemas.microsoft.com/office/drawing/2010/main" xmlns="" w="9525">
                   <a:solidFill>
                     <a:srgbClr val="000000"/>
                   </a:solidFill>
@@ -15751,7 +15752,7 @@
             </a:ln>
             <a:extLst>
               <a:ext uri="{91240B29-F687-4f45-9708-019B960494DF}">
-                <a14:hiddenLine xmlns="" xmlns:a14="http://schemas.microsoft.com/office/drawing/2010/main" w="9525">
+                <a14:hiddenLine xmlns:a14="http://schemas.microsoft.com/office/drawing/2010/main" xmlns="" w="9525">
                   <a:solidFill>
                     <a:srgbClr val="000000"/>
                   </a:solidFill>
@@ -15813,7 +15814,7 @@
             </a:ln>
             <a:extLst>
               <a:ext uri="{91240B29-F687-4f45-9708-019B960494DF}">
-                <a14:hiddenLine xmlns="" xmlns:a14="http://schemas.microsoft.com/office/drawing/2010/main" w="9525">
+                <a14:hiddenLine xmlns:a14="http://schemas.microsoft.com/office/drawing/2010/main" xmlns="" w="9525">
                   <a:solidFill>
                     <a:srgbClr val="000000"/>
                   </a:solidFill>
@@ -15903,7 +15904,7 @@
             </a:ln>
             <a:extLst>
               <a:ext uri="{91240B29-F687-4f45-9708-019B960494DF}">
-                <a14:hiddenLine xmlns="" xmlns:a14="http://schemas.microsoft.com/office/drawing/2010/main" w="9525">
+                <a14:hiddenLine xmlns:a14="http://schemas.microsoft.com/office/drawing/2010/main" xmlns="" w="9525">
                   <a:solidFill>
                     <a:srgbClr val="000000"/>
                   </a:solidFill>
@@ -15993,7 +15994,7 @@
             </a:ln>
             <a:extLst>
               <a:ext uri="{91240B29-F687-4f45-9708-019B960494DF}">
-                <a14:hiddenLine xmlns="" xmlns:a14="http://schemas.microsoft.com/office/drawing/2010/main" w="9525">
+                <a14:hiddenLine xmlns:a14="http://schemas.microsoft.com/office/drawing/2010/main" xmlns="" w="9525">
                   <a:solidFill>
                     <a:srgbClr val="000000"/>
                   </a:solidFill>
@@ -16055,7 +16056,7 @@
             </a:ln>
             <a:extLst>
               <a:ext uri="{91240B29-F687-4f45-9708-019B960494DF}">
-                <a14:hiddenLine xmlns="" xmlns:a14="http://schemas.microsoft.com/office/drawing/2010/main" w="9525">
+                <a14:hiddenLine xmlns:a14="http://schemas.microsoft.com/office/drawing/2010/main" xmlns="" w="9525">
                   <a:solidFill>
                     <a:srgbClr val="000000"/>
                   </a:solidFill>
@@ -16145,7 +16146,7 @@
             </a:ln>
             <a:extLst>
               <a:ext uri="{91240B29-F687-4f45-9708-019B960494DF}">
-                <a14:hiddenLine xmlns="" xmlns:a14="http://schemas.microsoft.com/office/drawing/2010/main" w="9525">
+                <a14:hiddenLine xmlns:a14="http://schemas.microsoft.com/office/drawing/2010/main" xmlns="" w="9525">
                   <a:solidFill>
                     <a:srgbClr val="000000"/>
                   </a:solidFill>
@@ -16235,7 +16236,7 @@
             </a:ln>
             <a:extLst>
               <a:ext uri="{91240B29-F687-4f45-9708-019B960494DF}">
-                <a14:hiddenLine xmlns="" xmlns:a14="http://schemas.microsoft.com/office/drawing/2010/main" w="9525">
+                <a14:hiddenLine xmlns:a14="http://schemas.microsoft.com/office/drawing/2010/main" xmlns="" w="9525">
                   <a:solidFill>
                     <a:srgbClr val="000000"/>
                   </a:solidFill>
@@ -16291,7 +16292,7 @@
             </a:ln>
             <a:extLst>
               <a:ext uri="{91240B29-F687-4f45-9708-019B960494DF}">
-                <a14:hiddenLine xmlns="" xmlns:a14="http://schemas.microsoft.com/office/drawing/2010/main" w="9525">
+                <a14:hiddenLine xmlns:a14="http://schemas.microsoft.com/office/drawing/2010/main" xmlns="" w="9525">
                   <a:solidFill>
                     <a:srgbClr val="000000"/>
                   </a:solidFill>
@@ -16381,7 +16382,7 @@
             </a:ln>
             <a:extLst>
               <a:ext uri="{91240B29-F687-4f45-9708-019B960494DF}">
-                <a14:hiddenLine xmlns="" xmlns:a14="http://schemas.microsoft.com/office/drawing/2010/main" w="9525">
+                <a14:hiddenLine xmlns:a14="http://schemas.microsoft.com/office/drawing/2010/main" xmlns="" w="9525">
                   <a:solidFill>
                     <a:srgbClr val="000000"/>
                   </a:solidFill>
@@ -16437,7 +16438,7 @@
             </a:ln>
             <a:extLst>
               <a:ext uri="{91240B29-F687-4f45-9708-019B960494DF}">
-                <a14:hiddenLine xmlns="" xmlns:a14="http://schemas.microsoft.com/office/drawing/2010/main" w="9525">
+                <a14:hiddenLine xmlns:a14="http://schemas.microsoft.com/office/drawing/2010/main" xmlns="" w="9525">
                   <a:solidFill>
                     <a:srgbClr val="000000"/>
                   </a:solidFill>
@@ -16527,7 +16528,7 @@
             </a:ln>
             <a:extLst>
               <a:ext uri="{91240B29-F687-4f45-9708-019B960494DF}">
-                <a14:hiddenLine xmlns="" xmlns:a14="http://schemas.microsoft.com/office/drawing/2010/main" w="9525">
+                <a14:hiddenLine xmlns:a14="http://schemas.microsoft.com/office/drawing/2010/main" xmlns="" w="9525">
                   <a:solidFill>
                     <a:srgbClr val="000000"/>
                   </a:solidFill>
@@ -16595,7 +16596,7 @@
             </a:ln>
             <a:extLst>
               <a:ext uri="{91240B29-F687-4f45-9708-019B960494DF}">
-                <a14:hiddenLine xmlns="" xmlns:a14="http://schemas.microsoft.com/office/drawing/2010/main" w="9525">
+                <a14:hiddenLine xmlns:a14="http://schemas.microsoft.com/office/drawing/2010/main" xmlns="" w="9525">
                   <a:solidFill>
                     <a:srgbClr val="000000"/>
                   </a:solidFill>
@@ -16685,7 +16686,7 @@
             </a:ln>
             <a:extLst>
               <a:ext uri="{91240B29-F687-4f45-9708-019B960494DF}">
-                <a14:hiddenLine xmlns="" xmlns:a14="http://schemas.microsoft.com/office/drawing/2010/main" w="9525">
+                <a14:hiddenLine xmlns:a14="http://schemas.microsoft.com/office/drawing/2010/main" xmlns="" w="9525">
                   <a:solidFill>
                     <a:srgbClr val="000000"/>
                   </a:solidFill>
@@ -16753,7 +16754,7 @@
             </a:ln>
             <a:extLst>
               <a:ext uri="{91240B29-F687-4f45-9708-019B960494DF}">
-                <a14:hiddenLine xmlns="" xmlns:a14="http://schemas.microsoft.com/office/drawing/2010/main" w="9525">
+                <a14:hiddenLine xmlns:a14="http://schemas.microsoft.com/office/drawing/2010/main" xmlns="" w="9525">
                   <a:solidFill>
                     <a:srgbClr val="000000"/>
                   </a:solidFill>
@@ -16843,7 +16844,7 @@
             </a:ln>
             <a:extLst>
               <a:ext uri="{91240B29-F687-4f45-9708-019B960494DF}">
-                <a14:hiddenLine xmlns="" xmlns:a14="http://schemas.microsoft.com/office/drawing/2010/main" w="9525">
+                <a14:hiddenLine xmlns:a14="http://schemas.microsoft.com/office/drawing/2010/main" xmlns="" w="9525">
                   <a:solidFill>
                     <a:srgbClr val="000000"/>
                   </a:solidFill>
@@ -16877,7 +16878,7 @@
             </a:ln>
             <a:extLst>
               <a:ext uri="{91240B29-F687-4f45-9708-019B960494DF}">
-                <a14:hiddenLine xmlns="" xmlns:a14="http://schemas.microsoft.com/office/drawing/2010/main" w="9525">
+                <a14:hiddenLine xmlns:a14="http://schemas.microsoft.com/office/drawing/2010/main" xmlns="" w="9525">
                   <a:solidFill>
                     <a:srgbClr val="000000"/>
                   </a:solidFill>
@@ -16967,7 +16968,7 @@
             </a:ln>
             <a:extLst>
               <a:ext uri="{91240B29-F687-4f45-9708-019B960494DF}">
-                <a14:hiddenLine xmlns="" xmlns:a14="http://schemas.microsoft.com/office/drawing/2010/main" w="9525">
+                <a14:hiddenLine xmlns:a14="http://schemas.microsoft.com/office/drawing/2010/main" xmlns="" w="9525">
                   <a:solidFill>
                     <a:srgbClr val="000000"/>
                   </a:solidFill>
@@ -17029,7 +17030,7 @@
             </a:ln>
             <a:extLst>
               <a:ext uri="{91240B29-F687-4f45-9708-019B960494DF}">
-                <a14:hiddenLine xmlns="" xmlns:a14="http://schemas.microsoft.com/office/drawing/2010/main" w="9525">
+                <a14:hiddenLine xmlns:a14="http://schemas.microsoft.com/office/drawing/2010/main" xmlns="" w="9525">
                   <a:solidFill>
                     <a:srgbClr val="000000"/>
                   </a:solidFill>
@@ -17091,7 +17092,7 @@
             </a:ln>
             <a:extLst>
               <a:ext uri="{91240B29-F687-4f45-9708-019B960494DF}">
-                <a14:hiddenLine xmlns="" xmlns:a14="http://schemas.microsoft.com/office/drawing/2010/main" w="9525">
+                <a14:hiddenLine xmlns:a14="http://schemas.microsoft.com/office/drawing/2010/main" xmlns="" w="9525">
                   <a:solidFill>
                     <a:srgbClr val="000000"/>
                   </a:solidFill>
@@ -17181,7 +17182,7 @@
             </a:ln>
             <a:extLst>
               <a:ext uri="{91240B29-F687-4f45-9708-019B960494DF}">
-                <a14:hiddenLine xmlns="" xmlns:a14="http://schemas.microsoft.com/office/drawing/2010/main" w="9525">
+                <a14:hiddenLine xmlns:a14="http://schemas.microsoft.com/office/drawing/2010/main" xmlns="" w="9525">
                   <a:solidFill>
                     <a:srgbClr val="000000"/>
                   </a:solidFill>
@@ -17249,7 +17250,7 @@
             </a:ln>
             <a:extLst>
               <a:ext uri="{91240B29-F687-4f45-9708-019B960494DF}">
-                <a14:hiddenLine xmlns="" xmlns:a14="http://schemas.microsoft.com/office/drawing/2010/main" w="9525">
+                <a14:hiddenLine xmlns:a14="http://schemas.microsoft.com/office/drawing/2010/main" xmlns="" w="9525">
                   <a:solidFill>
                     <a:srgbClr val="000000"/>
                   </a:solidFill>
@@ -17311,7 +17312,7 @@
             </a:ln>
             <a:extLst>
               <a:ext uri="{91240B29-F687-4f45-9708-019B960494DF}">
-                <a14:hiddenLine xmlns="" xmlns:a14="http://schemas.microsoft.com/office/drawing/2010/main" w="9525">
+                <a14:hiddenLine xmlns:a14="http://schemas.microsoft.com/office/drawing/2010/main" xmlns="" w="9525">
                   <a:solidFill>
                     <a:srgbClr val="000000"/>
                   </a:solidFill>
@@ -17401,7 +17402,7 @@
             </a:ln>
             <a:extLst>
               <a:ext uri="{91240B29-F687-4f45-9708-019B960494DF}">
-                <a14:hiddenLine xmlns="" xmlns:a14="http://schemas.microsoft.com/office/drawing/2010/main" w="9525">
+                <a14:hiddenLine xmlns:a14="http://schemas.microsoft.com/office/drawing/2010/main" xmlns="" w="9525">
                   <a:solidFill>
                     <a:srgbClr val="000000"/>
                   </a:solidFill>
@@ -17463,7 +17464,7 @@
             </a:ln>
             <a:extLst>
               <a:ext uri="{91240B29-F687-4f45-9708-019B960494DF}">
-                <a14:hiddenLine xmlns="" xmlns:a14="http://schemas.microsoft.com/office/drawing/2010/main" w="9525">
+                <a14:hiddenLine xmlns:a14="http://schemas.microsoft.com/office/drawing/2010/main" xmlns="" w="9525">
                   <a:solidFill>
                     <a:srgbClr val="000000"/>
                   </a:solidFill>
@@ -17553,7 +17554,7 @@
             </a:ln>
             <a:extLst>
               <a:ext uri="{91240B29-F687-4f45-9708-019B960494DF}">
-                <a14:hiddenLine xmlns="" xmlns:a14="http://schemas.microsoft.com/office/drawing/2010/main" w="9525">
+                <a14:hiddenLine xmlns:a14="http://schemas.microsoft.com/office/drawing/2010/main" xmlns="" w="9525">
                   <a:solidFill>
                     <a:srgbClr val="000000"/>
                   </a:solidFill>
@@ -17615,7 +17616,7 @@
             </a:ln>
             <a:extLst>
               <a:ext uri="{91240B29-F687-4f45-9708-019B960494DF}">
-                <a14:hiddenLine xmlns="" xmlns:a14="http://schemas.microsoft.com/office/drawing/2010/main" w="9525">
+                <a14:hiddenLine xmlns:a14="http://schemas.microsoft.com/office/drawing/2010/main" xmlns="" w="9525">
                   <a:solidFill>
                     <a:srgbClr val="000000"/>
                   </a:solidFill>
@@ -17705,7 +17706,7 @@
             </a:ln>
             <a:extLst>
               <a:ext uri="{91240B29-F687-4f45-9708-019B960494DF}">
-                <a14:hiddenLine xmlns="" xmlns:a14="http://schemas.microsoft.com/office/drawing/2010/main" w="9525">
+                <a14:hiddenLine xmlns:a14="http://schemas.microsoft.com/office/drawing/2010/main" xmlns="" w="9525">
                   <a:solidFill>
                     <a:srgbClr val="000000"/>
                   </a:solidFill>
@@ -17739,7 +17740,7 @@
             </a:ln>
             <a:extLst>
               <a:ext uri="{91240B29-F687-4f45-9708-019B960494DF}">
-                <a14:hiddenLine xmlns="" xmlns:a14="http://schemas.microsoft.com/office/drawing/2010/main" w="9525">
+                <a14:hiddenLine xmlns:a14="http://schemas.microsoft.com/office/drawing/2010/main" xmlns="" w="9525">
                   <a:solidFill>
                     <a:srgbClr val="000000"/>
                   </a:solidFill>
@@ -17804,7 +17805,7 @@
             </a:ln>
             <a:extLst>
               <a:ext uri="{91240B29-F687-4f45-9708-019B960494DF}">
-                <a14:hiddenLine xmlns="" xmlns:a14="http://schemas.microsoft.com/office/drawing/2010/main" w="9525">
+                <a14:hiddenLine xmlns:a14="http://schemas.microsoft.com/office/drawing/2010/main" xmlns="" w="9525">
                   <a:solidFill>
                     <a:srgbClr val="000000"/>
                   </a:solidFill>
@@ -17894,7 +17895,7 @@
             </a:ln>
             <a:extLst>
               <a:ext uri="{91240B29-F687-4f45-9708-019B960494DF}">
-                <a14:hiddenLine xmlns="" xmlns:a14="http://schemas.microsoft.com/office/drawing/2010/main" w="9525">
+                <a14:hiddenLine xmlns:a14="http://schemas.microsoft.com/office/drawing/2010/main" xmlns="" w="9525">
                   <a:solidFill>
                     <a:srgbClr val="000000"/>
                   </a:solidFill>
@@ -17956,7 +17957,7 @@
             </a:ln>
             <a:extLst>
               <a:ext uri="{91240B29-F687-4f45-9708-019B960494DF}">
-                <a14:hiddenLine xmlns="" xmlns:a14="http://schemas.microsoft.com/office/drawing/2010/main" w="9525">
+                <a14:hiddenLine xmlns:a14="http://schemas.microsoft.com/office/drawing/2010/main" xmlns="" w="9525">
                   <a:solidFill>
                     <a:srgbClr val="000000"/>
                   </a:solidFill>
@@ -18046,7 +18047,7 @@
             </a:ln>
             <a:extLst>
               <a:ext uri="{91240B29-F687-4f45-9708-019B960494DF}">
-                <a14:hiddenLine xmlns="" xmlns:a14="http://schemas.microsoft.com/office/drawing/2010/main" w="9525">
+                <a14:hiddenLine xmlns:a14="http://schemas.microsoft.com/office/drawing/2010/main" xmlns="" w="9525">
                   <a:solidFill>
                     <a:srgbClr val="000000"/>
                   </a:solidFill>
@@ -18136,7 +18137,7 @@
             </a:ln>
             <a:extLst>
               <a:ext uri="{91240B29-F687-4f45-9708-019B960494DF}">
-                <a14:hiddenLine xmlns="" xmlns:a14="http://schemas.microsoft.com/office/drawing/2010/main" w="9525">
+                <a14:hiddenLine xmlns:a14="http://schemas.microsoft.com/office/drawing/2010/main" xmlns="" w="9525">
                   <a:solidFill>
                     <a:srgbClr val="000000"/>
                   </a:solidFill>
@@ -18201,7 +18202,7 @@
             </a:ln>
             <a:extLst>
               <a:ext uri="{91240B29-F687-4f45-9708-019B960494DF}">
-                <a14:hiddenLine xmlns="" xmlns:a14="http://schemas.microsoft.com/office/drawing/2010/main" w="9525">
+                <a14:hiddenLine xmlns:a14="http://schemas.microsoft.com/office/drawing/2010/main" xmlns="" w="9525">
                   <a:solidFill>
                     <a:srgbClr val="000000"/>
                   </a:solidFill>
@@ -18263,7 +18264,7 @@
             </a:ln>
             <a:extLst>
               <a:ext uri="{91240B29-F687-4f45-9708-019B960494DF}">
-                <a14:hiddenLine xmlns="" xmlns:a14="http://schemas.microsoft.com/office/drawing/2010/main" w="9525">
+                <a14:hiddenLine xmlns:a14="http://schemas.microsoft.com/office/drawing/2010/main" xmlns="" w="9525">
                   <a:solidFill>
                     <a:srgbClr val="000000"/>
                   </a:solidFill>
@@ -18353,7 +18354,7 @@
             </a:ln>
             <a:extLst>
               <a:ext uri="{91240B29-F687-4f45-9708-019B960494DF}">
-                <a14:hiddenLine xmlns="" xmlns:a14="http://schemas.microsoft.com/office/drawing/2010/main" w="9525">
+                <a14:hiddenLine xmlns:a14="http://schemas.microsoft.com/office/drawing/2010/main" xmlns="" w="9525">
                   <a:solidFill>
                     <a:srgbClr val="000000"/>
                   </a:solidFill>
@@ -18443,7 +18444,7 @@
             </a:ln>
             <a:extLst>
               <a:ext uri="{91240B29-F687-4f45-9708-019B960494DF}">
-                <a14:hiddenLine xmlns="" xmlns:a14="http://schemas.microsoft.com/office/drawing/2010/main" w="9525">
+                <a14:hiddenLine xmlns:a14="http://schemas.microsoft.com/office/drawing/2010/main" xmlns="" w="9525">
                   <a:solidFill>
                     <a:srgbClr val="000000"/>
                   </a:solidFill>
@@ -18505,7 +18506,7 @@
             </a:ln>
             <a:extLst>
               <a:ext uri="{91240B29-F687-4f45-9708-019B960494DF}">
-                <a14:hiddenLine xmlns="" xmlns:a14="http://schemas.microsoft.com/office/drawing/2010/main" w="9525">
+                <a14:hiddenLine xmlns:a14="http://schemas.microsoft.com/office/drawing/2010/main" xmlns="" w="9525">
                   <a:solidFill>
                     <a:srgbClr val="000000"/>
                   </a:solidFill>
@@ -18625,7 +18626,7 @@
             </a:ln>
             <a:extLst>
               <a:ext uri="{91240B29-F687-4f45-9708-019B960494DF}">
-                <a14:hiddenLine xmlns="" xmlns:a14="http://schemas.microsoft.com/office/drawing/2010/main" w="9525">
+                <a14:hiddenLine xmlns:a14="http://schemas.microsoft.com/office/drawing/2010/main" xmlns="" w="9525">
                   <a:solidFill>
                     <a:srgbClr val="000000"/>
                   </a:solidFill>
@@ -18693,7 +18694,7 @@
             </a:ln>
             <a:extLst>
               <a:ext uri="{91240B29-F687-4f45-9708-019B960494DF}">
-                <a14:hiddenLine xmlns="" xmlns:a14="http://schemas.microsoft.com/office/drawing/2010/main" w="9525">
+                <a14:hiddenLine xmlns:a14="http://schemas.microsoft.com/office/drawing/2010/main" xmlns="" w="9525">
                   <a:solidFill>
                     <a:srgbClr val="000000"/>
                   </a:solidFill>
@@ -18783,7 +18784,7 @@
             </a:ln>
             <a:extLst>
               <a:ext uri="{91240B29-F687-4f45-9708-019B960494DF}">
-                <a14:hiddenLine xmlns="" xmlns:a14="http://schemas.microsoft.com/office/drawing/2010/main" w="9525">
+                <a14:hiddenLine xmlns:a14="http://schemas.microsoft.com/office/drawing/2010/main" xmlns="" w="9525">
                   <a:solidFill>
                     <a:srgbClr val="000000"/>
                   </a:solidFill>
@@ -23763,7 +23764,7 @@
               </a:ln>
               <a:extLst>
                 <a:ext uri="{91240B29-F687-4f45-9708-019B960494DF}">
-                  <a14:hiddenLine xmlns="" xmlns:a14="http://schemas.microsoft.com/office/drawing/2010/main" w="9525">
+                  <a14:hiddenLine xmlns:a14="http://schemas.microsoft.com/office/drawing/2010/main" xmlns="" w="9525">
                     <a:solidFill>
                       <a:srgbClr val="000000"/>
                     </a:solidFill>
@@ -23853,7 +23854,7 @@
               </a:ln>
               <a:extLst>
                 <a:ext uri="{91240B29-F687-4f45-9708-019B960494DF}">
-                  <a14:hiddenLine xmlns="" xmlns:a14="http://schemas.microsoft.com/office/drawing/2010/main" w="9525">
+                  <a14:hiddenLine xmlns:a14="http://schemas.microsoft.com/office/drawing/2010/main" xmlns="" w="9525">
                     <a:solidFill>
                       <a:srgbClr val="000000"/>
                     </a:solidFill>
@@ -23943,7 +23944,7 @@
               </a:ln>
               <a:extLst>
                 <a:ext uri="{91240B29-F687-4f45-9708-019B960494DF}">
-                  <a14:hiddenLine xmlns="" xmlns:a14="http://schemas.microsoft.com/office/drawing/2010/main" w="9525">
+                  <a14:hiddenLine xmlns:a14="http://schemas.microsoft.com/office/drawing/2010/main" xmlns="" w="9525">
                     <a:solidFill>
                       <a:srgbClr val="000000"/>
                     </a:solidFill>
@@ -24005,7 +24006,7 @@
               </a:ln>
               <a:extLst>
                 <a:ext uri="{91240B29-F687-4f45-9708-019B960494DF}">
-                  <a14:hiddenLine xmlns="" xmlns:a14="http://schemas.microsoft.com/office/drawing/2010/main" w="9525">
+                  <a14:hiddenLine xmlns:a14="http://schemas.microsoft.com/office/drawing/2010/main" xmlns="" w="9525">
                     <a:solidFill>
                       <a:srgbClr val="000000"/>
                     </a:solidFill>
@@ -24095,7 +24096,7 @@
               </a:ln>
               <a:extLst>
                 <a:ext uri="{91240B29-F687-4f45-9708-019B960494DF}">
-                  <a14:hiddenLine xmlns="" xmlns:a14="http://schemas.microsoft.com/office/drawing/2010/main" w="9525">
+                  <a14:hiddenLine xmlns:a14="http://schemas.microsoft.com/office/drawing/2010/main" xmlns="" w="9525">
                     <a:solidFill>
                       <a:srgbClr val="000000"/>
                     </a:solidFill>
@@ -24157,7 +24158,7 @@
               </a:ln>
               <a:extLst>
                 <a:ext uri="{91240B29-F687-4f45-9708-019B960494DF}">
-                  <a14:hiddenLine xmlns="" xmlns:a14="http://schemas.microsoft.com/office/drawing/2010/main" w="9525">
+                  <a14:hiddenLine xmlns:a14="http://schemas.microsoft.com/office/drawing/2010/main" xmlns="" w="9525">
                     <a:solidFill>
                       <a:srgbClr val="000000"/>
                     </a:solidFill>
@@ -24219,7 +24220,7 @@
               </a:ln>
               <a:extLst>
                 <a:ext uri="{91240B29-F687-4f45-9708-019B960494DF}">
-                  <a14:hiddenLine xmlns="" xmlns:a14="http://schemas.microsoft.com/office/drawing/2010/main" w="9525">
+                  <a14:hiddenLine xmlns:a14="http://schemas.microsoft.com/office/drawing/2010/main" xmlns="" w="9525">
                     <a:solidFill>
                       <a:srgbClr val="000000"/>
                     </a:solidFill>
@@ -24309,7 +24310,7 @@
               </a:ln>
               <a:extLst>
                 <a:ext uri="{91240B29-F687-4f45-9708-019B960494DF}">
-                  <a14:hiddenLine xmlns="" xmlns:a14="http://schemas.microsoft.com/office/drawing/2010/main" w="9525">
+                  <a14:hiddenLine xmlns:a14="http://schemas.microsoft.com/office/drawing/2010/main" xmlns="" w="9525">
                     <a:solidFill>
                       <a:srgbClr val="000000"/>
                     </a:solidFill>
@@ -24399,7 +24400,7 @@
               </a:ln>
               <a:extLst>
                 <a:ext uri="{91240B29-F687-4f45-9708-019B960494DF}">
-                  <a14:hiddenLine xmlns="" xmlns:a14="http://schemas.microsoft.com/office/drawing/2010/main" w="9525">
+                  <a14:hiddenLine xmlns:a14="http://schemas.microsoft.com/office/drawing/2010/main" xmlns="" w="9525">
                     <a:solidFill>
                       <a:srgbClr val="000000"/>
                     </a:solidFill>
@@ -24461,7 +24462,7 @@
               </a:ln>
               <a:extLst>
                 <a:ext uri="{91240B29-F687-4f45-9708-019B960494DF}">
-                  <a14:hiddenLine xmlns="" xmlns:a14="http://schemas.microsoft.com/office/drawing/2010/main" w="9525">
+                  <a14:hiddenLine xmlns:a14="http://schemas.microsoft.com/office/drawing/2010/main" xmlns="" w="9525">
                     <a:solidFill>
                       <a:srgbClr val="000000"/>
                     </a:solidFill>
@@ -24571,7 +24572,7 @@
               </a:ln>
               <a:extLst>
                 <a:ext uri="{91240B29-F687-4f45-9708-019B960494DF}">
-                  <a14:hiddenLine xmlns="" xmlns:a14="http://schemas.microsoft.com/office/drawing/2010/main" w="9525">
+                  <a14:hiddenLine xmlns:a14="http://schemas.microsoft.com/office/drawing/2010/main" xmlns="" w="9525">
                     <a:solidFill>
                       <a:srgbClr val="000000"/>
                     </a:solidFill>
@@ -24655,7 +24656,7 @@
               </a:ln>
               <a:extLst>
                 <a:ext uri="{91240B29-F687-4f45-9708-019B960494DF}">
-                  <a14:hiddenLine xmlns="" xmlns:a14="http://schemas.microsoft.com/office/drawing/2010/main" w="9525">
+                  <a14:hiddenLine xmlns:a14="http://schemas.microsoft.com/office/drawing/2010/main" xmlns="" w="9525">
                     <a:solidFill>
                       <a:srgbClr val="000000"/>
                     </a:solidFill>
@@ -24717,7 +24718,7 @@
               </a:ln>
               <a:extLst>
                 <a:ext uri="{91240B29-F687-4f45-9708-019B960494DF}">
-                  <a14:hiddenLine xmlns="" xmlns:a14="http://schemas.microsoft.com/office/drawing/2010/main" w="9525">
+                  <a14:hiddenLine xmlns:a14="http://schemas.microsoft.com/office/drawing/2010/main" xmlns="" w="9525">
                     <a:solidFill>
                       <a:srgbClr val="000000"/>
                     </a:solidFill>
@@ -24779,7 +24780,7 @@
               </a:ln>
               <a:extLst>
                 <a:ext uri="{91240B29-F687-4f45-9708-019B960494DF}">
-                  <a14:hiddenLine xmlns="" xmlns:a14="http://schemas.microsoft.com/office/drawing/2010/main" w="9525">
+                  <a14:hiddenLine xmlns:a14="http://schemas.microsoft.com/office/drawing/2010/main" xmlns="" w="9525">
                     <a:solidFill>
                       <a:srgbClr val="000000"/>
                     </a:solidFill>
@@ -24869,7 +24870,7 @@
               </a:ln>
               <a:extLst>
                 <a:ext uri="{91240B29-F687-4f45-9708-019B960494DF}">
-                  <a14:hiddenLine xmlns="" xmlns:a14="http://schemas.microsoft.com/office/drawing/2010/main" w="9525">
+                  <a14:hiddenLine xmlns:a14="http://schemas.microsoft.com/office/drawing/2010/main" xmlns="" w="9525">
                     <a:solidFill>
                       <a:srgbClr val="000000"/>
                     </a:solidFill>
@@ -24903,7 +24904,7 @@
               </a:ln>
               <a:extLst>
                 <a:ext uri="{91240B29-F687-4f45-9708-019B960494DF}">
-                  <a14:hiddenLine xmlns="" xmlns:a14="http://schemas.microsoft.com/office/drawing/2010/main" w="9525">
+                  <a14:hiddenLine xmlns:a14="http://schemas.microsoft.com/office/drawing/2010/main" xmlns="" w="9525">
                     <a:solidFill>
                       <a:srgbClr val="000000"/>
                     </a:solidFill>
@@ -24968,7 +24969,7 @@
               </a:ln>
               <a:extLst>
                 <a:ext uri="{91240B29-F687-4f45-9708-019B960494DF}">
-                  <a14:hiddenLine xmlns="" xmlns:a14="http://schemas.microsoft.com/office/drawing/2010/main" w="9525">
+                  <a14:hiddenLine xmlns:a14="http://schemas.microsoft.com/office/drawing/2010/main" xmlns="" w="9525">
                     <a:solidFill>
                       <a:srgbClr val="000000"/>
                     </a:solidFill>
@@ -25058,7 +25059,7 @@
               </a:ln>
               <a:extLst>
                 <a:ext uri="{91240B29-F687-4f45-9708-019B960494DF}">
-                  <a14:hiddenLine xmlns="" xmlns:a14="http://schemas.microsoft.com/office/drawing/2010/main" w="9525">
+                  <a14:hiddenLine xmlns:a14="http://schemas.microsoft.com/office/drawing/2010/main" xmlns="" w="9525">
                     <a:solidFill>
                       <a:srgbClr val="000000"/>
                     </a:solidFill>
@@ -25120,7 +25121,7 @@
               </a:ln>
               <a:extLst>
                 <a:ext uri="{91240B29-F687-4f45-9708-019B960494DF}">
-                  <a14:hiddenLine xmlns="" xmlns:a14="http://schemas.microsoft.com/office/drawing/2010/main" w="9525">
+                  <a14:hiddenLine xmlns:a14="http://schemas.microsoft.com/office/drawing/2010/main" xmlns="" w="9525">
                     <a:solidFill>
                       <a:srgbClr val="000000"/>
                     </a:solidFill>
@@ -25210,7 +25211,7 @@
               </a:ln>
               <a:extLst>
                 <a:ext uri="{91240B29-F687-4f45-9708-019B960494DF}">
-                  <a14:hiddenLine xmlns="" xmlns:a14="http://schemas.microsoft.com/office/drawing/2010/main" w="9525">
+                  <a14:hiddenLine xmlns:a14="http://schemas.microsoft.com/office/drawing/2010/main" xmlns="" w="9525">
                     <a:solidFill>
                       <a:srgbClr val="000000"/>
                     </a:solidFill>
@@ -25275,7 +25276,7 @@
               </a:ln>
               <a:extLst>
                 <a:ext uri="{91240B29-F687-4f45-9708-019B960494DF}">
-                  <a14:hiddenLine xmlns="" xmlns:a14="http://schemas.microsoft.com/office/drawing/2010/main" w="9525">
+                  <a14:hiddenLine xmlns:a14="http://schemas.microsoft.com/office/drawing/2010/main" xmlns="" w="9525">
                     <a:solidFill>
                       <a:srgbClr val="000000"/>
                     </a:solidFill>
@@ -25337,7 +25338,7 @@
               </a:ln>
               <a:extLst>
                 <a:ext uri="{91240B29-F687-4f45-9708-019B960494DF}">
-                  <a14:hiddenLine xmlns="" xmlns:a14="http://schemas.microsoft.com/office/drawing/2010/main" w="9525">
+                  <a14:hiddenLine xmlns:a14="http://schemas.microsoft.com/office/drawing/2010/main" xmlns="" w="9525">
                     <a:solidFill>
                       <a:srgbClr val="000000"/>
                     </a:solidFill>
@@ -25427,7 +25428,7 @@
               </a:ln>
               <a:extLst>
                 <a:ext uri="{91240B29-F687-4f45-9708-019B960494DF}">
-                  <a14:hiddenLine xmlns="" xmlns:a14="http://schemas.microsoft.com/office/drawing/2010/main" w="9525">
+                  <a14:hiddenLine xmlns:a14="http://schemas.microsoft.com/office/drawing/2010/main" xmlns="" w="9525">
                     <a:solidFill>
                       <a:srgbClr val="000000"/>
                     </a:solidFill>
@@ -25517,7 +25518,7 @@
               </a:ln>
               <a:extLst>
                 <a:ext uri="{91240B29-F687-4f45-9708-019B960494DF}">
-                  <a14:hiddenLine xmlns="" xmlns:a14="http://schemas.microsoft.com/office/drawing/2010/main" w="9525">
+                  <a14:hiddenLine xmlns:a14="http://schemas.microsoft.com/office/drawing/2010/main" xmlns="" w="9525">
                     <a:solidFill>
                       <a:srgbClr val="000000"/>
                     </a:solidFill>
@@ -25582,7 +25583,7 @@
               </a:ln>
               <a:extLst>
                 <a:ext uri="{91240B29-F687-4f45-9708-019B960494DF}">
-                  <a14:hiddenLine xmlns="" xmlns:a14="http://schemas.microsoft.com/office/drawing/2010/main" w="9525">
+                  <a14:hiddenLine xmlns:a14="http://schemas.microsoft.com/office/drawing/2010/main" xmlns="" w="9525">
                     <a:solidFill>
                       <a:srgbClr val="000000"/>
                     </a:solidFill>
@@ -25702,7 +25703,7 @@
               </a:ln>
               <a:extLst>
                 <a:ext uri="{91240B29-F687-4f45-9708-019B960494DF}">
-                  <a14:hiddenLine xmlns="" xmlns:a14="http://schemas.microsoft.com/office/drawing/2010/main" w="9525">
+                  <a14:hiddenLine xmlns:a14="http://schemas.microsoft.com/office/drawing/2010/main" xmlns="" w="9525">
                     <a:solidFill>
                       <a:srgbClr val="000000"/>
                     </a:solidFill>
@@ -25800,7 +25801,7 @@
               </a:ln>
               <a:extLst>
                 <a:ext uri="{91240B29-F687-4f45-9708-019B960494DF}">
-                  <a14:hiddenLine xmlns="" xmlns:a14="http://schemas.microsoft.com/office/drawing/2010/main" w="9525">
+                  <a14:hiddenLine xmlns:a14="http://schemas.microsoft.com/office/drawing/2010/main" xmlns="" w="9525">
                     <a:solidFill>
                       <a:srgbClr val="000000"/>
                     </a:solidFill>
@@ -25915,7 +25916,7 @@
               </a:ln>
               <a:extLst>
                 <a:ext uri="{91240B29-F687-4f45-9708-019B960494DF}">
-                  <a14:hiddenLine xmlns="" xmlns:a14="http://schemas.microsoft.com/office/drawing/2010/main" w="9525">
+                  <a14:hiddenLine xmlns:a14="http://schemas.microsoft.com/office/drawing/2010/main" xmlns="" w="9525">
                     <a:solidFill>
                       <a:srgbClr val="000000"/>
                     </a:solidFill>
@@ -26005,7 +26006,7 @@
               </a:ln>
               <a:extLst>
                 <a:ext uri="{91240B29-F687-4f45-9708-019B960494DF}">
-                  <a14:hiddenLine xmlns="" xmlns:a14="http://schemas.microsoft.com/office/drawing/2010/main" w="9525">
+                  <a14:hiddenLine xmlns:a14="http://schemas.microsoft.com/office/drawing/2010/main" xmlns="" w="9525">
                     <a:solidFill>
                       <a:srgbClr val="000000"/>
                     </a:solidFill>
@@ -26070,7 +26071,7 @@
               </a:ln>
               <a:extLst>
                 <a:ext uri="{91240B29-F687-4f45-9708-019B960494DF}">
-                  <a14:hiddenLine xmlns="" xmlns:a14="http://schemas.microsoft.com/office/drawing/2010/main" w="9525">
+                  <a14:hiddenLine xmlns:a14="http://schemas.microsoft.com/office/drawing/2010/main" xmlns="" w="9525">
                     <a:solidFill>
                       <a:srgbClr val="000000"/>
                     </a:solidFill>
@@ -26160,7 +26161,7 @@
               </a:ln>
               <a:extLst>
                 <a:ext uri="{91240B29-F687-4f45-9708-019B960494DF}">
-                  <a14:hiddenLine xmlns="" xmlns:a14="http://schemas.microsoft.com/office/drawing/2010/main" w="9525">
+                  <a14:hiddenLine xmlns:a14="http://schemas.microsoft.com/office/drawing/2010/main" xmlns="" w="9525">
                     <a:solidFill>
                       <a:srgbClr val="000000"/>
                     </a:solidFill>
@@ -26228,7 +26229,7 @@
               </a:ln>
               <a:extLst>
                 <a:ext uri="{91240B29-F687-4f45-9708-019B960494DF}">
-                  <a14:hiddenLine xmlns="" xmlns:a14="http://schemas.microsoft.com/office/drawing/2010/main" w="9525">
+                  <a14:hiddenLine xmlns:a14="http://schemas.microsoft.com/office/drawing/2010/main" xmlns="" w="9525">
                     <a:solidFill>
                       <a:srgbClr val="000000"/>
                     </a:solidFill>
@@ -26318,7 +26319,7 @@
               </a:ln>
               <a:extLst>
                 <a:ext uri="{91240B29-F687-4f45-9708-019B960494DF}">
-                  <a14:hiddenLine xmlns="" xmlns:a14="http://schemas.microsoft.com/office/drawing/2010/main" w="9525">
+                  <a14:hiddenLine xmlns:a14="http://schemas.microsoft.com/office/drawing/2010/main" xmlns="" w="9525">
                     <a:solidFill>
                       <a:srgbClr val="000000"/>
                     </a:solidFill>
@@ -26386,7 +26387,7 @@
               </a:ln>
               <a:extLst>
                 <a:ext uri="{91240B29-F687-4f45-9708-019B960494DF}">
-                  <a14:hiddenLine xmlns="" xmlns:a14="http://schemas.microsoft.com/office/drawing/2010/main" w="9525">
+                  <a14:hiddenLine xmlns:a14="http://schemas.microsoft.com/office/drawing/2010/main" xmlns="" w="9525">
                     <a:solidFill>
                       <a:srgbClr val="000000"/>
                     </a:solidFill>
@@ -26476,7 +26477,7 @@
               </a:ln>
               <a:extLst>
                 <a:ext uri="{91240B29-F687-4f45-9708-019B960494DF}">
-                  <a14:hiddenLine xmlns="" xmlns:a14="http://schemas.microsoft.com/office/drawing/2010/main" w="9525">
+                  <a14:hiddenLine xmlns:a14="http://schemas.microsoft.com/office/drawing/2010/main" xmlns="" w="9525">
                     <a:solidFill>
                       <a:srgbClr val="000000"/>
                     </a:solidFill>
@@ -26510,7 +26511,7 @@
               </a:ln>
               <a:extLst>
                 <a:ext uri="{91240B29-F687-4f45-9708-019B960494DF}">
-                  <a14:hiddenLine xmlns="" xmlns:a14="http://schemas.microsoft.com/office/drawing/2010/main" w="9525">
+                  <a14:hiddenLine xmlns:a14="http://schemas.microsoft.com/office/drawing/2010/main" xmlns="" w="9525">
                     <a:solidFill>
                       <a:srgbClr val="000000"/>
                     </a:solidFill>
@@ -28646,6 +28647,136 @@
           <p:cNvPr id="2" name="Title 1">
             <a:extLst>
               <a:ext uri="{FF2B5EF4-FFF2-40B4-BE49-F238E27FC236}">
+                <a16:creationId xmlns:a16="http://schemas.microsoft.com/office/drawing/2014/main" id="{55AA33D2-B774-4D12-A348-3AC571552F98}"/>
+              </a:ext>
+            </a:extLst>
+          </p:cNvPr>
+          <p:cNvSpPr>
+            <a:spLocks noGrp="1"/>
+          </p:cNvSpPr>
+          <p:nvPr>
+            <p:ph type="title"/>
+          </p:nvPr>
+        </p:nvSpPr>
+        <p:spPr>
+          <a:xfrm>
+            <a:off x="1143001" y="2689715"/>
+            <a:ext cx="9905998" cy="1478570"/>
+          </a:xfrm>
+        </p:spPr>
+        <p:txBody>
+          <a:bodyPr/>
+          <a:lstStyle/>
+          <a:p>
+            <a:pPr algn="ctr"/>
+            <a:r>
+              <a:rPr lang="pl-PL" dirty="0"/>
+              <a:t>WHAT </a:t>
+            </a:r>
+            <a:r>
+              <a:rPr lang="en-US" dirty="0"/>
+              <a:t>We </a:t>
+            </a:r>
+            <a:r>
+              <a:rPr lang="pl-PL" dirty="0"/>
+              <a:t>ALSO </a:t>
+            </a:r>
+            <a:r>
+              <a:rPr lang="en-US" dirty="0"/>
+              <a:t>need</a:t>
+            </a:r>
+            <a:r>
+              <a:rPr lang="pl-PL" dirty="0"/>
+              <a:t> IS</a:t>
+            </a:r>
+            <a:r>
+              <a:rPr lang="en-US" dirty="0"/>
+              <a:t> </a:t>
+            </a:r>
+            <a:r>
+              <a:rPr lang="pl-PL" dirty="0">
+                <a:solidFill>
+                  <a:schemeClr val="tx2">
+                    <a:lumMod val="75000"/>
+                  </a:schemeClr>
+                </a:solidFill>
+              </a:rPr>
+              <a:t>GOOD USER</a:t>
+            </a:r>
+            <a:r>
+              <a:rPr lang="en-US" dirty="0">
+                <a:solidFill>
+                  <a:schemeClr val="tx2">
+                    <a:lumMod val="75000"/>
+                  </a:schemeClr>
+                </a:solidFill>
+              </a:rPr>
+              <a:t> </a:t>
+            </a:r>
+            <a:r>
+              <a:rPr lang="pl-PL" dirty="0" err="1">
+                <a:solidFill>
+                  <a:schemeClr val="tx2">
+                    <a:lumMod val="75000"/>
+                  </a:schemeClr>
+                </a:solidFill>
+              </a:rPr>
+              <a:t>experience</a:t>
+            </a:r>
+            <a:r>
+              <a:rPr lang="en-US" dirty="0"/>
+              <a:t> </a:t>
+            </a:r>
+          </a:p>
+        </p:txBody>
+      </p:sp>
+    </p:spTree>
+    <p:extLst>
+      <p:ext uri="{BB962C8B-B14F-4D97-AF65-F5344CB8AC3E}">
+        <p14:creationId xmlns:p14="http://schemas.microsoft.com/office/powerpoint/2010/main" val="1196276863"/>
+      </p:ext>
+    </p:extLst>
+  </p:cSld>
+  <p:clrMapOvr>
+    <a:masterClrMapping/>
+  </p:clrMapOvr>
+  <mc:AlternateContent xmlns:mc="http://schemas.openxmlformats.org/markup-compatibility/2006">
+    <mc:Choice xmlns:p14="http://schemas.microsoft.com/office/powerpoint/2010/main" Requires="p14">
+      <p:transition spd="slow" p14:dur="2500">
+        <p:checker/>
+      </p:transition>
+    </mc:Choice>
+    <mc:Fallback>
+      <p:transition spd="slow">
+        <p:checker/>
+      </p:transition>
+    </mc:Fallback>
+  </mc:AlternateContent>
+</p:sld>
+</file>
+
+<file path=ppt/slides/slide18.xml><?xml version="1.0" encoding="utf-8"?>
+<p:sld xmlns:a="http://schemas.openxmlformats.org/drawingml/2006/main" xmlns:r="http://schemas.openxmlformats.org/officeDocument/2006/relationships" xmlns:p="http://schemas.openxmlformats.org/presentationml/2006/main">
+  <p:cSld>
+    <p:spTree>
+      <p:nvGrpSpPr>
+        <p:cNvPr id="1" name=""/>
+        <p:cNvGrpSpPr/>
+        <p:nvPr/>
+      </p:nvGrpSpPr>
+      <p:grpSpPr>
+        <a:xfrm>
+          <a:off x="0" y="0"/>
+          <a:ext cx="0" cy="0"/>
+          <a:chOff x="0" y="0"/>
+          <a:chExt cx="0" cy="0"/>
+        </a:xfrm>
+      </p:grpSpPr>
+      <p:sp>
+        <p:nvSpPr>
+          <p:cNvPr id="2" name="Title 1">
+            <a:extLst>
+              <a:ext uri="{FF2B5EF4-FFF2-40B4-BE49-F238E27FC236}">
                 <a16:creationId xmlns:a16="http://schemas.microsoft.com/office/drawing/2014/main" id="{DCC904C0-05DD-4AC7-85C7-49ECB559433D}"/>
               </a:ext>
             </a:extLst>
@@ -28744,22 +28875,13 @@
   <p:clrMapOvr>
     <a:masterClrMapping/>
   </p:clrMapOvr>
-  <mc:AlternateContent xmlns:mc="http://schemas.openxmlformats.org/markup-compatibility/2006" xmlns:p14="http://schemas.microsoft.com/office/powerpoint/2010/main">
-    <mc:Choice Requires="p14">
-      <p:transition spd="slow" p14:dur="2500">
-        <p:checker/>
-      </p:transition>
-    </mc:Choice>
-    <mc:Fallback xmlns="">
-      <p:transition spd="slow">
-        <p:checker/>
-      </p:transition>
-    </mc:Fallback>
-  </mc:AlternateContent>
+  <p:transition spd="slow">
+    <p:randomBar dir="vert"/>
+  </p:transition>
 </p:sld>
 </file>
 
-<file path=ppt/slides/slide18.xml><?xml version="1.0" encoding="utf-8"?>
+<file path=ppt/slides/slide19.xml><?xml version="1.0" encoding="utf-8"?>
 <p:sld xmlns:a="http://schemas.openxmlformats.org/drawingml/2006/main" xmlns:r="http://schemas.openxmlformats.org/officeDocument/2006/relationships" xmlns:p="http://schemas.openxmlformats.org/presentationml/2006/main">
   <p:cSld>
     <p:spTree>
@@ -28867,273 +28989,6 @@
 </p:sld>
 </file>
 
-<file path=ppt/slides/slide19.xml><?xml version="1.0" encoding="utf-8"?>
-<p:sld xmlns:a="http://schemas.openxmlformats.org/drawingml/2006/main" xmlns:r="http://schemas.openxmlformats.org/officeDocument/2006/relationships" xmlns:p="http://schemas.openxmlformats.org/presentationml/2006/main">
-  <p:cSld>
-    <p:spTree>
-      <p:nvGrpSpPr>
-        <p:cNvPr id="1" name=""/>
-        <p:cNvGrpSpPr/>
-        <p:nvPr/>
-      </p:nvGrpSpPr>
-      <p:grpSpPr>
-        <a:xfrm>
-          <a:off x="0" y="0"/>
-          <a:ext cx="0" cy="0"/>
-          <a:chOff x="0" y="0"/>
-          <a:chExt cx="0" cy="0"/>
-        </a:xfrm>
-      </p:grpSpPr>
-      <p:sp>
-        <p:nvSpPr>
-          <p:cNvPr id="2" name="Title 1">
-            <a:extLst>
-              <a:ext uri="{FF2B5EF4-FFF2-40B4-BE49-F238E27FC236}">
-                <a16:creationId xmlns:a16="http://schemas.microsoft.com/office/drawing/2014/main" id="{EF64A133-A75A-4EA3-AFC9-6C6E1297A1F6}"/>
-              </a:ext>
-            </a:extLst>
-          </p:cNvPr>
-          <p:cNvSpPr>
-            <a:spLocks noGrp="1"/>
-          </p:cNvSpPr>
-          <p:nvPr>
-            <p:ph type="title"/>
-          </p:nvPr>
-        </p:nvSpPr>
-        <p:spPr/>
-        <p:txBody>
-          <a:bodyPr/>
-          <a:lstStyle/>
-          <a:p>
-            <a:r>
-              <a:rPr lang="pl-PL" dirty="0">
-                <a:solidFill>
-                  <a:schemeClr val="tx2">
-                    <a:lumMod val="75000"/>
-                  </a:schemeClr>
-                </a:solidFill>
-              </a:rPr>
-              <a:t>DPOS</a:t>
-            </a:r>
-            <a:r>
-              <a:rPr lang="pl-PL" dirty="0"/>
-              <a:t> - DELEGATED PROOF OF STAKE</a:t>
-            </a:r>
-          </a:p>
-        </p:txBody>
-      </p:sp>
-      <p:sp>
-        <p:nvSpPr>
-          <p:cNvPr id="3" name="Content Placeholder 2">
-            <a:extLst>
-              <a:ext uri="{FF2B5EF4-FFF2-40B4-BE49-F238E27FC236}">
-                <a16:creationId xmlns:a16="http://schemas.microsoft.com/office/drawing/2014/main" id="{21BC3B13-91C2-4964-A2E1-5141059D33C9}"/>
-              </a:ext>
-            </a:extLst>
-          </p:cNvPr>
-          <p:cNvSpPr>
-            <a:spLocks noGrp="1"/>
-          </p:cNvSpPr>
-          <p:nvPr>
-            <p:ph idx="1"/>
-          </p:nvPr>
-        </p:nvSpPr>
-        <p:spPr/>
-        <p:txBody>
-          <a:bodyPr/>
-          <a:lstStyle/>
-          <a:p>
-            <a:r>
-              <a:rPr lang="pl-PL" dirty="0" err="1"/>
-              <a:t>Consensus</a:t>
-            </a:r>
-            <a:r>
-              <a:rPr lang="pl-PL" dirty="0"/>
-              <a:t> </a:t>
-            </a:r>
-            <a:r>
-              <a:rPr lang="pl-PL" dirty="0" err="1"/>
-              <a:t>mechanism</a:t>
-            </a:r>
-            <a:endParaRPr lang="pl-PL" dirty="0"/>
-          </a:p>
-          <a:p>
-            <a:r>
-              <a:rPr lang="pl-PL" dirty="0"/>
-              <a:t>21 </a:t>
-            </a:r>
-            <a:r>
-              <a:rPr lang="pl-PL" dirty="0" err="1"/>
-              <a:t>block</a:t>
-            </a:r>
-            <a:r>
-              <a:rPr lang="pl-PL" dirty="0"/>
-              <a:t> </a:t>
-            </a:r>
-            <a:r>
-              <a:rPr lang="pl-PL" dirty="0" err="1"/>
-              <a:t>producers</a:t>
-            </a:r>
-            <a:r>
-              <a:rPr lang="pl-PL" dirty="0"/>
-              <a:t> </a:t>
-            </a:r>
-            <a:r>
-              <a:rPr lang="pl-PL" dirty="0" err="1"/>
-              <a:t>elected</a:t>
-            </a:r>
-            <a:r>
-              <a:rPr lang="pl-PL" dirty="0"/>
-              <a:t> by token </a:t>
-            </a:r>
-            <a:r>
-              <a:rPr lang="pl-PL" dirty="0" err="1"/>
-              <a:t>holders</a:t>
-            </a:r>
-            <a:endParaRPr lang="pl-PL" dirty="0"/>
-          </a:p>
-          <a:p>
-            <a:r>
-              <a:rPr lang="pl-PL" dirty="0"/>
-              <a:t>Hard to </a:t>
-            </a:r>
-            <a:r>
-              <a:rPr lang="pl-PL" dirty="0" err="1"/>
-              <a:t>get</a:t>
-            </a:r>
-            <a:r>
-              <a:rPr lang="pl-PL" dirty="0"/>
-              <a:t> </a:t>
-            </a:r>
-            <a:r>
-              <a:rPr lang="pl-PL" dirty="0" err="1"/>
-              <a:t>elected</a:t>
-            </a:r>
-            <a:r>
-              <a:rPr lang="pl-PL" dirty="0"/>
-              <a:t>, </a:t>
-            </a:r>
-            <a:r>
-              <a:rPr lang="pl-PL" dirty="0" err="1"/>
-              <a:t>easy</a:t>
-            </a:r>
-            <a:r>
-              <a:rPr lang="pl-PL" dirty="0"/>
-              <a:t> to </a:t>
-            </a:r>
-            <a:r>
-              <a:rPr lang="pl-PL" dirty="0" err="1"/>
-              <a:t>lose</a:t>
-            </a:r>
-            <a:r>
-              <a:rPr lang="pl-PL" dirty="0"/>
-              <a:t> the </a:t>
-            </a:r>
-            <a:r>
-              <a:rPr lang="pl-PL" dirty="0" err="1"/>
-              <a:t>job</a:t>
-            </a:r>
-            <a:endParaRPr lang="pl-PL" dirty="0"/>
-          </a:p>
-          <a:p>
-            <a:r>
-              <a:rPr lang="pl-PL" dirty="0"/>
-              <a:t>Both </a:t>
-            </a:r>
-            <a:r>
-              <a:rPr lang="pl-PL" dirty="0" err="1"/>
-              <a:t>executors</a:t>
-            </a:r>
-            <a:r>
-              <a:rPr lang="pl-PL" dirty="0"/>
-              <a:t> of the </a:t>
-            </a:r>
-            <a:r>
-              <a:rPr lang="pl-PL" dirty="0" err="1"/>
-              <a:t>constitution</a:t>
-            </a:r>
-            <a:r>
-              <a:rPr lang="pl-PL" dirty="0"/>
-              <a:t> and </a:t>
-            </a:r>
-            <a:r>
-              <a:rPr lang="pl-PL" dirty="0" err="1"/>
-              <a:t>subjects</a:t>
-            </a:r>
-            <a:r>
-              <a:rPr lang="pl-PL" dirty="0"/>
-              <a:t> to the </a:t>
-            </a:r>
-            <a:r>
-              <a:rPr lang="pl-PL" dirty="0" err="1"/>
-              <a:t>constitution</a:t>
-            </a:r>
-            <a:endParaRPr lang="pl-PL" dirty="0"/>
-          </a:p>
-          <a:p>
-            <a:r>
-              <a:rPr lang="pl-PL" dirty="0" err="1"/>
-              <a:t>Ability</a:t>
-            </a:r>
-            <a:r>
-              <a:rPr lang="pl-PL" dirty="0"/>
-              <a:t> to </a:t>
-            </a:r>
-            <a:r>
-              <a:rPr lang="pl-PL" dirty="0" err="1"/>
-              <a:t>freeze</a:t>
-            </a:r>
-            <a:r>
-              <a:rPr lang="pl-PL" dirty="0"/>
-              <a:t> &amp; </a:t>
-            </a:r>
-            <a:r>
-              <a:rPr lang="pl-PL" dirty="0" err="1"/>
-              <a:t>fix</a:t>
-            </a:r>
-            <a:r>
-              <a:rPr lang="pl-PL" dirty="0"/>
-              <a:t> </a:t>
-            </a:r>
-            <a:r>
-              <a:rPr lang="pl-PL" dirty="0" err="1"/>
-              <a:t>broken</a:t>
-            </a:r>
-            <a:r>
-              <a:rPr lang="pl-PL" dirty="0"/>
-              <a:t> dApps</a:t>
-            </a:r>
-          </a:p>
-          <a:p>
-            <a:endParaRPr lang="pl-PL" dirty="0"/>
-          </a:p>
-        </p:txBody>
-      </p:sp>
-    </p:spTree>
-    <p:extLst>
-      <p:ext uri="{BB962C8B-B14F-4D97-AF65-F5344CB8AC3E}">
-        <p14:creationId xmlns:p14="http://schemas.microsoft.com/office/powerpoint/2010/main" val="1093571717"/>
-      </p:ext>
-    </p:extLst>
-  </p:cSld>
-  <p:clrMapOvr>
-    <a:masterClrMapping/>
-  </p:clrMapOvr>
-  <mc:AlternateContent xmlns:mc="http://schemas.openxmlformats.org/markup-compatibility/2006" xmlns:p14="http://schemas.microsoft.com/office/powerpoint/2010/main">
-    <mc:Choice Requires="p14">
-      <p:transition spd="slow" p14:dur="2500">
-        <p:checker/>
-      </p:transition>
-    </mc:Choice>
-    <mc:Fallback xmlns="">
-      <p:transition spd="slow">
-        <p:checker/>
-      </p:transition>
-    </mc:Fallback>
-  </mc:AlternateContent>
-</p:sld>
-</file>
-
 <file path=ppt/slides/slide2.xml><?xml version="1.0" encoding="utf-8"?>
 <p:sld xmlns:a="http://schemas.openxmlformats.org/drawingml/2006/main" xmlns:r="http://schemas.openxmlformats.org/officeDocument/2006/relationships" xmlns:p="http://schemas.openxmlformats.org/presentationml/2006/main">
   <p:cSld>
@@ -29286,6 +29141,273 @@
 </file>
 
 <file path=ppt/slides/slide20.xml><?xml version="1.0" encoding="utf-8"?>
+<p:sld xmlns:a="http://schemas.openxmlformats.org/drawingml/2006/main" xmlns:r="http://schemas.openxmlformats.org/officeDocument/2006/relationships" xmlns:p="http://schemas.openxmlformats.org/presentationml/2006/main">
+  <p:cSld>
+    <p:spTree>
+      <p:nvGrpSpPr>
+        <p:cNvPr id="1" name=""/>
+        <p:cNvGrpSpPr/>
+        <p:nvPr/>
+      </p:nvGrpSpPr>
+      <p:grpSpPr>
+        <a:xfrm>
+          <a:off x="0" y="0"/>
+          <a:ext cx="0" cy="0"/>
+          <a:chOff x="0" y="0"/>
+          <a:chExt cx="0" cy="0"/>
+        </a:xfrm>
+      </p:grpSpPr>
+      <p:sp>
+        <p:nvSpPr>
+          <p:cNvPr id="2" name="Title 1">
+            <a:extLst>
+              <a:ext uri="{FF2B5EF4-FFF2-40B4-BE49-F238E27FC236}">
+                <a16:creationId xmlns:a16="http://schemas.microsoft.com/office/drawing/2014/main" id="{EF64A133-A75A-4EA3-AFC9-6C6E1297A1F6}"/>
+              </a:ext>
+            </a:extLst>
+          </p:cNvPr>
+          <p:cNvSpPr>
+            <a:spLocks noGrp="1"/>
+          </p:cNvSpPr>
+          <p:nvPr>
+            <p:ph type="title"/>
+          </p:nvPr>
+        </p:nvSpPr>
+        <p:spPr/>
+        <p:txBody>
+          <a:bodyPr/>
+          <a:lstStyle/>
+          <a:p>
+            <a:r>
+              <a:rPr lang="pl-PL" dirty="0">
+                <a:solidFill>
+                  <a:schemeClr val="tx2">
+                    <a:lumMod val="75000"/>
+                  </a:schemeClr>
+                </a:solidFill>
+              </a:rPr>
+              <a:t>DPOS</a:t>
+            </a:r>
+            <a:r>
+              <a:rPr lang="pl-PL" dirty="0"/>
+              <a:t> - DELEGATED PROOF OF STAKE</a:t>
+            </a:r>
+          </a:p>
+        </p:txBody>
+      </p:sp>
+      <p:sp>
+        <p:nvSpPr>
+          <p:cNvPr id="3" name="Content Placeholder 2">
+            <a:extLst>
+              <a:ext uri="{FF2B5EF4-FFF2-40B4-BE49-F238E27FC236}">
+                <a16:creationId xmlns:a16="http://schemas.microsoft.com/office/drawing/2014/main" id="{21BC3B13-91C2-4964-A2E1-5141059D33C9}"/>
+              </a:ext>
+            </a:extLst>
+          </p:cNvPr>
+          <p:cNvSpPr>
+            <a:spLocks noGrp="1"/>
+          </p:cNvSpPr>
+          <p:nvPr>
+            <p:ph idx="1"/>
+          </p:nvPr>
+        </p:nvSpPr>
+        <p:spPr/>
+        <p:txBody>
+          <a:bodyPr/>
+          <a:lstStyle/>
+          <a:p>
+            <a:r>
+              <a:rPr lang="pl-PL" dirty="0" err="1"/>
+              <a:t>Consensus</a:t>
+            </a:r>
+            <a:r>
+              <a:rPr lang="pl-PL" dirty="0"/>
+              <a:t> </a:t>
+            </a:r>
+            <a:r>
+              <a:rPr lang="pl-PL" dirty="0" err="1"/>
+              <a:t>mechanism</a:t>
+            </a:r>
+            <a:endParaRPr lang="pl-PL" dirty="0"/>
+          </a:p>
+          <a:p>
+            <a:r>
+              <a:rPr lang="pl-PL" dirty="0"/>
+              <a:t>21 </a:t>
+            </a:r>
+            <a:r>
+              <a:rPr lang="pl-PL" dirty="0" err="1"/>
+              <a:t>block</a:t>
+            </a:r>
+            <a:r>
+              <a:rPr lang="pl-PL" dirty="0"/>
+              <a:t> </a:t>
+            </a:r>
+            <a:r>
+              <a:rPr lang="pl-PL" dirty="0" err="1"/>
+              <a:t>producers</a:t>
+            </a:r>
+            <a:r>
+              <a:rPr lang="pl-PL" dirty="0"/>
+              <a:t> </a:t>
+            </a:r>
+            <a:r>
+              <a:rPr lang="pl-PL" dirty="0" err="1"/>
+              <a:t>elected</a:t>
+            </a:r>
+            <a:r>
+              <a:rPr lang="pl-PL" dirty="0"/>
+              <a:t> by token </a:t>
+            </a:r>
+            <a:r>
+              <a:rPr lang="pl-PL" dirty="0" err="1"/>
+              <a:t>holders</a:t>
+            </a:r>
+            <a:endParaRPr lang="pl-PL" dirty="0"/>
+          </a:p>
+          <a:p>
+            <a:r>
+              <a:rPr lang="pl-PL" dirty="0"/>
+              <a:t>Hard to </a:t>
+            </a:r>
+            <a:r>
+              <a:rPr lang="pl-PL" dirty="0" err="1"/>
+              <a:t>get</a:t>
+            </a:r>
+            <a:r>
+              <a:rPr lang="pl-PL" dirty="0"/>
+              <a:t> </a:t>
+            </a:r>
+            <a:r>
+              <a:rPr lang="pl-PL" dirty="0" err="1"/>
+              <a:t>elected</a:t>
+            </a:r>
+            <a:r>
+              <a:rPr lang="pl-PL" dirty="0"/>
+              <a:t>, </a:t>
+            </a:r>
+            <a:r>
+              <a:rPr lang="pl-PL" dirty="0" err="1"/>
+              <a:t>easy</a:t>
+            </a:r>
+            <a:r>
+              <a:rPr lang="pl-PL" dirty="0"/>
+              <a:t> to </a:t>
+            </a:r>
+            <a:r>
+              <a:rPr lang="pl-PL" dirty="0" err="1"/>
+              <a:t>lose</a:t>
+            </a:r>
+            <a:r>
+              <a:rPr lang="pl-PL" dirty="0"/>
+              <a:t> the </a:t>
+            </a:r>
+            <a:r>
+              <a:rPr lang="pl-PL" dirty="0" err="1"/>
+              <a:t>job</a:t>
+            </a:r>
+            <a:endParaRPr lang="pl-PL" dirty="0"/>
+          </a:p>
+          <a:p>
+            <a:r>
+              <a:rPr lang="pl-PL" dirty="0"/>
+              <a:t>Both </a:t>
+            </a:r>
+            <a:r>
+              <a:rPr lang="pl-PL" dirty="0" err="1"/>
+              <a:t>executors</a:t>
+            </a:r>
+            <a:r>
+              <a:rPr lang="pl-PL" dirty="0"/>
+              <a:t> of the </a:t>
+            </a:r>
+            <a:r>
+              <a:rPr lang="pl-PL" dirty="0" err="1"/>
+              <a:t>constitution</a:t>
+            </a:r>
+            <a:r>
+              <a:rPr lang="pl-PL" dirty="0"/>
+              <a:t> and </a:t>
+            </a:r>
+            <a:r>
+              <a:rPr lang="pl-PL" dirty="0" err="1"/>
+              <a:t>subjects</a:t>
+            </a:r>
+            <a:r>
+              <a:rPr lang="pl-PL" dirty="0"/>
+              <a:t> to the </a:t>
+            </a:r>
+            <a:r>
+              <a:rPr lang="pl-PL" dirty="0" err="1"/>
+              <a:t>constitution</a:t>
+            </a:r>
+            <a:endParaRPr lang="pl-PL" dirty="0"/>
+          </a:p>
+          <a:p>
+            <a:r>
+              <a:rPr lang="pl-PL" dirty="0" err="1"/>
+              <a:t>Ability</a:t>
+            </a:r>
+            <a:r>
+              <a:rPr lang="pl-PL" dirty="0"/>
+              <a:t> to </a:t>
+            </a:r>
+            <a:r>
+              <a:rPr lang="pl-PL" dirty="0" err="1"/>
+              <a:t>freeze</a:t>
+            </a:r>
+            <a:r>
+              <a:rPr lang="pl-PL" dirty="0"/>
+              <a:t> &amp; </a:t>
+            </a:r>
+            <a:r>
+              <a:rPr lang="pl-PL" dirty="0" err="1"/>
+              <a:t>fix</a:t>
+            </a:r>
+            <a:r>
+              <a:rPr lang="pl-PL" dirty="0"/>
+              <a:t> </a:t>
+            </a:r>
+            <a:r>
+              <a:rPr lang="pl-PL" dirty="0" err="1"/>
+              <a:t>broken</a:t>
+            </a:r>
+            <a:r>
+              <a:rPr lang="pl-PL" dirty="0"/>
+              <a:t> dApps</a:t>
+            </a:r>
+          </a:p>
+          <a:p>
+            <a:endParaRPr lang="pl-PL" dirty="0"/>
+          </a:p>
+        </p:txBody>
+      </p:sp>
+    </p:spTree>
+    <p:extLst>
+      <p:ext uri="{BB962C8B-B14F-4D97-AF65-F5344CB8AC3E}">
+        <p14:creationId xmlns:p14="http://schemas.microsoft.com/office/powerpoint/2010/main" val="1093571717"/>
+      </p:ext>
+    </p:extLst>
+  </p:cSld>
+  <p:clrMapOvr>
+    <a:masterClrMapping/>
+  </p:clrMapOvr>
+  <mc:AlternateContent xmlns:mc="http://schemas.openxmlformats.org/markup-compatibility/2006" xmlns:p14="http://schemas.microsoft.com/office/powerpoint/2010/main">
+    <mc:Choice Requires="p14">
+      <p:transition spd="slow" p14:dur="2500">
+        <p:checker/>
+      </p:transition>
+    </mc:Choice>
+    <mc:Fallback xmlns="">
+      <p:transition spd="slow">
+        <p:checker/>
+      </p:transition>
+    </mc:Fallback>
+  </mc:AlternateContent>
+</p:sld>
+</file>
+
+<file path=ppt/slides/slide21.xml><?xml version="1.0" encoding="utf-8"?>
 <p:sld xmlns:a="http://schemas.openxmlformats.org/drawingml/2006/main" xmlns:r="http://schemas.openxmlformats.org/officeDocument/2006/relationships" xmlns:p="http://schemas.openxmlformats.org/presentationml/2006/main">
   <p:cSld>
     <p:spTree>
@@ -29650,307 +29772,6 @@
 </p:sld>
 </file>
 
-<file path=ppt/slides/slide21.xml><?xml version="1.0" encoding="utf-8"?>
-<p:sld xmlns:a="http://schemas.openxmlformats.org/drawingml/2006/main" xmlns:r="http://schemas.openxmlformats.org/officeDocument/2006/relationships" xmlns:p="http://schemas.openxmlformats.org/presentationml/2006/main">
-  <p:cSld>
-    <p:spTree>
-      <p:nvGrpSpPr>
-        <p:cNvPr id="1" name=""/>
-        <p:cNvGrpSpPr/>
-        <p:nvPr/>
-      </p:nvGrpSpPr>
-      <p:grpSpPr>
-        <a:xfrm>
-          <a:off x="0" y="0"/>
-          <a:ext cx="0" cy="0"/>
-          <a:chOff x="0" y="0"/>
-          <a:chExt cx="0" cy="0"/>
-        </a:xfrm>
-      </p:grpSpPr>
-      <p:sp>
-        <p:nvSpPr>
-          <p:cNvPr id="2" name="Title 1">
-            <a:extLst>
-              <a:ext uri="{FF2B5EF4-FFF2-40B4-BE49-F238E27FC236}">
-                <a16:creationId xmlns:a16="http://schemas.microsoft.com/office/drawing/2014/main" id="{EF64A133-A75A-4EA3-AFC9-6C6E1297A1F6}"/>
-              </a:ext>
-            </a:extLst>
-          </p:cNvPr>
-          <p:cNvSpPr>
-            <a:spLocks noGrp="1"/>
-          </p:cNvSpPr>
-          <p:nvPr>
-            <p:ph type="title"/>
-          </p:nvPr>
-        </p:nvSpPr>
-        <p:spPr/>
-        <p:txBody>
-          <a:bodyPr/>
-          <a:lstStyle/>
-          <a:p>
-            <a:r>
-              <a:rPr lang="pl-PL" dirty="0"/>
-              <a:t>IS </a:t>
-            </a:r>
-            <a:r>
-              <a:rPr lang="pl-PL" dirty="0">
-                <a:solidFill>
-                  <a:schemeClr val="tx2">
-                    <a:lumMod val="75000"/>
-                  </a:schemeClr>
-                </a:solidFill>
-              </a:rPr>
-              <a:t>Deus ex Machina</a:t>
-            </a:r>
-            <a:r>
-              <a:rPr lang="pl-PL" dirty="0"/>
-              <a:t> </a:t>
-            </a:r>
-            <a:r>
-              <a:rPr lang="pl-PL" dirty="0" err="1"/>
-              <a:t>Possible</a:t>
-            </a:r>
-            <a:r>
-              <a:rPr lang="pl-PL" dirty="0"/>
-              <a:t>?</a:t>
-            </a:r>
-          </a:p>
-        </p:txBody>
-      </p:sp>
-      <p:sp>
-        <p:nvSpPr>
-          <p:cNvPr id="3" name="Content Placeholder 2">
-            <a:extLst>
-              <a:ext uri="{FF2B5EF4-FFF2-40B4-BE49-F238E27FC236}">
-                <a16:creationId xmlns:a16="http://schemas.microsoft.com/office/drawing/2014/main" id="{21BC3B13-91C2-4964-A2E1-5141059D33C9}"/>
-              </a:ext>
-            </a:extLst>
-          </p:cNvPr>
-          <p:cNvSpPr>
-            <a:spLocks noGrp="1"/>
-          </p:cNvSpPr>
-          <p:nvPr>
-            <p:ph idx="1"/>
-          </p:nvPr>
-        </p:nvSpPr>
-        <p:spPr>
-          <a:xfrm>
-            <a:off x="1361752" y="2249486"/>
-            <a:ext cx="9905999" cy="3197585"/>
-          </a:xfrm>
-        </p:spPr>
-        <p:txBody>
-          <a:bodyPr>
-            <a:normAutofit/>
-          </a:bodyPr>
-          <a:lstStyle/>
-          <a:p>
-            <a:r>
-              <a:rPr lang="pl-PL" dirty="0"/>
-              <a:t>Vitalik Buterin: </a:t>
-            </a:r>
-            <a:r>
-              <a:rPr lang="pl-PL" dirty="0" err="1"/>
-              <a:t>governance</a:t>
-            </a:r>
-            <a:r>
-              <a:rPr lang="pl-PL" dirty="0"/>
-              <a:t> by </a:t>
-            </a:r>
-            <a:r>
-              <a:rPr lang="pl-PL" dirty="0">
-                <a:solidFill>
-                  <a:schemeClr val="tx2">
-                    <a:lumMod val="75000"/>
-                  </a:schemeClr>
-                </a:solidFill>
-              </a:rPr>
-              <a:t>cryptoeconomics</a:t>
-            </a:r>
-            <a:r>
-              <a:rPr lang="pl-PL" dirty="0"/>
-              <a:t>. I</a:t>
-            </a:r>
-            <a:r>
-              <a:rPr lang="en-US" dirty="0"/>
-              <a:t>f we could only put the right algorithm inside </a:t>
-            </a:r>
-            <a:r>
-              <a:rPr lang="pl-PL" dirty="0"/>
-              <a:t>a</a:t>
-            </a:r>
-            <a:r>
-              <a:rPr lang="en-US" dirty="0"/>
-              <a:t> box</a:t>
-            </a:r>
-            <a:r>
-              <a:rPr lang="pl-PL" dirty="0"/>
-              <a:t>,</a:t>
-            </a:r>
-            <a:r>
-              <a:rPr lang="en-US" dirty="0"/>
-              <a:t> then </a:t>
-            </a:r>
-            <a:r>
-              <a:rPr lang="pl-PL" dirty="0" err="1"/>
-              <a:t>it</a:t>
-            </a:r>
-            <a:r>
-              <a:rPr lang="pl-PL" dirty="0"/>
-              <a:t> </a:t>
-            </a:r>
-            <a:r>
-              <a:rPr lang="pl-PL" dirty="0" err="1"/>
-              <a:t>could</a:t>
-            </a:r>
-            <a:r>
-              <a:rPr lang="pl-PL" dirty="0"/>
-              <a:t> be </a:t>
-            </a:r>
-            <a:r>
-              <a:rPr lang="pl-PL" dirty="0" err="1"/>
-              <a:t>fully</a:t>
-            </a:r>
-            <a:r>
-              <a:rPr lang="pl-PL" dirty="0"/>
-              <a:t> </a:t>
-            </a:r>
-            <a:r>
-              <a:rPr lang="pl-PL" dirty="0" err="1"/>
-              <a:t>autonomous</a:t>
-            </a:r>
-            <a:r>
-              <a:rPr lang="pl-PL" dirty="0"/>
-              <a:t>.</a:t>
-            </a:r>
-          </a:p>
-          <a:p>
-            <a:r>
-              <a:rPr lang="pl-PL" dirty="0"/>
-              <a:t>Daniel Larimer: </a:t>
-            </a:r>
-            <a:r>
-              <a:rPr lang="pl-PL" dirty="0" err="1"/>
-              <a:t>governance</a:t>
-            </a:r>
-            <a:r>
-              <a:rPr lang="pl-PL" dirty="0"/>
-              <a:t> by </a:t>
-            </a:r>
-            <a:r>
-              <a:rPr lang="pl-PL" dirty="0" err="1">
-                <a:solidFill>
-                  <a:schemeClr val="tx2">
-                    <a:lumMod val="75000"/>
-                  </a:schemeClr>
-                </a:solidFill>
-              </a:rPr>
-              <a:t>community</a:t>
-            </a:r>
-            <a:r>
-              <a:rPr lang="pl-PL" dirty="0"/>
-              <a:t>. T</a:t>
-            </a:r>
-            <a:r>
-              <a:rPr lang="en-US" dirty="0"/>
-              <a:t>here is no such thing as a closed economic system</a:t>
-            </a:r>
-            <a:r>
-              <a:rPr lang="pl-PL" dirty="0"/>
-              <a:t>, we </a:t>
-            </a:r>
-            <a:r>
-              <a:rPr lang="pl-PL" dirty="0" err="1"/>
-              <a:t>must</a:t>
-            </a:r>
-            <a:r>
-              <a:rPr lang="pl-PL" dirty="0"/>
-              <a:t> </a:t>
-            </a:r>
-            <a:r>
-              <a:rPr lang="pl-PL" dirty="0" err="1"/>
-              <a:t>always</a:t>
-            </a:r>
-            <a:r>
-              <a:rPr lang="pl-PL" dirty="0"/>
-              <a:t> </a:t>
-            </a:r>
-            <a:r>
-              <a:rPr lang="pl-PL" dirty="0" err="1"/>
-              <a:t>rely</a:t>
-            </a:r>
-            <a:r>
-              <a:rPr lang="pl-PL" dirty="0"/>
-              <a:t> on </a:t>
-            </a:r>
-            <a:r>
-              <a:rPr lang="pl-PL" dirty="0" err="1"/>
-              <a:t>external</a:t>
-            </a:r>
-            <a:r>
-              <a:rPr lang="pl-PL" dirty="0"/>
-              <a:t> </a:t>
-            </a:r>
-            <a:r>
-              <a:rPr lang="pl-PL" dirty="0" err="1"/>
-              <a:t>input</a:t>
-            </a:r>
-            <a:r>
-              <a:rPr lang="pl-PL" dirty="0"/>
-              <a:t>, </a:t>
-            </a:r>
-            <a:r>
-              <a:rPr lang="pl-PL" dirty="0" err="1"/>
-              <a:t>such</a:t>
-            </a:r>
-            <a:r>
-              <a:rPr lang="pl-PL" dirty="0"/>
-              <a:t> as </a:t>
-            </a:r>
-            <a:r>
-              <a:rPr lang="pl-PL" dirty="0" err="1"/>
-              <a:t>human</a:t>
-            </a:r>
-            <a:r>
-              <a:rPr lang="pl-PL" dirty="0"/>
-              <a:t> </a:t>
-            </a:r>
-            <a:r>
-              <a:rPr lang="pl-PL" dirty="0" err="1"/>
-              <a:t>judgement</a:t>
-            </a:r>
-            <a:r>
-              <a:rPr lang="pl-PL" dirty="0"/>
-              <a:t>.</a:t>
-            </a:r>
-          </a:p>
-        </p:txBody>
-      </p:sp>
-    </p:spTree>
-    <p:extLst>
-      <p:ext uri="{BB962C8B-B14F-4D97-AF65-F5344CB8AC3E}">
-        <p14:creationId xmlns:p14="http://schemas.microsoft.com/office/powerpoint/2010/main" val="3631875826"/>
-      </p:ext>
-    </p:extLst>
-  </p:cSld>
-  <p:clrMapOvr>
-    <a:masterClrMapping/>
-  </p:clrMapOvr>
-  <mc:AlternateContent xmlns:mc="http://schemas.openxmlformats.org/markup-compatibility/2006" xmlns:p14="http://schemas.microsoft.com/office/powerpoint/2010/main">
-    <mc:Choice Requires="p14">
-      <p:transition spd="slow" p14:dur="2500">
-        <p:checker/>
-      </p:transition>
-    </mc:Choice>
-    <mc:Fallback xmlns="">
-      <p:transition spd="slow">
-        <p:checker/>
-      </p:transition>
-    </mc:Fallback>
-  </mc:AlternateContent>
-</p:sld>
-</file>
-
 <file path=ppt/slides/slide22.xml><?xml version="1.0" encoding="utf-8"?>
 <p:sld xmlns:a="http://schemas.openxmlformats.org/drawingml/2006/main" xmlns:r="http://schemas.openxmlformats.org/officeDocument/2006/relationships" xmlns:p="http://schemas.openxmlformats.org/presentationml/2006/main">
   <p:cSld>
@@ -29991,25 +29812,7 @@
           <a:p>
             <a:r>
               <a:rPr lang="pl-PL" dirty="0"/>
-              <a:t>DAN </a:t>
-            </a:r>
-            <a:r>
-              <a:rPr lang="pl-PL" dirty="0" err="1"/>
-              <a:t>Larimer’s</a:t>
-            </a:r>
-            <a:r>
-              <a:rPr lang="pl-PL" dirty="0"/>
-              <a:t> </a:t>
-            </a:r>
-            <a:r>
-              <a:rPr lang="pl-PL" dirty="0" err="1">
-                <a:solidFill>
-                  <a:schemeClr val="tx2">
-                    <a:lumMod val="75000"/>
-                  </a:schemeClr>
-                </a:solidFill>
-              </a:rPr>
-              <a:t>Darwinian</a:t>
+              <a:t>IS </a:t>
             </a:r>
             <a:r>
               <a:rPr lang="pl-PL" dirty="0">
@@ -30019,13 +29822,20 @@
                   </a:schemeClr>
                 </a:solidFill>
               </a:rPr>
+              <a:t>Deus ex Machina</a:t>
+            </a:r>
+            <a:r>
+              <a:rPr lang="pl-PL" dirty="0"/>
               <a:t> </a:t>
             </a:r>
             <a:r>
               <a:rPr lang="pl-PL" dirty="0" err="1"/>
-              <a:t>approach</a:t>
-            </a:r>
-            <a:endParaRPr lang="pl-PL" dirty="0"/>
+              <a:t>Possible</a:t>
+            </a:r>
+            <a:r>
+              <a:rPr lang="pl-PL" dirty="0"/>
+              <a:t>?</a:t>
+            </a:r>
           </a:p>
         </p:txBody>
       </p:sp>
@@ -30048,7 +29858,7 @@
         <p:spPr>
           <a:xfrm>
             <a:off x="1361752" y="2249486"/>
-            <a:ext cx="9905999" cy="3133219"/>
+            <a:ext cx="9905999" cy="3197585"/>
           </a:xfrm>
         </p:spPr>
         <p:txBody>
@@ -30059,46 +29869,189 @@
           <a:p>
             <a:r>
               <a:rPr lang="pl-PL" dirty="0"/>
-              <a:t>E</a:t>
-            </a:r>
-            <a:r>
-              <a:rPr lang="en-US" dirty="0" err="1"/>
-              <a:t>ach</a:t>
+              <a:t>Vitalik Buterin: </a:t>
+            </a:r>
+            <a:r>
+              <a:rPr lang="pl-PL" dirty="0" err="1"/>
+              <a:t>governance</a:t>
+            </a:r>
+            <a:r>
+              <a:rPr lang="pl-PL" dirty="0"/>
+              <a:t> by </a:t>
+            </a:r>
+            <a:r>
+              <a:rPr lang="pl-PL" dirty="0">
+                <a:solidFill>
+                  <a:schemeClr val="tx2">
+                    <a:lumMod val="75000"/>
+                  </a:schemeClr>
+                </a:solidFill>
+              </a:rPr>
+              <a:t>cryptoeconomics</a:t>
+            </a:r>
+            <a:r>
+              <a:rPr lang="pl-PL" dirty="0"/>
+              <a:t>. I</a:t>
             </a:r>
             <a:r>
               <a:rPr lang="en-US" dirty="0"/>
-              <a:t> community might have its own definition of “right and wrong” which can only be measured by a poll of the subjective opinions of community members</a:t>
-            </a:r>
-            <a:endParaRPr lang="pl-PL" dirty="0"/>
+              <a:t>f we could only put the right algorithm inside </a:t>
+            </a:r>
+            <a:r>
+              <a:rPr lang="pl-PL" dirty="0"/>
+              <a:t>a</a:t>
+            </a:r>
+            <a:r>
+              <a:rPr lang="en-US" dirty="0"/>
+              <a:t> box</a:t>
+            </a:r>
+            <a:r>
+              <a:rPr lang="pl-PL" dirty="0"/>
+              <a:t>,</a:t>
+            </a:r>
+            <a:r>
+              <a:rPr lang="en-US" dirty="0"/>
+              <a:t> then </a:t>
+            </a:r>
+            <a:r>
+              <a:rPr lang="pl-PL" dirty="0" err="1"/>
+              <a:t>it</a:t>
+            </a:r>
+            <a:r>
+              <a:rPr lang="pl-PL" dirty="0"/>
+              <a:t> </a:t>
+            </a:r>
+            <a:r>
+              <a:rPr lang="pl-PL" dirty="0" err="1"/>
+              <a:t>could</a:t>
+            </a:r>
+            <a:r>
+              <a:rPr lang="pl-PL" dirty="0"/>
+              <a:t> be </a:t>
+            </a:r>
+            <a:r>
+              <a:rPr lang="pl-PL" dirty="0" err="1"/>
+              <a:t>fully</a:t>
+            </a:r>
+            <a:r>
+              <a:rPr lang="pl-PL" dirty="0"/>
+              <a:t> </a:t>
+            </a:r>
+            <a:r>
+              <a:rPr lang="pl-PL" dirty="0" err="1"/>
+              <a:t>autonomous</a:t>
+            </a:r>
+            <a:r>
+              <a:rPr lang="pl-PL" dirty="0"/>
+              <a:t>.</a:t>
+            </a:r>
           </a:p>
           <a:p>
             <a:r>
+              <a:rPr lang="pl-PL" dirty="0"/>
+              <a:t>Daniel Larimer: </a:t>
+            </a:r>
+            <a:r>
+              <a:rPr lang="pl-PL" dirty="0" err="1"/>
+              <a:t>governance</a:t>
+            </a:r>
+            <a:r>
+              <a:rPr lang="pl-PL" dirty="0"/>
+              <a:t> by </a:t>
+            </a:r>
+            <a:r>
+              <a:rPr lang="pl-PL" dirty="0" err="1">
+                <a:solidFill>
+                  <a:schemeClr val="tx2">
+                    <a:lumMod val="75000"/>
+                  </a:schemeClr>
+                </a:solidFill>
+              </a:rPr>
+              <a:t>community</a:t>
+            </a:r>
+            <a:r>
+              <a:rPr lang="pl-PL" dirty="0"/>
+              <a:t>. T</a:t>
+            </a:r>
+            <a:r>
               <a:rPr lang="en-US" dirty="0"/>
-              <a:t>The more effective a group is at maintaining its integrity as it grows, the larger the group will grow</a:t>
-            </a:r>
-            <a:endParaRPr lang="pl-PL" dirty="0"/>
-          </a:p>
-          <a:p>
-            <a:r>
-              <a:rPr lang="en-US" dirty="0"/>
-              <a:t>The more corrupt a group is</a:t>
+              <a:t>here is no such thing as a closed economic system</a:t>
             </a:r>
             <a:r>
               <a:rPr lang="pl-PL" dirty="0"/>
-              <a:t>,</a:t>
-            </a:r>
-            <a:r>
-              <a:rPr lang="en-US" dirty="0"/>
-              <a:t> the faster it will die</a:t>
-            </a:r>
-            <a:endParaRPr lang="pl-PL" dirty="0"/>
+              <a:t>, we </a:t>
+            </a:r>
+            <a:r>
+              <a:rPr lang="pl-PL" dirty="0" err="1"/>
+              <a:t>must</a:t>
+            </a:r>
+            <a:r>
+              <a:rPr lang="pl-PL" dirty="0"/>
+              <a:t> </a:t>
+            </a:r>
+            <a:r>
+              <a:rPr lang="pl-PL" dirty="0" err="1"/>
+              <a:t>always</a:t>
+            </a:r>
+            <a:r>
+              <a:rPr lang="pl-PL" dirty="0"/>
+              <a:t> </a:t>
+            </a:r>
+            <a:r>
+              <a:rPr lang="pl-PL" dirty="0" err="1"/>
+              <a:t>rely</a:t>
+            </a:r>
+            <a:r>
+              <a:rPr lang="pl-PL" dirty="0"/>
+              <a:t> on </a:t>
+            </a:r>
+            <a:r>
+              <a:rPr lang="pl-PL" dirty="0" err="1"/>
+              <a:t>external</a:t>
+            </a:r>
+            <a:r>
+              <a:rPr lang="pl-PL" dirty="0"/>
+              <a:t> </a:t>
+            </a:r>
+            <a:r>
+              <a:rPr lang="pl-PL" dirty="0" err="1"/>
+              <a:t>input</a:t>
+            </a:r>
+            <a:r>
+              <a:rPr lang="pl-PL" dirty="0"/>
+              <a:t>, </a:t>
+            </a:r>
+            <a:r>
+              <a:rPr lang="pl-PL" dirty="0" err="1"/>
+              <a:t>such</a:t>
+            </a:r>
+            <a:r>
+              <a:rPr lang="pl-PL" dirty="0"/>
+              <a:t> as </a:t>
+            </a:r>
+            <a:r>
+              <a:rPr lang="pl-PL" dirty="0" err="1"/>
+              <a:t>human</a:t>
+            </a:r>
+            <a:r>
+              <a:rPr lang="pl-PL" dirty="0"/>
+              <a:t> </a:t>
+            </a:r>
+            <a:r>
+              <a:rPr lang="pl-PL" dirty="0" err="1"/>
+              <a:t>judgement</a:t>
+            </a:r>
+            <a:r>
+              <a:rPr lang="pl-PL" dirty="0"/>
+              <a:t>.</a:t>
+            </a:r>
           </a:p>
         </p:txBody>
       </p:sp>
     </p:spTree>
     <p:extLst>
       <p:ext uri="{BB962C8B-B14F-4D97-AF65-F5344CB8AC3E}">
-        <p14:creationId xmlns:p14="http://schemas.microsoft.com/office/powerpoint/2010/main" val="3857158891"/>
+        <p14:creationId xmlns:p14="http://schemas.microsoft.com/office/powerpoint/2010/main" val="3631875826"/>
       </p:ext>
     </p:extLst>
   </p:cSld>
@@ -30142,6 +30095,175 @@
           <p:cNvPr id="2" name="Title 1">
             <a:extLst>
               <a:ext uri="{FF2B5EF4-FFF2-40B4-BE49-F238E27FC236}">
+                <a16:creationId xmlns:a16="http://schemas.microsoft.com/office/drawing/2014/main" id="{EF64A133-A75A-4EA3-AFC9-6C6E1297A1F6}"/>
+              </a:ext>
+            </a:extLst>
+          </p:cNvPr>
+          <p:cNvSpPr>
+            <a:spLocks noGrp="1"/>
+          </p:cNvSpPr>
+          <p:nvPr>
+            <p:ph type="title"/>
+          </p:nvPr>
+        </p:nvSpPr>
+        <p:spPr/>
+        <p:txBody>
+          <a:bodyPr/>
+          <a:lstStyle/>
+          <a:p>
+            <a:r>
+              <a:rPr lang="pl-PL" dirty="0"/>
+              <a:t>DAN </a:t>
+            </a:r>
+            <a:r>
+              <a:rPr lang="pl-PL" dirty="0" err="1"/>
+              <a:t>Larimer’s</a:t>
+            </a:r>
+            <a:r>
+              <a:rPr lang="pl-PL" dirty="0"/>
+              <a:t> </a:t>
+            </a:r>
+            <a:r>
+              <a:rPr lang="pl-PL" dirty="0" err="1">
+                <a:solidFill>
+                  <a:schemeClr val="tx2">
+                    <a:lumMod val="75000"/>
+                  </a:schemeClr>
+                </a:solidFill>
+              </a:rPr>
+              <a:t>Darwinian</a:t>
+            </a:r>
+            <a:r>
+              <a:rPr lang="pl-PL" dirty="0">
+                <a:solidFill>
+                  <a:schemeClr val="tx2">
+                    <a:lumMod val="75000"/>
+                  </a:schemeClr>
+                </a:solidFill>
+              </a:rPr>
+              <a:t> </a:t>
+            </a:r>
+            <a:r>
+              <a:rPr lang="pl-PL" dirty="0" err="1"/>
+              <a:t>approach</a:t>
+            </a:r>
+            <a:endParaRPr lang="pl-PL" dirty="0"/>
+          </a:p>
+        </p:txBody>
+      </p:sp>
+      <p:sp>
+        <p:nvSpPr>
+          <p:cNvPr id="3" name="Content Placeholder 2">
+            <a:extLst>
+              <a:ext uri="{FF2B5EF4-FFF2-40B4-BE49-F238E27FC236}">
+                <a16:creationId xmlns:a16="http://schemas.microsoft.com/office/drawing/2014/main" id="{21BC3B13-91C2-4964-A2E1-5141059D33C9}"/>
+              </a:ext>
+            </a:extLst>
+          </p:cNvPr>
+          <p:cNvSpPr>
+            <a:spLocks noGrp="1"/>
+          </p:cNvSpPr>
+          <p:nvPr>
+            <p:ph idx="1"/>
+          </p:nvPr>
+        </p:nvSpPr>
+        <p:spPr>
+          <a:xfrm>
+            <a:off x="1361752" y="2249486"/>
+            <a:ext cx="9905999" cy="3133219"/>
+          </a:xfrm>
+        </p:spPr>
+        <p:txBody>
+          <a:bodyPr>
+            <a:normAutofit/>
+          </a:bodyPr>
+          <a:lstStyle/>
+          <a:p>
+            <a:r>
+              <a:rPr lang="pl-PL" dirty="0"/>
+              <a:t>E</a:t>
+            </a:r>
+            <a:r>
+              <a:rPr lang="en-US" dirty="0" err="1"/>
+              <a:t>ach</a:t>
+            </a:r>
+            <a:r>
+              <a:rPr lang="en-US" dirty="0"/>
+              <a:t> community might have its own definition of “right and wrong” which can only be measured by a poll of the subjective opinions of community members</a:t>
+            </a:r>
+            <a:endParaRPr lang="pl-PL" dirty="0"/>
+          </a:p>
+          <a:p>
+            <a:r>
+              <a:rPr lang="en-US" dirty="0"/>
+              <a:t>The more effective a group is at maintaining its integrity as it grows, the larger the group will grow</a:t>
+            </a:r>
+            <a:endParaRPr lang="pl-PL" dirty="0"/>
+          </a:p>
+          <a:p>
+            <a:r>
+              <a:rPr lang="en-US" dirty="0"/>
+              <a:t>The more corrupt a group is</a:t>
+            </a:r>
+            <a:r>
+              <a:rPr lang="pl-PL" dirty="0"/>
+              <a:t>,</a:t>
+            </a:r>
+            <a:r>
+              <a:rPr lang="en-US" dirty="0"/>
+              <a:t> the faster it will die</a:t>
+            </a:r>
+            <a:endParaRPr lang="pl-PL" dirty="0"/>
+          </a:p>
+        </p:txBody>
+      </p:sp>
+    </p:spTree>
+    <p:extLst>
+      <p:ext uri="{BB962C8B-B14F-4D97-AF65-F5344CB8AC3E}">
+        <p14:creationId xmlns:p14="http://schemas.microsoft.com/office/powerpoint/2010/main" val="3857158891"/>
+      </p:ext>
+    </p:extLst>
+  </p:cSld>
+  <p:clrMapOvr>
+    <a:masterClrMapping/>
+  </p:clrMapOvr>
+  <mc:AlternateContent xmlns:mc="http://schemas.openxmlformats.org/markup-compatibility/2006" xmlns:p14="http://schemas.microsoft.com/office/powerpoint/2010/main">
+    <mc:Choice Requires="p14">
+      <p:transition spd="slow" p14:dur="2500">
+        <p:checker/>
+      </p:transition>
+    </mc:Choice>
+    <mc:Fallback xmlns="">
+      <p:transition spd="slow">
+        <p:checker/>
+      </p:transition>
+    </mc:Fallback>
+  </mc:AlternateContent>
+</p:sld>
+</file>
+
+<file path=ppt/slides/slide24.xml><?xml version="1.0" encoding="utf-8"?>
+<p:sld xmlns:a="http://schemas.openxmlformats.org/drawingml/2006/main" xmlns:r="http://schemas.openxmlformats.org/officeDocument/2006/relationships" xmlns:p="http://schemas.openxmlformats.org/presentationml/2006/main">
+  <p:cSld>
+    <p:spTree>
+      <p:nvGrpSpPr>
+        <p:cNvPr id="1" name=""/>
+        <p:cNvGrpSpPr/>
+        <p:nvPr/>
+      </p:nvGrpSpPr>
+      <p:grpSpPr>
+        <a:xfrm>
+          <a:off x="0" y="0"/>
+          <a:ext cx="0" cy="0"/>
+          <a:chOff x="0" y="0"/>
+          <a:chExt cx="0" cy="0"/>
+        </a:xfrm>
+      </p:grpSpPr>
+      <p:sp>
+        <p:nvSpPr>
+          <p:cNvPr id="2" name="Title 1">
+            <a:extLst>
+              <a:ext uri="{FF2B5EF4-FFF2-40B4-BE49-F238E27FC236}">
                 <a16:creationId xmlns:a16="http://schemas.microsoft.com/office/drawing/2014/main" id="{DCC904C0-05DD-4AC7-85C7-49ECB559433D}"/>
               </a:ext>
             </a:extLst>
@@ -30236,7 +30358,7 @@
 </p:sld>
 </file>
 
-<file path=ppt/slides/slide24.xml><?xml version="1.0" encoding="utf-8"?>
+<file path=ppt/slides/slide25.xml><?xml version="1.0" encoding="utf-8"?>
 <p:sld xmlns:a="http://schemas.openxmlformats.org/drawingml/2006/main" xmlns:r="http://schemas.openxmlformats.org/officeDocument/2006/relationships" xmlns:p="http://schemas.openxmlformats.org/presentationml/2006/main" show="0">
   <p:cSld>
     <p:spTree>
@@ -30452,7 +30574,7 @@
 </p:sld>
 </file>
 
-<file path=ppt/slides/slide25.xml><?xml version="1.0" encoding="utf-8"?>
+<file path=ppt/slides/slide26.xml><?xml version="1.0" encoding="utf-8"?>
 <p:sld xmlns:a="http://schemas.openxmlformats.org/drawingml/2006/main" xmlns:r="http://schemas.openxmlformats.org/officeDocument/2006/relationships" xmlns:p="http://schemas.openxmlformats.org/presentationml/2006/main" show="0">
   <p:cSld>
     <p:spTree>
@@ -30757,7 +30879,7 @@
 </p:sld>
 </file>
 
-<file path=ppt/slides/slide26.xml><?xml version="1.0" encoding="utf-8"?>
+<file path=ppt/slides/slide27.xml><?xml version="1.0" encoding="utf-8"?>
 <p:sld xmlns:a="http://schemas.openxmlformats.org/drawingml/2006/main" xmlns:r="http://schemas.openxmlformats.org/officeDocument/2006/relationships" xmlns:p="http://schemas.openxmlformats.org/presentationml/2006/main" show="0">
   <p:cSld>
     <p:spTree>
@@ -31066,7 +31188,7 @@
 </p:sld>
 </file>
 
-<file path=ppt/slides/slide27.xml><?xml version="1.0" encoding="utf-8"?>
+<file path=ppt/slides/slide28.xml><?xml version="1.0" encoding="utf-8"?>
 <p:sld xmlns:a="http://schemas.openxmlformats.org/drawingml/2006/main" xmlns:r="http://schemas.openxmlformats.org/officeDocument/2006/relationships" xmlns:p="http://schemas.openxmlformats.org/presentationml/2006/main" show="0">
   <p:cSld>
     <p:spTree>
@@ -31166,7 +31288,7 @@
 </p:sld>
 </file>
 
-<file path=ppt/slides/slide28.xml><?xml version="1.0" encoding="utf-8"?>
+<file path=ppt/slides/slide29.xml><?xml version="1.0" encoding="utf-8"?>
 <p:sld xmlns:a="http://schemas.openxmlformats.org/drawingml/2006/main" xmlns:r="http://schemas.openxmlformats.org/officeDocument/2006/relationships" xmlns:p="http://schemas.openxmlformats.org/presentationml/2006/main" show="0">
   <p:cSld>
     <p:spTree>
@@ -32765,7 +32887,415 @@
 </p:sld>
 </file>
 
-<file path=ppt/slides/slide29.xml><?xml version="1.0" encoding="utf-8"?>
+<file path=ppt/slides/slide3.xml><?xml version="1.0" encoding="utf-8"?>
+<p:sld xmlns:a="http://schemas.openxmlformats.org/drawingml/2006/main" xmlns:r="http://schemas.openxmlformats.org/officeDocument/2006/relationships" xmlns:p="http://schemas.openxmlformats.org/presentationml/2006/main" show="0">
+  <p:cSld>
+    <p:spTree>
+      <p:nvGrpSpPr>
+        <p:cNvPr id="1" name=""/>
+        <p:cNvGrpSpPr/>
+        <p:nvPr/>
+      </p:nvGrpSpPr>
+      <p:grpSpPr>
+        <a:xfrm>
+          <a:off x="0" y="0"/>
+          <a:ext cx="0" cy="0"/>
+          <a:chOff x="0" y="0"/>
+          <a:chExt cx="0" cy="0"/>
+        </a:xfrm>
+      </p:grpSpPr>
+      <p:sp>
+        <p:nvSpPr>
+          <p:cNvPr id="2" name="Title 1">
+            <a:extLst>
+              <a:ext uri="{FF2B5EF4-FFF2-40B4-BE49-F238E27FC236}">
+                <a16:creationId xmlns:a16="http://schemas.microsoft.com/office/drawing/2014/main" id="{15E89C6E-E7C0-4FEB-BB3A-5CD62A36F8E4}"/>
+              </a:ext>
+            </a:extLst>
+          </p:cNvPr>
+          <p:cNvSpPr>
+            <a:spLocks noGrp="1"/>
+          </p:cNvSpPr>
+          <p:nvPr>
+            <p:ph type="title"/>
+          </p:nvPr>
+        </p:nvSpPr>
+        <p:spPr/>
+        <p:txBody>
+          <a:bodyPr/>
+          <a:lstStyle/>
+          <a:p>
+            <a:r>
+              <a:rPr lang="pl-PL" dirty="0"/>
+              <a:t>BLOCKCHAIN Evolution</a:t>
+            </a:r>
+            <a:endParaRPr lang="en-US" dirty="0"/>
+          </a:p>
+        </p:txBody>
+      </p:sp>
+      <p:graphicFrame>
+        <p:nvGraphicFramePr>
+          <p:cNvPr id="5" name="Content Placeholder 4">
+            <a:extLst>
+              <a:ext uri="{FF2B5EF4-FFF2-40B4-BE49-F238E27FC236}">
+                <a16:creationId xmlns:a16="http://schemas.microsoft.com/office/drawing/2014/main" id="{387A02C2-F0F7-49FD-9322-4259EF1AE786}"/>
+              </a:ext>
+            </a:extLst>
+          </p:cNvPr>
+          <p:cNvGraphicFramePr>
+            <a:graphicFrameLocks noGrp="1"/>
+          </p:cNvGraphicFramePr>
+          <p:nvPr>
+            <p:ph idx="1"/>
+            <p:extLst>
+              <p:ext uri="{D42A27DB-BD31-4B8C-83A1-F6EECF244321}">
+                <p14:modId xmlns:p14="http://schemas.microsoft.com/office/powerpoint/2010/main" val="2455082816"/>
+              </p:ext>
+            </p:extLst>
+          </p:nvPr>
+        </p:nvGraphicFramePr>
+        <p:xfrm>
+          <a:off x="1361752" y="2313655"/>
+          <a:ext cx="9905999" cy="1815737"/>
+        </p:xfrm>
+        <a:graphic>
+          <a:graphicData uri="http://schemas.openxmlformats.org/drawingml/2006/diagram">
+            <dgm:relIds xmlns:dgm="http://schemas.openxmlformats.org/drawingml/2006/diagram" xmlns:r="http://schemas.openxmlformats.org/officeDocument/2006/relationships" r:dm="rId2" r:lo="rId3" r:qs="rId4" r:cs="rId5"/>
+          </a:graphicData>
+        </a:graphic>
+      </p:graphicFrame>
+    </p:spTree>
+    <p:extLst>
+      <p:ext uri="{BB962C8B-B14F-4D97-AF65-F5344CB8AC3E}">
+        <p14:creationId xmlns:p14="http://schemas.microsoft.com/office/powerpoint/2010/main" val="2472020034"/>
+      </p:ext>
+    </p:extLst>
+  </p:cSld>
+  <p:clrMapOvr>
+    <a:masterClrMapping/>
+  </p:clrMapOvr>
+  <mc:AlternateContent xmlns:mc="http://schemas.openxmlformats.org/markup-compatibility/2006" xmlns:p14="http://schemas.microsoft.com/office/powerpoint/2010/main">
+    <mc:Choice Requires="p14">
+      <p:transition spd="slow" p14:dur="2500">
+        <p:checker/>
+      </p:transition>
+    </mc:Choice>
+    <mc:Fallback xmlns="">
+      <p:transition spd="slow">
+        <p:checker/>
+      </p:transition>
+    </mc:Fallback>
+  </mc:AlternateContent>
+  <p:timing>
+    <p:tnLst>
+      <p:par>
+        <p:cTn id="1" dur="indefinite" restart="never" nodeType="tmRoot">
+          <p:childTnLst>
+            <p:seq concurrent="1" nextAc="seek">
+              <p:cTn id="2" dur="indefinite" nodeType="mainSeq">
+                <p:childTnLst>
+                  <p:par>
+                    <p:cTn id="3" fill="hold">
+                      <p:stCondLst>
+                        <p:cond delay="indefinite"/>
+                      </p:stCondLst>
+                      <p:childTnLst>
+                        <p:par>
+                          <p:cTn id="4" fill="hold">
+                            <p:stCondLst>
+                              <p:cond delay="0"/>
+                            </p:stCondLst>
+                            <p:childTnLst>
+                              <p:par>
+                                <p:cTn id="5" presetID="10" presetClass="entr" presetSubtype="0" fill="hold" grpId="0" nodeType="clickEffect">
+                                  <p:stCondLst>
+                                    <p:cond delay="0"/>
+                                  </p:stCondLst>
+                                  <p:childTnLst>
+                                    <p:set>
+                                      <p:cBhvr>
+                                        <p:cTn id="6" dur="1" fill="hold">
+                                          <p:stCondLst>
+                                            <p:cond delay="0"/>
+                                          </p:stCondLst>
+                                        </p:cTn>
+                                        <p:tgtEl>
+                                          <p:spTgt spid="5">
+                                            <p:graphicEl>
+                                              <a:dgm id="{E40EF4B3-8BA8-436A-B15B-C0F795B9ECAC}"/>
+                                            </p:graphicEl>
+                                          </p:spTgt>
+                                        </p:tgtEl>
+                                        <p:attrNameLst>
+                                          <p:attrName>style.visibility</p:attrName>
+                                        </p:attrNameLst>
+                                      </p:cBhvr>
+                                      <p:to>
+                                        <p:strVal val="visible"/>
+                                      </p:to>
+                                    </p:set>
+                                    <p:animEffect transition="in" filter="fade">
+                                      <p:cBhvr>
+                                        <p:cTn id="7" dur="500"/>
+                                        <p:tgtEl>
+                                          <p:spTgt spid="5">
+                                            <p:graphicEl>
+                                              <a:dgm id="{E40EF4B3-8BA8-436A-B15B-C0F795B9ECAC}"/>
+                                            </p:graphicEl>
+                                          </p:spTgt>
+                                        </p:tgtEl>
+                                      </p:cBhvr>
+                                    </p:animEffect>
+                                  </p:childTnLst>
+                                </p:cTn>
+                              </p:par>
+                            </p:childTnLst>
+                          </p:cTn>
+                        </p:par>
+                      </p:childTnLst>
+                    </p:cTn>
+                  </p:par>
+                  <p:par>
+                    <p:cTn id="8" fill="hold">
+                      <p:stCondLst>
+                        <p:cond delay="indefinite"/>
+                      </p:stCondLst>
+                      <p:childTnLst>
+                        <p:par>
+                          <p:cTn id="9" fill="hold">
+                            <p:stCondLst>
+                              <p:cond delay="0"/>
+                            </p:stCondLst>
+                            <p:childTnLst>
+                              <p:par>
+                                <p:cTn id="10" presetID="10" presetClass="entr" presetSubtype="0" fill="hold" grpId="0" nodeType="clickEffect">
+                                  <p:stCondLst>
+                                    <p:cond delay="0"/>
+                                  </p:stCondLst>
+                                  <p:childTnLst>
+                                    <p:set>
+                                      <p:cBhvr>
+                                        <p:cTn id="11" dur="1" fill="hold">
+                                          <p:stCondLst>
+                                            <p:cond delay="0"/>
+                                          </p:stCondLst>
+                                        </p:cTn>
+                                        <p:tgtEl>
+                                          <p:spTgt spid="5">
+                                            <p:graphicEl>
+                                              <a:dgm id="{C3550AE3-EAA5-4345-96A2-2D49ABF0C995}"/>
+                                            </p:graphicEl>
+                                          </p:spTgt>
+                                        </p:tgtEl>
+                                        <p:attrNameLst>
+                                          <p:attrName>style.visibility</p:attrName>
+                                        </p:attrNameLst>
+                                      </p:cBhvr>
+                                      <p:to>
+                                        <p:strVal val="visible"/>
+                                      </p:to>
+                                    </p:set>
+                                    <p:animEffect transition="in" filter="fade">
+                                      <p:cBhvr>
+                                        <p:cTn id="12" dur="500"/>
+                                        <p:tgtEl>
+                                          <p:spTgt spid="5">
+                                            <p:graphicEl>
+                                              <a:dgm id="{C3550AE3-EAA5-4345-96A2-2D49ABF0C995}"/>
+                                            </p:graphicEl>
+                                          </p:spTgt>
+                                        </p:tgtEl>
+                                      </p:cBhvr>
+                                    </p:animEffect>
+                                  </p:childTnLst>
+                                </p:cTn>
+                              </p:par>
+                              <p:par>
+                                <p:cTn id="13" presetID="10" presetClass="entr" presetSubtype="0" fill="hold" grpId="0" nodeType="withEffect">
+                                  <p:stCondLst>
+                                    <p:cond delay="0"/>
+                                  </p:stCondLst>
+                                  <p:childTnLst>
+                                    <p:set>
+                                      <p:cBhvr>
+                                        <p:cTn id="14" dur="1" fill="hold">
+                                          <p:stCondLst>
+                                            <p:cond delay="0"/>
+                                          </p:stCondLst>
+                                        </p:cTn>
+                                        <p:tgtEl>
+                                          <p:spTgt spid="5">
+                                            <p:graphicEl>
+                                              <a:dgm id="{8D6DEFCB-1384-46AE-A406-C24CBCF29DBA}"/>
+                                            </p:graphicEl>
+                                          </p:spTgt>
+                                        </p:tgtEl>
+                                        <p:attrNameLst>
+                                          <p:attrName>style.visibility</p:attrName>
+                                        </p:attrNameLst>
+                                      </p:cBhvr>
+                                      <p:to>
+                                        <p:strVal val="visible"/>
+                                      </p:to>
+                                    </p:set>
+                                    <p:animEffect transition="in" filter="fade">
+                                      <p:cBhvr>
+                                        <p:cTn id="15" dur="500"/>
+                                        <p:tgtEl>
+                                          <p:spTgt spid="5">
+                                            <p:graphicEl>
+                                              <a:dgm id="{8D6DEFCB-1384-46AE-A406-C24CBCF29DBA}"/>
+                                            </p:graphicEl>
+                                          </p:spTgt>
+                                        </p:tgtEl>
+                                      </p:cBhvr>
+                                    </p:animEffect>
+                                  </p:childTnLst>
+                                </p:cTn>
+                              </p:par>
+                            </p:childTnLst>
+                          </p:cTn>
+                        </p:par>
+                      </p:childTnLst>
+                    </p:cTn>
+                  </p:par>
+                  <p:par>
+                    <p:cTn id="16" fill="hold">
+                      <p:stCondLst>
+                        <p:cond delay="indefinite"/>
+                      </p:stCondLst>
+                      <p:childTnLst>
+                        <p:par>
+                          <p:cTn id="17" fill="hold">
+                            <p:stCondLst>
+                              <p:cond delay="0"/>
+                            </p:stCondLst>
+                            <p:childTnLst>
+                              <p:par>
+                                <p:cTn id="18" presetID="10" presetClass="entr" presetSubtype="0" fill="hold" grpId="0" nodeType="clickEffect">
+                                  <p:stCondLst>
+                                    <p:cond delay="0"/>
+                                  </p:stCondLst>
+                                  <p:childTnLst>
+                                    <p:set>
+                                      <p:cBhvr>
+                                        <p:cTn id="19" dur="1" fill="hold">
+                                          <p:stCondLst>
+                                            <p:cond delay="0"/>
+                                          </p:stCondLst>
+                                        </p:cTn>
+                                        <p:tgtEl>
+                                          <p:spTgt spid="5">
+                                            <p:graphicEl>
+                                              <a:dgm id="{D9CD9F60-125D-422C-A4B2-7AB9DC41F197}"/>
+                                            </p:graphicEl>
+                                          </p:spTgt>
+                                        </p:tgtEl>
+                                        <p:attrNameLst>
+                                          <p:attrName>style.visibility</p:attrName>
+                                        </p:attrNameLst>
+                                      </p:cBhvr>
+                                      <p:to>
+                                        <p:strVal val="visible"/>
+                                      </p:to>
+                                    </p:set>
+                                    <p:animEffect transition="in" filter="fade">
+                                      <p:cBhvr>
+                                        <p:cTn id="20" dur="500"/>
+                                        <p:tgtEl>
+                                          <p:spTgt spid="5">
+                                            <p:graphicEl>
+                                              <a:dgm id="{D9CD9F60-125D-422C-A4B2-7AB9DC41F197}"/>
+                                            </p:graphicEl>
+                                          </p:spTgt>
+                                        </p:tgtEl>
+                                      </p:cBhvr>
+                                    </p:animEffect>
+                                  </p:childTnLst>
+                                </p:cTn>
+                              </p:par>
+                              <p:par>
+                                <p:cTn id="21" presetID="10" presetClass="entr" presetSubtype="0" fill="hold" grpId="0" nodeType="withEffect">
+                                  <p:stCondLst>
+                                    <p:cond delay="0"/>
+                                  </p:stCondLst>
+                                  <p:childTnLst>
+                                    <p:set>
+                                      <p:cBhvr>
+                                        <p:cTn id="22" dur="1" fill="hold">
+                                          <p:stCondLst>
+                                            <p:cond delay="0"/>
+                                          </p:stCondLst>
+                                        </p:cTn>
+                                        <p:tgtEl>
+                                          <p:spTgt spid="5">
+                                            <p:graphicEl>
+                                              <a:dgm id="{904AA21A-6637-412F-8D19-6AEBE54B6CFC}"/>
+                                            </p:graphicEl>
+                                          </p:spTgt>
+                                        </p:tgtEl>
+                                        <p:attrNameLst>
+                                          <p:attrName>style.visibility</p:attrName>
+                                        </p:attrNameLst>
+                                      </p:cBhvr>
+                                      <p:to>
+                                        <p:strVal val="visible"/>
+                                      </p:to>
+                                    </p:set>
+                                    <p:animEffect transition="in" filter="fade">
+                                      <p:cBhvr>
+                                        <p:cTn id="23" dur="500"/>
+                                        <p:tgtEl>
+                                          <p:spTgt spid="5">
+                                            <p:graphicEl>
+                                              <a:dgm id="{904AA21A-6637-412F-8D19-6AEBE54B6CFC}"/>
+                                            </p:graphicEl>
+                                          </p:spTgt>
+                                        </p:tgtEl>
+                                      </p:cBhvr>
+                                    </p:animEffect>
+                                  </p:childTnLst>
+                                </p:cTn>
+                              </p:par>
+                            </p:childTnLst>
+                          </p:cTn>
+                        </p:par>
+                      </p:childTnLst>
+                    </p:cTn>
+                  </p:par>
+                </p:childTnLst>
+              </p:cTn>
+              <p:prevCondLst>
+                <p:cond evt="onPrev" delay="0">
+                  <p:tgtEl>
+                    <p:sldTgt/>
+                  </p:tgtEl>
+                </p:cond>
+              </p:prevCondLst>
+              <p:nextCondLst>
+                <p:cond evt="onNext" delay="0">
+                  <p:tgtEl>
+                    <p:sldTgt/>
+                  </p:tgtEl>
+                </p:cond>
+              </p:nextCondLst>
+            </p:seq>
+          </p:childTnLst>
+        </p:cTn>
+      </p:par>
+    </p:tnLst>
+    <p:bldLst>
+      <p:bldGraphic spid="5" grpId="0">
+        <p:bldSub>
+          <a:bldDgm bld="one"/>
+        </p:bldSub>
+      </p:bldGraphic>
+    </p:bldLst>
+  </p:timing>
+</p:sld>
+</file>
+
+<file path=ppt/slides/slide30.xml><?xml version="1.0" encoding="utf-8"?>
 <p:sld xmlns:a="http://schemas.openxmlformats.org/drawingml/2006/main" xmlns:r="http://schemas.openxmlformats.org/officeDocument/2006/relationships" xmlns:p="http://schemas.openxmlformats.org/presentationml/2006/main" show="0">
   <p:cSld>
     <p:spTree>
@@ -34244,415 +34774,7 @@
 </p:sld>
 </file>
 
-<file path=ppt/slides/slide3.xml><?xml version="1.0" encoding="utf-8"?>
-<p:sld xmlns:a="http://schemas.openxmlformats.org/drawingml/2006/main" xmlns:r="http://schemas.openxmlformats.org/officeDocument/2006/relationships" xmlns:p="http://schemas.openxmlformats.org/presentationml/2006/main" show="0">
-  <p:cSld>
-    <p:spTree>
-      <p:nvGrpSpPr>
-        <p:cNvPr id="1" name=""/>
-        <p:cNvGrpSpPr/>
-        <p:nvPr/>
-      </p:nvGrpSpPr>
-      <p:grpSpPr>
-        <a:xfrm>
-          <a:off x="0" y="0"/>
-          <a:ext cx="0" cy="0"/>
-          <a:chOff x="0" y="0"/>
-          <a:chExt cx="0" cy="0"/>
-        </a:xfrm>
-      </p:grpSpPr>
-      <p:sp>
-        <p:nvSpPr>
-          <p:cNvPr id="2" name="Title 1">
-            <a:extLst>
-              <a:ext uri="{FF2B5EF4-FFF2-40B4-BE49-F238E27FC236}">
-                <a16:creationId xmlns:a16="http://schemas.microsoft.com/office/drawing/2014/main" id="{15E89C6E-E7C0-4FEB-BB3A-5CD62A36F8E4}"/>
-              </a:ext>
-            </a:extLst>
-          </p:cNvPr>
-          <p:cNvSpPr>
-            <a:spLocks noGrp="1"/>
-          </p:cNvSpPr>
-          <p:nvPr>
-            <p:ph type="title"/>
-          </p:nvPr>
-        </p:nvSpPr>
-        <p:spPr/>
-        <p:txBody>
-          <a:bodyPr/>
-          <a:lstStyle/>
-          <a:p>
-            <a:r>
-              <a:rPr lang="pl-PL" dirty="0"/>
-              <a:t>BLOCKCHAIN Evolution</a:t>
-            </a:r>
-            <a:endParaRPr lang="en-US" dirty="0"/>
-          </a:p>
-        </p:txBody>
-      </p:sp>
-      <p:graphicFrame>
-        <p:nvGraphicFramePr>
-          <p:cNvPr id="5" name="Content Placeholder 4">
-            <a:extLst>
-              <a:ext uri="{FF2B5EF4-FFF2-40B4-BE49-F238E27FC236}">
-                <a16:creationId xmlns:a16="http://schemas.microsoft.com/office/drawing/2014/main" id="{387A02C2-F0F7-49FD-9322-4259EF1AE786}"/>
-              </a:ext>
-            </a:extLst>
-          </p:cNvPr>
-          <p:cNvGraphicFramePr>
-            <a:graphicFrameLocks noGrp="1"/>
-          </p:cNvGraphicFramePr>
-          <p:nvPr>
-            <p:ph idx="1"/>
-            <p:extLst>
-              <p:ext uri="{D42A27DB-BD31-4B8C-83A1-F6EECF244321}">
-                <p14:modId xmlns:p14="http://schemas.microsoft.com/office/powerpoint/2010/main" val="2455082816"/>
-              </p:ext>
-            </p:extLst>
-          </p:nvPr>
-        </p:nvGraphicFramePr>
-        <p:xfrm>
-          <a:off x="1361752" y="2313655"/>
-          <a:ext cx="9905999" cy="1815737"/>
-        </p:xfrm>
-        <a:graphic>
-          <a:graphicData uri="http://schemas.openxmlformats.org/drawingml/2006/diagram">
-            <dgm:relIds xmlns:dgm="http://schemas.openxmlformats.org/drawingml/2006/diagram" xmlns:r="http://schemas.openxmlformats.org/officeDocument/2006/relationships" r:dm="rId2" r:lo="rId3" r:qs="rId4" r:cs="rId5"/>
-          </a:graphicData>
-        </a:graphic>
-      </p:graphicFrame>
-    </p:spTree>
-    <p:extLst>
-      <p:ext uri="{BB962C8B-B14F-4D97-AF65-F5344CB8AC3E}">
-        <p14:creationId xmlns:p14="http://schemas.microsoft.com/office/powerpoint/2010/main" val="2472020034"/>
-      </p:ext>
-    </p:extLst>
-  </p:cSld>
-  <p:clrMapOvr>
-    <a:masterClrMapping/>
-  </p:clrMapOvr>
-  <mc:AlternateContent xmlns:mc="http://schemas.openxmlformats.org/markup-compatibility/2006" xmlns:p14="http://schemas.microsoft.com/office/powerpoint/2010/main">
-    <mc:Choice Requires="p14">
-      <p:transition spd="slow" p14:dur="2500">
-        <p:checker/>
-      </p:transition>
-    </mc:Choice>
-    <mc:Fallback xmlns="">
-      <p:transition spd="slow">
-        <p:checker/>
-      </p:transition>
-    </mc:Fallback>
-  </mc:AlternateContent>
-  <p:timing>
-    <p:tnLst>
-      <p:par>
-        <p:cTn id="1" dur="indefinite" restart="never" nodeType="tmRoot">
-          <p:childTnLst>
-            <p:seq concurrent="1" nextAc="seek">
-              <p:cTn id="2" dur="indefinite" nodeType="mainSeq">
-                <p:childTnLst>
-                  <p:par>
-                    <p:cTn id="3" fill="hold">
-                      <p:stCondLst>
-                        <p:cond delay="indefinite"/>
-                      </p:stCondLst>
-                      <p:childTnLst>
-                        <p:par>
-                          <p:cTn id="4" fill="hold">
-                            <p:stCondLst>
-                              <p:cond delay="0"/>
-                            </p:stCondLst>
-                            <p:childTnLst>
-                              <p:par>
-                                <p:cTn id="5" presetID="10" presetClass="entr" presetSubtype="0" fill="hold" grpId="0" nodeType="clickEffect">
-                                  <p:stCondLst>
-                                    <p:cond delay="0"/>
-                                  </p:stCondLst>
-                                  <p:childTnLst>
-                                    <p:set>
-                                      <p:cBhvr>
-                                        <p:cTn id="6" dur="1" fill="hold">
-                                          <p:stCondLst>
-                                            <p:cond delay="0"/>
-                                          </p:stCondLst>
-                                        </p:cTn>
-                                        <p:tgtEl>
-                                          <p:spTgt spid="5">
-                                            <p:graphicEl>
-                                              <a:dgm id="{E40EF4B3-8BA8-436A-B15B-C0F795B9ECAC}"/>
-                                            </p:graphicEl>
-                                          </p:spTgt>
-                                        </p:tgtEl>
-                                        <p:attrNameLst>
-                                          <p:attrName>style.visibility</p:attrName>
-                                        </p:attrNameLst>
-                                      </p:cBhvr>
-                                      <p:to>
-                                        <p:strVal val="visible"/>
-                                      </p:to>
-                                    </p:set>
-                                    <p:animEffect transition="in" filter="fade">
-                                      <p:cBhvr>
-                                        <p:cTn id="7" dur="500"/>
-                                        <p:tgtEl>
-                                          <p:spTgt spid="5">
-                                            <p:graphicEl>
-                                              <a:dgm id="{E40EF4B3-8BA8-436A-B15B-C0F795B9ECAC}"/>
-                                            </p:graphicEl>
-                                          </p:spTgt>
-                                        </p:tgtEl>
-                                      </p:cBhvr>
-                                    </p:animEffect>
-                                  </p:childTnLst>
-                                </p:cTn>
-                              </p:par>
-                            </p:childTnLst>
-                          </p:cTn>
-                        </p:par>
-                      </p:childTnLst>
-                    </p:cTn>
-                  </p:par>
-                  <p:par>
-                    <p:cTn id="8" fill="hold">
-                      <p:stCondLst>
-                        <p:cond delay="indefinite"/>
-                      </p:stCondLst>
-                      <p:childTnLst>
-                        <p:par>
-                          <p:cTn id="9" fill="hold">
-                            <p:stCondLst>
-                              <p:cond delay="0"/>
-                            </p:stCondLst>
-                            <p:childTnLst>
-                              <p:par>
-                                <p:cTn id="10" presetID="10" presetClass="entr" presetSubtype="0" fill="hold" grpId="0" nodeType="clickEffect">
-                                  <p:stCondLst>
-                                    <p:cond delay="0"/>
-                                  </p:stCondLst>
-                                  <p:childTnLst>
-                                    <p:set>
-                                      <p:cBhvr>
-                                        <p:cTn id="11" dur="1" fill="hold">
-                                          <p:stCondLst>
-                                            <p:cond delay="0"/>
-                                          </p:stCondLst>
-                                        </p:cTn>
-                                        <p:tgtEl>
-                                          <p:spTgt spid="5">
-                                            <p:graphicEl>
-                                              <a:dgm id="{C3550AE3-EAA5-4345-96A2-2D49ABF0C995}"/>
-                                            </p:graphicEl>
-                                          </p:spTgt>
-                                        </p:tgtEl>
-                                        <p:attrNameLst>
-                                          <p:attrName>style.visibility</p:attrName>
-                                        </p:attrNameLst>
-                                      </p:cBhvr>
-                                      <p:to>
-                                        <p:strVal val="visible"/>
-                                      </p:to>
-                                    </p:set>
-                                    <p:animEffect transition="in" filter="fade">
-                                      <p:cBhvr>
-                                        <p:cTn id="12" dur="500"/>
-                                        <p:tgtEl>
-                                          <p:spTgt spid="5">
-                                            <p:graphicEl>
-                                              <a:dgm id="{C3550AE3-EAA5-4345-96A2-2D49ABF0C995}"/>
-                                            </p:graphicEl>
-                                          </p:spTgt>
-                                        </p:tgtEl>
-                                      </p:cBhvr>
-                                    </p:animEffect>
-                                  </p:childTnLst>
-                                </p:cTn>
-                              </p:par>
-                              <p:par>
-                                <p:cTn id="13" presetID="10" presetClass="entr" presetSubtype="0" fill="hold" grpId="0" nodeType="withEffect">
-                                  <p:stCondLst>
-                                    <p:cond delay="0"/>
-                                  </p:stCondLst>
-                                  <p:childTnLst>
-                                    <p:set>
-                                      <p:cBhvr>
-                                        <p:cTn id="14" dur="1" fill="hold">
-                                          <p:stCondLst>
-                                            <p:cond delay="0"/>
-                                          </p:stCondLst>
-                                        </p:cTn>
-                                        <p:tgtEl>
-                                          <p:spTgt spid="5">
-                                            <p:graphicEl>
-                                              <a:dgm id="{8D6DEFCB-1384-46AE-A406-C24CBCF29DBA}"/>
-                                            </p:graphicEl>
-                                          </p:spTgt>
-                                        </p:tgtEl>
-                                        <p:attrNameLst>
-                                          <p:attrName>style.visibility</p:attrName>
-                                        </p:attrNameLst>
-                                      </p:cBhvr>
-                                      <p:to>
-                                        <p:strVal val="visible"/>
-                                      </p:to>
-                                    </p:set>
-                                    <p:animEffect transition="in" filter="fade">
-                                      <p:cBhvr>
-                                        <p:cTn id="15" dur="500"/>
-                                        <p:tgtEl>
-                                          <p:spTgt spid="5">
-                                            <p:graphicEl>
-                                              <a:dgm id="{8D6DEFCB-1384-46AE-A406-C24CBCF29DBA}"/>
-                                            </p:graphicEl>
-                                          </p:spTgt>
-                                        </p:tgtEl>
-                                      </p:cBhvr>
-                                    </p:animEffect>
-                                  </p:childTnLst>
-                                </p:cTn>
-                              </p:par>
-                            </p:childTnLst>
-                          </p:cTn>
-                        </p:par>
-                      </p:childTnLst>
-                    </p:cTn>
-                  </p:par>
-                  <p:par>
-                    <p:cTn id="16" fill="hold">
-                      <p:stCondLst>
-                        <p:cond delay="indefinite"/>
-                      </p:stCondLst>
-                      <p:childTnLst>
-                        <p:par>
-                          <p:cTn id="17" fill="hold">
-                            <p:stCondLst>
-                              <p:cond delay="0"/>
-                            </p:stCondLst>
-                            <p:childTnLst>
-                              <p:par>
-                                <p:cTn id="18" presetID="10" presetClass="entr" presetSubtype="0" fill="hold" grpId="0" nodeType="clickEffect">
-                                  <p:stCondLst>
-                                    <p:cond delay="0"/>
-                                  </p:stCondLst>
-                                  <p:childTnLst>
-                                    <p:set>
-                                      <p:cBhvr>
-                                        <p:cTn id="19" dur="1" fill="hold">
-                                          <p:stCondLst>
-                                            <p:cond delay="0"/>
-                                          </p:stCondLst>
-                                        </p:cTn>
-                                        <p:tgtEl>
-                                          <p:spTgt spid="5">
-                                            <p:graphicEl>
-                                              <a:dgm id="{D9CD9F60-125D-422C-A4B2-7AB9DC41F197}"/>
-                                            </p:graphicEl>
-                                          </p:spTgt>
-                                        </p:tgtEl>
-                                        <p:attrNameLst>
-                                          <p:attrName>style.visibility</p:attrName>
-                                        </p:attrNameLst>
-                                      </p:cBhvr>
-                                      <p:to>
-                                        <p:strVal val="visible"/>
-                                      </p:to>
-                                    </p:set>
-                                    <p:animEffect transition="in" filter="fade">
-                                      <p:cBhvr>
-                                        <p:cTn id="20" dur="500"/>
-                                        <p:tgtEl>
-                                          <p:spTgt spid="5">
-                                            <p:graphicEl>
-                                              <a:dgm id="{D9CD9F60-125D-422C-A4B2-7AB9DC41F197}"/>
-                                            </p:graphicEl>
-                                          </p:spTgt>
-                                        </p:tgtEl>
-                                      </p:cBhvr>
-                                    </p:animEffect>
-                                  </p:childTnLst>
-                                </p:cTn>
-                              </p:par>
-                              <p:par>
-                                <p:cTn id="21" presetID="10" presetClass="entr" presetSubtype="0" fill="hold" grpId="0" nodeType="withEffect">
-                                  <p:stCondLst>
-                                    <p:cond delay="0"/>
-                                  </p:stCondLst>
-                                  <p:childTnLst>
-                                    <p:set>
-                                      <p:cBhvr>
-                                        <p:cTn id="22" dur="1" fill="hold">
-                                          <p:stCondLst>
-                                            <p:cond delay="0"/>
-                                          </p:stCondLst>
-                                        </p:cTn>
-                                        <p:tgtEl>
-                                          <p:spTgt spid="5">
-                                            <p:graphicEl>
-                                              <a:dgm id="{904AA21A-6637-412F-8D19-6AEBE54B6CFC}"/>
-                                            </p:graphicEl>
-                                          </p:spTgt>
-                                        </p:tgtEl>
-                                        <p:attrNameLst>
-                                          <p:attrName>style.visibility</p:attrName>
-                                        </p:attrNameLst>
-                                      </p:cBhvr>
-                                      <p:to>
-                                        <p:strVal val="visible"/>
-                                      </p:to>
-                                    </p:set>
-                                    <p:animEffect transition="in" filter="fade">
-                                      <p:cBhvr>
-                                        <p:cTn id="23" dur="500"/>
-                                        <p:tgtEl>
-                                          <p:spTgt spid="5">
-                                            <p:graphicEl>
-                                              <a:dgm id="{904AA21A-6637-412F-8D19-6AEBE54B6CFC}"/>
-                                            </p:graphicEl>
-                                          </p:spTgt>
-                                        </p:tgtEl>
-                                      </p:cBhvr>
-                                    </p:animEffect>
-                                  </p:childTnLst>
-                                </p:cTn>
-                              </p:par>
-                            </p:childTnLst>
-                          </p:cTn>
-                        </p:par>
-                      </p:childTnLst>
-                    </p:cTn>
-                  </p:par>
-                </p:childTnLst>
-              </p:cTn>
-              <p:prevCondLst>
-                <p:cond evt="onPrev" delay="0">
-                  <p:tgtEl>
-                    <p:sldTgt/>
-                  </p:tgtEl>
-                </p:cond>
-              </p:prevCondLst>
-              <p:nextCondLst>
-                <p:cond evt="onNext" delay="0">
-                  <p:tgtEl>
-                    <p:sldTgt/>
-                  </p:tgtEl>
-                </p:cond>
-              </p:nextCondLst>
-            </p:seq>
-          </p:childTnLst>
-        </p:cTn>
-      </p:par>
-    </p:tnLst>
-    <p:bldLst>
-      <p:bldGraphic spid="5" grpId="0">
-        <p:bldSub>
-          <a:bldDgm bld="one"/>
-        </p:bldSub>
-      </p:bldGraphic>
-    </p:bldLst>
-  </p:timing>
-</p:sld>
-</file>
-
-<file path=ppt/slides/slide30.xml><?xml version="1.0" encoding="utf-8"?>
+<file path=ppt/slides/slide31.xml><?xml version="1.0" encoding="utf-8"?>
 <p:sld xmlns:a="http://schemas.openxmlformats.org/drawingml/2006/main" xmlns:r="http://schemas.openxmlformats.org/officeDocument/2006/relationships" xmlns:p="http://schemas.openxmlformats.org/presentationml/2006/main" show="0">
   <p:cSld>
     <p:spTree>
@@ -35765,7 +35887,7 @@
 </p:sld>
 </file>
 
-<file path=ppt/slides/slide31.xml><?xml version="1.0" encoding="utf-8"?>
+<file path=ppt/slides/slide32.xml><?xml version="1.0" encoding="utf-8"?>
 <p:sld xmlns:a="http://schemas.openxmlformats.org/drawingml/2006/main" xmlns:r="http://schemas.openxmlformats.org/officeDocument/2006/relationships" xmlns:p="http://schemas.openxmlformats.org/presentationml/2006/main" show="0">
   <p:cSld>
     <p:spTree>
@@ -35973,7 +36095,7 @@
 </p:sld>
 </file>
 
-<file path=ppt/slides/slide32.xml><?xml version="1.0" encoding="utf-8"?>
+<file path=ppt/slides/slide33.xml><?xml version="1.0" encoding="utf-8"?>
 <p:sld xmlns:a="http://schemas.openxmlformats.org/drawingml/2006/main" xmlns:r="http://schemas.openxmlformats.org/officeDocument/2006/relationships" xmlns:p="http://schemas.openxmlformats.org/presentationml/2006/main" show="0">
   <p:cSld>
     <p:spTree>
@@ -36467,7 +36589,7 @@
 </p:sld>
 </file>
 
-<file path=ppt/slides/slide33.xml><?xml version="1.0" encoding="utf-8"?>
+<file path=ppt/slides/slide34.xml><?xml version="1.0" encoding="utf-8"?>
 <p:sld xmlns:a="http://schemas.openxmlformats.org/drawingml/2006/main" xmlns:r="http://schemas.openxmlformats.org/officeDocument/2006/relationships" xmlns:p="http://schemas.openxmlformats.org/presentationml/2006/main">
   <p:cSld>
     <p:spTree>
@@ -36951,7 +37073,7 @@
 </p:sld>
 </file>
 
-<file path=ppt/slides/slide34.xml><?xml version="1.0" encoding="utf-8"?>
+<file path=ppt/slides/slide35.xml><?xml version="1.0" encoding="utf-8"?>
 <p:sld xmlns:a="http://schemas.openxmlformats.org/drawingml/2006/main" xmlns:r="http://schemas.openxmlformats.org/officeDocument/2006/relationships" xmlns:p="http://schemas.openxmlformats.org/presentationml/2006/main">
   <p:cSld>
     <p:spTree>

--- a/eostalk/EOS Talk Lodz2.pptx
+++ b/eostalk/EOS Talk Lodz2.pptx
@@ -4679,8 +4679,12 @@
         <a:lstStyle/>
         <a:p>
           <a:r>
+            <a:rPr lang="pl-PL" dirty="0"/>
+            <a:t>Inter-blockchain</a:t>
+          </a:r>
+          <a:r>
             <a:rPr lang="en-US" dirty="0"/>
-            <a:t>Asynchronous communication</a:t>
+            <a:t> communication</a:t>
           </a:r>
         </a:p>
       </dgm:t>
@@ -4927,7 +4931,7 @@
       </dgm:spPr>
     </dgm:pt>
     <dgm:pt modelId="{C382CE2B-5E35-42F7-9956-F2E635268BFB}" type="pres">
-      <dgm:prSet presAssocID="{D35F5E83-DE2E-41A3-81E0-630E259D080C}" presName="circ4Tx" presStyleLbl="revTx" presStyleIdx="0" presStyleCnt="0">
+      <dgm:prSet presAssocID="{D35F5E83-DE2E-41A3-81E0-630E259D080C}" presName="circ4Tx" presStyleLbl="revTx" presStyleIdx="0" presStyleCnt="0" custScaleX="159208">
         <dgm:presLayoutVars>
           <dgm:chMax val="0"/>
           <dgm:chPref val="0"/>
@@ -6660,8 +6664,8 @@
       </dsp:nvSpPr>
       <dsp:spPr>
         <a:xfrm>
-          <a:off x="4100174" y="3285421"/>
-          <a:ext cx="1603202" cy="873340"/>
+          <a:off x="3625562" y="3285421"/>
+          <a:ext cx="2552427" cy="873340"/>
         </a:xfrm>
         <a:prstGeom prst="rect">
           <a:avLst/>
@@ -6704,14 +6708,18 @@
             <a:buNone/>
           </a:pPr>
           <a:r>
+            <a:rPr lang="pl-PL" sz="2100" kern="1200" dirty="0"/>
+            <a:t>Inter-blockchain</a:t>
+          </a:r>
+          <a:r>
             <a:rPr lang="en-US" sz="2100" kern="1200" dirty="0"/>
-            <a:t>Asynchronous communication</a:t>
+            <a:t> communication</a:t>
           </a:r>
         </a:p>
       </dsp:txBody>
       <dsp:txXfrm>
-        <a:off x="4100174" y="3285421"/>
-        <a:ext cx="1603202" cy="873340"/>
+        <a:off x="3625562" y="3285421"/>
+        <a:ext cx="2552427" cy="873340"/>
       </dsp:txXfrm>
     </dsp:sp>
     <dsp:sp modelId="{E3637D48-BB19-4A05-9D9E-F5B61541AE5D}">
@@ -13239,7 +13247,7 @@
           <a:p>
             <a:fld id="{6D9EE66E-0075-4EC7-AFEF-A844E5107398}" type="datetimeFigureOut">
               <a:rPr lang="en-US" smtClean="0"/>
-              <a:t>4/25/2018</a:t>
+              <a:t>25-Apr-18</a:t>
             </a:fld>
             <a:endParaRPr lang="en-US" dirty="0"/>
           </a:p>
@@ -14758,7 +14766,7 @@
             </a:ln>
             <a:extLst>
               <a:ext uri="{91240B29-F687-4f45-9708-019B960494DF}">
-                <a14:hiddenLine xmlns:a14="http://schemas.microsoft.com/office/drawing/2010/main" xmlns="" w="9525">
+                <a14:hiddenLine xmlns="" xmlns:a14="http://schemas.microsoft.com/office/drawing/2010/main" w="9525">
                   <a:solidFill>
                     <a:srgbClr val="000000"/>
                   </a:solidFill>
@@ -14848,7 +14856,7 @@
             </a:ln>
             <a:extLst>
               <a:ext uri="{91240B29-F687-4f45-9708-019B960494DF}">
-                <a14:hiddenLine xmlns:a14="http://schemas.microsoft.com/office/drawing/2010/main" xmlns="" w="9525">
+                <a14:hiddenLine xmlns="" xmlns:a14="http://schemas.microsoft.com/office/drawing/2010/main" w="9525">
                   <a:solidFill>
                     <a:srgbClr val="000000"/>
                   </a:solidFill>
@@ -14938,7 +14946,7 @@
             </a:ln>
             <a:extLst>
               <a:ext uri="{91240B29-F687-4f45-9708-019B960494DF}">
-                <a14:hiddenLine xmlns:a14="http://schemas.microsoft.com/office/drawing/2010/main" xmlns="" w="9525">
+                <a14:hiddenLine xmlns="" xmlns:a14="http://schemas.microsoft.com/office/drawing/2010/main" w="9525">
                   <a:solidFill>
                     <a:srgbClr val="000000"/>
                   </a:solidFill>
@@ -14972,7 +14980,7 @@
             </a:ln>
             <a:extLst>
               <a:ext uri="{91240B29-F687-4f45-9708-019B960494DF}">
-                <a14:hiddenLine xmlns:a14="http://schemas.microsoft.com/office/drawing/2010/main" xmlns="" w="9525">
+                <a14:hiddenLine xmlns="" xmlns:a14="http://schemas.microsoft.com/office/drawing/2010/main" w="9525">
                   <a:solidFill>
                     <a:srgbClr val="000000"/>
                   </a:solidFill>
@@ -15062,7 +15070,7 @@
             </a:ln>
             <a:extLst>
               <a:ext uri="{91240B29-F687-4f45-9708-019B960494DF}">
-                <a14:hiddenLine xmlns:a14="http://schemas.microsoft.com/office/drawing/2010/main" xmlns="" w="9525">
+                <a14:hiddenLine xmlns="" xmlns:a14="http://schemas.microsoft.com/office/drawing/2010/main" w="9525">
                   <a:solidFill>
                     <a:srgbClr val="000000"/>
                   </a:solidFill>
@@ -15124,7 +15132,7 @@
             </a:ln>
             <a:extLst>
               <a:ext uri="{91240B29-F687-4f45-9708-019B960494DF}">
-                <a14:hiddenLine xmlns:a14="http://schemas.microsoft.com/office/drawing/2010/main" xmlns="" w="9525">
+                <a14:hiddenLine xmlns="" xmlns:a14="http://schemas.microsoft.com/office/drawing/2010/main" w="9525">
                   <a:solidFill>
                     <a:srgbClr val="000000"/>
                   </a:solidFill>
@@ -15186,7 +15194,7 @@
             </a:ln>
             <a:extLst>
               <a:ext uri="{91240B29-F687-4f45-9708-019B960494DF}">
-                <a14:hiddenLine xmlns:a14="http://schemas.microsoft.com/office/drawing/2010/main" xmlns="" w="9525">
+                <a14:hiddenLine xmlns="" xmlns:a14="http://schemas.microsoft.com/office/drawing/2010/main" w="9525">
                   <a:solidFill>
                     <a:srgbClr val="000000"/>
                   </a:solidFill>
@@ -15276,7 +15284,7 @@
             </a:ln>
             <a:extLst>
               <a:ext uri="{91240B29-F687-4f45-9708-019B960494DF}">
-                <a14:hiddenLine xmlns:a14="http://schemas.microsoft.com/office/drawing/2010/main" xmlns="" w="9525">
+                <a14:hiddenLine xmlns="" xmlns:a14="http://schemas.microsoft.com/office/drawing/2010/main" w="9525">
                   <a:solidFill>
                     <a:srgbClr val="000000"/>
                   </a:solidFill>
@@ -15338,7 +15346,7 @@
             </a:ln>
             <a:extLst>
               <a:ext uri="{91240B29-F687-4f45-9708-019B960494DF}">
-                <a14:hiddenLine xmlns:a14="http://schemas.microsoft.com/office/drawing/2010/main" xmlns="" w="9525">
+                <a14:hiddenLine xmlns="" xmlns:a14="http://schemas.microsoft.com/office/drawing/2010/main" w="9525">
                   <a:solidFill>
                     <a:srgbClr val="000000"/>
                   </a:solidFill>
@@ -15400,7 +15408,7 @@
             </a:ln>
             <a:extLst>
               <a:ext uri="{91240B29-F687-4f45-9708-019B960494DF}">
-                <a14:hiddenLine xmlns:a14="http://schemas.microsoft.com/office/drawing/2010/main" xmlns="" w="9525">
+                <a14:hiddenLine xmlns="" xmlns:a14="http://schemas.microsoft.com/office/drawing/2010/main" w="9525">
                   <a:solidFill>
                     <a:srgbClr val="000000"/>
                   </a:solidFill>
@@ -15490,7 +15498,7 @@
             </a:ln>
             <a:extLst>
               <a:ext uri="{91240B29-F687-4f45-9708-019B960494DF}">
-                <a14:hiddenLine xmlns:a14="http://schemas.microsoft.com/office/drawing/2010/main" xmlns="" w="9525">
+                <a14:hiddenLine xmlns="" xmlns:a14="http://schemas.microsoft.com/office/drawing/2010/main" w="9525">
                   <a:solidFill>
                     <a:srgbClr val="000000"/>
                   </a:solidFill>
@@ -15580,7 +15588,7 @@
             </a:ln>
             <a:extLst>
               <a:ext uri="{91240B29-F687-4f45-9708-019B960494DF}">
-                <a14:hiddenLine xmlns:a14="http://schemas.microsoft.com/office/drawing/2010/main" xmlns="" w="9525">
+                <a14:hiddenLine xmlns="" xmlns:a14="http://schemas.microsoft.com/office/drawing/2010/main" w="9525">
                   <a:solidFill>
                     <a:srgbClr val="000000"/>
                   </a:solidFill>
@@ -15642,7 +15650,7 @@
             </a:ln>
             <a:extLst>
               <a:ext uri="{91240B29-F687-4f45-9708-019B960494DF}">
-                <a14:hiddenLine xmlns:a14="http://schemas.microsoft.com/office/drawing/2010/main" xmlns="" w="9525">
+                <a14:hiddenLine xmlns="" xmlns:a14="http://schemas.microsoft.com/office/drawing/2010/main" w="9525">
                   <a:solidFill>
                     <a:srgbClr val="000000"/>
                   </a:solidFill>
@@ -15752,7 +15760,7 @@
             </a:ln>
             <a:extLst>
               <a:ext uri="{91240B29-F687-4f45-9708-019B960494DF}">
-                <a14:hiddenLine xmlns:a14="http://schemas.microsoft.com/office/drawing/2010/main" xmlns="" w="9525">
+                <a14:hiddenLine xmlns="" xmlns:a14="http://schemas.microsoft.com/office/drawing/2010/main" w="9525">
                   <a:solidFill>
                     <a:srgbClr val="000000"/>
                   </a:solidFill>
@@ -15814,7 +15822,7 @@
             </a:ln>
             <a:extLst>
               <a:ext uri="{91240B29-F687-4f45-9708-019B960494DF}">
-                <a14:hiddenLine xmlns:a14="http://schemas.microsoft.com/office/drawing/2010/main" xmlns="" w="9525">
+                <a14:hiddenLine xmlns="" xmlns:a14="http://schemas.microsoft.com/office/drawing/2010/main" w="9525">
                   <a:solidFill>
                     <a:srgbClr val="000000"/>
                   </a:solidFill>
@@ -15904,7 +15912,7 @@
             </a:ln>
             <a:extLst>
               <a:ext uri="{91240B29-F687-4f45-9708-019B960494DF}">
-                <a14:hiddenLine xmlns:a14="http://schemas.microsoft.com/office/drawing/2010/main" xmlns="" w="9525">
+                <a14:hiddenLine xmlns="" xmlns:a14="http://schemas.microsoft.com/office/drawing/2010/main" w="9525">
                   <a:solidFill>
                     <a:srgbClr val="000000"/>
                   </a:solidFill>
@@ -15994,7 +16002,7 @@
             </a:ln>
             <a:extLst>
               <a:ext uri="{91240B29-F687-4f45-9708-019B960494DF}">
-                <a14:hiddenLine xmlns:a14="http://schemas.microsoft.com/office/drawing/2010/main" xmlns="" w="9525">
+                <a14:hiddenLine xmlns="" xmlns:a14="http://schemas.microsoft.com/office/drawing/2010/main" w="9525">
                   <a:solidFill>
                     <a:srgbClr val="000000"/>
                   </a:solidFill>
@@ -16056,7 +16064,7 @@
             </a:ln>
             <a:extLst>
               <a:ext uri="{91240B29-F687-4f45-9708-019B960494DF}">
-                <a14:hiddenLine xmlns:a14="http://schemas.microsoft.com/office/drawing/2010/main" xmlns="" w="9525">
+                <a14:hiddenLine xmlns="" xmlns:a14="http://schemas.microsoft.com/office/drawing/2010/main" w="9525">
                   <a:solidFill>
                     <a:srgbClr val="000000"/>
                   </a:solidFill>
@@ -16146,7 +16154,7 @@
             </a:ln>
             <a:extLst>
               <a:ext uri="{91240B29-F687-4f45-9708-019B960494DF}">
-                <a14:hiddenLine xmlns:a14="http://schemas.microsoft.com/office/drawing/2010/main" xmlns="" w="9525">
+                <a14:hiddenLine xmlns="" xmlns:a14="http://schemas.microsoft.com/office/drawing/2010/main" w="9525">
                   <a:solidFill>
                     <a:srgbClr val="000000"/>
                   </a:solidFill>
@@ -16236,7 +16244,7 @@
             </a:ln>
             <a:extLst>
               <a:ext uri="{91240B29-F687-4f45-9708-019B960494DF}">
-                <a14:hiddenLine xmlns:a14="http://schemas.microsoft.com/office/drawing/2010/main" xmlns="" w="9525">
+                <a14:hiddenLine xmlns="" xmlns:a14="http://schemas.microsoft.com/office/drawing/2010/main" w="9525">
                   <a:solidFill>
                     <a:srgbClr val="000000"/>
                   </a:solidFill>
@@ -16292,7 +16300,7 @@
             </a:ln>
             <a:extLst>
               <a:ext uri="{91240B29-F687-4f45-9708-019B960494DF}">
-                <a14:hiddenLine xmlns:a14="http://schemas.microsoft.com/office/drawing/2010/main" xmlns="" w="9525">
+                <a14:hiddenLine xmlns="" xmlns:a14="http://schemas.microsoft.com/office/drawing/2010/main" w="9525">
                   <a:solidFill>
                     <a:srgbClr val="000000"/>
                   </a:solidFill>
@@ -16382,7 +16390,7 @@
             </a:ln>
             <a:extLst>
               <a:ext uri="{91240B29-F687-4f45-9708-019B960494DF}">
-                <a14:hiddenLine xmlns:a14="http://schemas.microsoft.com/office/drawing/2010/main" xmlns="" w="9525">
+                <a14:hiddenLine xmlns="" xmlns:a14="http://schemas.microsoft.com/office/drawing/2010/main" w="9525">
                   <a:solidFill>
                     <a:srgbClr val="000000"/>
                   </a:solidFill>
@@ -16438,7 +16446,7 @@
             </a:ln>
             <a:extLst>
               <a:ext uri="{91240B29-F687-4f45-9708-019B960494DF}">
-                <a14:hiddenLine xmlns:a14="http://schemas.microsoft.com/office/drawing/2010/main" xmlns="" w="9525">
+                <a14:hiddenLine xmlns="" xmlns:a14="http://schemas.microsoft.com/office/drawing/2010/main" w="9525">
                   <a:solidFill>
                     <a:srgbClr val="000000"/>
                   </a:solidFill>
@@ -16528,7 +16536,7 @@
             </a:ln>
             <a:extLst>
               <a:ext uri="{91240B29-F687-4f45-9708-019B960494DF}">
-                <a14:hiddenLine xmlns:a14="http://schemas.microsoft.com/office/drawing/2010/main" xmlns="" w="9525">
+                <a14:hiddenLine xmlns="" xmlns:a14="http://schemas.microsoft.com/office/drawing/2010/main" w="9525">
                   <a:solidFill>
                     <a:srgbClr val="000000"/>
                   </a:solidFill>
@@ -16596,7 +16604,7 @@
             </a:ln>
             <a:extLst>
               <a:ext uri="{91240B29-F687-4f45-9708-019B960494DF}">
-                <a14:hiddenLine xmlns:a14="http://schemas.microsoft.com/office/drawing/2010/main" xmlns="" w="9525">
+                <a14:hiddenLine xmlns="" xmlns:a14="http://schemas.microsoft.com/office/drawing/2010/main" w="9525">
                   <a:solidFill>
                     <a:srgbClr val="000000"/>
                   </a:solidFill>
@@ -16686,7 +16694,7 @@
             </a:ln>
             <a:extLst>
               <a:ext uri="{91240B29-F687-4f45-9708-019B960494DF}">
-                <a14:hiddenLine xmlns:a14="http://schemas.microsoft.com/office/drawing/2010/main" xmlns="" w="9525">
+                <a14:hiddenLine xmlns="" xmlns:a14="http://schemas.microsoft.com/office/drawing/2010/main" w="9525">
                   <a:solidFill>
                     <a:srgbClr val="000000"/>
                   </a:solidFill>
@@ -16754,7 +16762,7 @@
             </a:ln>
             <a:extLst>
               <a:ext uri="{91240B29-F687-4f45-9708-019B960494DF}">
-                <a14:hiddenLine xmlns:a14="http://schemas.microsoft.com/office/drawing/2010/main" xmlns="" w="9525">
+                <a14:hiddenLine xmlns="" xmlns:a14="http://schemas.microsoft.com/office/drawing/2010/main" w="9525">
                   <a:solidFill>
                     <a:srgbClr val="000000"/>
                   </a:solidFill>
@@ -16844,7 +16852,7 @@
             </a:ln>
             <a:extLst>
               <a:ext uri="{91240B29-F687-4f45-9708-019B960494DF}">
-                <a14:hiddenLine xmlns:a14="http://schemas.microsoft.com/office/drawing/2010/main" xmlns="" w="9525">
+                <a14:hiddenLine xmlns="" xmlns:a14="http://schemas.microsoft.com/office/drawing/2010/main" w="9525">
                   <a:solidFill>
                     <a:srgbClr val="000000"/>
                   </a:solidFill>
@@ -16878,7 +16886,7 @@
             </a:ln>
             <a:extLst>
               <a:ext uri="{91240B29-F687-4f45-9708-019B960494DF}">
-                <a14:hiddenLine xmlns:a14="http://schemas.microsoft.com/office/drawing/2010/main" xmlns="" w="9525">
+                <a14:hiddenLine xmlns="" xmlns:a14="http://schemas.microsoft.com/office/drawing/2010/main" w="9525">
                   <a:solidFill>
                     <a:srgbClr val="000000"/>
                   </a:solidFill>
@@ -16968,7 +16976,7 @@
             </a:ln>
             <a:extLst>
               <a:ext uri="{91240B29-F687-4f45-9708-019B960494DF}">
-                <a14:hiddenLine xmlns:a14="http://schemas.microsoft.com/office/drawing/2010/main" xmlns="" w="9525">
+                <a14:hiddenLine xmlns="" xmlns:a14="http://schemas.microsoft.com/office/drawing/2010/main" w="9525">
                   <a:solidFill>
                     <a:srgbClr val="000000"/>
                   </a:solidFill>
@@ -17030,7 +17038,7 @@
             </a:ln>
             <a:extLst>
               <a:ext uri="{91240B29-F687-4f45-9708-019B960494DF}">
-                <a14:hiddenLine xmlns:a14="http://schemas.microsoft.com/office/drawing/2010/main" xmlns="" w="9525">
+                <a14:hiddenLine xmlns="" xmlns:a14="http://schemas.microsoft.com/office/drawing/2010/main" w="9525">
                   <a:solidFill>
                     <a:srgbClr val="000000"/>
                   </a:solidFill>
@@ -17092,7 +17100,7 @@
             </a:ln>
             <a:extLst>
               <a:ext uri="{91240B29-F687-4f45-9708-019B960494DF}">
-                <a14:hiddenLine xmlns:a14="http://schemas.microsoft.com/office/drawing/2010/main" xmlns="" w="9525">
+                <a14:hiddenLine xmlns="" xmlns:a14="http://schemas.microsoft.com/office/drawing/2010/main" w="9525">
                   <a:solidFill>
                     <a:srgbClr val="000000"/>
                   </a:solidFill>
@@ -17182,7 +17190,7 @@
             </a:ln>
             <a:extLst>
               <a:ext uri="{91240B29-F687-4f45-9708-019B960494DF}">
-                <a14:hiddenLine xmlns:a14="http://schemas.microsoft.com/office/drawing/2010/main" xmlns="" w="9525">
+                <a14:hiddenLine xmlns="" xmlns:a14="http://schemas.microsoft.com/office/drawing/2010/main" w="9525">
                   <a:solidFill>
                     <a:srgbClr val="000000"/>
                   </a:solidFill>
@@ -17250,7 +17258,7 @@
             </a:ln>
             <a:extLst>
               <a:ext uri="{91240B29-F687-4f45-9708-019B960494DF}">
-                <a14:hiddenLine xmlns:a14="http://schemas.microsoft.com/office/drawing/2010/main" xmlns="" w="9525">
+                <a14:hiddenLine xmlns="" xmlns:a14="http://schemas.microsoft.com/office/drawing/2010/main" w="9525">
                   <a:solidFill>
                     <a:srgbClr val="000000"/>
                   </a:solidFill>
@@ -17312,7 +17320,7 @@
             </a:ln>
             <a:extLst>
               <a:ext uri="{91240B29-F687-4f45-9708-019B960494DF}">
-                <a14:hiddenLine xmlns:a14="http://schemas.microsoft.com/office/drawing/2010/main" xmlns="" w="9525">
+                <a14:hiddenLine xmlns="" xmlns:a14="http://schemas.microsoft.com/office/drawing/2010/main" w="9525">
                   <a:solidFill>
                     <a:srgbClr val="000000"/>
                   </a:solidFill>
@@ -17402,7 +17410,7 @@
             </a:ln>
             <a:extLst>
               <a:ext uri="{91240B29-F687-4f45-9708-019B960494DF}">
-                <a14:hiddenLine xmlns:a14="http://schemas.microsoft.com/office/drawing/2010/main" xmlns="" w="9525">
+                <a14:hiddenLine xmlns="" xmlns:a14="http://schemas.microsoft.com/office/drawing/2010/main" w="9525">
                   <a:solidFill>
                     <a:srgbClr val="000000"/>
                   </a:solidFill>
@@ -17464,7 +17472,7 @@
             </a:ln>
             <a:extLst>
               <a:ext uri="{91240B29-F687-4f45-9708-019B960494DF}">
-                <a14:hiddenLine xmlns:a14="http://schemas.microsoft.com/office/drawing/2010/main" xmlns="" w="9525">
+                <a14:hiddenLine xmlns="" xmlns:a14="http://schemas.microsoft.com/office/drawing/2010/main" w="9525">
                   <a:solidFill>
                     <a:srgbClr val="000000"/>
                   </a:solidFill>
@@ -17554,7 +17562,7 @@
             </a:ln>
             <a:extLst>
               <a:ext uri="{91240B29-F687-4f45-9708-019B960494DF}">
-                <a14:hiddenLine xmlns:a14="http://schemas.microsoft.com/office/drawing/2010/main" xmlns="" w="9525">
+                <a14:hiddenLine xmlns="" xmlns:a14="http://schemas.microsoft.com/office/drawing/2010/main" w="9525">
                   <a:solidFill>
                     <a:srgbClr val="000000"/>
                   </a:solidFill>
@@ -17616,7 +17624,7 @@
             </a:ln>
             <a:extLst>
               <a:ext uri="{91240B29-F687-4f45-9708-019B960494DF}">
-                <a14:hiddenLine xmlns:a14="http://schemas.microsoft.com/office/drawing/2010/main" xmlns="" w="9525">
+                <a14:hiddenLine xmlns="" xmlns:a14="http://schemas.microsoft.com/office/drawing/2010/main" w="9525">
                   <a:solidFill>
                     <a:srgbClr val="000000"/>
                   </a:solidFill>
@@ -17706,7 +17714,7 @@
             </a:ln>
             <a:extLst>
               <a:ext uri="{91240B29-F687-4f45-9708-019B960494DF}">
-                <a14:hiddenLine xmlns:a14="http://schemas.microsoft.com/office/drawing/2010/main" xmlns="" w="9525">
+                <a14:hiddenLine xmlns="" xmlns:a14="http://schemas.microsoft.com/office/drawing/2010/main" w="9525">
                   <a:solidFill>
                     <a:srgbClr val="000000"/>
                   </a:solidFill>
@@ -17740,7 +17748,7 @@
             </a:ln>
             <a:extLst>
               <a:ext uri="{91240B29-F687-4f45-9708-019B960494DF}">
-                <a14:hiddenLine xmlns:a14="http://schemas.microsoft.com/office/drawing/2010/main" xmlns="" w="9525">
+                <a14:hiddenLine xmlns="" xmlns:a14="http://schemas.microsoft.com/office/drawing/2010/main" w="9525">
                   <a:solidFill>
                     <a:srgbClr val="000000"/>
                   </a:solidFill>
@@ -17805,7 +17813,7 @@
             </a:ln>
             <a:extLst>
               <a:ext uri="{91240B29-F687-4f45-9708-019B960494DF}">
-                <a14:hiddenLine xmlns:a14="http://schemas.microsoft.com/office/drawing/2010/main" xmlns="" w="9525">
+                <a14:hiddenLine xmlns="" xmlns:a14="http://schemas.microsoft.com/office/drawing/2010/main" w="9525">
                   <a:solidFill>
                     <a:srgbClr val="000000"/>
                   </a:solidFill>
@@ -17895,7 +17903,7 @@
             </a:ln>
             <a:extLst>
               <a:ext uri="{91240B29-F687-4f45-9708-019B960494DF}">
-                <a14:hiddenLine xmlns:a14="http://schemas.microsoft.com/office/drawing/2010/main" xmlns="" w="9525">
+                <a14:hiddenLine xmlns="" xmlns:a14="http://schemas.microsoft.com/office/drawing/2010/main" w="9525">
                   <a:solidFill>
                     <a:srgbClr val="000000"/>
                   </a:solidFill>
@@ -17957,7 +17965,7 @@
             </a:ln>
             <a:extLst>
               <a:ext uri="{91240B29-F687-4f45-9708-019B960494DF}">
-                <a14:hiddenLine xmlns:a14="http://schemas.microsoft.com/office/drawing/2010/main" xmlns="" w="9525">
+                <a14:hiddenLine xmlns="" xmlns:a14="http://schemas.microsoft.com/office/drawing/2010/main" w="9525">
                   <a:solidFill>
                     <a:srgbClr val="000000"/>
                   </a:solidFill>
@@ -18047,7 +18055,7 @@
             </a:ln>
             <a:extLst>
               <a:ext uri="{91240B29-F687-4f45-9708-019B960494DF}">
-                <a14:hiddenLine xmlns:a14="http://schemas.microsoft.com/office/drawing/2010/main" xmlns="" w="9525">
+                <a14:hiddenLine xmlns="" xmlns:a14="http://schemas.microsoft.com/office/drawing/2010/main" w="9525">
                   <a:solidFill>
                     <a:srgbClr val="000000"/>
                   </a:solidFill>
@@ -18137,7 +18145,7 @@
             </a:ln>
             <a:extLst>
               <a:ext uri="{91240B29-F687-4f45-9708-019B960494DF}">
-                <a14:hiddenLine xmlns:a14="http://schemas.microsoft.com/office/drawing/2010/main" xmlns="" w="9525">
+                <a14:hiddenLine xmlns="" xmlns:a14="http://schemas.microsoft.com/office/drawing/2010/main" w="9525">
                   <a:solidFill>
                     <a:srgbClr val="000000"/>
                   </a:solidFill>
@@ -18202,7 +18210,7 @@
             </a:ln>
             <a:extLst>
               <a:ext uri="{91240B29-F687-4f45-9708-019B960494DF}">
-                <a14:hiddenLine xmlns:a14="http://schemas.microsoft.com/office/drawing/2010/main" xmlns="" w="9525">
+                <a14:hiddenLine xmlns="" xmlns:a14="http://schemas.microsoft.com/office/drawing/2010/main" w="9525">
                   <a:solidFill>
                     <a:srgbClr val="000000"/>
                   </a:solidFill>
@@ -18264,7 +18272,7 @@
             </a:ln>
             <a:extLst>
               <a:ext uri="{91240B29-F687-4f45-9708-019B960494DF}">
-                <a14:hiddenLine xmlns:a14="http://schemas.microsoft.com/office/drawing/2010/main" xmlns="" w="9525">
+                <a14:hiddenLine xmlns="" xmlns:a14="http://schemas.microsoft.com/office/drawing/2010/main" w="9525">
                   <a:solidFill>
                     <a:srgbClr val="000000"/>
                   </a:solidFill>
@@ -18354,7 +18362,7 @@
             </a:ln>
             <a:extLst>
               <a:ext uri="{91240B29-F687-4f45-9708-019B960494DF}">
-                <a14:hiddenLine xmlns:a14="http://schemas.microsoft.com/office/drawing/2010/main" xmlns="" w="9525">
+                <a14:hiddenLine xmlns="" xmlns:a14="http://schemas.microsoft.com/office/drawing/2010/main" w="9525">
                   <a:solidFill>
                     <a:srgbClr val="000000"/>
                   </a:solidFill>
@@ -18444,7 +18452,7 @@
             </a:ln>
             <a:extLst>
               <a:ext uri="{91240B29-F687-4f45-9708-019B960494DF}">
-                <a14:hiddenLine xmlns:a14="http://schemas.microsoft.com/office/drawing/2010/main" xmlns="" w="9525">
+                <a14:hiddenLine xmlns="" xmlns:a14="http://schemas.microsoft.com/office/drawing/2010/main" w="9525">
                   <a:solidFill>
                     <a:srgbClr val="000000"/>
                   </a:solidFill>
@@ -18506,7 +18514,7 @@
             </a:ln>
             <a:extLst>
               <a:ext uri="{91240B29-F687-4f45-9708-019B960494DF}">
-                <a14:hiddenLine xmlns:a14="http://schemas.microsoft.com/office/drawing/2010/main" xmlns="" w="9525">
+                <a14:hiddenLine xmlns="" xmlns:a14="http://schemas.microsoft.com/office/drawing/2010/main" w="9525">
                   <a:solidFill>
                     <a:srgbClr val="000000"/>
                   </a:solidFill>
@@ -18626,7 +18634,7 @@
             </a:ln>
             <a:extLst>
               <a:ext uri="{91240B29-F687-4f45-9708-019B960494DF}">
-                <a14:hiddenLine xmlns:a14="http://schemas.microsoft.com/office/drawing/2010/main" xmlns="" w="9525">
+                <a14:hiddenLine xmlns="" xmlns:a14="http://schemas.microsoft.com/office/drawing/2010/main" w="9525">
                   <a:solidFill>
                     <a:srgbClr val="000000"/>
                   </a:solidFill>
@@ -18694,7 +18702,7 @@
             </a:ln>
             <a:extLst>
               <a:ext uri="{91240B29-F687-4f45-9708-019B960494DF}">
-                <a14:hiddenLine xmlns:a14="http://schemas.microsoft.com/office/drawing/2010/main" xmlns="" w="9525">
+                <a14:hiddenLine xmlns="" xmlns:a14="http://schemas.microsoft.com/office/drawing/2010/main" w="9525">
                   <a:solidFill>
                     <a:srgbClr val="000000"/>
                   </a:solidFill>
@@ -18784,7 +18792,7 @@
             </a:ln>
             <a:extLst>
               <a:ext uri="{91240B29-F687-4f45-9708-019B960494DF}">
-                <a14:hiddenLine xmlns:a14="http://schemas.microsoft.com/office/drawing/2010/main" xmlns="" w="9525">
+                <a14:hiddenLine xmlns="" xmlns:a14="http://schemas.microsoft.com/office/drawing/2010/main" w="9525">
                   <a:solidFill>
                     <a:srgbClr val="000000"/>
                   </a:solidFill>
@@ -18924,7 +18932,7 @@
           <a:p>
             <a:fld id="{B76943AF-B946-47F7-8510-2C710F5C29B5}" type="datetimeFigureOut">
               <a:rPr lang="en-US" smtClean="0"/>
-              <a:t>4/25/2018</a:t>
+              <a:t>25-Apr-18</a:t>
             </a:fld>
             <a:endParaRPr lang="en-US" dirty="0"/>
           </a:p>
@@ -19190,7 +19198,7 @@
           <a:p>
             <a:fld id="{B76943AF-B946-47F7-8510-2C710F5C29B5}" type="datetimeFigureOut">
               <a:rPr lang="en-US" smtClean="0"/>
-              <a:t>4/25/2018</a:t>
+              <a:t>25-Apr-18</a:t>
             </a:fld>
             <a:endParaRPr lang="en-US" dirty="0"/>
           </a:p>
@@ -19386,7 +19394,7 @@
           <a:p>
             <a:fld id="{B76943AF-B946-47F7-8510-2C710F5C29B5}" type="datetimeFigureOut">
               <a:rPr lang="en-US" smtClean="0"/>
-              <a:t>4/25/2018</a:t>
+              <a:t>25-Apr-18</a:t>
             </a:fld>
             <a:endParaRPr lang="en-US" dirty="0"/>
           </a:p>
@@ -19649,7 +19657,7 @@
           <a:p>
             <a:fld id="{B76943AF-B946-47F7-8510-2C710F5C29B5}" type="datetimeFigureOut">
               <a:rPr lang="en-US" smtClean="0"/>
-              <a:t>4/25/2018</a:t>
+              <a:t>25-Apr-18</a:t>
             </a:fld>
             <a:endParaRPr lang="en-US" dirty="0"/>
           </a:p>
@@ -20128,7 +20136,7 @@
           <a:p>
             <a:fld id="{B76943AF-B946-47F7-8510-2C710F5C29B5}" type="datetimeFigureOut">
               <a:rPr lang="en-US" smtClean="0"/>
-              <a:t>4/25/2018</a:t>
+              <a:t>25-Apr-18</a:t>
             </a:fld>
             <a:endParaRPr lang="en-US" dirty="0"/>
           </a:p>
@@ -20674,7 +20682,7 @@
           <a:p>
             <a:fld id="{B76943AF-B946-47F7-8510-2C710F5C29B5}" type="datetimeFigureOut">
               <a:rPr lang="en-US" smtClean="0"/>
-              <a:t>4/25/2018</a:t>
+              <a:t>25-Apr-18</a:t>
             </a:fld>
             <a:endParaRPr lang="en-US" dirty="0"/>
           </a:p>
@@ -21391,7 +21399,7 @@
           <a:p>
             <a:fld id="{B76943AF-B946-47F7-8510-2C710F5C29B5}" type="datetimeFigureOut">
               <a:rPr lang="en-US" smtClean="0"/>
-              <a:t>4/25/2018</a:t>
+              <a:t>25-Apr-18</a:t>
             </a:fld>
             <a:endParaRPr lang="en-US" dirty="0"/>
           </a:p>
@@ -21561,7 +21569,7 @@
           <a:p>
             <a:fld id="{B76943AF-B946-47F7-8510-2C710F5C29B5}" type="datetimeFigureOut">
               <a:rPr lang="en-US" smtClean="0"/>
-              <a:t>4/25/2018</a:t>
+              <a:t>25-Apr-18</a:t>
             </a:fld>
             <a:endParaRPr lang="en-US" dirty="0"/>
           </a:p>
@@ -21741,7 +21749,7 @@
           <a:p>
             <a:fld id="{B76943AF-B946-47F7-8510-2C710F5C29B5}" type="datetimeFigureOut">
               <a:rPr lang="en-US" smtClean="0"/>
-              <a:t>4/25/2018</a:t>
+              <a:t>25-Apr-18</a:t>
             </a:fld>
             <a:endParaRPr lang="en-US" dirty="0"/>
           </a:p>
@@ -21911,7 +21919,7 @@
           <a:p>
             <a:fld id="{B76943AF-B946-47F7-8510-2C710F5C29B5}" type="datetimeFigureOut">
               <a:rPr lang="en-US" smtClean="0"/>
-              <a:t>4/25/2018</a:t>
+              <a:t>25-Apr-18</a:t>
             </a:fld>
             <a:endParaRPr lang="en-US" dirty="0"/>
           </a:p>
@@ -22251,7 +22259,7 @@
           <a:p>
             <a:fld id="{B76943AF-B946-47F7-8510-2C710F5C29B5}" type="datetimeFigureOut">
               <a:rPr lang="en-US" smtClean="0"/>
-              <a:t>4/25/2018</a:t>
+              <a:t>25-Apr-18</a:t>
             </a:fld>
             <a:endParaRPr lang="en-US" dirty="0"/>
           </a:p>
@@ -22483,7 +22491,7 @@
           <a:p>
             <a:fld id="{B76943AF-B946-47F7-8510-2C710F5C29B5}" type="datetimeFigureOut">
               <a:rPr lang="en-US" smtClean="0"/>
-              <a:t>4/25/2018</a:t>
+              <a:t>25-Apr-18</a:t>
             </a:fld>
             <a:endParaRPr lang="en-US" dirty="0"/>
           </a:p>
@@ -22864,7 +22872,7 @@
           <a:p>
             <a:fld id="{B76943AF-B946-47F7-8510-2C710F5C29B5}" type="datetimeFigureOut">
               <a:rPr lang="en-US" smtClean="0"/>
-              <a:t>4/25/2018</a:t>
+              <a:t>25-Apr-18</a:t>
             </a:fld>
             <a:endParaRPr lang="en-US" dirty="0"/>
           </a:p>
@@ -22982,7 +22990,7 @@
           <a:p>
             <a:fld id="{B76943AF-B946-47F7-8510-2C710F5C29B5}" type="datetimeFigureOut">
               <a:rPr lang="en-US" smtClean="0"/>
-              <a:t>4/25/2018</a:t>
+              <a:t>25-Apr-18</a:t>
             </a:fld>
             <a:endParaRPr lang="en-US" dirty="0"/>
           </a:p>
@@ -23077,7 +23085,7 @@
           <a:p>
             <a:fld id="{B76943AF-B946-47F7-8510-2C710F5C29B5}" type="datetimeFigureOut">
               <a:rPr lang="en-US" smtClean="0"/>
-              <a:t>4/25/2018</a:t>
+              <a:t>25-Apr-18</a:t>
             </a:fld>
             <a:endParaRPr lang="en-US" dirty="0"/>
           </a:p>
@@ -23326,7 +23334,7 @@
           <a:p>
             <a:fld id="{B76943AF-B946-47F7-8510-2C710F5C29B5}" type="datetimeFigureOut">
               <a:rPr lang="en-US" smtClean="0"/>
-              <a:t>4/25/2018</a:t>
+              <a:t>25-Apr-18</a:t>
             </a:fld>
             <a:endParaRPr lang="en-US" dirty="0"/>
           </a:p>
@@ -23605,7 +23613,7 @@
           <a:p>
             <a:fld id="{B76943AF-B946-47F7-8510-2C710F5C29B5}" type="datetimeFigureOut">
               <a:rPr lang="en-US" smtClean="0"/>
-              <a:t>4/25/2018</a:t>
+              <a:t>25-Apr-18</a:t>
             </a:fld>
             <a:endParaRPr lang="en-US" dirty="0"/>
           </a:p>
@@ -23764,7 +23772,7 @@
               </a:ln>
               <a:extLst>
                 <a:ext uri="{91240B29-F687-4f45-9708-019B960494DF}">
-                  <a14:hiddenLine xmlns:a14="http://schemas.microsoft.com/office/drawing/2010/main" xmlns="" w="9525">
+                  <a14:hiddenLine xmlns="" xmlns:a14="http://schemas.microsoft.com/office/drawing/2010/main" w="9525">
                     <a:solidFill>
                       <a:srgbClr val="000000"/>
                     </a:solidFill>
@@ -23854,7 +23862,7 @@
               </a:ln>
               <a:extLst>
                 <a:ext uri="{91240B29-F687-4f45-9708-019B960494DF}">
-                  <a14:hiddenLine xmlns:a14="http://schemas.microsoft.com/office/drawing/2010/main" xmlns="" w="9525">
+                  <a14:hiddenLine xmlns="" xmlns:a14="http://schemas.microsoft.com/office/drawing/2010/main" w="9525">
                     <a:solidFill>
                       <a:srgbClr val="000000"/>
                     </a:solidFill>
@@ -23944,7 +23952,7 @@
               </a:ln>
               <a:extLst>
                 <a:ext uri="{91240B29-F687-4f45-9708-019B960494DF}">
-                  <a14:hiddenLine xmlns:a14="http://schemas.microsoft.com/office/drawing/2010/main" xmlns="" w="9525">
+                  <a14:hiddenLine xmlns="" xmlns:a14="http://schemas.microsoft.com/office/drawing/2010/main" w="9525">
                     <a:solidFill>
                       <a:srgbClr val="000000"/>
                     </a:solidFill>
@@ -24006,7 +24014,7 @@
               </a:ln>
               <a:extLst>
                 <a:ext uri="{91240B29-F687-4f45-9708-019B960494DF}">
-                  <a14:hiddenLine xmlns:a14="http://schemas.microsoft.com/office/drawing/2010/main" xmlns="" w="9525">
+                  <a14:hiddenLine xmlns="" xmlns:a14="http://schemas.microsoft.com/office/drawing/2010/main" w="9525">
                     <a:solidFill>
                       <a:srgbClr val="000000"/>
                     </a:solidFill>
@@ -24096,7 +24104,7 @@
               </a:ln>
               <a:extLst>
                 <a:ext uri="{91240B29-F687-4f45-9708-019B960494DF}">
-                  <a14:hiddenLine xmlns:a14="http://schemas.microsoft.com/office/drawing/2010/main" xmlns="" w="9525">
+                  <a14:hiddenLine xmlns="" xmlns:a14="http://schemas.microsoft.com/office/drawing/2010/main" w="9525">
                     <a:solidFill>
                       <a:srgbClr val="000000"/>
                     </a:solidFill>
@@ -24158,7 +24166,7 @@
               </a:ln>
               <a:extLst>
                 <a:ext uri="{91240B29-F687-4f45-9708-019B960494DF}">
-                  <a14:hiddenLine xmlns:a14="http://schemas.microsoft.com/office/drawing/2010/main" xmlns="" w="9525">
+                  <a14:hiddenLine xmlns="" xmlns:a14="http://schemas.microsoft.com/office/drawing/2010/main" w="9525">
                     <a:solidFill>
                       <a:srgbClr val="000000"/>
                     </a:solidFill>
@@ -24220,7 +24228,7 @@
               </a:ln>
               <a:extLst>
                 <a:ext uri="{91240B29-F687-4f45-9708-019B960494DF}">
-                  <a14:hiddenLine xmlns:a14="http://schemas.microsoft.com/office/drawing/2010/main" xmlns="" w="9525">
+                  <a14:hiddenLine xmlns="" xmlns:a14="http://schemas.microsoft.com/office/drawing/2010/main" w="9525">
                     <a:solidFill>
                       <a:srgbClr val="000000"/>
                     </a:solidFill>
@@ -24310,7 +24318,7 @@
               </a:ln>
               <a:extLst>
                 <a:ext uri="{91240B29-F687-4f45-9708-019B960494DF}">
-                  <a14:hiddenLine xmlns:a14="http://schemas.microsoft.com/office/drawing/2010/main" xmlns="" w="9525">
+                  <a14:hiddenLine xmlns="" xmlns:a14="http://schemas.microsoft.com/office/drawing/2010/main" w="9525">
                     <a:solidFill>
                       <a:srgbClr val="000000"/>
                     </a:solidFill>
@@ -24400,7 +24408,7 @@
               </a:ln>
               <a:extLst>
                 <a:ext uri="{91240B29-F687-4f45-9708-019B960494DF}">
-                  <a14:hiddenLine xmlns:a14="http://schemas.microsoft.com/office/drawing/2010/main" xmlns="" w="9525">
+                  <a14:hiddenLine xmlns="" xmlns:a14="http://schemas.microsoft.com/office/drawing/2010/main" w="9525">
                     <a:solidFill>
                       <a:srgbClr val="000000"/>
                     </a:solidFill>
@@ -24462,7 +24470,7 @@
               </a:ln>
               <a:extLst>
                 <a:ext uri="{91240B29-F687-4f45-9708-019B960494DF}">
-                  <a14:hiddenLine xmlns:a14="http://schemas.microsoft.com/office/drawing/2010/main" xmlns="" w="9525">
+                  <a14:hiddenLine xmlns="" xmlns:a14="http://schemas.microsoft.com/office/drawing/2010/main" w="9525">
                     <a:solidFill>
                       <a:srgbClr val="000000"/>
                     </a:solidFill>
@@ -24572,7 +24580,7 @@
               </a:ln>
               <a:extLst>
                 <a:ext uri="{91240B29-F687-4f45-9708-019B960494DF}">
-                  <a14:hiddenLine xmlns:a14="http://schemas.microsoft.com/office/drawing/2010/main" xmlns="" w="9525">
+                  <a14:hiddenLine xmlns="" xmlns:a14="http://schemas.microsoft.com/office/drawing/2010/main" w="9525">
                     <a:solidFill>
                       <a:srgbClr val="000000"/>
                     </a:solidFill>
@@ -24656,7 +24664,7 @@
               </a:ln>
               <a:extLst>
                 <a:ext uri="{91240B29-F687-4f45-9708-019B960494DF}">
-                  <a14:hiddenLine xmlns:a14="http://schemas.microsoft.com/office/drawing/2010/main" xmlns="" w="9525">
+                  <a14:hiddenLine xmlns="" xmlns:a14="http://schemas.microsoft.com/office/drawing/2010/main" w="9525">
                     <a:solidFill>
                       <a:srgbClr val="000000"/>
                     </a:solidFill>
@@ -24718,7 +24726,7 @@
               </a:ln>
               <a:extLst>
                 <a:ext uri="{91240B29-F687-4f45-9708-019B960494DF}">
-                  <a14:hiddenLine xmlns:a14="http://schemas.microsoft.com/office/drawing/2010/main" xmlns="" w="9525">
+                  <a14:hiddenLine xmlns="" xmlns:a14="http://schemas.microsoft.com/office/drawing/2010/main" w="9525">
                     <a:solidFill>
                       <a:srgbClr val="000000"/>
                     </a:solidFill>
@@ -24780,7 +24788,7 @@
               </a:ln>
               <a:extLst>
                 <a:ext uri="{91240B29-F687-4f45-9708-019B960494DF}">
-                  <a14:hiddenLine xmlns:a14="http://schemas.microsoft.com/office/drawing/2010/main" xmlns="" w="9525">
+                  <a14:hiddenLine xmlns="" xmlns:a14="http://schemas.microsoft.com/office/drawing/2010/main" w="9525">
                     <a:solidFill>
                       <a:srgbClr val="000000"/>
                     </a:solidFill>
@@ -24870,7 +24878,7 @@
               </a:ln>
               <a:extLst>
                 <a:ext uri="{91240B29-F687-4f45-9708-019B960494DF}">
-                  <a14:hiddenLine xmlns:a14="http://schemas.microsoft.com/office/drawing/2010/main" xmlns="" w="9525">
+                  <a14:hiddenLine xmlns="" xmlns:a14="http://schemas.microsoft.com/office/drawing/2010/main" w="9525">
                     <a:solidFill>
                       <a:srgbClr val="000000"/>
                     </a:solidFill>
@@ -24904,7 +24912,7 @@
               </a:ln>
               <a:extLst>
                 <a:ext uri="{91240B29-F687-4f45-9708-019B960494DF}">
-                  <a14:hiddenLine xmlns:a14="http://schemas.microsoft.com/office/drawing/2010/main" xmlns="" w="9525">
+                  <a14:hiddenLine xmlns="" xmlns:a14="http://schemas.microsoft.com/office/drawing/2010/main" w="9525">
                     <a:solidFill>
                       <a:srgbClr val="000000"/>
                     </a:solidFill>
@@ -24969,7 +24977,7 @@
               </a:ln>
               <a:extLst>
                 <a:ext uri="{91240B29-F687-4f45-9708-019B960494DF}">
-                  <a14:hiddenLine xmlns:a14="http://schemas.microsoft.com/office/drawing/2010/main" xmlns="" w="9525">
+                  <a14:hiddenLine xmlns="" xmlns:a14="http://schemas.microsoft.com/office/drawing/2010/main" w="9525">
                     <a:solidFill>
                       <a:srgbClr val="000000"/>
                     </a:solidFill>
@@ -25059,7 +25067,7 @@
               </a:ln>
               <a:extLst>
                 <a:ext uri="{91240B29-F687-4f45-9708-019B960494DF}">
-                  <a14:hiddenLine xmlns:a14="http://schemas.microsoft.com/office/drawing/2010/main" xmlns="" w="9525">
+                  <a14:hiddenLine xmlns="" xmlns:a14="http://schemas.microsoft.com/office/drawing/2010/main" w="9525">
                     <a:solidFill>
                       <a:srgbClr val="000000"/>
                     </a:solidFill>
@@ -25121,7 +25129,7 @@
               </a:ln>
               <a:extLst>
                 <a:ext uri="{91240B29-F687-4f45-9708-019B960494DF}">
-                  <a14:hiddenLine xmlns:a14="http://schemas.microsoft.com/office/drawing/2010/main" xmlns="" w="9525">
+                  <a14:hiddenLine xmlns="" xmlns:a14="http://schemas.microsoft.com/office/drawing/2010/main" w="9525">
                     <a:solidFill>
                       <a:srgbClr val="000000"/>
                     </a:solidFill>
@@ -25211,7 +25219,7 @@
               </a:ln>
               <a:extLst>
                 <a:ext uri="{91240B29-F687-4f45-9708-019B960494DF}">
-                  <a14:hiddenLine xmlns:a14="http://schemas.microsoft.com/office/drawing/2010/main" xmlns="" w="9525">
+                  <a14:hiddenLine xmlns="" xmlns:a14="http://schemas.microsoft.com/office/drawing/2010/main" w="9525">
                     <a:solidFill>
                       <a:srgbClr val="000000"/>
                     </a:solidFill>
@@ -25276,7 +25284,7 @@
               </a:ln>
               <a:extLst>
                 <a:ext uri="{91240B29-F687-4f45-9708-019B960494DF}">
-                  <a14:hiddenLine xmlns:a14="http://schemas.microsoft.com/office/drawing/2010/main" xmlns="" w="9525">
+                  <a14:hiddenLine xmlns="" xmlns:a14="http://schemas.microsoft.com/office/drawing/2010/main" w="9525">
                     <a:solidFill>
                       <a:srgbClr val="000000"/>
                     </a:solidFill>
@@ -25338,7 +25346,7 @@
               </a:ln>
               <a:extLst>
                 <a:ext uri="{91240B29-F687-4f45-9708-019B960494DF}">
-                  <a14:hiddenLine xmlns:a14="http://schemas.microsoft.com/office/drawing/2010/main" xmlns="" w="9525">
+                  <a14:hiddenLine xmlns="" xmlns:a14="http://schemas.microsoft.com/office/drawing/2010/main" w="9525">
                     <a:solidFill>
                       <a:srgbClr val="000000"/>
                     </a:solidFill>
@@ -25428,7 +25436,7 @@
               </a:ln>
               <a:extLst>
                 <a:ext uri="{91240B29-F687-4f45-9708-019B960494DF}">
-                  <a14:hiddenLine xmlns:a14="http://schemas.microsoft.com/office/drawing/2010/main" xmlns="" w="9525">
+                  <a14:hiddenLine xmlns="" xmlns:a14="http://schemas.microsoft.com/office/drawing/2010/main" w="9525">
                     <a:solidFill>
                       <a:srgbClr val="000000"/>
                     </a:solidFill>
@@ -25518,7 +25526,7 @@
               </a:ln>
               <a:extLst>
                 <a:ext uri="{91240B29-F687-4f45-9708-019B960494DF}">
-                  <a14:hiddenLine xmlns:a14="http://schemas.microsoft.com/office/drawing/2010/main" xmlns="" w="9525">
+                  <a14:hiddenLine xmlns="" xmlns:a14="http://schemas.microsoft.com/office/drawing/2010/main" w="9525">
                     <a:solidFill>
                       <a:srgbClr val="000000"/>
                     </a:solidFill>
@@ -25583,7 +25591,7 @@
               </a:ln>
               <a:extLst>
                 <a:ext uri="{91240B29-F687-4f45-9708-019B960494DF}">
-                  <a14:hiddenLine xmlns:a14="http://schemas.microsoft.com/office/drawing/2010/main" xmlns="" w="9525">
+                  <a14:hiddenLine xmlns="" xmlns:a14="http://schemas.microsoft.com/office/drawing/2010/main" w="9525">
                     <a:solidFill>
                       <a:srgbClr val="000000"/>
                     </a:solidFill>
@@ -25703,7 +25711,7 @@
               </a:ln>
               <a:extLst>
                 <a:ext uri="{91240B29-F687-4f45-9708-019B960494DF}">
-                  <a14:hiddenLine xmlns:a14="http://schemas.microsoft.com/office/drawing/2010/main" xmlns="" w="9525">
+                  <a14:hiddenLine xmlns="" xmlns:a14="http://schemas.microsoft.com/office/drawing/2010/main" w="9525">
                     <a:solidFill>
                       <a:srgbClr val="000000"/>
                     </a:solidFill>
@@ -25801,7 +25809,7 @@
               </a:ln>
               <a:extLst>
                 <a:ext uri="{91240B29-F687-4f45-9708-019B960494DF}">
-                  <a14:hiddenLine xmlns:a14="http://schemas.microsoft.com/office/drawing/2010/main" xmlns="" w="9525">
+                  <a14:hiddenLine xmlns="" xmlns:a14="http://schemas.microsoft.com/office/drawing/2010/main" w="9525">
                     <a:solidFill>
                       <a:srgbClr val="000000"/>
                     </a:solidFill>
@@ -25916,7 +25924,7 @@
               </a:ln>
               <a:extLst>
                 <a:ext uri="{91240B29-F687-4f45-9708-019B960494DF}">
-                  <a14:hiddenLine xmlns:a14="http://schemas.microsoft.com/office/drawing/2010/main" xmlns="" w="9525">
+                  <a14:hiddenLine xmlns="" xmlns:a14="http://schemas.microsoft.com/office/drawing/2010/main" w="9525">
                     <a:solidFill>
                       <a:srgbClr val="000000"/>
                     </a:solidFill>
@@ -26006,7 +26014,7 @@
               </a:ln>
               <a:extLst>
                 <a:ext uri="{91240B29-F687-4f45-9708-019B960494DF}">
-                  <a14:hiddenLine xmlns:a14="http://schemas.microsoft.com/office/drawing/2010/main" xmlns="" w="9525">
+                  <a14:hiddenLine xmlns="" xmlns:a14="http://schemas.microsoft.com/office/drawing/2010/main" w="9525">
                     <a:solidFill>
                       <a:srgbClr val="000000"/>
                     </a:solidFill>
@@ -26071,7 +26079,7 @@
               </a:ln>
               <a:extLst>
                 <a:ext uri="{91240B29-F687-4f45-9708-019B960494DF}">
-                  <a14:hiddenLine xmlns:a14="http://schemas.microsoft.com/office/drawing/2010/main" xmlns="" w="9525">
+                  <a14:hiddenLine xmlns="" xmlns:a14="http://schemas.microsoft.com/office/drawing/2010/main" w="9525">
                     <a:solidFill>
                       <a:srgbClr val="000000"/>
                     </a:solidFill>
@@ -26161,7 +26169,7 @@
               </a:ln>
               <a:extLst>
                 <a:ext uri="{91240B29-F687-4f45-9708-019B960494DF}">
-                  <a14:hiddenLine xmlns:a14="http://schemas.microsoft.com/office/drawing/2010/main" xmlns="" w="9525">
+                  <a14:hiddenLine xmlns="" xmlns:a14="http://schemas.microsoft.com/office/drawing/2010/main" w="9525">
                     <a:solidFill>
                       <a:srgbClr val="000000"/>
                     </a:solidFill>
@@ -26229,7 +26237,7 @@
               </a:ln>
               <a:extLst>
                 <a:ext uri="{91240B29-F687-4f45-9708-019B960494DF}">
-                  <a14:hiddenLine xmlns:a14="http://schemas.microsoft.com/office/drawing/2010/main" xmlns="" w="9525">
+                  <a14:hiddenLine xmlns="" xmlns:a14="http://schemas.microsoft.com/office/drawing/2010/main" w="9525">
                     <a:solidFill>
                       <a:srgbClr val="000000"/>
                     </a:solidFill>
@@ -26319,7 +26327,7 @@
               </a:ln>
               <a:extLst>
                 <a:ext uri="{91240B29-F687-4f45-9708-019B960494DF}">
-                  <a14:hiddenLine xmlns:a14="http://schemas.microsoft.com/office/drawing/2010/main" xmlns="" w="9525">
+                  <a14:hiddenLine xmlns="" xmlns:a14="http://schemas.microsoft.com/office/drawing/2010/main" w="9525">
                     <a:solidFill>
                       <a:srgbClr val="000000"/>
                     </a:solidFill>
@@ -26387,7 +26395,7 @@
               </a:ln>
               <a:extLst>
                 <a:ext uri="{91240B29-F687-4f45-9708-019B960494DF}">
-                  <a14:hiddenLine xmlns:a14="http://schemas.microsoft.com/office/drawing/2010/main" xmlns="" w="9525">
+                  <a14:hiddenLine xmlns="" xmlns:a14="http://schemas.microsoft.com/office/drawing/2010/main" w="9525">
                     <a:solidFill>
                       <a:srgbClr val="000000"/>
                     </a:solidFill>
@@ -26477,7 +26485,7 @@
               </a:ln>
               <a:extLst>
                 <a:ext uri="{91240B29-F687-4f45-9708-019B960494DF}">
-                  <a14:hiddenLine xmlns:a14="http://schemas.microsoft.com/office/drawing/2010/main" xmlns="" w="9525">
+                  <a14:hiddenLine xmlns="" xmlns:a14="http://schemas.microsoft.com/office/drawing/2010/main" w="9525">
                     <a:solidFill>
                       <a:srgbClr val="000000"/>
                     </a:solidFill>
@@ -26511,7 +26519,7 @@
               </a:ln>
               <a:extLst>
                 <a:ext uri="{91240B29-F687-4f45-9708-019B960494DF}">
-                  <a14:hiddenLine xmlns:a14="http://schemas.microsoft.com/office/drawing/2010/main" xmlns="" w="9525">
+                  <a14:hiddenLine xmlns="" xmlns:a14="http://schemas.microsoft.com/office/drawing/2010/main" w="9525">
                     <a:solidFill>
                       <a:srgbClr val="000000"/>
                     </a:solidFill>
@@ -26651,7 +26659,7 @@
           <a:p>
             <a:fld id="{B76943AF-B946-47F7-8510-2C710F5C29B5}" type="datetimeFigureOut">
               <a:rPr lang="en-US" smtClean="0"/>
-              <a:t>4/25/2018</a:t>
+              <a:t>25-Apr-18</a:t>
             </a:fld>
             <a:endParaRPr lang="en-US" dirty="0"/>
           </a:p>
@@ -28740,13 +28748,13 @@
   <p:clrMapOvr>
     <a:masterClrMapping/>
   </p:clrMapOvr>
-  <mc:AlternateContent xmlns:mc="http://schemas.openxmlformats.org/markup-compatibility/2006">
-    <mc:Choice xmlns:p14="http://schemas.microsoft.com/office/powerpoint/2010/main" Requires="p14">
+  <mc:AlternateContent xmlns:mc="http://schemas.openxmlformats.org/markup-compatibility/2006" xmlns:p14="http://schemas.microsoft.com/office/powerpoint/2010/main">
+    <mc:Choice Requires="p14">
       <p:transition spd="slow" p14:dur="2500">
         <p:checker/>
       </p:transition>
     </mc:Choice>
-    <mc:Fallback>
+    <mc:Fallback xmlns="">
       <p:transition spd="slow">
         <p:checker/>
       </p:transition>
@@ -28958,7 +28966,7 @@
             <p:ph idx="1"/>
             <p:extLst>
               <p:ext uri="{D42A27DB-BD31-4B8C-83A1-F6EECF244321}">
-                <p14:modId xmlns:p14="http://schemas.microsoft.com/office/powerpoint/2010/main" val="732426092"/>
+                <p14:modId xmlns:p14="http://schemas.microsoft.com/office/powerpoint/2010/main" val="424386725"/>
               </p:ext>
             </p:extLst>
           </p:nvPr>
@@ -29217,8 +29225,12 @@
           <a:lstStyle/>
           <a:p>
             <a:r>
+              <a:rPr lang="pl-PL" dirty="0"/>
+              <a:t>21 </a:t>
+            </a:r>
+            <a:r>
               <a:rPr lang="pl-PL" dirty="0" err="1"/>
-              <a:t>Consensus</a:t>
+              <a:t>block</a:t>
             </a:r>
             <a:r>
               <a:rPr lang="pl-PL" dirty="0"/>
@@ -29226,18 +29238,34 @@
             </a:r>
             <a:r>
               <a:rPr lang="pl-PL" dirty="0" err="1"/>
-              <a:t>mechanism</a:t>
+              <a:t>producers</a:t>
+            </a:r>
+            <a:r>
+              <a:rPr lang="pl-PL" dirty="0"/>
+              <a:t> </a:t>
+            </a:r>
+            <a:r>
+              <a:rPr lang="pl-PL" dirty="0" err="1"/>
+              <a:t>elected</a:t>
+            </a:r>
+            <a:r>
+              <a:rPr lang="pl-PL" dirty="0"/>
+              <a:t> by token </a:t>
+            </a:r>
+            <a:r>
+              <a:rPr lang="pl-PL" dirty="0" err="1"/>
+              <a:t>holders</a:t>
             </a:r>
             <a:endParaRPr lang="pl-PL" dirty="0"/>
           </a:p>
           <a:p>
             <a:r>
               <a:rPr lang="pl-PL" dirty="0"/>
-              <a:t>21 </a:t>
+              <a:t>Hard to </a:t>
             </a:r>
             <a:r>
               <a:rPr lang="pl-PL" dirty="0" err="1"/>
-              <a:t>block</a:t>
+              <a:t>get</a:t>
             </a:r>
             <a:r>
               <a:rPr lang="pl-PL" dirty="0"/>
@@ -29245,116 +29273,120 @@
             </a:r>
             <a:r>
               <a:rPr lang="pl-PL" dirty="0" err="1"/>
-              <a:t>producers</a:t>
+              <a:t>elected</a:t>
             </a:r>
             <a:r>
               <a:rPr lang="pl-PL" dirty="0"/>
-              <a:t> </a:t>
+              <a:t>, </a:t>
             </a:r>
             <a:r>
               <a:rPr lang="pl-PL" dirty="0" err="1"/>
-              <a:t>elected</a:t>
+              <a:t>easy</a:t>
             </a:r>
             <a:r>
               <a:rPr lang="pl-PL" dirty="0"/>
-              <a:t> by token </a:t>
+              <a:t> to </a:t>
             </a:r>
             <a:r>
               <a:rPr lang="pl-PL" dirty="0" err="1"/>
-              <a:t>holders</a:t>
+              <a:t>lose</a:t>
+            </a:r>
+            <a:r>
+              <a:rPr lang="pl-PL" dirty="0"/>
+              <a:t> the </a:t>
+            </a:r>
+            <a:r>
+              <a:rPr lang="pl-PL" dirty="0" err="1"/>
+              <a:t>job</a:t>
             </a:r>
             <a:endParaRPr lang="pl-PL" dirty="0"/>
           </a:p>
           <a:p>
             <a:r>
               <a:rPr lang="pl-PL" dirty="0"/>
-              <a:t>Hard to </a:t>
+              <a:t>Both </a:t>
             </a:r>
             <a:r>
               <a:rPr lang="pl-PL" dirty="0" err="1"/>
-              <a:t>get</a:t>
+              <a:t>executors</a:t>
             </a:r>
             <a:r>
               <a:rPr lang="pl-PL" dirty="0"/>
-              <a:t> </a:t>
+              <a:t> of the </a:t>
             </a:r>
             <a:r>
               <a:rPr lang="pl-PL" dirty="0" err="1"/>
-              <a:t>elected</a:t>
+              <a:t>constitution</a:t>
             </a:r>
             <a:r>
               <a:rPr lang="pl-PL" dirty="0"/>
-              <a:t>, </a:t>
+              <a:t> and </a:t>
             </a:r>
             <a:r>
               <a:rPr lang="pl-PL" dirty="0" err="1"/>
-              <a:t>easy</a:t>
+              <a:t>subjects</a:t>
             </a:r>
             <a:r>
               <a:rPr lang="pl-PL" dirty="0"/>
-              <a:t> to </a:t>
+              <a:t> to the </a:t>
             </a:r>
             <a:r>
               <a:rPr lang="pl-PL" dirty="0" err="1"/>
-              <a:t>lose</a:t>
-            </a:r>
-            <a:r>
-              <a:rPr lang="pl-PL" dirty="0"/>
-              <a:t> the </a:t>
-            </a:r>
-            <a:r>
-              <a:rPr lang="pl-PL" dirty="0" err="1"/>
-              <a:t>job</a:t>
+              <a:t>constitution</a:t>
             </a:r>
             <a:endParaRPr lang="pl-PL" dirty="0"/>
           </a:p>
           <a:p>
             <a:r>
+              <a:rPr lang="pl-PL" dirty="0" err="1"/>
+              <a:t>Ability</a:t>
+            </a:r>
+            <a:r>
               <a:rPr lang="pl-PL" dirty="0"/>
-              <a:t>Both </a:t>
+              <a:t> to </a:t>
             </a:r>
             <a:r>
               <a:rPr lang="pl-PL" dirty="0" err="1"/>
-              <a:t>executors</a:t>
+              <a:t>freeze</a:t>
             </a:r>
             <a:r>
               <a:rPr lang="pl-PL" dirty="0"/>
-              <a:t> of the </a:t>
+              <a:t> &amp; </a:t>
             </a:r>
             <a:r>
               <a:rPr lang="pl-PL" dirty="0" err="1"/>
-              <a:t>constitution</a:t>
+              <a:t>fix</a:t>
             </a:r>
             <a:r>
               <a:rPr lang="pl-PL" dirty="0"/>
-              <a:t> and </a:t>
+              <a:t> </a:t>
             </a:r>
             <a:r>
               <a:rPr lang="pl-PL" dirty="0" err="1"/>
-              <a:t>subjects</a:t>
+              <a:t>broken</a:t>
             </a:r>
             <a:r>
               <a:rPr lang="pl-PL" dirty="0"/>
-              <a:t> to the </a:t>
+              <a:t> </a:t>
             </a:r>
             <a:r>
               <a:rPr lang="pl-PL" dirty="0" err="1"/>
-              <a:t>constitution</a:t>
+              <a:t>dApps</a:t>
             </a:r>
             <a:endParaRPr lang="pl-PL" dirty="0"/>
           </a:p>
           <a:p>
             <a:r>
               <a:rPr lang="pl-PL" dirty="0" err="1"/>
-              <a:t>Ability</a:t>
+              <a:t>Extremely</a:t>
             </a:r>
             <a:r>
               <a:rPr lang="pl-PL" dirty="0"/>
-              <a:t> to </a:t>
+              <a:t> </a:t>
             </a:r>
             <a:r>
               <a:rPr lang="pl-PL" dirty="0" err="1"/>
-              <a:t>freeze</a:t>
+              <a:t>resilient</a:t>
             </a:r>
             <a:r>
               <a:rPr lang="pl-PL" dirty="0"/>
@@ -29362,7 +29394,7 @@
             </a:r>
             <a:r>
               <a:rPr lang="pl-PL" dirty="0" err="1"/>
-              <a:t>fix</a:t>
+              <a:t>very</a:t>
             </a:r>
             <a:r>
               <a:rPr lang="pl-PL" dirty="0"/>
@@ -29370,12 +29402,17 @@
             </a:r>
             <a:r>
               <a:rPr lang="pl-PL" dirty="0" err="1"/>
-              <a:t>broken</a:t>
+              <a:t>low</a:t>
             </a:r>
             <a:r>
               <a:rPr lang="pl-PL" dirty="0"/>
-              <a:t> dApps</a:t>
-            </a:r>
+              <a:t> </a:t>
+            </a:r>
+            <a:r>
+              <a:rPr lang="pl-PL" dirty="0" err="1"/>
+              <a:t>latency</a:t>
+            </a:r>
+            <a:endParaRPr lang="pl-PL" dirty="0"/>
           </a:p>
           <a:p>
             <a:endParaRPr lang="pl-PL" dirty="0"/>
@@ -30022,12 +30059,8 @@
               <a:t>, </a:t>
             </a:r>
             <a:r>
-              <a:rPr lang="pl-PL" dirty="0" err="1"/>
-              <a:t>such</a:t>
-            </a:r>
-            <a:r>
-              <a:rPr lang="pl-PL" dirty="0"/>
-              <a:t> as </a:t>
+              <a:rPr lang="pl-PL"/>
+              <a:t>i.e. </a:t>
             </a:r>
             <a:r>
               <a:rPr lang="pl-PL" dirty="0" err="1"/>

--- a/eostalk/EOS Talk Lodz2.pptx
+++ b/eostalk/EOS Talk Lodz2.pptx
@@ -5,20 +5,20 @@
     <p:sldMasterId id="2147483660" r:id="rId1"/>
   </p:sldMasterIdLst>
   <p:notesMasterIdLst>
-    <p:notesMasterId r:id="rId37"/>
+    <p:notesMasterId r:id="rId38"/>
   </p:notesMasterIdLst>
   <p:sldIdLst>
     <p:sldId id="256" r:id="rId2"/>
     <p:sldId id="260" r:id="rId3"/>
-    <p:sldId id="282" r:id="rId4"/>
+    <p:sldId id="418" r:id="rId4"/>
     <p:sldId id="400" r:id="rId5"/>
     <p:sldId id="401" r:id="rId6"/>
     <p:sldId id="402" r:id="rId7"/>
     <p:sldId id="403" r:id="rId8"/>
-    <p:sldId id="406" r:id="rId9"/>
-    <p:sldId id="404" r:id="rId10"/>
-    <p:sldId id="405" r:id="rId11"/>
-    <p:sldId id="407" r:id="rId12"/>
+    <p:sldId id="404" r:id="rId9"/>
+    <p:sldId id="405" r:id="rId10"/>
+    <p:sldId id="407" r:id="rId11"/>
+    <p:sldId id="406" r:id="rId12"/>
     <p:sldId id="384" r:id="rId13"/>
     <p:sldId id="409" r:id="rId14"/>
     <p:sldId id="410" r:id="rId15"/>
@@ -33,16 +33,17 @@
     <p:sldId id="416" r:id="rId24"/>
     <p:sldId id="415" r:id="rId25"/>
     <p:sldId id="361" r:id="rId26"/>
-    <p:sldId id="391" r:id="rId27"/>
-    <p:sldId id="392" r:id="rId28"/>
-    <p:sldId id="375" r:id="rId29"/>
-    <p:sldId id="363" r:id="rId30"/>
-    <p:sldId id="390" r:id="rId31"/>
-    <p:sldId id="338" r:id="rId32"/>
-    <p:sldId id="399" r:id="rId33"/>
-    <p:sldId id="313" r:id="rId34"/>
-    <p:sldId id="397" r:id="rId35"/>
-    <p:sldId id="317" r:id="rId36"/>
+    <p:sldId id="282" r:id="rId27"/>
+    <p:sldId id="391" r:id="rId28"/>
+    <p:sldId id="392" r:id="rId29"/>
+    <p:sldId id="375" r:id="rId30"/>
+    <p:sldId id="363" r:id="rId31"/>
+    <p:sldId id="390" r:id="rId32"/>
+    <p:sldId id="338" r:id="rId33"/>
+    <p:sldId id="399" r:id="rId34"/>
+    <p:sldId id="313" r:id="rId35"/>
+    <p:sldId id="397" r:id="rId36"/>
+    <p:sldId id="317" r:id="rId37"/>
   </p:sldIdLst>
   <p:sldSz cx="12192000" cy="6858000"/>
   <p:notesSz cx="6858000" cy="9144000"/>
@@ -4103,301 +4104,6 @@
 <file path=ppt/diagrams/data1.xml><?xml version="1.0" encoding="utf-8"?>
 <dgm:dataModel xmlns:dgm="http://schemas.openxmlformats.org/drawingml/2006/diagram" xmlns:a="http://schemas.openxmlformats.org/drawingml/2006/main">
   <dgm:ptLst>
-    <dgm:pt modelId="{34778223-2F5A-42BE-A1BB-DDB4A329CB43}" type="doc">
-      <dgm:prSet loTypeId="urn:microsoft.com/office/officeart/2005/8/layout/process1" loCatId="process" qsTypeId="urn:microsoft.com/office/officeart/2005/8/quickstyle/simple1" qsCatId="simple" csTypeId="urn:microsoft.com/office/officeart/2005/8/colors/accent1_2" csCatId="accent1" phldr="1"/>
-      <dgm:spPr/>
-      <dgm:t>
-        <a:bodyPr/>
-        <a:lstStyle/>
-        <a:p>
-          <a:endParaRPr lang="en-US"/>
-        </a:p>
-      </dgm:t>
-    </dgm:pt>
-    <dgm:pt modelId="{5C12A0B9-68AA-4B0D-9539-6B0878A116F4}">
-      <dgm:prSet/>
-      <dgm:spPr>
-        <a:solidFill>
-          <a:schemeClr val="tx1">
-            <a:lumMod val="75000"/>
-            <a:alpha val="60000"/>
-          </a:schemeClr>
-        </a:solidFill>
-      </dgm:spPr>
-      <dgm:t>
-        <a:bodyPr/>
-        <a:lstStyle/>
-        <a:p>
-          <a:r>
-            <a:rPr lang="pl-PL" dirty="0"/>
-            <a:t>S</a:t>
-          </a:r>
-          <a:r>
-            <a:rPr lang="en-US" dirty="0" err="1"/>
-            <a:t>ystem</a:t>
-          </a:r>
-          <a:r>
-            <a:rPr lang="pl-PL" dirty="0"/>
-            <a:t> for</a:t>
-          </a:r>
-          <a:br>
-            <a:rPr lang="pl-PL" dirty="0"/>
-          </a:br>
-          <a:r>
-            <a:rPr lang="pl-PL" dirty="0" err="1"/>
-            <a:t>simple</a:t>
-          </a:r>
-          <a:r>
-            <a:rPr lang="pl-PL" dirty="0"/>
-            <a:t> </a:t>
-          </a:r>
-          <a:r>
-            <a:rPr lang="pl-PL" dirty="0" err="1"/>
-            <a:t>payments</a:t>
-          </a:r>
-          <a:br>
-            <a:rPr lang="pl-PL" dirty="0"/>
-          </a:br>
-          <a:r>
-            <a:rPr lang="pl-PL" dirty="0"/>
-            <a:t>(Bitcoin)</a:t>
-          </a:r>
-          <a:endParaRPr lang="en-US" dirty="0"/>
-        </a:p>
-      </dgm:t>
-    </dgm:pt>
-    <dgm:pt modelId="{7933A5E7-E41C-46CD-B24F-305935E50301}" type="parTrans" cxnId="{1FA7A4D2-D2EE-4C75-98E7-0B8D6EFBFFB4}">
-      <dgm:prSet/>
-      <dgm:spPr/>
-      <dgm:t>
-        <a:bodyPr/>
-        <a:lstStyle/>
-        <a:p>
-          <a:endParaRPr lang="en-US"/>
-        </a:p>
-      </dgm:t>
-    </dgm:pt>
-    <dgm:pt modelId="{2FD6B182-CF17-4B81-B4BB-58E384209941}" type="sibTrans" cxnId="{1FA7A4D2-D2EE-4C75-98E7-0B8D6EFBFFB4}">
-      <dgm:prSet/>
-      <dgm:spPr>
-        <a:solidFill>
-          <a:schemeClr val="tx1"/>
-        </a:solidFill>
-      </dgm:spPr>
-      <dgm:t>
-        <a:bodyPr/>
-        <a:lstStyle/>
-        <a:p>
-          <a:endParaRPr lang="en-US" dirty="0"/>
-        </a:p>
-      </dgm:t>
-    </dgm:pt>
-    <dgm:pt modelId="{1FDF550B-9390-4B29-8B86-86D9DA6B6739}">
-      <dgm:prSet/>
-      <dgm:spPr>
-        <a:solidFill>
-          <a:schemeClr val="tx2">
-            <a:lumMod val="40000"/>
-            <a:lumOff val="60000"/>
-            <a:alpha val="56000"/>
-          </a:schemeClr>
-        </a:solidFill>
-      </dgm:spPr>
-      <dgm:t>
-        <a:bodyPr/>
-        <a:lstStyle/>
-        <a:p>
-          <a:r>
-            <a:rPr lang="pl-PL" dirty="0"/>
-            <a:t>System for </a:t>
-          </a:r>
-          <a:br>
-            <a:rPr lang="pl-PL" dirty="0"/>
-          </a:br>
-          <a:r>
-            <a:rPr lang="pl-PL" dirty="0"/>
-            <a:t>s</a:t>
-          </a:r>
-          <a:r>
-            <a:rPr lang="en-US" dirty="0"/>
-            <a:t>mart-contract</a:t>
-          </a:r>
-          <a:r>
-            <a:rPr lang="pl-PL" dirty="0"/>
-            <a:t>s</a:t>
-          </a:r>
-          <a:br>
-            <a:rPr lang="pl-PL" dirty="0"/>
-          </a:br>
-          <a:r>
-            <a:rPr lang="pl-PL" dirty="0"/>
-            <a:t>(Ethereum)</a:t>
-          </a:r>
-          <a:endParaRPr lang="en-US" dirty="0"/>
-        </a:p>
-      </dgm:t>
-    </dgm:pt>
-    <dgm:pt modelId="{9896C4A2-B69A-4714-BEE6-E41C5AD87887}" type="parTrans" cxnId="{1BEAAD60-F9E7-4417-B3D4-42BB68E8D14E}">
-      <dgm:prSet/>
-      <dgm:spPr/>
-      <dgm:t>
-        <a:bodyPr/>
-        <a:lstStyle/>
-        <a:p>
-          <a:endParaRPr lang="en-US"/>
-        </a:p>
-      </dgm:t>
-    </dgm:pt>
-    <dgm:pt modelId="{C8895F15-6DD8-4D01-9267-36B3872340AD}" type="sibTrans" cxnId="{1BEAAD60-F9E7-4417-B3D4-42BB68E8D14E}">
-      <dgm:prSet/>
-      <dgm:spPr>
-        <a:solidFill>
-          <a:schemeClr val="tx1"/>
-        </a:solidFill>
-      </dgm:spPr>
-      <dgm:t>
-        <a:bodyPr/>
-        <a:lstStyle/>
-        <a:p>
-          <a:endParaRPr lang="en-US" dirty="0"/>
-        </a:p>
-      </dgm:t>
-    </dgm:pt>
-    <dgm:pt modelId="{B37E1A67-30E4-439C-BA90-062466E68D9C}">
-      <dgm:prSet/>
-      <dgm:spPr>
-        <a:solidFill>
-          <a:schemeClr val="tx2">
-            <a:lumMod val="50000"/>
-            <a:alpha val="58000"/>
-          </a:schemeClr>
-        </a:solidFill>
-      </dgm:spPr>
-      <dgm:t>
-        <a:bodyPr/>
-        <a:lstStyle/>
-        <a:p>
-          <a:r>
-            <a:rPr lang="pl-PL" dirty="0"/>
-            <a:t>System for </a:t>
-          </a:r>
-          <a:r>
-            <a:rPr lang="en-US" dirty="0"/>
-            <a:t>decentralized apps</a:t>
-          </a:r>
-          <a:r>
-            <a:rPr lang="pl-PL" dirty="0"/>
-            <a:t> (EOS)</a:t>
-          </a:r>
-          <a:endParaRPr lang="en-US" dirty="0"/>
-        </a:p>
-      </dgm:t>
-    </dgm:pt>
-    <dgm:pt modelId="{94129B2C-8779-4450-8A1A-8A2BBCDC1936}" type="parTrans" cxnId="{0FC5D0A0-8E8C-4344-8A38-CEC209F321D1}">
-      <dgm:prSet/>
-      <dgm:spPr/>
-      <dgm:t>
-        <a:bodyPr/>
-        <a:lstStyle/>
-        <a:p>
-          <a:endParaRPr lang="en-US"/>
-        </a:p>
-      </dgm:t>
-    </dgm:pt>
-    <dgm:pt modelId="{D09BD33B-E58F-4C72-B677-6350C000C8F3}" type="sibTrans" cxnId="{0FC5D0A0-8E8C-4344-8A38-CEC209F321D1}">
-      <dgm:prSet/>
-      <dgm:spPr/>
-      <dgm:t>
-        <a:bodyPr/>
-        <a:lstStyle/>
-        <a:p>
-          <a:endParaRPr lang="en-US"/>
-        </a:p>
-      </dgm:t>
-    </dgm:pt>
-    <dgm:pt modelId="{6060F630-C6F6-4C37-9F8F-BB94C92808D6}" type="pres">
-      <dgm:prSet presAssocID="{34778223-2F5A-42BE-A1BB-DDB4A329CB43}" presName="Name0" presStyleCnt="0">
-        <dgm:presLayoutVars>
-          <dgm:dir/>
-          <dgm:resizeHandles val="exact"/>
-        </dgm:presLayoutVars>
-      </dgm:prSet>
-      <dgm:spPr/>
-    </dgm:pt>
-    <dgm:pt modelId="{E40EF4B3-8BA8-436A-B15B-C0F795B9ECAC}" type="pres">
-      <dgm:prSet presAssocID="{5C12A0B9-68AA-4B0D-9539-6B0878A116F4}" presName="node" presStyleLbl="node1" presStyleIdx="0" presStyleCnt="3">
-        <dgm:presLayoutVars>
-          <dgm:bulletEnabled val="1"/>
-        </dgm:presLayoutVars>
-      </dgm:prSet>
-      <dgm:spPr/>
-    </dgm:pt>
-    <dgm:pt modelId="{C3550AE3-EAA5-4345-96A2-2D49ABF0C995}" type="pres">
-      <dgm:prSet presAssocID="{2FD6B182-CF17-4B81-B4BB-58E384209941}" presName="sibTrans" presStyleLbl="sibTrans2D1" presStyleIdx="0" presStyleCnt="2"/>
-      <dgm:spPr/>
-    </dgm:pt>
-    <dgm:pt modelId="{E8E60DD2-7B4B-4D7D-A6F1-57AE66696B1D}" type="pres">
-      <dgm:prSet presAssocID="{2FD6B182-CF17-4B81-B4BB-58E384209941}" presName="connectorText" presStyleLbl="sibTrans2D1" presStyleIdx="0" presStyleCnt="2"/>
-      <dgm:spPr/>
-    </dgm:pt>
-    <dgm:pt modelId="{8D6DEFCB-1384-46AE-A406-C24CBCF29DBA}" type="pres">
-      <dgm:prSet presAssocID="{1FDF550B-9390-4B29-8B86-86D9DA6B6739}" presName="node" presStyleLbl="node1" presStyleIdx="1" presStyleCnt="3">
-        <dgm:presLayoutVars>
-          <dgm:bulletEnabled val="1"/>
-        </dgm:presLayoutVars>
-      </dgm:prSet>
-      <dgm:spPr/>
-    </dgm:pt>
-    <dgm:pt modelId="{D9CD9F60-125D-422C-A4B2-7AB9DC41F197}" type="pres">
-      <dgm:prSet presAssocID="{C8895F15-6DD8-4D01-9267-36B3872340AD}" presName="sibTrans" presStyleLbl="sibTrans2D1" presStyleIdx="1" presStyleCnt="2"/>
-      <dgm:spPr/>
-    </dgm:pt>
-    <dgm:pt modelId="{B33A579C-F53D-43AD-B0ED-CF2BE722AA31}" type="pres">
-      <dgm:prSet presAssocID="{C8895F15-6DD8-4D01-9267-36B3872340AD}" presName="connectorText" presStyleLbl="sibTrans2D1" presStyleIdx="1" presStyleCnt="2"/>
-      <dgm:spPr/>
-    </dgm:pt>
-    <dgm:pt modelId="{904AA21A-6637-412F-8D19-6AEBE54B6CFC}" type="pres">
-      <dgm:prSet presAssocID="{B37E1A67-30E4-439C-BA90-062466E68D9C}" presName="node" presStyleLbl="node1" presStyleIdx="2" presStyleCnt="3">
-        <dgm:presLayoutVars>
-          <dgm:bulletEnabled val="1"/>
-        </dgm:presLayoutVars>
-      </dgm:prSet>
-      <dgm:spPr/>
-    </dgm:pt>
-  </dgm:ptLst>
-  <dgm:cxnLst>
-    <dgm:cxn modelId="{D61E5C26-74B0-499B-AE9C-E563216E43A9}" type="presOf" srcId="{C8895F15-6DD8-4D01-9267-36B3872340AD}" destId="{B33A579C-F53D-43AD-B0ED-CF2BE722AA31}" srcOrd="1" destOrd="0" presId="urn:microsoft.com/office/officeart/2005/8/layout/process1"/>
-    <dgm:cxn modelId="{EE311B32-A70D-4ADE-B079-1E396AB979C7}" type="presOf" srcId="{2FD6B182-CF17-4B81-B4BB-58E384209941}" destId="{E8E60DD2-7B4B-4D7D-A6F1-57AE66696B1D}" srcOrd="1" destOrd="0" presId="urn:microsoft.com/office/officeart/2005/8/layout/process1"/>
-    <dgm:cxn modelId="{1BEAAD60-F9E7-4417-B3D4-42BB68E8D14E}" srcId="{34778223-2F5A-42BE-A1BB-DDB4A329CB43}" destId="{1FDF550B-9390-4B29-8B86-86D9DA6B6739}" srcOrd="1" destOrd="0" parTransId="{9896C4A2-B69A-4714-BEE6-E41C5AD87887}" sibTransId="{C8895F15-6DD8-4D01-9267-36B3872340AD}"/>
-    <dgm:cxn modelId="{BAE1CE56-87F7-4435-A9AA-E0BE6FC21FCE}" type="presOf" srcId="{2FD6B182-CF17-4B81-B4BB-58E384209941}" destId="{C3550AE3-EAA5-4345-96A2-2D49ABF0C995}" srcOrd="0" destOrd="0" presId="urn:microsoft.com/office/officeart/2005/8/layout/process1"/>
-    <dgm:cxn modelId="{AF68127A-1381-4B01-8846-AC9F2C0C70FA}" type="presOf" srcId="{34778223-2F5A-42BE-A1BB-DDB4A329CB43}" destId="{6060F630-C6F6-4C37-9F8F-BB94C92808D6}" srcOrd="0" destOrd="0" presId="urn:microsoft.com/office/officeart/2005/8/layout/process1"/>
-    <dgm:cxn modelId="{9C78D47F-D7ED-4B8F-83C6-F892BB5FD215}" type="presOf" srcId="{C8895F15-6DD8-4D01-9267-36B3872340AD}" destId="{D9CD9F60-125D-422C-A4B2-7AB9DC41F197}" srcOrd="0" destOrd="0" presId="urn:microsoft.com/office/officeart/2005/8/layout/process1"/>
-    <dgm:cxn modelId="{0FC5D0A0-8E8C-4344-8A38-CEC209F321D1}" srcId="{34778223-2F5A-42BE-A1BB-DDB4A329CB43}" destId="{B37E1A67-30E4-439C-BA90-062466E68D9C}" srcOrd="2" destOrd="0" parTransId="{94129B2C-8779-4450-8A1A-8A2BBCDC1936}" sibTransId="{D09BD33B-E58F-4C72-B677-6350C000C8F3}"/>
-    <dgm:cxn modelId="{1FA7A4D2-D2EE-4C75-98E7-0B8D6EFBFFB4}" srcId="{34778223-2F5A-42BE-A1BB-DDB4A329CB43}" destId="{5C12A0B9-68AA-4B0D-9539-6B0878A116F4}" srcOrd="0" destOrd="0" parTransId="{7933A5E7-E41C-46CD-B24F-305935E50301}" sibTransId="{2FD6B182-CF17-4B81-B4BB-58E384209941}"/>
-    <dgm:cxn modelId="{E5FC59DD-7D69-4A67-BFD2-7559A5A3BEF1}" type="presOf" srcId="{5C12A0B9-68AA-4B0D-9539-6B0878A116F4}" destId="{E40EF4B3-8BA8-436A-B15B-C0F795B9ECAC}" srcOrd="0" destOrd="0" presId="urn:microsoft.com/office/officeart/2005/8/layout/process1"/>
-    <dgm:cxn modelId="{D3D660E6-56C4-405B-BB73-F32788882AD7}" type="presOf" srcId="{1FDF550B-9390-4B29-8B86-86D9DA6B6739}" destId="{8D6DEFCB-1384-46AE-A406-C24CBCF29DBA}" srcOrd="0" destOrd="0" presId="urn:microsoft.com/office/officeart/2005/8/layout/process1"/>
-    <dgm:cxn modelId="{055C8EEB-E23F-4B8C-825E-521B00738F62}" type="presOf" srcId="{B37E1A67-30E4-439C-BA90-062466E68D9C}" destId="{904AA21A-6637-412F-8D19-6AEBE54B6CFC}" srcOrd="0" destOrd="0" presId="urn:microsoft.com/office/officeart/2005/8/layout/process1"/>
-    <dgm:cxn modelId="{898E3607-B3A0-4B30-A135-36F3E1846908}" type="presParOf" srcId="{6060F630-C6F6-4C37-9F8F-BB94C92808D6}" destId="{E40EF4B3-8BA8-436A-B15B-C0F795B9ECAC}" srcOrd="0" destOrd="0" presId="urn:microsoft.com/office/officeart/2005/8/layout/process1"/>
-    <dgm:cxn modelId="{0C914C3E-C002-4C24-AADF-6294C64A8FF1}" type="presParOf" srcId="{6060F630-C6F6-4C37-9F8F-BB94C92808D6}" destId="{C3550AE3-EAA5-4345-96A2-2D49ABF0C995}" srcOrd="1" destOrd="0" presId="urn:microsoft.com/office/officeart/2005/8/layout/process1"/>
-    <dgm:cxn modelId="{8BF316FE-F613-467F-93BB-BFDD01C90D24}" type="presParOf" srcId="{C3550AE3-EAA5-4345-96A2-2D49ABF0C995}" destId="{E8E60DD2-7B4B-4D7D-A6F1-57AE66696B1D}" srcOrd="0" destOrd="0" presId="urn:microsoft.com/office/officeart/2005/8/layout/process1"/>
-    <dgm:cxn modelId="{3664CBB9-6F07-4A4C-880C-A4789BA1595B}" type="presParOf" srcId="{6060F630-C6F6-4C37-9F8F-BB94C92808D6}" destId="{8D6DEFCB-1384-46AE-A406-C24CBCF29DBA}" srcOrd="2" destOrd="0" presId="urn:microsoft.com/office/officeart/2005/8/layout/process1"/>
-    <dgm:cxn modelId="{C422A048-578C-462B-A4E9-E3AA3D57C748}" type="presParOf" srcId="{6060F630-C6F6-4C37-9F8F-BB94C92808D6}" destId="{D9CD9F60-125D-422C-A4B2-7AB9DC41F197}" srcOrd="3" destOrd="0" presId="urn:microsoft.com/office/officeart/2005/8/layout/process1"/>
-    <dgm:cxn modelId="{941F0BDF-641A-450B-91A9-92C9D697F5D4}" type="presParOf" srcId="{D9CD9F60-125D-422C-A4B2-7AB9DC41F197}" destId="{B33A579C-F53D-43AD-B0ED-CF2BE722AA31}" srcOrd="0" destOrd="0" presId="urn:microsoft.com/office/officeart/2005/8/layout/process1"/>
-    <dgm:cxn modelId="{D7FD23B7-CE1E-4010-9B18-18065CF0429D}" type="presParOf" srcId="{6060F630-C6F6-4C37-9F8F-BB94C92808D6}" destId="{904AA21A-6637-412F-8D19-6AEBE54B6CFC}" srcOrd="4" destOrd="0" presId="urn:microsoft.com/office/officeart/2005/8/layout/process1"/>
-  </dgm:cxnLst>
-  <dgm:bg/>
-  <dgm:whole/>
-  <dgm:extLst>
-    <a:ext uri="http://schemas.microsoft.com/office/drawing/2008/diagram">
-      <dsp:dataModelExt xmlns:dsp="http://schemas.microsoft.com/office/drawing/2008/diagram" relId="rId6" minVer="http://schemas.openxmlformats.org/drawingml/2006/diagram"/>
-    </a:ext>
-  </dgm:extLst>
-</dgm:dataModel>
-</file>
-
-<file path=ppt/diagrams/data2.xml><?xml version="1.0" encoding="utf-8"?>
-<dgm:dataModel xmlns:dgm="http://schemas.openxmlformats.org/drawingml/2006/diagram" xmlns:a="http://schemas.openxmlformats.org/drawingml/2006/main">
-  <dgm:ptLst>
     <dgm:pt modelId="{C18CD602-B028-45C0-BD2F-712A671C1AA5}" type="doc">
       <dgm:prSet loTypeId="urn:microsoft.com/office/officeart/2005/8/layout/arrow5" loCatId="process" qsTypeId="urn:microsoft.com/office/officeart/2005/8/quickstyle/simple1" qsCatId="simple" csTypeId="urn:microsoft.com/office/officeart/2005/8/colors/accent1_2" csCatId="accent1" phldr="1"/>
       <dgm:spPr/>
@@ -4576,7 +4282,7 @@
 </dgm:dataModel>
 </file>
 
-<file path=ppt/diagrams/data3.xml><?xml version="1.0" encoding="utf-8"?>
+<file path=ppt/diagrams/data2.xml><?xml version="1.0" encoding="utf-8"?>
 <dgm:dataModel xmlns:dgm="http://schemas.openxmlformats.org/drawingml/2006/diagram" xmlns:a="http://schemas.openxmlformats.org/drawingml/2006/main">
   <dgm:ptLst>
     <dgm:pt modelId="{F533CACE-0D31-4C84-B714-15662A3F88B8}" type="doc">
@@ -5015,6 +4721,301 @@
   <dgm:extLst>
     <a:ext uri="http://schemas.microsoft.com/office/drawing/2008/diagram">
       <dsp:dataModelExt xmlns:dsp="http://schemas.microsoft.com/office/drawing/2008/diagram" relId="rId7" minVer="http://schemas.openxmlformats.org/drawingml/2006/diagram"/>
+    </a:ext>
+  </dgm:extLst>
+</dgm:dataModel>
+</file>
+
+<file path=ppt/diagrams/data3.xml><?xml version="1.0" encoding="utf-8"?>
+<dgm:dataModel xmlns:dgm="http://schemas.openxmlformats.org/drawingml/2006/diagram" xmlns:a="http://schemas.openxmlformats.org/drawingml/2006/main">
+  <dgm:ptLst>
+    <dgm:pt modelId="{34778223-2F5A-42BE-A1BB-DDB4A329CB43}" type="doc">
+      <dgm:prSet loTypeId="urn:microsoft.com/office/officeart/2005/8/layout/process1" loCatId="process" qsTypeId="urn:microsoft.com/office/officeart/2005/8/quickstyle/simple1" qsCatId="simple" csTypeId="urn:microsoft.com/office/officeart/2005/8/colors/accent1_2" csCatId="accent1" phldr="1"/>
+      <dgm:spPr/>
+      <dgm:t>
+        <a:bodyPr/>
+        <a:lstStyle/>
+        <a:p>
+          <a:endParaRPr lang="en-US"/>
+        </a:p>
+      </dgm:t>
+    </dgm:pt>
+    <dgm:pt modelId="{5C12A0B9-68AA-4B0D-9539-6B0878A116F4}">
+      <dgm:prSet/>
+      <dgm:spPr>
+        <a:solidFill>
+          <a:schemeClr val="tx1">
+            <a:lumMod val="75000"/>
+            <a:alpha val="60000"/>
+          </a:schemeClr>
+        </a:solidFill>
+      </dgm:spPr>
+      <dgm:t>
+        <a:bodyPr/>
+        <a:lstStyle/>
+        <a:p>
+          <a:r>
+            <a:rPr lang="pl-PL" dirty="0"/>
+            <a:t>S</a:t>
+          </a:r>
+          <a:r>
+            <a:rPr lang="en-US" dirty="0" err="1"/>
+            <a:t>ystem</a:t>
+          </a:r>
+          <a:r>
+            <a:rPr lang="pl-PL" dirty="0"/>
+            <a:t> for</a:t>
+          </a:r>
+          <a:br>
+            <a:rPr lang="pl-PL" dirty="0"/>
+          </a:br>
+          <a:r>
+            <a:rPr lang="pl-PL" dirty="0" err="1"/>
+            <a:t>simple</a:t>
+          </a:r>
+          <a:r>
+            <a:rPr lang="pl-PL" dirty="0"/>
+            <a:t> </a:t>
+          </a:r>
+          <a:r>
+            <a:rPr lang="pl-PL" dirty="0" err="1"/>
+            <a:t>payments</a:t>
+          </a:r>
+          <a:br>
+            <a:rPr lang="pl-PL" dirty="0"/>
+          </a:br>
+          <a:r>
+            <a:rPr lang="pl-PL" dirty="0"/>
+            <a:t>(Bitcoin)</a:t>
+          </a:r>
+          <a:endParaRPr lang="en-US" dirty="0"/>
+        </a:p>
+      </dgm:t>
+    </dgm:pt>
+    <dgm:pt modelId="{7933A5E7-E41C-46CD-B24F-305935E50301}" type="parTrans" cxnId="{1FA7A4D2-D2EE-4C75-98E7-0B8D6EFBFFB4}">
+      <dgm:prSet/>
+      <dgm:spPr/>
+      <dgm:t>
+        <a:bodyPr/>
+        <a:lstStyle/>
+        <a:p>
+          <a:endParaRPr lang="en-US"/>
+        </a:p>
+      </dgm:t>
+    </dgm:pt>
+    <dgm:pt modelId="{2FD6B182-CF17-4B81-B4BB-58E384209941}" type="sibTrans" cxnId="{1FA7A4D2-D2EE-4C75-98E7-0B8D6EFBFFB4}">
+      <dgm:prSet/>
+      <dgm:spPr>
+        <a:solidFill>
+          <a:schemeClr val="tx1"/>
+        </a:solidFill>
+      </dgm:spPr>
+      <dgm:t>
+        <a:bodyPr/>
+        <a:lstStyle/>
+        <a:p>
+          <a:endParaRPr lang="en-US" dirty="0"/>
+        </a:p>
+      </dgm:t>
+    </dgm:pt>
+    <dgm:pt modelId="{1FDF550B-9390-4B29-8B86-86D9DA6B6739}">
+      <dgm:prSet/>
+      <dgm:spPr>
+        <a:solidFill>
+          <a:schemeClr val="tx2">
+            <a:lumMod val="40000"/>
+            <a:lumOff val="60000"/>
+            <a:alpha val="56000"/>
+          </a:schemeClr>
+        </a:solidFill>
+      </dgm:spPr>
+      <dgm:t>
+        <a:bodyPr/>
+        <a:lstStyle/>
+        <a:p>
+          <a:r>
+            <a:rPr lang="pl-PL" dirty="0"/>
+            <a:t>System for </a:t>
+          </a:r>
+          <a:br>
+            <a:rPr lang="pl-PL" dirty="0"/>
+          </a:br>
+          <a:r>
+            <a:rPr lang="pl-PL" dirty="0"/>
+            <a:t>s</a:t>
+          </a:r>
+          <a:r>
+            <a:rPr lang="en-US" dirty="0"/>
+            <a:t>mart-contract</a:t>
+          </a:r>
+          <a:r>
+            <a:rPr lang="pl-PL" dirty="0"/>
+            <a:t>s</a:t>
+          </a:r>
+          <a:br>
+            <a:rPr lang="pl-PL" dirty="0"/>
+          </a:br>
+          <a:r>
+            <a:rPr lang="pl-PL" dirty="0"/>
+            <a:t>(Ethereum)</a:t>
+          </a:r>
+          <a:endParaRPr lang="en-US" dirty="0"/>
+        </a:p>
+      </dgm:t>
+    </dgm:pt>
+    <dgm:pt modelId="{9896C4A2-B69A-4714-BEE6-E41C5AD87887}" type="parTrans" cxnId="{1BEAAD60-F9E7-4417-B3D4-42BB68E8D14E}">
+      <dgm:prSet/>
+      <dgm:spPr/>
+      <dgm:t>
+        <a:bodyPr/>
+        <a:lstStyle/>
+        <a:p>
+          <a:endParaRPr lang="en-US"/>
+        </a:p>
+      </dgm:t>
+    </dgm:pt>
+    <dgm:pt modelId="{C8895F15-6DD8-4D01-9267-36B3872340AD}" type="sibTrans" cxnId="{1BEAAD60-F9E7-4417-B3D4-42BB68E8D14E}">
+      <dgm:prSet/>
+      <dgm:spPr>
+        <a:solidFill>
+          <a:schemeClr val="tx1"/>
+        </a:solidFill>
+      </dgm:spPr>
+      <dgm:t>
+        <a:bodyPr/>
+        <a:lstStyle/>
+        <a:p>
+          <a:endParaRPr lang="en-US" dirty="0"/>
+        </a:p>
+      </dgm:t>
+    </dgm:pt>
+    <dgm:pt modelId="{B37E1A67-30E4-439C-BA90-062466E68D9C}">
+      <dgm:prSet/>
+      <dgm:spPr>
+        <a:solidFill>
+          <a:schemeClr val="tx2">
+            <a:lumMod val="50000"/>
+            <a:alpha val="58000"/>
+          </a:schemeClr>
+        </a:solidFill>
+      </dgm:spPr>
+      <dgm:t>
+        <a:bodyPr/>
+        <a:lstStyle/>
+        <a:p>
+          <a:r>
+            <a:rPr lang="pl-PL" dirty="0"/>
+            <a:t>System for </a:t>
+          </a:r>
+          <a:r>
+            <a:rPr lang="en-US" dirty="0"/>
+            <a:t>decentralized apps</a:t>
+          </a:r>
+          <a:r>
+            <a:rPr lang="pl-PL" dirty="0"/>
+            <a:t> (EOS)</a:t>
+          </a:r>
+          <a:endParaRPr lang="en-US" dirty="0"/>
+        </a:p>
+      </dgm:t>
+    </dgm:pt>
+    <dgm:pt modelId="{94129B2C-8779-4450-8A1A-8A2BBCDC1936}" type="parTrans" cxnId="{0FC5D0A0-8E8C-4344-8A38-CEC209F321D1}">
+      <dgm:prSet/>
+      <dgm:spPr/>
+      <dgm:t>
+        <a:bodyPr/>
+        <a:lstStyle/>
+        <a:p>
+          <a:endParaRPr lang="en-US"/>
+        </a:p>
+      </dgm:t>
+    </dgm:pt>
+    <dgm:pt modelId="{D09BD33B-E58F-4C72-B677-6350C000C8F3}" type="sibTrans" cxnId="{0FC5D0A0-8E8C-4344-8A38-CEC209F321D1}">
+      <dgm:prSet/>
+      <dgm:spPr/>
+      <dgm:t>
+        <a:bodyPr/>
+        <a:lstStyle/>
+        <a:p>
+          <a:endParaRPr lang="en-US"/>
+        </a:p>
+      </dgm:t>
+    </dgm:pt>
+    <dgm:pt modelId="{6060F630-C6F6-4C37-9F8F-BB94C92808D6}" type="pres">
+      <dgm:prSet presAssocID="{34778223-2F5A-42BE-A1BB-DDB4A329CB43}" presName="Name0" presStyleCnt="0">
+        <dgm:presLayoutVars>
+          <dgm:dir/>
+          <dgm:resizeHandles val="exact"/>
+        </dgm:presLayoutVars>
+      </dgm:prSet>
+      <dgm:spPr/>
+    </dgm:pt>
+    <dgm:pt modelId="{E40EF4B3-8BA8-436A-B15B-C0F795B9ECAC}" type="pres">
+      <dgm:prSet presAssocID="{5C12A0B9-68AA-4B0D-9539-6B0878A116F4}" presName="node" presStyleLbl="node1" presStyleIdx="0" presStyleCnt="3">
+        <dgm:presLayoutVars>
+          <dgm:bulletEnabled val="1"/>
+        </dgm:presLayoutVars>
+      </dgm:prSet>
+      <dgm:spPr/>
+    </dgm:pt>
+    <dgm:pt modelId="{C3550AE3-EAA5-4345-96A2-2D49ABF0C995}" type="pres">
+      <dgm:prSet presAssocID="{2FD6B182-CF17-4B81-B4BB-58E384209941}" presName="sibTrans" presStyleLbl="sibTrans2D1" presStyleIdx="0" presStyleCnt="2"/>
+      <dgm:spPr/>
+    </dgm:pt>
+    <dgm:pt modelId="{E8E60DD2-7B4B-4D7D-A6F1-57AE66696B1D}" type="pres">
+      <dgm:prSet presAssocID="{2FD6B182-CF17-4B81-B4BB-58E384209941}" presName="connectorText" presStyleLbl="sibTrans2D1" presStyleIdx="0" presStyleCnt="2"/>
+      <dgm:spPr/>
+    </dgm:pt>
+    <dgm:pt modelId="{8D6DEFCB-1384-46AE-A406-C24CBCF29DBA}" type="pres">
+      <dgm:prSet presAssocID="{1FDF550B-9390-4B29-8B86-86D9DA6B6739}" presName="node" presStyleLbl="node1" presStyleIdx="1" presStyleCnt="3">
+        <dgm:presLayoutVars>
+          <dgm:bulletEnabled val="1"/>
+        </dgm:presLayoutVars>
+      </dgm:prSet>
+      <dgm:spPr/>
+    </dgm:pt>
+    <dgm:pt modelId="{D9CD9F60-125D-422C-A4B2-7AB9DC41F197}" type="pres">
+      <dgm:prSet presAssocID="{C8895F15-6DD8-4D01-9267-36B3872340AD}" presName="sibTrans" presStyleLbl="sibTrans2D1" presStyleIdx="1" presStyleCnt="2"/>
+      <dgm:spPr/>
+    </dgm:pt>
+    <dgm:pt modelId="{B33A579C-F53D-43AD-B0ED-CF2BE722AA31}" type="pres">
+      <dgm:prSet presAssocID="{C8895F15-6DD8-4D01-9267-36B3872340AD}" presName="connectorText" presStyleLbl="sibTrans2D1" presStyleIdx="1" presStyleCnt="2"/>
+      <dgm:spPr/>
+    </dgm:pt>
+    <dgm:pt modelId="{904AA21A-6637-412F-8D19-6AEBE54B6CFC}" type="pres">
+      <dgm:prSet presAssocID="{B37E1A67-30E4-439C-BA90-062466E68D9C}" presName="node" presStyleLbl="node1" presStyleIdx="2" presStyleCnt="3">
+        <dgm:presLayoutVars>
+          <dgm:bulletEnabled val="1"/>
+        </dgm:presLayoutVars>
+      </dgm:prSet>
+      <dgm:spPr/>
+    </dgm:pt>
+  </dgm:ptLst>
+  <dgm:cxnLst>
+    <dgm:cxn modelId="{D61E5C26-74B0-499B-AE9C-E563216E43A9}" type="presOf" srcId="{C8895F15-6DD8-4D01-9267-36B3872340AD}" destId="{B33A579C-F53D-43AD-B0ED-CF2BE722AA31}" srcOrd="1" destOrd="0" presId="urn:microsoft.com/office/officeart/2005/8/layout/process1"/>
+    <dgm:cxn modelId="{EE311B32-A70D-4ADE-B079-1E396AB979C7}" type="presOf" srcId="{2FD6B182-CF17-4B81-B4BB-58E384209941}" destId="{E8E60DD2-7B4B-4D7D-A6F1-57AE66696B1D}" srcOrd="1" destOrd="0" presId="urn:microsoft.com/office/officeart/2005/8/layout/process1"/>
+    <dgm:cxn modelId="{1BEAAD60-F9E7-4417-B3D4-42BB68E8D14E}" srcId="{34778223-2F5A-42BE-A1BB-DDB4A329CB43}" destId="{1FDF550B-9390-4B29-8B86-86D9DA6B6739}" srcOrd="1" destOrd="0" parTransId="{9896C4A2-B69A-4714-BEE6-E41C5AD87887}" sibTransId="{C8895F15-6DD8-4D01-9267-36B3872340AD}"/>
+    <dgm:cxn modelId="{BAE1CE56-87F7-4435-A9AA-E0BE6FC21FCE}" type="presOf" srcId="{2FD6B182-CF17-4B81-B4BB-58E384209941}" destId="{C3550AE3-EAA5-4345-96A2-2D49ABF0C995}" srcOrd="0" destOrd="0" presId="urn:microsoft.com/office/officeart/2005/8/layout/process1"/>
+    <dgm:cxn modelId="{AF68127A-1381-4B01-8846-AC9F2C0C70FA}" type="presOf" srcId="{34778223-2F5A-42BE-A1BB-DDB4A329CB43}" destId="{6060F630-C6F6-4C37-9F8F-BB94C92808D6}" srcOrd="0" destOrd="0" presId="urn:microsoft.com/office/officeart/2005/8/layout/process1"/>
+    <dgm:cxn modelId="{9C78D47F-D7ED-4B8F-83C6-F892BB5FD215}" type="presOf" srcId="{C8895F15-6DD8-4D01-9267-36B3872340AD}" destId="{D9CD9F60-125D-422C-A4B2-7AB9DC41F197}" srcOrd="0" destOrd="0" presId="urn:microsoft.com/office/officeart/2005/8/layout/process1"/>
+    <dgm:cxn modelId="{0FC5D0A0-8E8C-4344-8A38-CEC209F321D1}" srcId="{34778223-2F5A-42BE-A1BB-DDB4A329CB43}" destId="{B37E1A67-30E4-439C-BA90-062466E68D9C}" srcOrd="2" destOrd="0" parTransId="{94129B2C-8779-4450-8A1A-8A2BBCDC1936}" sibTransId="{D09BD33B-E58F-4C72-B677-6350C000C8F3}"/>
+    <dgm:cxn modelId="{1FA7A4D2-D2EE-4C75-98E7-0B8D6EFBFFB4}" srcId="{34778223-2F5A-42BE-A1BB-DDB4A329CB43}" destId="{5C12A0B9-68AA-4B0D-9539-6B0878A116F4}" srcOrd="0" destOrd="0" parTransId="{7933A5E7-E41C-46CD-B24F-305935E50301}" sibTransId="{2FD6B182-CF17-4B81-B4BB-58E384209941}"/>
+    <dgm:cxn modelId="{E5FC59DD-7D69-4A67-BFD2-7559A5A3BEF1}" type="presOf" srcId="{5C12A0B9-68AA-4B0D-9539-6B0878A116F4}" destId="{E40EF4B3-8BA8-436A-B15B-C0F795B9ECAC}" srcOrd="0" destOrd="0" presId="urn:microsoft.com/office/officeart/2005/8/layout/process1"/>
+    <dgm:cxn modelId="{D3D660E6-56C4-405B-BB73-F32788882AD7}" type="presOf" srcId="{1FDF550B-9390-4B29-8B86-86D9DA6B6739}" destId="{8D6DEFCB-1384-46AE-A406-C24CBCF29DBA}" srcOrd="0" destOrd="0" presId="urn:microsoft.com/office/officeart/2005/8/layout/process1"/>
+    <dgm:cxn modelId="{055C8EEB-E23F-4B8C-825E-521B00738F62}" type="presOf" srcId="{B37E1A67-30E4-439C-BA90-062466E68D9C}" destId="{904AA21A-6637-412F-8D19-6AEBE54B6CFC}" srcOrd="0" destOrd="0" presId="urn:microsoft.com/office/officeart/2005/8/layout/process1"/>
+    <dgm:cxn modelId="{898E3607-B3A0-4B30-A135-36F3E1846908}" type="presParOf" srcId="{6060F630-C6F6-4C37-9F8F-BB94C92808D6}" destId="{E40EF4B3-8BA8-436A-B15B-C0F795B9ECAC}" srcOrd="0" destOrd="0" presId="urn:microsoft.com/office/officeart/2005/8/layout/process1"/>
+    <dgm:cxn modelId="{0C914C3E-C002-4C24-AADF-6294C64A8FF1}" type="presParOf" srcId="{6060F630-C6F6-4C37-9F8F-BB94C92808D6}" destId="{C3550AE3-EAA5-4345-96A2-2D49ABF0C995}" srcOrd="1" destOrd="0" presId="urn:microsoft.com/office/officeart/2005/8/layout/process1"/>
+    <dgm:cxn modelId="{8BF316FE-F613-467F-93BB-BFDD01C90D24}" type="presParOf" srcId="{C3550AE3-EAA5-4345-96A2-2D49ABF0C995}" destId="{E8E60DD2-7B4B-4D7D-A6F1-57AE66696B1D}" srcOrd="0" destOrd="0" presId="urn:microsoft.com/office/officeart/2005/8/layout/process1"/>
+    <dgm:cxn modelId="{3664CBB9-6F07-4A4C-880C-A4789BA1595B}" type="presParOf" srcId="{6060F630-C6F6-4C37-9F8F-BB94C92808D6}" destId="{8D6DEFCB-1384-46AE-A406-C24CBCF29DBA}" srcOrd="2" destOrd="0" presId="urn:microsoft.com/office/officeart/2005/8/layout/process1"/>
+    <dgm:cxn modelId="{C422A048-578C-462B-A4E9-E3AA3D57C748}" type="presParOf" srcId="{6060F630-C6F6-4C37-9F8F-BB94C92808D6}" destId="{D9CD9F60-125D-422C-A4B2-7AB9DC41F197}" srcOrd="3" destOrd="0" presId="urn:microsoft.com/office/officeart/2005/8/layout/process1"/>
+    <dgm:cxn modelId="{941F0BDF-641A-450B-91A9-92C9D697F5D4}" type="presParOf" srcId="{D9CD9F60-125D-422C-A4B2-7AB9DC41F197}" destId="{B33A579C-F53D-43AD-B0ED-CF2BE722AA31}" srcOrd="0" destOrd="0" presId="urn:microsoft.com/office/officeart/2005/8/layout/process1"/>
+    <dgm:cxn modelId="{D7FD23B7-CE1E-4010-9B18-18065CF0429D}" type="presParOf" srcId="{6060F630-C6F6-4C37-9F8F-BB94C92808D6}" destId="{904AA21A-6637-412F-8D19-6AEBE54B6CFC}" srcOrd="4" destOrd="0" presId="urn:microsoft.com/office/officeart/2005/8/layout/process1"/>
+  </dgm:cxnLst>
+  <dgm:bg/>
+  <dgm:whole/>
+  <dgm:extLst>
+    <a:ext uri="http://schemas.microsoft.com/office/drawing/2008/diagram">
+      <dsp:dataModelExt xmlns:dsp="http://schemas.microsoft.com/office/drawing/2008/diagram" relId="rId6" minVer="http://schemas.openxmlformats.org/drawingml/2006/diagram"/>
     </a:ext>
   </dgm:extLst>
 </dgm:dataModel>
@@ -5649,441 +5650,6 @@
       <dsp:cNvGrpSpPr/>
     </dsp:nvGrpSpPr>
     <dsp:grpSpPr/>
-    <dsp:sp modelId="{E40EF4B3-8BA8-436A-B15B-C0F795B9ECAC}">
-      <dsp:nvSpPr>
-        <dsp:cNvPr id="0" name=""/>
-        <dsp:cNvSpPr/>
-      </dsp:nvSpPr>
-      <dsp:spPr>
-        <a:xfrm>
-          <a:off x="8706" y="127190"/>
-          <a:ext cx="2602259" cy="1561355"/>
-        </a:xfrm>
-        <a:prstGeom prst="roundRect">
-          <a:avLst>
-            <a:gd name="adj" fmla="val 10000"/>
-          </a:avLst>
-        </a:prstGeom>
-        <a:solidFill>
-          <a:schemeClr val="tx1">
-            <a:lumMod val="75000"/>
-            <a:alpha val="60000"/>
-          </a:schemeClr>
-        </a:solidFill>
-        <a:ln w="15875" cap="flat" cmpd="sng" algn="ctr">
-          <a:solidFill>
-            <a:schemeClr val="lt1">
-              <a:hueOff val="0"/>
-              <a:satOff val="0"/>
-              <a:lumOff val="0"/>
-              <a:alphaOff val="0"/>
-            </a:schemeClr>
-          </a:solidFill>
-          <a:prstDash val="solid"/>
-        </a:ln>
-        <a:effectLst/>
-      </dsp:spPr>
-      <dsp:style>
-        <a:lnRef idx="2">
-          <a:scrgbClr r="0" g="0" b="0"/>
-        </a:lnRef>
-        <a:fillRef idx="1">
-          <a:scrgbClr r="0" g="0" b="0"/>
-        </a:fillRef>
-        <a:effectRef idx="0">
-          <a:scrgbClr r="0" g="0" b="0"/>
-        </a:effectRef>
-        <a:fontRef idx="minor">
-          <a:schemeClr val="lt1"/>
-        </a:fontRef>
-      </dsp:style>
-      <dsp:txBody>
-        <a:bodyPr spcFirstLastPara="0" vert="horz" wrap="square" lIns="102870" tIns="102870" rIns="102870" bIns="102870" numCol="1" spcCol="1270" anchor="ctr" anchorCtr="0">
-          <a:noAutofit/>
-        </a:bodyPr>
-        <a:lstStyle/>
-        <a:p>
-          <a:pPr marL="0" lvl="0" indent="0" algn="ctr" defTabSz="1200150">
-            <a:lnSpc>
-              <a:spcPct val="90000"/>
-            </a:lnSpc>
-            <a:spcBef>
-              <a:spcPct val="0"/>
-            </a:spcBef>
-            <a:spcAft>
-              <a:spcPct val="35000"/>
-            </a:spcAft>
-            <a:buNone/>
-          </a:pPr>
-          <a:r>
-            <a:rPr lang="pl-PL" sz="2700" kern="1200" dirty="0"/>
-            <a:t>S</a:t>
-          </a:r>
-          <a:r>
-            <a:rPr lang="en-US" sz="2700" kern="1200" dirty="0" err="1"/>
-            <a:t>ystem</a:t>
-          </a:r>
-          <a:r>
-            <a:rPr lang="pl-PL" sz="2700" kern="1200" dirty="0"/>
-            <a:t> for</a:t>
-          </a:r>
-          <a:br>
-            <a:rPr lang="pl-PL" sz="2700" kern="1200" dirty="0"/>
-          </a:br>
-          <a:r>
-            <a:rPr lang="pl-PL" sz="2700" kern="1200" dirty="0" err="1"/>
-            <a:t>simple</a:t>
-          </a:r>
-          <a:r>
-            <a:rPr lang="pl-PL" sz="2700" kern="1200" dirty="0"/>
-            <a:t> </a:t>
-          </a:r>
-          <a:r>
-            <a:rPr lang="pl-PL" sz="2700" kern="1200" dirty="0" err="1"/>
-            <a:t>payments</a:t>
-          </a:r>
-          <a:br>
-            <a:rPr lang="pl-PL" sz="2700" kern="1200" dirty="0"/>
-          </a:br>
-          <a:r>
-            <a:rPr lang="pl-PL" sz="2700" kern="1200" dirty="0"/>
-            <a:t>(Bitcoin)</a:t>
-          </a:r>
-          <a:endParaRPr lang="en-US" sz="2700" kern="1200" dirty="0"/>
-        </a:p>
-      </dsp:txBody>
-      <dsp:txXfrm>
-        <a:off x="54437" y="172921"/>
-        <a:ext cx="2510797" cy="1469893"/>
-      </dsp:txXfrm>
-    </dsp:sp>
-    <dsp:sp modelId="{C3550AE3-EAA5-4345-96A2-2D49ABF0C995}">
-      <dsp:nvSpPr>
-        <dsp:cNvPr id="0" name=""/>
-        <dsp:cNvSpPr/>
-      </dsp:nvSpPr>
-      <dsp:spPr>
-        <a:xfrm>
-          <a:off x="2871191" y="585188"/>
-          <a:ext cx="551679" cy="645360"/>
-        </a:xfrm>
-        <a:prstGeom prst="rightArrow">
-          <a:avLst>
-            <a:gd name="adj1" fmla="val 60000"/>
-            <a:gd name="adj2" fmla="val 50000"/>
-          </a:avLst>
-        </a:prstGeom>
-        <a:solidFill>
-          <a:schemeClr val="tx1"/>
-        </a:solidFill>
-        <a:ln>
-          <a:noFill/>
-        </a:ln>
-        <a:effectLst/>
-      </dsp:spPr>
-      <dsp:style>
-        <a:lnRef idx="0">
-          <a:scrgbClr r="0" g="0" b="0"/>
-        </a:lnRef>
-        <a:fillRef idx="1">
-          <a:scrgbClr r="0" g="0" b="0"/>
-        </a:fillRef>
-        <a:effectRef idx="0">
-          <a:scrgbClr r="0" g="0" b="0"/>
-        </a:effectRef>
-        <a:fontRef idx="minor">
-          <a:schemeClr val="lt1"/>
-        </a:fontRef>
-      </dsp:style>
-      <dsp:txBody>
-        <a:bodyPr spcFirstLastPara="0" vert="horz" wrap="square" lIns="0" tIns="0" rIns="0" bIns="0" numCol="1" spcCol="1270" anchor="ctr" anchorCtr="0">
-          <a:noAutofit/>
-        </a:bodyPr>
-        <a:lstStyle/>
-        <a:p>
-          <a:pPr marL="0" lvl="0" indent="0" algn="ctr" defTabSz="933450">
-            <a:lnSpc>
-              <a:spcPct val="90000"/>
-            </a:lnSpc>
-            <a:spcBef>
-              <a:spcPct val="0"/>
-            </a:spcBef>
-            <a:spcAft>
-              <a:spcPct val="35000"/>
-            </a:spcAft>
-            <a:buNone/>
-          </a:pPr>
-          <a:endParaRPr lang="en-US" sz="2100" kern="1200" dirty="0"/>
-        </a:p>
-      </dsp:txBody>
-      <dsp:txXfrm>
-        <a:off x="2871191" y="714260"/>
-        <a:ext cx="386175" cy="387216"/>
-      </dsp:txXfrm>
-    </dsp:sp>
-    <dsp:sp modelId="{8D6DEFCB-1384-46AE-A406-C24CBCF29DBA}">
-      <dsp:nvSpPr>
-        <dsp:cNvPr id="0" name=""/>
-        <dsp:cNvSpPr/>
-      </dsp:nvSpPr>
-      <dsp:spPr>
-        <a:xfrm>
-          <a:off x="3651869" y="127190"/>
-          <a:ext cx="2602259" cy="1561355"/>
-        </a:xfrm>
-        <a:prstGeom prst="roundRect">
-          <a:avLst>
-            <a:gd name="adj" fmla="val 10000"/>
-          </a:avLst>
-        </a:prstGeom>
-        <a:solidFill>
-          <a:schemeClr val="tx2">
-            <a:lumMod val="40000"/>
-            <a:lumOff val="60000"/>
-            <a:alpha val="56000"/>
-          </a:schemeClr>
-        </a:solidFill>
-        <a:ln w="15875" cap="flat" cmpd="sng" algn="ctr">
-          <a:solidFill>
-            <a:schemeClr val="lt1">
-              <a:hueOff val="0"/>
-              <a:satOff val="0"/>
-              <a:lumOff val="0"/>
-              <a:alphaOff val="0"/>
-            </a:schemeClr>
-          </a:solidFill>
-          <a:prstDash val="solid"/>
-        </a:ln>
-        <a:effectLst/>
-      </dsp:spPr>
-      <dsp:style>
-        <a:lnRef idx="2">
-          <a:scrgbClr r="0" g="0" b="0"/>
-        </a:lnRef>
-        <a:fillRef idx="1">
-          <a:scrgbClr r="0" g="0" b="0"/>
-        </a:fillRef>
-        <a:effectRef idx="0">
-          <a:scrgbClr r="0" g="0" b="0"/>
-        </a:effectRef>
-        <a:fontRef idx="minor">
-          <a:schemeClr val="lt1"/>
-        </a:fontRef>
-      </dsp:style>
-      <dsp:txBody>
-        <a:bodyPr spcFirstLastPara="0" vert="horz" wrap="square" lIns="102870" tIns="102870" rIns="102870" bIns="102870" numCol="1" spcCol="1270" anchor="ctr" anchorCtr="0">
-          <a:noAutofit/>
-        </a:bodyPr>
-        <a:lstStyle/>
-        <a:p>
-          <a:pPr marL="0" lvl="0" indent="0" algn="ctr" defTabSz="1200150">
-            <a:lnSpc>
-              <a:spcPct val="90000"/>
-            </a:lnSpc>
-            <a:spcBef>
-              <a:spcPct val="0"/>
-            </a:spcBef>
-            <a:spcAft>
-              <a:spcPct val="35000"/>
-            </a:spcAft>
-            <a:buNone/>
-          </a:pPr>
-          <a:r>
-            <a:rPr lang="pl-PL" sz="2700" kern="1200" dirty="0"/>
-            <a:t>System for </a:t>
-          </a:r>
-          <a:br>
-            <a:rPr lang="pl-PL" sz="2700" kern="1200" dirty="0"/>
-          </a:br>
-          <a:r>
-            <a:rPr lang="pl-PL" sz="2700" kern="1200" dirty="0"/>
-            <a:t>s</a:t>
-          </a:r>
-          <a:r>
-            <a:rPr lang="en-US" sz="2700" kern="1200" dirty="0"/>
-            <a:t>mart-contract</a:t>
-          </a:r>
-          <a:r>
-            <a:rPr lang="pl-PL" sz="2700" kern="1200" dirty="0"/>
-            <a:t>s</a:t>
-          </a:r>
-          <a:br>
-            <a:rPr lang="pl-PL" sz="2700" kern="1200" dirty="0"/>
-          </a:br>
-          <a:r>
-            <a:rPr lang="pl-PL" sz="2700" kern="1200" dirty="0"/>
-            <a:t>(Ethereum)</a:t>
-          </a:r>
-          <a:endParaRPr lang="en-US" sz="2700" kern="1200" dirty="0"/>
-        </a:p>
-      </dsp:txBody>
-      <dsp:txXfrm>
-        <a:off x="3697600" y="172921"/>
-        <a:ext cx="2510797" cy="1469893"/>
-      </dsp:txXfrm>
-    </dsp:sp>
-    <dsp:sp modelId="{D9CD9F60-125D-422C-A4B2-7AB9DC41F197}">
-      <dsp:nvSpPr>
-        <dsp:cNvPr id="0" name=""/>
-        <dsp:cNvSpPr/>
-      </dsp:nvSpPr>
-      <dsp:spPr>
-        <a:xfrm>
-          <a:off x="6514355" y="585188"/>
-          <a:ext cx="551679" cy="645360"/>
-        </a:xfrm>
-        <a:prstGeom prst="rightArrow">
-          <a:avLst>
-            <a:gd name="adj1" fmla="val 60000"/>
-            <a:gd name="adj2" fmla="val 50000"/>
-          </a:avLst>
-        </a:prstGeom>
-        <a:solidFill>
-          <a:schemeClr val="tx1"/>
-        </a:solidFill>
-        <a:ln>
-          <a:noFill/>
-        </a:ln>
-        <a:effectLst/>
-      </dsp:spPr>
-      <dsp:style>
-        <a:lnRef idx="0">
-          <a:scrgbClr r="0" g="0" b="0"/>
-        </a:lnRef>
-        <a:fillRef idx="1">
-          <a:scrgbClr r="0" g="0" b="0"/>
-        </a:fillRef>
-        <a:effectRef idx="0">
-          <a:scrgbClr r="0" g="0" b="0"/>
-        </a:effectRef>
-        <a:fontRef idx="minor">
-          <a:schemeClr val="lt1"/>
-        </a:fontRef>
-      </dsp:style>
-      <dsp:txBody>
-        <a:bodyPr spcFirstLastPara="0" vert="horz" wrap="square" lIns="0" tIns="0" rIns="0" bIns="0" numCol="1" spcCol="1270" anchor="ctr" anchorCtr="0">
-          <a:noAutofit/>
-        </a:bodyPr>
-        <a:lstStyle/>
-        <a:p>
-          <a:pPr marL="0" lvl="0" indent="0" algn="ctr" defTabSz="933450">
-            <a:lnSpc>
-              <a:spcPct val="90000"/>
-            </a:lnSpc>
-            <a:spcBef>
-              <a:spcPct val="0"/>
-            </a:spcBef>
-            <a:spcAft>
-              <a:spcPct val="35000"/>
-            </a:spcAft>
-            <a:buNone/>
-          </a:pPr>
-          <a:endParaRPr lang="en-US" sz="2100" kern="1200" dirty="0"/>
-        </a:p>
-      </dsp:txBody>
-      <dsp:txXfrm>
-        <a:off x="6514355" y="714260"/>
-        <a:ext cx="386175" cy="387216"/>
-      </dsp:txXfrm>
-    </dsp:sp>
-    <dsp:sp modelId="{904AA21A-6637-412F-8D19-6AEBE54B6CFC}">
-      <dsp:nvSpPr>
-        <dsp:cNvPr id="0" name=""/>
-        <dsp:cNvSpPr/>
-      </dsp:nvSpPr>
-      <dsp:spPr>
-        <a:xfrm>
-          <a:off x="7295033" y="127190"/>
-          <a:ext cx="2602259" cy="1561355"/>
-        </a:xfrm>
-        <a:prstGeom prst="roundRect">
-          <a:avLst>
-            <a:gd name="adj" fmla="val 10000"/>
-          </a:avLst>
-        </a:prstGeom>
-        <a:solidFill>
-          <a:schemeClr val="tx2">
-            <a:lumMod val="50000"/>
-            <a:alpha val="58000"/>
-          </a:schemeClr>
-        </a:solidFill>
-        <a:ln w="15875" cap="flat" cmpd="sng" algn="ctr">
-          <a:solidFill>
-            <a:schemeClr val="lt1">
-              <a:hueOff val="0"/>
-              <a:satOff val="0"/>
-              <a:lumOff val="0"/>
-              <a:alphaOff val="0"/>
-            </a:schemeClr>
-          </a:solidFill>
-          <a:prstDash val="solid"/>
-        </a:ln>
-        <a:effectLst/>
-      </dsp:spPr>
-      <dsp:style>
-        <a:lnRef idx="2">
-          <a:scrgbClr r="0" g="0" b="0"/>
-        </a:lnRef>
-        <a:fillRef idx="1">
-          <a:scrgbClr r="0" g="0" b="0"/>
-        </a:fillRef>
-        <a:effectRef idx="0">
-          <a:scrgbClr r="0" g="0" b="0"/>
-        </a:effectRef>
-        <a:fontRef idx="minor">
-          <a:schemeClr val="lt1"/>
-        </a:fontRef>
-      </dsp:style>
-      <dsp:txBody>
-        <a:bodyPr spcFirstLastPara="0" vert="horz" wrap="square" lIns="102870" tIns="102870" rIns="102870" bIns="102870" numCol="1" spcCol="1270" anchor="ctr" anchorCtr="0">
-          <a:noAutofit/>
-        </a:bodyPr>
-        <a:lstStyle/>
-        <a:p>
-          <a:pPr marL="0" lvl="0" indent="0" algn="ctr" defTabSz="1200150">
-            <a:lnSpc>
-              <a:spcPct val="90000"/>
-            </a:lnSpc>
-            <a:spcBef>
-              <a:spcPct val="0"/>
-            </a:spcBef>
-            <a:spcAft>
-              <a:spcPct val="35000"/>
-            </a:spcAft>
-            <a:buNone/>
-          </a:pPr>
-          <a:r>
-            <a:rPr lang="pl-PL" sz="2700" kern="1200" dirty="0"/>
-            <a:t>System for </a:t>
-          </a:r>
-          <a:r>
-            <a:rPr lang="en-US" sz="2700" kern="1200" dirty="0"/>
-            <a:t>decentralized apps</a:t>
-          </a:r>
-          <a:r>
-            <a:rPr lang="pl-PL" sz="2700" kern="1200" dirty="0"/>
-            <a:t> (EOS)</a:t>
-          </a:r>
-          <a:endParaRPr lang="en-US" sz="2700" kern="1200" dirty="0"/>
-        </a:p>
-      </dsp:txBody>
-      <dsp:txXfrm>
-        <a:off x="7340764" y="172921"/>
-        <a:ext cx="2510797" cy="1469893"/>
-      </dsp:txXfrm>
-    </dsp:sp>
-  </dsp:spTree>
-</dsp:drawing>
-</file>
-
-<file path=ppt/diagrams/drawing2.xml><?xml version="1.0" encoding="utf-8"?>
-<dsp:drawing xmlns:dgm="http://schemas.openxmlformats.org/drawingml/2006/diagram" xmlns:dsp="http://schemas.microsoft.com/office/drawing/2008/diagram" xmlns:a="http://schemas.openxmlformats.org/drawingml/2006/main">
-  <dsp:spTree>
-    <dsp:nvGrpSpPr>
-      <dsp:cNvPr id="0" name=""/>
-      <dsp:cNvGrpSpPr/>
-    </dsp:nvGrpSpPr>
-    <dsp:grpSpPr/>
     <dsp:sp modelId="{B3902B03-2627-4957-8187-3E66946BCF92}">
       <dsp:nvSpPr>
         <dsp:cNvPr id="0" name=""/>
@@ -6260,7 +5826,7 @@
 </dsp:drawing>
 </file>
 
-<file path=ppt/diagrams/drawing3.xml><?xml version="1.0" encoding="utf-8"?>
+<file path=ppt/diagrams/drawing2.xml><?xml version="1.0" encoding="utf-8"?>
 <dsp:drawing xmlns:dgm="http://schemas.openxmlformats.org/drawingml/2006/diagram" xmlns:dsp="http://schemas.microsoft.com/office/drawing/2008/diagram" xmlns:a="http://schemas.openxmlformats.org/drawingml/2006/main">
   <dsp:spTree>
     <dsp:nvGrpSpPr>
@@ -6954,6 +6520,441 @@
       <dsp:txXfrm>
         <a:off x="2229771" y="831752"/>
         <a:ext cx="1519301" cy="1068801"/>
+      </dsp:txXfrm>
+    </dsp:sp>
+  </dsp:spTree>
+</dsp:drawing>
+</file>
+
+<file path=ppt/diagrams/drawing3.xml><?xml version="1.0" encoding="utf-8"?>
+<dsp:drawing xmlns:dgm="http://schemas.openxmlformats.org/drawingml/2006/diagram" xmlns:dsp="http://schemas.microsoft.com/office/drawing/2008/diagram" xmlns:a="http://schemas.openxmlformats.org/drawingml/2006/main">
+  <dsp:spTree>
+    <dsp:nvGrpSpPr>
+      <dsp:cNvPr id="0" name=""/>
+      <dsp:cNvGrpSpPr/>
+    </dsp:nvGrpSpPr>
+    <dsp:grpSpPr/>
+    <dsp:sp modelId="{E40EF4B3-8BA8-436A-B15B-C0F795B9ECAC}">
+      <dsp:nvSpPr>
+        <dsp:cNvPr id="0" name=""/>
+        <dsp:cNvSpPr/>
+      </dsp:nvSpPr>
+      <dsp:spPr>
+        <a:xfrm>
+          <a:off x="8706" y="127190"/>
+          <a:ext cx="2602259" cy="1561355"/>
+        </a:xfrm>
+        <a:prstGeom prst="roundRect">
+          <a:avLst>
+            <a:gd name="adj" fmla="val 10000"/>
+          </a:avLst>
+        </a:prstGeom>
+        <a:solidFill>
+          <a:schemeClr val="tx1">
+            <a:lumMod val="75000"/>
+            <a:alpha val="60000"/>
+          </a:schemeClr>
+        </a:solidFill>
+        <a:ln w="15875" cap="flat" cmpd="sng" algn="ctr">
+          <a:solidFill>
+            <a:schemeClr val="lt1">
+              <a:hueOff val="0"/>
+              <a:satOff val="0"/>
+              <a:lumOff val="0"/>
+              <a:alphaOff val="0"/>
+            </a:schemeClr>
+          </a:solidFill>
+          <a:prstDash val="solid"/>
+        </a:ln>
+        <a:effectLst/>
+      </dsp:spPr>
+      <dsp:style>
+        <a:lnRef idx="2">
+          <a:scrgbClr r="0" g="0" b="0"/>
+        </a:lnRef>
+        <a:fillRef idx="1">
+          <a:scrgbClr r="0" g="0" b="0"/>
+        </a:fillRef>
+        <a:effectRef idx="0">
+          <a:scrgbClr r="0" g="0" b="0"/>
+        </a:effectRef>
+        <a:fontRef idx="minor">
+          <a:schemeClr val="lt1"/>
+        </a:fontRef>
+      </dsp:style>
+      <dsp:txBody>
+        <a:bodyPr spcFirstLastPara="0" vert="horz" wrap="square" lIns="102870" tIns="102870" rIns="102870" bIns="102870" numCol="1" spcCol="1270" anchor="ctr" anchorCtr="0">
+          <a:noAutofit/>
+        </a:bodyPr>
+        <a:lstStyle/>
+        <a:p>
+          <a:pPr marL="0" lvl="0" indent="0" algn="ctr" defTabSz="1200150">
+            <a:lnSpc>
+              <a:spcPct val="90000"/>
+            </a:lnSpc>
+            <a:spcBef>
+              <a:spcPct val="0"/>
+            </a:spcBef>
+            <a:spcAft>
+              <a:spcPct val="35000"/>
+            </a:spcAft>
+            <a:buNone/>
+          </a:pPr>
+          <a:r>
+            <a:rPr lang="pl-PL" sz="2700" kern="1200" dirty="0"/>
+            <a:t>S</a:t>
+          </a:r>
+          <a:r>
+            <a:rPr lang="en-US" sz="2700" kern="1200" dirty="0" err="1"/>
+            <a:t>ystem</a:t>
+          </a:r>
+          <a:r>
+            <a:rPr lang="pl-PL" sz="2700" kern="1200" dirty="0"/>
+            <a:t> for</a:t>
+          </a:r>
+          <a:br>
+            <a:rPr lang="pl-PL" sz="2700" kern="1200" dirty="0"/>
+          </a:br>
+          <a:r>
+            <a:rPr lang="pl-PL" sz="2700" kern="1200" dirty="0" err="1"/>
+            <a:t>simple</a:t>
+          </a:r>
+          <a:r>
+            <a:rPr lang="pl-PL" sz="2700" kern="1200" dirty="0"/>
+            <a:t> </a:t>
+          </a:r>
+          <a:r>
+            <a:rPr lang="pl-PL" sz="2700" kern="1200" dirty="0" err="1"/>
+            <a:t>payments</a:t>
+          </a:r>
+          <a:br>
+            <a:rPr lang="pl-PL" sz="2700" kern="1200" dirty="0"/>
+          </a:br>
+          <a:r>
+            <a:rPr lang="pl-PL" sz="2700" kern="1200" dirty="0"/>
+            <a:t>(Bitcoin)</a:t>
+          </a:r>
+          <a:endParaRPr lang="en-US" sz="2700" kern="1200" dirty="0"/>
+        </a:p>
+      </dsp:txBody>
+      <dsp:txXfrm>
+        <a:off x="54437" y="172921"/>
+        <a:ext cx="2510797" cy="1469893"/>
+      </dsp:txXfrm>
+    </dsp:sp>
+    <dsp:sp modelId="{C3550AE3-EAA5-4345-96A2-2D49ABF0C995}">
+      <dsp:nvSpPr>
+        <dsp:cNvPr id="0" name=""/>
+        <dsp:cNvSpPr/>
+      </dsp:nvSpPr>
+      <dsp:spPr>
+        <a:xfrm>
+          <a:off x="2871191" y="585188"/>
+          <a:ext cx="551679" cy="645360"/>
+        </a:xfrm>
+        <a:prstGeom prst="rightArrow">
+          <a:avLst>
+            <a:gd name="adj1" fmla="val 60000"/>
+            <a:gd name="adj2" fmla="val 50000"/>
+          </a:avLst>
+        </a:prstGeom>
+        <a:solidFill>
+          <a:schemeClr val="tx1"/>
+        </a:solidFill>
+        <a:ln>
+          <a:noFill/>
+        </a:ln>
+        <a:effectLst/>
+      </dsp:spPr>
+      <dsp:style>
+        <a:lnRef idx="0">
+          <a:scrgbClr r="0" g="0" b="0"/>
+        </a:lnRef>
+        <a:fillRef idx="1">
+          <a:scrgbClr r="0" g="0" b="0"/>
+        </a:fillRef>
+        <a:effectRef idx="0">
+          <a:scrgbClr r="0" g="0" b="0"/>
+        </a:effectRef>
+        <a:fontRef idx="minor">
+          <a:schemeClr val="lt1"/>
+        </a:fontRef>
+      </dsp:style>
+      <dsp:txBody>
+        <a:bodyPr spcFirstLastPara="0" vert="horz" wrap="square" lIns="0" tIns="0" rIns="0" bIns="0" numCol="1" spcCol="1270" anchor="ctr" anchorCtr="0">
+          <a:noAutofit/>
+        </a:bodyPr>
+        <a:lstStyle/>
+        <a:p>
+          <a:pPr marL="0" lvl="0" indent="0" algn="ctr" defTabSz="933450">
+            <a:lnSpc>
+              <a:spcPct val="90000"/>
+            </a:lnSpc>
+            <a:spcBef>
+              <a:spcPct val="0"/>
+            </a:spcBef>
+            <a:spcAft>
+              <a:spcPct val="35000"/>
+            </a:spcAft>
+            <a:buNone/>
+          </a:pPr>
+          <a:endParaRPr lang="en-US" sz="2100" kern="1200" dirty="0"/>
+        </a:p>
+      </dsp:txBody>
+      <dsp:txXfrm>
+        <a:off x="2871191" y="714260"/>
+        <a:ext cx="386175" cy="387216"/>
+      </dsp:txXfrm>
+    </dsp:sp>
+    <dsp:sp modelId="{8D6DEFCB-1384-46AE-A406-C24CBCF29DBA}">
+      <dsp:nvSpPr>
+        <dsp:cNvPr id="0" name=""/>
+        <dsp:cNvSpPr/>
+      </dsp:nvSpPr>
+      <dsp:spPr>
+        <a:xfrm>
+          <a:off x="3651869" y="127190"/>
+          <a:ext cx="2602259" cy="1561355"/>
+        </a:xfrm>
+        <a:prstGeom prst="roundRect">
+          <a:avLst>
+            <a:gd name="adj" fmla="val 10000"/>
+          </a:avLst>
+        </a:prstGeom>
+        <a:solidFill>
+          <a:schemeClr val="tx2">
+            <a:lumMod val="40000"/>
+            <a:lumOff val="60000"/>
+            <a:alpha val="56000"/>
+          </a:schemeClr>
+        </a:solidFill>
+        <a:ln w="15875" cap="flat" cmpd="sng" algn="ctr">
+          <a:solidFill>
+            <a:schemeClr val="lt1">
+              <a:hueOff val="0"/>
+              <a:satOff val="0"/>
+              <a:lumOff val="0"/>
+              <a:alphaOff val="0"/>
+            </a:schemeClr>
+          </a:solidFill>
+          <a:prstDash val="solid"/>
+        </a:ln>
+        <a:effectLst/>
+      </dsp:spPr>
+      <dsp:style>
+        <a:lnRef idx="2">
+          <a:scrgbClr r="0" g="0" b="0"/>
+        </a:lnRef>
+        <a:fillRef idx="1">
+          <a:scrgbClr r="0" g="0" b="0"/>
+        </a:fillRef>
+        <a:effectRef idx="0">
+          <a:scrgbClr r="0" g="0" b="0"/>
+        </a:effectRef>
+        <a:fontRef idx="minor">
+          <a:schemeClr val="lt1"/>
+        </a:fontRef>
+      </dsp:style>
+      <dsp:txBody>
+        <a:bodyPr spcFirstLastPara="0" vert="horz" wrap="square" lIns="102870" tIns="102870" rIns="102870" bIns="102870" numCol="1" spcCol="1270" anchor="ctr" anchorCtr="0">
+          <a:noAutofit/>
+        </a:bodyPr>
+        <a:lstStyle/>
+        <a:p>
+          <a:pPr marL="0" lvl="0" indent="0" algn="ctr" defTabSz="1200150">
+            <a:lnSpc>
+              <a:spcPct val="90000"/>
+            </a:lnSpc>
+            <a:spcBef>
+              <a:spcPct val="0"/>
+            </a:spcBef>
+            <a:spcAft>
+              <a:spcPct val="35000"/>
+            </a:spcAft>
+            <a:buNone/>
+          </a:pPr>
+          <a:r>
+            <a:rPr lang="pl-PL" sz="2700" kern="1200" dirty="0"/>
+            <a:t>System for </a:t>
+          </a:r>
+          <a:br>
+            <a:rPr lang="pl-PL" sz="2700" kern="1200" dirty="0"/>
+          </a:br>
+          <a:r>
+            <a:rPr lang="pl-PL" sz="2700" kern="1200" dirty="0"/>
+            <a:t>s</a:t>
+          </a:r>
+          <a:r>
+            <a:rPr lang="en-US" sz="2700" kern="1200" dirty="0"/>
+            <a:t>mart-contract</a:t>
+          </a:r>
+          <a:r>
+            <a:rPr lang="pl-PL" sz="2700" kern="1200" dirty="0"/>
+            <a:t>s</a:t>
+          </a:r>
+          <a:br>
+            <a:rPr lang="pl-PL" sz="2700" kern="1200" dirty="0"/>
+          </a:br>
+          <a:r>
+            <a:rPr lang="pl-PL" sz="2700" kern="1200" dirty="0"/>
+            <a:t>(Ethereum)</a:t>
+          </a:r>
+          <a:endParaRPr lang="en-US" sz="2700" kern="1200" dirty="0"/>
+        </a:p>
+      </dsp:txBody>
+      <dsp:txXfrm>
+        <a:off x="3697600" y="172921"/>
+        <a:ext cx="2510797" cy="1469893"/>
+      </dsp:txXfrm>
+    </dsp:sp>
+    <dsp:sp modelId="{D9CD9F60-125D-422C-A4B2-7AB9DC41F197}">
+      <dsp:nvSpPr>
+        <dsp:cNvPr id="0" name=""/>
+        <dsp:cNvSpPr/>
+      </dsp:nvSpPr>
+      <dsp:spPr>
+        <a:xfrm>
+          <a:off x="6514355" y="585188"/>
+          <a:ext cx="551679" cy="645360"/>
+        </a:xfrm>
+        <a:prstGeom prst="rightArrow">
+          <a:avLst>
+            <a:gd name="adj1" fmla="val 60000"/>
+            <a:gd name="adj2" fmla="val 50000"/>
+          </a:avLst>
+        </a:prstGeom>
+        <a:solidFill>
+          <a:schemeClr val="tx1"/>
+        </a:solidFill>
+        <a:ln>
+          <a:noFill/>
+        </a:ln>
+        <a:effectLst/>
+      </dsp:spPr>
+      <dsp:style>
+        <a:lnRef idx="0">
+          <a:scrgbClr r="0" g="0" b="0"/>
+        </a:lnRef>
+        <a:fillRef idx="1">
+          <a:scrgbClr r="0" g="0" b="0"/>
+        </a:fillRef>
+        <a:effectRef idx="0">
+          <a:scrgbClr r="0" g="0" b="0"/>
+        </a:effectRef>
+        <a:fontRef idx="minor">
+          <a:schemeClr val="lt1"/>
+        </a:fontRef>
+      </dsp:style>
+      <dsp:txBody>
+        <a:bodyPr spcFirstLastPara="0" vert="horz" wrap="square" lIns="0" tIns="0" rIns="0" bIns="0" numCol="1" spcCol="1270" anchor="ctr" anchorCtr="0">
+          <a:noAutofit/>
+        </a:bodyPr>
+        <a:lstStyle/>
+        <a:p>
+          <a:pPr marL="0" lvl="0" indent="0" algn="ctr" defTabSz="933450">
+            <a:lnSpc>
+              <a:spcPct val="90000"/>
+            </a:lnSpc>
+            <a:spcBef>
+              <a:spcPct val="0"/>
+            </a:spcBef>
+            <a:spcAft>
+              <a:spcPct val="35000"/>
+            </a:spcAft>
+            <a:buNone/>
+          </a:pPr>
+          <a:endParaRPr lang="en-US" sz="2100" kern="1200" dirty="0"/>
+        </a:p>
+      </dsp:txBody>
+      <dsp:txXfrm>
+        <a:off x="6514355" y="714260"/>
+        <a:ext cx="386175" cy="387216"/>
+      </dsp:txXfrm>
+    </dsp:sp>
+    <dsp:sp modelId="{904AA21A-6637-412F-8D19-6AEBE54B6CFC}">
+      <dsp:nvSpPr>
+        <dsp:cNvPr id="0" name=""/>
+        <dsp:cNvSpPr/>
+      </dsp:nvSpPr>
+      <dsp:spPr>
+        <a:xfrm>
+          <a:off x="7295033" y="127190"/>
+          <a:ext cx="2602259" cy="1561355"/>
+        </a:xfrm>
+        <a:prstGeom prst="roundRect">
+          <a:avLst>
+            <a:gd name="adj" fmla="val 10000"/>
+          </a:avLst>
+        </a:prstGeom>
+        <a:solidFill>
+          <a:schemeClr val="tx2">
+            <a:lumMod val="50000"/>
+            <a:alpha val="58000"/>
+          </a:schemeClr>
+        </a:solidFill>
+        <a:ln w="15875" cap="flat" cmpd="sng" algn="ctr">
+          <a:solidFill>
+            <a:schemeClr val="lt1">
+              <a:hueOff val="0"/>
+              <a:satOff val="0"/>
+              <a:lumOff val="0"/>
+              <a:alphaOff val="0"/>
+            </a:schemeClr>
+          </a:solidFill>
+          <a:prstDash val="solid"/>
+        </a:ln>
+        <a:effectLst/>
+      </dsp:spPr>
+      <dsp:style>
+        <a:lnRef idx="2">
+          <a:scrgbClr r="0" g="0" b="0"/>
+        </a:lnRef>
+        <a:fillRef idx="1">
+          <a:scrgbClr r="0" g="0" b="0"/>
+        </a:fillRef>
+        <a:effectRef idx="0">
+          <a:scrgbClr r="0" g="0" b="0"/>
+        </a:effectRef>
+        <a:fontRef idx="minor">
+          <a:schemeClr val="lt1"/>
+        </a:fontRef>
+      </dsp:style>
+      <dsp:txBody>
+        <a:bodyPr spcFirstLastPara="0" vert="horz" wrap="square" lIns="102870" tIns="102870" rIns="102870" bIns="102870" numCol="1" spcCol="1270" anchor="ctr" anchorCtr="0">
+          <a:noAutofit/>
+        </a:bodyPr>
+        <a:lstStyle/>
+        <a:p>
+          <a:pPr marL="0" lvl="0" indent="0" algn="ctr" defTabSz="1200150">
+            <a:lnSpc>
+              <a:spcPct val="90000"/>
+            </a:lnSpc>
+            <a:spcBef>
+              <a:spcPct val="0"/>
+            </a:spcBef>
+            <a:spcAft>
+              <a:spcPct val="35000"/>
+            </a:spcAft>
+            <a:buNone/>
+          </a:pPr>
+          <a:r>
+            <a:rPr lang="pl-PL" sz="2700" kern="1200" dirty="0"/>
+            <a:t>System for </a:t>
+          </a:r>
+          <a:r>
+            <a:rPr lang="en-US" sz="2700" kern="1200" dirty="0"/>
+            <a:t>decentralized apps</a:t>
+          </a:r>
+          <a:r>
+            <a:rPr lang="pl-PL" sz="2700" kern="1200" dirty="0"/>
+            <a:t> (EOS)</a:t>
+          </a:r>
+          <a:endParaRPr lang="en-US" sz="2700" kern="1200" dirty="0"/>
+        </a:p>
+      </dsp:txBody>
+      <dsp:txXfrm>
+        <a:off x="7340764" y="172921"/>
+        <a:ext cx="2510797" cy="1469893"/>
       </dsp:txXfrm>
     </dsp:sp>
   </dsp:spTree>
@@ -7670,152 +7671,6 @@
 </file>
 
 <file path=ppt/diagrams/layout1.xml><?xml version="1.0" encoding="utf-8"?>
-<dgm:layoutDef xmlns:dgm="http://schemas.openxmlformats.org/drawingml/2006/diagram" xmlns:a="http://schemas.openxmlformats.org/drawingml/2006/main" uniqueId="urn:microsoft.com/office/officeart/2005/8/layout/process1">
-  <dgm:title val=""/>
-  <dgm:desc val=""/>
-  <dgm:catLst>
-    <dgm:cat type="process" pri="1000"/>
-    <dgm:cat type="convert" pri="15000"/>
-  </dgm:catLst>
-  <dgm:sampData useDef="1">
-    <dgm:dataModel>
-      <dgm:ptLst/>
-      <dgm:bg/>
-      <dgm:whole/>
-    </dgm:dataModel>
-  </dgm:sampData>
-  <dgm:styleData>
-    <dgm:dataModel>
-      <dgm:ptLst>
-        <dgm:pt modelId="0" type="doc"/>
-        <dgm:pt modelId="1"/>
-        <dgm:pt modelId="2"/>
-      </dgm:ptLst>
-      <dgm:cxnLst>
-        <dgm:cxn modelId="3" srcId="0" destId="1" srcOrd="0" destOrd="0"/>
-        <dgm:cxn modelId="4" srcId="0" destId="2" srcOrd="1" destOrd="0"/>
-      </dgm:cxnLst>
-      <dgm:bg/>
-      <dgm:whole/>
-    </dgm:dataModel>
-  </dgm:styleData>
-  <dgm:clrData>
-    <dgm:dataModel>
-      <dgm:ptLst>
-        <dgm:pt modelId="0" type="doc"/>
-        <dgm:pt modelId="1"/>
-        <dgm:pt modelId="2"/>
-        <dgm:pt modelId="3"/>
-        <dgm:pt modelId="4"/>
-      </dgm:ptLst>
-      <dgm:cxnLst>
-        <dgm:cxn modelId="5" srcId="0" destId="1" srcOrd="0" destOrd="0"/>
-        <dgm:cxn modelId="6" srcId="0" destId="2" srcOrd="1" destOrd="0"/>
-        <dgm:cxn modelId="7" srcId="0" destId="3" srcOrd="2" destOrd="0"/>
-        <dgm:cxn modelId="8" srcId="0" destId="4" srcOrd="3" destOrd="0"/>
-      </dgm:cxnLst>
-      <dgm:bg/>
-      <dgm:whole/>
-    </dgm:dataModel>
-  </dgm:clrData>
-  <dgm:layoutNode name="Name0">
-    <dgm:varLst>
-      <dgm:dir/>
-      <dgm:resizeHandles val="exact"/>
-    </dgm:varLst>
-    <dgm:choose name="Name1">
-      <dgm:if name="Name2" func="var" arg="dir" op="equ" val="norm">
-        <dgm:alg type="lin"/>
-      </dgm:if>
-      <dgm:else name="Name3">
-        <dgm:alg type="lin">
-          <dgm:param type="linDir" val="fromR"/>
-        </dgm:alg>
-      </dgm:else>
-    </dgm:choose>
-    <dgm:shape xmlns:r="http://schemas.openxmlformats.org/officeDocument/2006/relationships" r:blip="">
-      <dgm:adjLst/>
-    </dgm:shape>
-    <dgm:presOf/>
-    <dgm:constrLst>
-      <dgm:constr type="w" for="ch" ptType="node" refType="w"/>
-      <dgm:constr type="h" for="ch" ptType="node" op="equ"/>
-      <dgm:constr type="primFontSz" for="ch" ptType="node" op="equ" val="65"/>
-      <dgm:constr type="w" for="ch" ptType="sibTrans" refType="w" refFor="ch" refPtType="node" op="equ" fact="0.4"/>
-      <dgm:constr type="h" for="ch" ptType="sibTrans" op="equ"/>
-      <dgm:constr type="primFontSz" for="des" forName="connectorText" op="equ" val="55"/>
-      <dgm:constr type="primFontSz" for="des" forName="connectorText" refType="primFontSz" refFor="ch" refPtType="node" op="lte" fact="0.8"/>
-    </dgm:constrLst>
-    <dgm:ruleLst/>
-    <dgm:forEach name="nodesForEach" axis="ch" ptType="node">
-      <dgm:layoutNode name="node">
-        <dgm:varLst>
-          <dgm:bulletEnabled val="1"/>
-        </dgm:varLst>
-        <dgm:alg type="tx"/>
-        <dgm:shape xmlns:r="http://schemas.openxmlformats.org/officeDocument/2006/relationships" type="roundRect" r:blip="">
-          <dgm:adjLst>
-            <dgm:adj idx="1" val="0.1"/>
-          </dgm:adjLst>
-        </dgm:shape>
-        <dgm:presOf axis="desOrSelf" ptType="node"/>
-        <dgm:constrLst>
-          <dgm:constr type="h" refType="w" fact="0.6"/>
-          <dgm:constr type="tMarg" refType="primFontSz" fact="0.3"/>
-          <dgm:constr type="bMarg" refType="primFontSz" fact="0.3"/>
-          <dgm:constr type="lMarg" refType="primFontSz" fact="0.3"/>
-          <dgm:constr type="rMarg" refType="primFontSz" fact="0.3"/>
-        </dgm:constrLst>
-        <dgm:ruleLst>
-          <dgm:rule type="primFontSz" val="18" fact="NaN" max="NaN"/>
-          <dgm:rule type="h" val="NaN" fact="1.5" max="NaN"/>
-          <dgm:rule type="primFontSz" val="5" fact="NaN" max="NaN"/>
-          <dgm:rule type="h" val="INF" fact="NaN" max="NaN"/>
-        </dgm:ruleLst>
-      </dgm:layoutNode>
-      <dgm:forEach name="sibTransForEach" axis="followSib" ptType="sibTrans" cnt="1">
-        <dgm:layoutNode name="sibTrans">
-          <dgm:alg type="conn">
-            <dgm:param type="begPts" val="auto"/>
-            <dgm:param type="endPts" val="auto"/>
-          </dgm:alg>
-          <dgm:shape xmlns:r="http://schemas.openxmlformats.org/officeDocument/2006/relationships" type="conn" r:blip="">
-            <dgm:adjLst/>
-          </dgm:shape>
-          <dgm:presOf axis="self"/>
-          <dgm:constrLst>
-            <dgm:constr type="h" refType="w" fact="0.62"/>
-            <dgm:constr type="connDist"/>
-            <dgm:constr type="begPad" refType="connDist" fact="0.25"/>
-            <dgm:constr type="endPad" refType="connDist" fact="0.22"/>
-          </dgm:constrLst>
-          <dgm:ruleLst/>
-          <dgm:layoutNode name="connectorText">
-            <dgm:alg type="tx">
-              <dgm:param type="autoTxRot" val="grav"/>
-            </dgm:alg>
-            <dgm:shape xmlns:r="http://schemas.openxmlformats.org/officeDocument/2006/relationships" type="conn" r:blip="" hideGeom="1">
-              <dgm:adjLst/>
-            </dgm:shape>
-            <dgm:presOf axis="self"/>
-            <dgm:constrLst>
-              <dgm:constr type="lMarg"/>
-              <dgm:constr type="rMarg"/>
-              <dgm:constr type="tMarg"/>
-              <dgm:constr type="bMarg"/>
-            </dgm:constrLst>
-            <dgm:ruleLst>
-              <dgm:rule type="primFontSz" val="5" fact="NaN" max="NaN"/>
-            </dgm:ruleLst>
-          </dgm:layoutNode>
-        </dgm:layoutNode>
-      </dgm:forEach>
-    </dgm:forEach>
-  </dgm:layoutNode>
-</dgm:layoutDef>
-</file>
-
-<file path=ppt/diagrams/layout2.xml><?xml version="1.0" encoding="utf-8"?>
 <dgm:layoutDef xmlns:dgm="http://schemas.openxmlformats.org/drawingml/2006/diagram" xmlns:a="http://schemas.openxmlformats.org/drawingml/2006/main" uniqueId="urn:microsoft.com/office/officeart/2005/8/layout/arrow5">
   <dgm:title val=""/>
   <dgm:desc val=""/>
@@ -8007,7 +7862,7 @@
 </dgm:layoutDef>
 </file>
 
-<file path=ppt/diagrams/layout3.xml><?xml version="1.0" encoding="utf-8"?>
+<file path=ppt/diagrams/layout2.xml><?xml version="1.0" encoding="utf-8"?>
 <dgm:layoutDef xmlns:dgm="http://schemas.openxmlformats.org/drawingml/2006/diagram" xmlns:a="http://schemas.openxmlformats.org/drawingml/2006/main" uniqueId="urn:microsoft.com/office/officeart/2005/8/layout/venn1">
   <dgm:title val=""/>
   <dgm:desc val=""/>
@@ -8882,6 +8737,152 @@
 </dgm:layoutDef>
 </file>
 
+<file path=ppt/diagrams/layout3.xml><?xml version="1.0" encoding="utf-8"?>
+<dgm:layoutDef xmlns:dgm="http://schemas.openxmlformats.org/drawingml/2006/diagram" xmlns:a="http://schemas.openxmlformats.org/drawingml/2006/main" uniqueId="urn:microsoft.com/office/officeart/2005/8/layout/process1">
+  <dgm:title val=""/>
+  <dgm:desc val=""/>
+  <dgm:catLst>
+    <dgm:cat type="process" pri="1000"/>
+    <dgm:cat type="convert" pri="15000"/>
+  </dgm:catLst>
+  <dgm:sampData useDef="1">
+    <dgm:dataModel>
+      <dgm:ptLst/>
+      <dgm:bg/>
+      <dgm:whole/>
+    </dgm:dataModel>
+  </dgm:sampData>
+  <dgm:styleData>
+    <dgm:dataModel>
+      <dgm:ptLst>
+        <dgm:pt modelId="0" type="doc"/>
+        <dgm:pt modelId="1"/>
+        <dgm:pt modelId="2"/>
+      </dgm:ptLst>
+      <dgm:cxnLst>
+        <dgm:cxn modelId="3" srcId="0" destId="1" srcOrd="0" destOrd="0"/>
+        <dgm:cxn modelId="4" srcId="0" destId="2" srcOrd="1" destOrd="0"/>
+      </dgm:cxnLst>
+      <dgm:bg/>
+      <dgm:whole/>
+    </dgm:dataModel>
+  </dgm:styleData>
+  <dgm:clrData>
+    <dgm:dataModel>
+      <dgm:ptLst>
+        <dgm:pt modelId="0" type="doc"/>
+        <dgm:pt modelId="1"/>
+        <dgm:pt modelId="2"/>
+        <dgm:pt modelId="3"/>
+        <dgm:pt modelId="4"/>
+      </dgm:ptLst>
+      <dgm:cxnLst>
+        <dgm:cxn modelId="5" srcId="0" destId="1" srcOrd="0" destOrd="0"/>
+        <dgm:cxn modelId="6" srcId="0" destId="2" srcOrd="1" destOrd="0"/>
+        <dgm:cxn modelId="7" srcId="0" destId="3" srcOrd="2" destOrd="0"/>
+        <dgm:cxn modelId="8" srcId="0" destId="4" srcOrd="3" destOrd="0"/>
+      </dgm:cxnLst>
+      <dgm:bg/>
+      <dgm:whole/>
+    </dgm:dataModel>
+  </dgm:clrData>
+  <dgm:layoutNode name="Name0">
+    <dgm:varLst>
+      <dgm:dir/>
+      <dgm:resizeHandles val="exact"/>
+    </dgm:varLst>
+    <dgm:choose name="Name1">
+      <dgm:if name="Name2" func="var" arg="dir" op="equ" val="norm">
+        <dgm:alg type="lin"/>
+      </dgm:if>
+      <dgm:else name="Name3">
+        <dgm:alg type="lin">
+          <dgm:param type="linDir" val="fromR"/>
+        </dgm:alg>
+      </dgm:else>
+    </dgm:choose>
+    <dgm:shape xmlns:r="http://schemas.openxmlformats.org/officeDocument/2006/relationships" r:blip="">
+      <dgm:adjLst/>
+    </dgm:shape>
+    <dgm:presOf/>
+    <dgm:constrLst>
+      <dgm:constr type="w" for="ch" ptType="node" refType="w"/>
+      <dgm:constr type="h" for="ch" ptType="node" op="equ"/>
+      <dgm:constr type="primFontSz" for="ch" ptType="node" op="equ" val="65"/>
+      <dgm:constr type="w" for="ch" ptType="sibTrans" refType="w" refFor="ch" refPtType="node" op="equ" fact="0.4"/>
+      <dgm:constr type="h" for="ch" ptType="sibTrans" op="equ"/>
+      <dgm:constr type="primFontSz" for="des" forName="connectorText" op="equ" val="55"/>
+      <dgm:constr type="primFontSz" for="des" forName="connectorText" refType="primFontSz" refFor="ch" refPtType="node" op="lte" fact="0.8"/>
+    </dgm:constrLst>
+    <dgm:ruleLst/>
+    <dgm:forEach name="nodesForEach" axis="ch" ptType="node">
+      <dgm:layoutNode name="node">
+        <dgm:varLst>
+          <dgm:bulletEnabled val="1"/>
+        </dgm:varLst>
+        <dgm:alg type="tx"/>
+        <dgm:shape xmlns:r="http://schemas.openxmlformats.org/officeDocument/2006/relationships" type="roundRect" r:blip="">
+          <dgm:adjLst>
+            <dgm:adj idx="1" val="0.1"/>
+          </dgm:adjLst>
+        </dgm:shape>
+        <dgm:presOf axis="desOrSelf" ptType="node"/>
+        <dgm:constrLst>
+          <dgm:constr type="h" refType="w" fact="0.6"/>
+          <dgm:constr type="tMarg" refType="primFontSz" fact="0.3"/>
+          <dgm:constr type="bMarg" refType="primFontSz" fact="0.3"/>
+          <dgm:constr type="lMarg" refType="primFontSz" fact="0.3"/>
+          <dgm:constr type="rMarg" refType="primFontSz" fact="0.3"/>
+        </dgm:constrLst>
+        <dgm:ruleLst>
+          <dgm:rule type="primFontSz" val="18" fact="NaN" max="NaN"/>
+          <dgm:rule type="h" val="NaN" fact="1.5" max="NaN"/>
+          <dgm:rule type="primFontSz" val="5" fact="NaN" max="NaN"/>
+          <dgm:rule type="h" val="INF" fact="NaN" max="NaN"/>
+        </dgm:ruleLst>
+      </dgm:layoutNode>
+      <dgm:forEach name="sibTransForEach" axis="followSib" ptType="sibTrans" cnt="1">
+        <dgm:layoutNode name="sibTrans">
+          <dgm:alg type="conn">
+            <dgm:param type="begPts" val="auto"/>
+            <dgm:param type="endPts" val="auto"/>
+          </dgm:alg>
+          <dgm:shape xmlns:r="http://schemas.openxmlformats.org/officeDocument/2006/relationships" type="conn" r:blip="">
+            <dgm:adjLst/>
+          </dgm:shape>
+          <dgm:presOf axis="self"/>
+          <dgm:constrLst>
+            <dgm:constr type="h" refType="w" fact="0.62"/>
+            <dgm:constr type="connDist"/>
+            <dgm:constr type="begPad" refType="connDist" fact="0.25"/>
+            <dgm:constr type="endPad" refType="connDist" fact="0.22"/>
+          </dgm:constrLst>
+          <dgm:ruleLst/>
+          <dgm:layoutNode name="connectorText">
+            <dgm:alg type="tx">
+              <dgm:param type="autoTxRot" val="grav"/>
+            </dgm:alg>
+            <dgm:shape xmlns:r="http://schemas.openxmlformats.org/officeDocument/2006/relationships" type="conn" r:blip="" hideGeom="1">
+              <dgm:adjLst/>
+            </dgm:shape>
+            <dgm:presOf axis="self"/>
+            <dgm:constrLst>
+              <dgm:constr type="lMarg"/>
+              <dgm:constr type="rMarg"/>
+              <dgm:constr type="tMarg"/>
+              <dgm:constr type="bMarg"/>
+            </dgm:constrLst>
+            <dgm:ruleLst>
+              <dgm:rule type="primFontSz" val="5" fact="NaN" max="NaN"/>
+            </dgm:ruleLst>
+          </dgm:layoutNode>
+        </dgm:layoutNode>
+      </dgm:forEach>
+    </dgm:forEach>
+  </dgm:layoutNode>
+</dgm:layoutDef>
+</file>
+
 <file path=ppt/diagrams/layout4.xml><?xml version="1.0" encoding="utf-8"?>
 <dgm:layoutDef xmlns:dgm="http://schemas.openxmlformats.org/drawingml/2006/diagram" xmlns:a="http://schemas.openxmlformats.org/drawingml/2006/main" uniqueId="urn:microsoft.com/office/officeart/2005/8/layout/default">
   <dgm:title val=""/>
@@ -13247,7 +13248,7 @@
           <a:p>
             <a:fld id="{6D9EE66E-0075-4EC7-AFEF-A844E5107398}" type="datetimeFigureOut">
               <a:rPr lang="en-US" smtClean="0"/>
-              <a:t>25-Apr-18</a:t>
+              <a:t>4/26/2018</a:t>
             </a:fld>
             <a:endParaRPr lang="en-US" dirty="0"/>
           </a:p>
@@ -13663,6 +13664,90 @@
           <a:p>
             <a:fld id="{0028CEC6-6647-4E08-96EC-6F66E0D22DB5}" type="slidenum">
               <a:rPr lang="en-US" smtClean="0"/>
+              <a:t>21</a:t>
+            </a:fld>
+            <a:endParaRPr lang="en-US" dirty="0"/>
+          </a:p>
+        </p:txBody>
+      </p:sp>
+    </p:spTree>
+    <p:extLst>
+      <p:ext uri="{BB962C8B-B14F-4D97-AF65-F5344CB8AC3E}">
+        <p14:creationId xmlns:p14="http://schemas.microsoft.com/office/powerpoint/2010/main" val="3514021565"/>
+      </p:ext>
+    </p:extLst>
+  </p:cSld>
+  <p:clrMapOvr>
+    <a:masterClrMapping/>
+  </p:clrMapOvr>
+</p:notes>
+</file>
+
+<file path=ppt/notesSlides/notesSlide11.xml><?xml version="1.0" encoding="utf-8"?>
+<p:notes xmlns:a="http://schemas.openxmlformats.org/drawingml/2006/main" xmlns:r="http://schemas.openxmlformats.org/officeDocument/2006/relationships" xmlns:p="http://schemas.openxmlformats.org/presentationml/2006/main">
+  <p:cSld>
+    <p:spTree>
+      <p:nvGrpSpPr>
+        <p:cNvPr id="1" name=""/>
+        <p:cNvGrpSpPr/>
+        <p:nvPr/>
+      </p:nvGrpSpPr>
+      <p:grpSpPr>
+        <a:xfrm>
+          <a:off x="0" y="0"/>
+          <a:ext cx="0" cy="0"/>
+          <a:chOff x="0" y="0"/>
+          <a:chExt cx="0" cy="0"/>
+        </a:xfrm>
+      </p:grpSpPr>
+      <p:sp>
+        <p:nvSpPr>
+          <p:cNvPr id="2" name="Slide Image Placeholder 1"/>
+          <p:cNvSpPr>
+            <a:spLocks noGrp="1" noRot="1" noChangeAspect="1"/>
+          </p:cNvSpPr>
+          <p:nvPr>
+            <p:ph type="sldImg"/>
+          </p:nvPr>
+        </p:nvSpPr>
+        <p:spPr/>
+      </p:sp>
+      <p:sp>
+        <p:nvSpPr>
+          <p:cNvPr id="3" name="Notes Placeholder 2"/>
+          <p:cNvSpPr>
+            <a:spLocks noGrp="1"/>
+          </p:cNvSpPr>
+          <p:nvPr>
+            <p:ph type="body" idx="1"/>
+          </p:nvPr>
+        </p:nvSpPr>
+        <p:spPr/>
+        <p:txBody>
+          <a:bodyPr/>
+          <a:lstStyle/>
+          <a:p>
+            <a:endParaRPr lang="en-US" dirty="0"/>
+          </a:p>
+        </p:txBody>
+      </p:sp>
+      <p:sp>
+        <p:nvSpPr>
+          <p:cNvPr id="4" name="Slide Number Placeholder 3"/>
+          <p:cNvSpPr>
+            <a:spLocks noGrp="1"/>
+          </p:cNvSpPr>
+          <p:nvPr>
+            <p:ph type="sldNum" sz="quarter" idx="10"/>
+          </p:nvPr>
+        </p:nvSpPr>
+        <p:spPr/>
+        <p:txBody>
+          <a:bodyPr/>
+          <a:lstStyle/>
+          <a:p>
+            <a:fld id="{0028CEC6-6647-4E08-96EC-6F66E0D22DB5}" type="slidenum">
+              <a:rPr lang="en-US" smtClean="0"/>
               <a:t>24</a:t>
             </a:fld>
             <a:endParaRPr lang="en-US" dirty="0"/>
@@ -13682,7 +13767,7 @@
 </p:notes>
 </file>
 
-<file path=ppt/notesSlides/notesSlide11.xml><?xml version="1.0" encoding="utf-8"?>
+<file path=ppt/notesSlides/notesSlide12.xml><?xml version="1.0" encoding="utf-8"?>
 <p:notes xmlns:a="http://schemas.openxmlformats.org/drawingml/2006/main" xmlns:r="http://schemas.openxmlformats.org/officeDocument/2006/relationships" xmlns:p="http://schemas.openxmlformats.org/presentationml/2006/main">
   <p:cSld>
     <p:spTree>
@@ -13766,90 +13851,6 @@
 </p:notes>
 </file>
 
-<file path=ppt/notesSlides/notesSlide12.xml><?xml version="1.0" encoding="utf-8"?>
-<p:notes xmlns:a="http://schemas.openxmlformats.org/drawingml/2006/main" xmlns:r="http://schemas.openxmlformats.org/officeDocument/2006/relationships" xmlns:p="http://schemas.openxmlformats.org/presentationml/2006/main">
-  <p:cSld>
-    <p:spTree>
-      <p:nvGrpSpPr>
-        <p:cNvPr id="1" name=""/>
-        <p:cNvGrpSpPr/>
-        <p:nvPr/>
-      </p:nvGrpSpPr>
-      <p:grpSpPr>
-        <a:xfrm>
-          <a:off x="0" y="0"/>
-          <a:ext cx="0" cy="0"/>
-          <a:chOff x="0" y="0"/>
-          <a:chExt cx="0" cy="0"/>
-        </a:xfrm>
-      </p:grpSpPr>
-      <p:sp>
-        <p:nvSpPr>
-          <p:cNvPr id="2" name="Slide Image Placeholder 1"/>
-          <p:cNvSpPr>
-            <a:spLocks noGrp="1" noRot="1" noChangeAspect="1"/>
-          </p:cNvSpPr>
-          <p:nvPr>
-            <p:ph type="sldImg"/>
-          </p:nvPr>
-        </p:nvSpPr>
-        <p:spPr/>
-      </p:sp>
-      <p:sp>
-        <p:nvSpPr>
-          <p:cNvPr id="3" name="Notes Placeholder 2"/>
-          <p:cNvSpPr>
-            <a:spLocks noGrp="1"/>
-          </p:cNvSpPr>
-          <p:nvPr>
-            <p:ph type="body" idx="1"/>
-          </p:nvPr>
-        </p:nvSpPr>
-        <p:spPr/>
-        <p:txBody>
-          <a:bodyPr/>
-          <a:lstStyle/>
-          <a:p>
-            <a:endParaRPr lang="en-US" dirty="0"/>
-          </a:p>
-        </p:txBody>
-      </p:sp>
-      <p:sp>
-        <p:nvSpPr>
-          <p:cNvPr id="4" name="Slide Number Placeholder 3"/>
-          <p:cNvSpPr>
-            <a:spLocks noGrp="1"/>
-          </p:cNvSpPr>
-          <p:nvPr>
-            <p:ph type="sldNum" sz="quarter" idx="10"/>
-          </p:nvPr>
-        </p:nvSpPr>
-        <p:spPr/>
-        <p:txBody>
-          <a:bodyPr/>
-          <a:lstStyle/>
-          <a:p>
-            <a:fld id="{0028CEC6-6647-4E08-96EC-6F66E0D22DB5}" type="slidenum">
-              <a:rPr lang="en-US" smtClean="0"/>
-              <a:t>28</a:t>
-            </a:fld>
-            <a:endParaRPr lang="en-US" dirty="0"/>
-          </a:p>
-        </p:txBody>
-      </p:sp>
-    </p:spTree>
-    <p:extLst>
-      <p:ext uri="{BB962C8B-B14F-4D97-AF65-F5344CB8AC3E}">
-        <p14:creationId xmlns:p14="http://schemas.microsoft.com/office/powerpoint/2010/main" val="3165507754"/>
-      </p:ext>
-    </p:extLst>
-  </p:cSld>
-  <p:clrMapOvr>
-    <a:masterClrMapping/>
-  </p:clrMapOvr>
-</p:notes>
-</file>
-
 <file path=ppt/notesSlides/notesSlide13.xml><?xml version="1.0" encoding="utf-8"?>
 <p:notes xmlns:a="http://schemas.openxmlformats.org/drawingml/2006/main" xmlns:r="http://schemas.openxmlformats.org/officeDocument/2006/relationships" xmlns:p="http://schemas.openxmlformats.org/presentationml/2006/main">
   <p:cSld>
@@ -13915,7 +13916,91 @@
           <a:p>
             <a:fld id="{0028CEC6-6647-4E08-96EC-6F66E0D22DB5}" type="slidenum">
               <a:rPr lang="en-US" smtClean="0"/>
-              <a:t>32</a:t>
+              <a:t>29</a:t>
+            </a:fld>
+            <a:endParaRPr lang="en-US" dirty="0"/>
+          </a:p>
+        </p:txBody>
+      </p:sp>
+    </p:spTree>
+    <p:extLst>
+      <p:ext uri="{BB962C8B-B14F-4D97-AF65-F5344CB8AC3E}">
+        <p14:creationId xmlns:p14="http://schemas.microsoft.com/office/powerpoint/2010/main" val="3165507754"/>
+      </p:ext>
+    </p:extLst>
+  </p:cSld>
+  <p:clrMapOvr>
+    <a:masterClrMapping/>
+  </p:clrMapOvr>
+</p:notes>
+</file>
+
+<file path=ppt/notesSlides/notesSlide14.xml><?xml version="1.0" encoding="utf-8"?>
+<p:notes xmlns:a="http://schemas.openxmlformats.org/drawingml/2006/main" xmlns:r="http://schemas.openxmlformats.org/officeDocument/2006/relationships" xmlns:p="http://schemas.openxmlformats.org/presentationml/2006/main">
+  <p:cSld>
+    <p:spTree>
+      <p:nvGrpSpPr>
+        <p:cNvPr id="1" name=""/>
+        <p:cNvGrpSpPr/>
+        <p:nvPr/>
+      </p:nvGrpSpPr>
+      <p:grpSpPr>
+        <a:xfrm>
+          <a:off x="0" y="0"/>
+          <a:ext cx="0" cy="0"/>
+          <a:chOff x="0" y="0"/>
+          <a:chExt cx="0" cy="0"/>
+        </a:xfrm>
+      </p:grpSpPr>
+      <p:sp>
+        <p:nvSpPr>
+          <p:cNvPr id="2" name="Slide Image Placeholder 1"/>
+          <p:cNvSpPr>
+            <a:spLocks noGrp="1" noRot="1" noChangeAspect="1"/>
+          </p:cNvSpPr>
+          <p:nvPr>
+            <p:ph type="sldImg"/>
+          </p:nvPr>
+        </p:nvSpPr>
+        <p:spPr/>
+      </p:sp>
+      <p:sp>
+        <p:nvSpPr>
+          <p:cNvPr id="3" name="Notes Placeholder 2"/>
+          <p:cNvSpPr>
+            <a:spLocks noGrp="1"/>
+          </p:cNvSpPr>
+          <p:nvPr>
+            <p:ph type="body" idx="1"/>
+          </p:nvPr>
+        </p:nvSpPr>
+        <p:spPr/>
+        <p:txBody>
+          <a:bodyPr/>
+          <a:lstStyle/>
+          <a:p>
+            <a:endParaRPr lang="en-US" dirty="0"/>
+          </a:p>
+        </p:txBody>
+      </p:sp>
+      <p:sp>
+        <p:nvSpPr>
+          <p:cNvPr id="4" name="Slide Number Placeholder 3"/>
+          <p:cNvSpPr>
+            <a:spLocks noGrp="1"/>
+          </p:cNvSpPr>
+          <p:nvPr>
+            <p:ph type="sldNum" sz="quarter" idx="10"/>
+          </p:nvPr>
+        </p:nvSpPr>
+        <p:spPr/>
+        <p:txBody>
+          <a:bodyPr/>
+          <a:lstStyle/>
+          <a:p>
+            <a:fld id="{0028CEC6-6647-4E08-96EC-6F66E0D22DB5}" type="slidenum">
+              <a:rPr lang="en-US" smtClean="0"/>
+              <a:t>33</a:t>
             </a:fld>
             <a:endParaRPr lang="en-US" dirty="0"/>
           </a:p>
@@ -13934,7 +14019,7 @@
 </p:notes>
 </file>
 
-<file path=ppt/notesSlides/notesSlide14.xml><?xml version="1.0" encoding="utf-8"?>
+<file path=ppt/notesSlides/notesSlide15.xml><?xml version="1.0" encoding="utf-8"?>
 <p:notes xmlns:a="http://schemas.openxmlformats.org/drawingml/2006/main" xmlns:r="http://schemas.openxmlformats.org/officeDocument/2006/relationships" xmlns:p="http://schemas.openxmlformats.org/presentationml/2006/main">
   <p:cSld>
     <p:spTree>
@@ -13999,7 +14084,7 @@
           <a:p>
             <a:fld id="{0028CEC6-6647-4E08-96EC-6F66E0D22DB5}" type="slidenum">
               <a:rPr lang="en-US" smtClean="0"/>
-              <a:t>33</a:t>
+              <a:t>34</a:t>
             </a:fld>
             <a:endParaRPr lang="en-US" dirty="0"/>
           </a:p>
@@ -14154,7 +14239,15 @@
           <a:bodyPr/>
           <a:lstStyle/>
           <a:p>
-            <a:endParaRPr lang="en-US" dirty="0"/>
+            <a:endParaRPr lang="en-US" sz="1200" kern="1200" dirty="0">
+              <a:solidFill>
+                <a:schemeClr val="tx1"/>
+              </a:solidFill>
+              <a:effectLst/>
+              <a:latin typeface="+mn-lt"/>
+              <a:ea typeface="+mn-ea"/>
+              <a:cs typeface="+mn-cs"/>
+            </a:endParaRPr>
           </a:p>
         </p:txBody>
       </p:sp>
@@ -14175,7 +14268,7 @@
           <a:p>
             <a:fld id="{0028CEC6-6647-4E08-96EC-6F66E0D22DB5}" type="slidenum">
               <a:rPr lang="en-US" smtClean="0"/>
-              <a:t>8</a:t>
+              <a:t>3</a:t>
             </a:fld>
             <a:endParaRPr lang="en-US" dirty="0"/>
           </a:p>
@@ -14184,7 +14277,7 @@
     </p:spTree>
     <p:extLst>
       <p:ext uri="{BB962C8B-B14F-4D97-AF65-F5344CB8AC3E}">
-        <p14:creationId xmlns:p14="http://schemas.microsoft.com/office/powerpoint/2010/main" val="2982553816"/>
+        <p14:creationId xmlns:p14="http://schemas.microsoft.com/office/powerpoint/2010/main" val="1356701730"/>
       </p:ext>
     </p:extLst>
   </p:cSld>
@@ -14259,7 +14352,7 @@
           <a:p>
             <a:fld id="{0028CEC6-6647-4E08-96EC-6F66E0D22DB5}" type="slidenum">
               <a:rPr lang="en-US" smtClean="0"/>
-              <a:t>11</a:t>
+              <a:t>10</a:t>
             </a:fld>
             <a:endParaRPr lang="en-US" dirty="0"/>
           </a:p>
@@ -14343,6 +14436,90 @@
           <a:p>
             <a:fld id="{0028CEC6-6647-4E08-96EC-6F66E0D22DB5}" type="slidenum">
               <a:rPr lang="en-US" smtClean="0"/>
+              <a:t>11</a:t>
+            </a:fld>
+            <a:endParaRPr lang="en-US" dirty="0"/>
+          </a:p>
+        </p:txBody>
+      </p:sp>
+    </p:spTree>
+    <p:extLst>
+      <p:ext uri="{BB962C8B-B14F-4D97-AF65-F5344CB8AC3E}">
+        <p14:creationId xmlns:p14="http://schemas.microsoft.com/office/powerpoint/2010/main" val="2982553816"/>
+      </p:ext>
+    </p:extLst>
+  </p:cSld>
+  <p:clrMapOvr>
+    <a:masterClrMapping/>
+  </p:clrMapOvr>
+</p:notes>
+</file>
+
+<file path=ppt/notesSlides/notesSlide6.xml><?xml version="1.0" encoding="utf-8"?>
+<p:notes xmlns:a="http://schemas.openxmlformats.org/drawingml/2006/main" xmlns:r="http://schemas.openxmlformats.org/officeDocument/2006/relationships" xmlns:p="http://schemas.openxmlformats.org/presentationml/2006/main">
+  <p:cSld>
+    <p:spTree>
+      <p:nvGrpSpPr>
+        <p:cNvPr id="1" name=""/>
+        <p:cNvGrpSpPr/>
+        <p:nvPr/>
+      </p:nvGrpSpPr>
+      <p:grpSpPr>
+        <a:xfrm>
+          <a:off x="0" y="0"/>
+          <a:ext cx="0" cy="0"/>
+          <a:chOff x="0" y="0"/>
+          <a:chExt cx="0" cy="0"/>
+        </a:xfrm>
+      </p:grpSpPr>
+      <p:sp>
+        <p:nvSpPr>
+          <p:cNvPr id="2" name="Slide Image Placeholder 1"/>
+          <p:cNvSpPr>
+            <a:spLocks noGrp="1" noRot="1" noChangeAspect="1"/>
+          </p:cNvSpPr>
+          <p:nvPr>
+            <p:ph type="sldImg"/>
+          </p:nvPr>
+        </p:nvSpPr>
+        <p:spPr/>
+      </p:sp>
+      <p:sp>
+        <p:nvSpPr>
+          <p:cNvPr id="3" name="Notes Placeholder 2"/>
+          <p:cNvSpPr>
+            <a:spLocks noGrp="1"/>
+          </p:cNvSpPr>
+          <p:nvPr>
+            <p:ph type="body" idx="1"/>
+          </p:nvPr>
+        </p:nvSpPr>
+        <p:spPr/>
+        <p:txBody>
+          <a:bodyPr/>
+          <a:lstStyle/>
+          <a:p>
+            <a:endParaRPr lang="en-US" dirty="0"/>
+          </a:p>
+        </p:txBody>
+      </p:sp>
+      <p:sp>
+        <p:nvSpPr>
+          <p:cNvPr id="4" name="Slide Number Placeholder 3"/>
+          <p:cNvSpPr>
+            <a:spLocks noGrp="1"/>
+          </p:cNvSpPr>
+          <p:nvPr>
+            <p:ph type="sldNum" sz="quarter" idx="10"/>
+          </p:nvPr>
+        </p:nvSpPr>
+        <p:spPr/>
+        <p:txBody>
+          <a:bodyPr/>
+          <a:lstStyle/>
+          <a:p>
+            <a:fld id="{0028CEC6-6647-4E08-96EC-6F66E0D22DB5}" type="slidenum">
+              <a:rPr lang="en-US" smtClean="0"/>
               <a:t>15</a:t>
             </a:fld>
             <a:endParaRPr lang="en-US" dirty="0"/>
@@ -14362,7 +14539,7 @@
 </p:notes>
 </file>
 
-<file path=ppt/notesSlides/notesSlide6.xml><?xml version="1.0" encoding="utf-8"?>
+<file path=ppt/notesSlides/notesSlide7.xml><?xml version="1.0" encoding="utf-8"?>
 <p:notes xmlns:a="http://schemas.openxmlformats.org/drawingml/2006/main" xmlns:r="http://schemas.openxmlformats.org/officeDocument/2006/relationships" xmlns:p="http://schemas.openxmlformats.org/presentationml/2006/main">
   <p:cSld>
     <p:spTree>
@@ -14446,7 +14623,7 @@
 </p:notes>
 </file>
 
-<file path=ppt/notesSlides/notesSlide7.xml><?xml version="1.0" encoding="utf-8"?>
+<file path=ppt/notesSlides/notesSlide8.xml><?xml version="1.0" encoding="utf-8"?>
 <p:notes xmlns:a="http://schemas.openxmlformats.org/drawingml/2006/main" xmlns:r="http://schemas.openxmlformats.org/officeDocument/2006/relationships" xmlns:p="http://schemas.openxmlformats.org/presentationml/2006/main">
   <p:cSld>
     <p:spTree>
@@ -14530,7 +14707,7 @@
 </p:notes>
 </file>
 
-<file path=ppt/notesSlides/notesSlide8.xml><?xml version="1.0" encoding="utf-8"?>
+<file path=ppt/notesSlides/notesSlide9.xml><?xml version="1.0" encoding="utf-8"?>
 <p:notes xmlns:a="http://schemas.openxmlformats.org/drawingml/2006/main" xmlns:r="http://schemas.openxmlformats.org/officeDocument/2006/relationships" xmlns:p="http://schemas.openxmlformats.org/presentationml/2006/main">
   <p:cSld>
     <p:spTree>
@@ -14614,90 +14791,6 @@
 </p:notes>
 </file>
 
-<file path=ppt/notesSlides/notesSlide9.xml><?xml version="1.0" encoding="utf-8"?>
-<p:notes xmlns:a="http://schemas.openxmlformats.org/drawingml/2006/main" xmlns:r="http://schemas.openxmlformats.org/officeDocument/2006/relationships" xmlns:p="http://schemas.openxmlformats.org/presentationml/2006/main">
-  <p:cSld>
-    <p:spTree>
-      <p:nvGrpSpPr>
-        <p:cNvPr id="1" name=""/>
-        <p:cNvGrpSpPr/>
-        <p:nvPr/>
-      </p:nvGrpSpPr>
-      <p:grpSpPr>
-        <a:xfrm>
-          <a:off x="0" y="0"/>
-          <a:ext cx="0" cy="0"/>
-          <a:chOff x="0" y="0"/>
-          <a:chExt cx="0" cy="0"/>
-        </a:xfrm>
-      </p:grpSpPr>
-      <p:sp>
-        <p:nvSpPr>
-          <p:cNvPr id="2" name="Slide Image Placeholder 1"/>
-          <p:cNvSpPr>
-            <a:spLocks noGrp="1" noRot="1" noChangeAspect="1"/>
-          </p:cNvSpPr>
-          <p:nvPr>
-            <p:ph type="sldImg"/>
-          </p:nvPr>
-        </p:nvSpPr>
-        <p:spPr/>
-      </p:sp>
-      <p:sp>
-        <p:nvSpPr>
-          <p:cNvPr id="3" name="Notes Placeholder 2"/>
-          <p:cNvSpPr>
-            <a:spLocks noGrp="1"/>
-          </p:cNvSpPr>
-          <p:nvPr>
-            <p:ph type="body" idx="1"/>
-          </p:nvPr>
-        </p:nvSpPr>
-        <p:spPr/>
-        <p:txBody>
-          <a:bodyPr/>
-          <a:lstStyle/>
-          <a:p>
-            <a:endParaRPr lang="en-US" dirty="0"/>
-          </a:p>
-        </p:txBody>
-      </p:sp>
-      <p:sp>
-        <p:nvSpPr>
-          <p:cNvPr id="4" name="Slide Number Placeholder 3"/>
-          <p:cNvSpPr>
-            <a:spLocks noGrp="1"/>
-          </p:cNvSpPr>
-          <p:nvPr>
-            <p:ph type="sldNum" sz="quarter" idx="10"/>
-          </p:nvPr>
-        </p:nvSpPr>
-        <p:spPr/>
-        <p:txBody>
-          <a:bodyPr/>
-          <a:lstStyle/>
-          <a:p>
-            <a:fld id="{0028CEC6-6647-4E08-96EC-6F66E0D22DB5}" type="slidenum">
-              <a:rPr lang="en-US" smtClean="0"/>
-              <a:t>21</a:t>
-            </a:fld>
-            <a:endParaRPr lang="en-US" dirty="0"/>
-          </a:p>
-        </p:txBody>
-      </p:sp>
-    </p:spTree>
-    <p:extLst>
-      <p:ext uri="{BB962C8B-B14F-4D97-AF65-F5344CB8AC3E}">
-        <p14:creationId xmlns:p14="http://schemas.microsoft.com/office/powerpoint/2010/main" val="3514021565"/>
-      </p:ext>
-    </p:extLst>
-  </p:cSld>
-  <p:clrMapOvr>
-    <a:masterClrMapping/>
-  </p:clrMapOvr>
-</p:notes>
-</file>
-
 <file path=ppt/slideLayouts/slideLayout1.xml><?xml version="1.0" encoding="utf-8"?>
 <p:sldLayout xmlns:a="http://schemas.openxmlformats.org/drawingml/2006/main" xmlns:r="http://schemas.openxmlformats.org/officeDocument/2006/relationships" xmlns:p="http://schemas.openxmlformats.org/presentationml/2006/main" type="title" preserve="1">
   <p:cSld name="Title Slide">
@@ -14766,7 +14859,7 @@
             </a:ln>
             <a:extLst>
               <a:ext uri="{91240B29-F687-4f45-9708-019B960494DF}">
-                <a14:hiddenLine xmlns="" xmlns:a14="http://schemas.microsoft.com/office/drawing/2010/main" w="9525">
+                <a14:hiddenLine xmlns:a14="http://schemas.microsoft.com/office/drawing/2010/main" xmlns="" w="9525">
                   <a:solidFill>
                     <a:srgbClr val="000000"/>
                   </a:solidFill>
@@ -14856,7 +14949,7 @@
             </a:ln>
             <a:extLst>
               <a:ext uri="{91240B29-F687-4f45-9708-019B960494DF}">
-                <a14:hiddenLine xmlns="" xmlns:a14="http://schemas.microsoft.com/office/drawing/2010/main" w="9525">
+                <a14:hiddenLine xmlns:a14="http://schemas.microsoft.com/office/drawing/2010/main" xmlns="" w="9525">
                   <a:solidFill>
                     <a:srgbClr val="000000"/>
                   </a:solidFill>
@@ -14946,7 +15039,7 @@
             </a:ln>
             <a:extLst>
               <a:ext uri="{91240B29-F687-4f45-9708-019B960494DF}">
-                <a14:hiddenLine xmlns="" xmlns:a14="http://schemas.microsoft.com/office/drawing/2010/main" w="9525">
+                <a14:hiddenLine xmlns:a14="http://schemas.microsoft.com/office/drawing/2010/main" xmlns="" w="9525">
                   <a:solidFill>
                     <a:srgbClr val="000000"/>
                   </a:solidFill>
@@ -14980,7 +15073,7 @@
             </a:ln>
             <a:extLst>
               <a:ext uri="{91240B29-F687-4f45-9708-019B960494DF}">
-                <a14:hiddenLine xmlns="" xmlns:a14="http://schemas.microsoft.com/office/drawing/2010/main" w="9525">
+                <a14:hiddenLine xmlns:a14="http://schemas.microsoft.com/office/drawing/2010/main" xmlns="" w="9525">
                   <a:solidFill>
                     <a:srgbClr val="000000"/>
                   </a:solidFill>
@@ -15070,7 +15163,7 @@
             </a:ln>
             <a:extLst>
               <a:ext uri="{91240B29-F687-4f45-9708-019B960494DF}">
-                <a14:hiddenLine xmlns="" xmlns:a14="http://schemas.microsoft.com/office/drawing/2010/main" w="9525">
+                <a14:hiddenLine xmlns:a14="http://schemas.microsoft.com/office/drawing/2010/main" xmlns="" w="9525">
                   <a:solidFill>
                     <a:srgbClr val="000000"/>
                   </a:solidFill>
@@ -15132,7 +15225,7 @@
             </a:ln>
             <a:extLst>
               <a:ext uri="{91240B29-F687-4f45-9708-019B960494DF}">
-                <a14:hiddenLine xmlns="" xmlns:a14="http://schemas.microsoft.com/office/drawing/2010/main" w="9525">
+                <a14:hiddenLine xmlns:a14="http://schemas.microsoft.com/office/drawing/2010/main" xmlns="" w="9525">
                   <a:solidFill>
                     <a:srgbClr val="000000"/>
                   </a:solidFill>
@@ -15194,7 +15287,7 @@
             </a:ln>
             <a:extLst>
               <a:ext uri="{91240B29-F687-4f45-9708-019B960494DF}">
-                <a14:hiddenLine xmlns="" xmlns:a14="http://schemas.microsoft.com/office/drawing/2010/main" w="9525">
+                <a14:hiddenLine xmlns:a14="http://schemas.microsoft.com/office/drawing/2010/main" xmlns="" w="9525">
                   <a:solidFill>
                     <a:srgbClr val="000000"/>
                   </a:solidFill>
@@ -15284,7 +15377,7 @@
             </a:ln>
             <a:extLst>
               <a:ext uri="{91240B29-F687-4f45-9708-019B960494DF}">
-                <a14:hiddenLine xmlns="" xmlns:a14="http://schemas.microsoft.com/office/drawing/2010/main" w="9525">
+                <a14:hiddenLine xmlns:a14="http://schemas.microsoft.com/office/drawing/2010/main" xmlns="" w="9525">
                   <a:solidFill>
                     <a:srgbClr val="000000"/>
                   </a:solidFill>
@@ -15346,7 +15439,7 @@
             </a:ln>
             <a:extLst>
               <a:ext uri="{91240B29-F687-4f45-9708-019B960494DF}">
-                <a14:hiddenLine xmlns="" xmlns:a14="http://schemas.microsoft.com/office/drawing/2010/main" w="9525">
+                <a14:hiddenLine xmlns:a14="http://schemas.microsoft.com/office/drawing/2010/main" xmlns="" w="9525">
                   <a:solidFill>
                     <a:srgbClr val="000000"/>
                   </a:solidFill>
@@ -15408,7 +15501,7 @@
             </a:ln>
             <a:extLst>
               <a:ext uri="{91240B29-F687-4f45-9708-019B960494DF}">
-                <a14:hiddenLine xmlns="" xmlns:a14="http://schemas.microsoft.com/office/drawing/2010/main" w="9525">
+                <a14:hiddenLine xmlns:a14="http://schemas.microsoft.com/office/drawing/2010/main" xmlns="" w="9525">
                   <a:solidFill>
                     <a:srgbClr val="000000"/>
                   </a:solidFill>
@@ -15498,7 +15591,7 @@
             </a:ln>
             <a:extLst>
               <a:ext uri="{91240B29-F687-4f45-9708-019B960494DF}">
-                <a14:hiddenLine xmlns="" xmlns:a14="http://schemas.microsoft.com/office/drawing/2010/main" w="9525">
+                <a14:hiddenLine xmlns:a14="http://schemas.microsoft.com/office/drawing/2010/main" xmlns="" w="9525">
                   <a:solidFill>
                     <a:srgbClr val="000000"/>
                   </a:solidFill>
@@ -15588,7 +15681,7 @@
             </a:ln>
             <a:extLst>
               <a:ext uri="{91240B29-F687-4f45-9708-019B960494DF}">
-                <a14:hiddenLine xmlns="" xmlns:a14="http://schemas.microsoft.com/office/drawing/2010/main" w="9525">
+                <a14:hiddenLine xmlns:a14="http://schemas.microsoft.com/office/drawing/2010/main" xmlns="" w="9525">
                   <a:solidFill>
                     <a:srgbClr val="000000"/>
                   </a:solidFill>
@@ -15650,7 +15743,7 @@
             </a:ln>
             <a:extLst>
               <a:ext uri="{91240B29-F687-4f45-9708-019B960494DF}">
-                <a14:hiddenLine xmlns="" xmlns:a14="http://schemas.microsoft.com/office/drawing/2010/main" w="9525">
+                <a14:hiddenLine xmlns:a14="http://schemas.microsoft.com/office/drawing/2010/main" xmlns="" w="9525">
                   <a:solidFill>
                     <a:srgbClr val="000000"/>
                   </a:solidFill>
@@ -15760,7 +15853,7 @@
             </a:ln>
             <a:extLst>
               <a:ext uri="{91240B29-F687-4f45-9708-019B960494DF}">
-                <a14:hiddenLine xmlns="" xmlns:a14="http://schemas.microsoft.com/office/drawing/2010/main" w="9525">
+                <a14:hiddenLine xmlns:a14="http://schemas.microsoft.com/office/drawing/2010/main" xmlns="" w="9525">
                   <a:solidFill>
                     <a:srgbClr val="000000"/>
                   </a:solidFill>
@@ -15822,7 +15915,7 @@
             </a:ln>
             <a:extLst>
               <a:ext uri="{91240B29-F687-4f45-9708-019B960494DF}">
-                <a14:hiddenLine xmlns="" xmlns:a14="http://schemas.microsoft.com/office/drawing/2010/main" w="9525">
+                <a14:hiddenLine xmlns:a14="http://schemas.microsoft.com/office/drawing/2010/main" xmlns="" w="9525">
                   <a:solidFill>
                     <a:srgbClr val="000000"/>
                   </a:solidFill>
@@ -15912,7 +16005,7 @@
             </a:ln>
             <a:extLst>
               <a:ext uri="{91240B29-F687-4f45-9708-019B960494DF}">
-                <a14:hiddenLine xmlns="" xmlns:a14="http://schemas.microsoft.com/office/drawing/2010/main" w="9525">
+                <a14:hiddenLine xmlns:a14="http://schemas.microsoft.com/office/drawing/2010/main" xmlns="" w="9525">
                   <a:solidFill>
                     <a:srgbClr val="000000"/>
                   </a:solidFill>
@@ -16002,7 +16095,7 @@
             </a:ln>
             <a:extLst>
               <a:ext uri="{91240B29-F687-4f45-9708-019B960494DF}">
-                <a14:hiddenLine xmlns="" xmlns:a14="http://schemas.microsoft.com/office/drawing/2010/main" w="9525">
+                <a14:hiddenLine xmlns:a14="http://schemas.microsoft.com/office/drawing/2010/main" xmlns="" w="9525">
                   <a:solidFill>
                     <a:srgbClr val="000000"/>
                   </a:solidFill>
@@ -16064,7 +16157,7 @@
             </a:ln>
             <a:extLst>
               <a:ext uri="{91240B29-F687-4f45-9708-019B960494DF}">
-                <a14:hiddenLine xmlns="" xmlns:a14="http://schemas.microsoft.com/office/drawing/2010/main" w="9525">
+                <a14:hiddenLine xmlns:a14="http://schemas.microsoft.com/office/drawing/2010/main" xmlns="" w="9525">
                   <a:solidFill>
                     <a:srgbClr val="000000"/>
                   </a:solidFill>
@@ -16154,7 +16247,7 @@
             </a:ln>
             <a:extLst>
               <a:ext uri="{91240B29-F687-4f45-9708-019B960494DF}">
-                <a14:hiddenLine xmlns="" xmlns:a14="http://schemas.microsoft.com/office/drawing/2010/main" w="9525">
+                <a14:hiddenLine xmlns:a14="http://schemas.microsoft.com/office/drawing/2010/main" xmlns="" w="9525">
                   <a:solidFill>
                     <a:srgbClr val="000000"/>
                   </a:solidFill>
@@ -16244,7 +16337,7 @@
             </a:ln>
             <a:extLst>
               <a:ext uri="{91240B29-F687-4f45-9708-019B960494DF}">
-                <a14:hiddenLine xmlns="" xmlns:a14="http://schemas.microsoft.com/office/drawing/2010/main" w="9525">
+                <a14:hiddenLine xmlns:a14="http://schemas.microsoft.com/office/drawing/2010/main" xmlns="" w="9525">
                   <a:solidFill>
                     <a:srgbClr val="000000"/>
                   </a:solidFill>
@@ -16300,7 +16393,7 @@
             </a:ln>
             <a:extLst>
               <a:ext uri="{91240B29-F687-4f45-9708-019B960494DF}">
-                <a14:hiddenLine xmlns="" xmlns:a14="http://schemas.microsoft.com/office/drawing/2010/main" w="9525">
+                <a14:hiddenLine xmlns:a14="http://schemas.microsoft.com/office/drawing/2010/main" xmlns="" w="9525">
                   <a:solidFill>
                     <a:srgbClr val="000000"/>
                   </a:solidFill>
@@ -16390,7 +16483,7 @@
             </a:ln>
             <a:extLst>
               <a:ext uri="{91240B29-F687-4f45-9708-019B960494DF}">
-                <a14:hiddenLine xmlns="" xmlns:a14="http://schemas.microsoft.com/office/drawing/2010/main" w="9525">
+                <a14:hiddenLine xmlns:a14="http://schemas.microsoft.com/office/drawing/2010/main" xmlns="" w="9525">
                   <a:solidFill>
                     <a:srgbClr val="000000"/>
                   </a:solidFill>
@@ -16446,7 +16539,7 @@
             </a:ln>
             <a:extLst>
               <a:ext uri="{91240B29-F687-4f45-9708-019B960494DF}">
-                <a14:hiddenLine xmlns="" xmlns:a14="http://schemas.microsoft.com/office/drawing/2010/main" w="9525">
+                <a14:hiddenLine xmlns:a14="http://schemas.microsoft.com/office/drawing/2010/main" xmlns="" w="9525">
                   <a:solidFill>
                     <a:srgbClr val="000000"/>
                   </a:solidFill>
@@ -16536,7 +16629,7 @@
             </a:ln>
             <a:extLst>
               <a:ext uri="{91240B29-F687-4f45-9708-019B960494DF}">
-                <a14:hiddenLine xmlns="" xmlns:a14="http://schemas.microsoft.com/office/drawing/2010/main" w="9525">
+                <a14:hiddenLine xmlns:a14="http://schemas.microsoft.com/office/drawing/2010/main" xmlns="" w="9525">
                   <a:solidFill>
                     <a:srgbClr val="000000"/>
                   </a:solidFill>
@@ -16604,7 +16697,7 @@
             </a:ln>
             <a:extLst>
               <a:ext uri="{91240B29-F687-4f45-9708-019B960494DF}">
-                <a14:hiddenLine xmlns="" xmlns:a14="http://schemas.microsoft.com/office/drawing/2010/main" w="9525">
+                <a14:hiddenLine xmlns:a14="http://schemas.microsoft.com/office/drawing/2010/main" xmlns="" w="9525">
                   <a:solidFill>
                     <a:srgbClr val="000000"/>
                   </a:solidFill>
@@ -16694,7 +16787,7 @@
             </a:ln>
             <a:extLst>
               <a:ext uri="{91240B29-F687-4f45-9708-019B960494DF}">
-                <a14:hiddenLine xmlns="" xmlns:a14="http://schemas.microsoft.com/office/drawing/2010/main" w="9525">
+                <a14:hiddenLine xmlns:a14="http://schemas.microsoft.com/office/drawing/2010/main" xmlns="" w="9525">
                   <a:solidFill>
                     <a:srgbClr val="000000"/>
                   </a:solidFill>
@@ -16762,7 +16855,7 @@
             </a:ln>
             <a:extLst>
               <a:ext uri="{91240B29-F687-4f45-9708-019B960494DF}">
-                <a14:hiddenLine xmlns="" xmlns:a14="http://schemas.microsoft.com/office/drawing/2010/main" w="9525">
+                <a14:hiddenLine xmlns:a14="http://schemas.microsoft.com/office/drawing/2010/main" xmlns="" w="9525">
                   <a:solidFill>
                     <a:srgbClr val="000000"/>
                   </a:solidFill>
@@ -16852,7 +16945,7 @@
             </a:ln>
             <a:extLst>
               <a:ext uri="{91240B29-F687-4f45-9708-019B960494DF}">
-                <a14:hiddenLine xmlns="" xmlns:a14="http://schemas.microsoft.com/office/drawing/2010/main" w="9525">
+                <a14:hiddenLine xmlns:a14="http://schemas.microsoft.com/office/drawing/2010/main" xmlns="" w="9525">
                   <a:solidFill>
                     <a:srgbClr val="000000"/>
                   </a:solidFill>
@@ -16886,7 +16979,7 @@
             </a:ln>
             <a:extLst>
               <a:ext uri="{91240B29-F687-4f45-9708-019B960494DF}">
-                <a14:hiddenLine xmlns="" xmlns:a14="http://schemas.microsoft.com/office/drawing/2010/main" w="9525">
+                <a14:hiddenLine xmlns:a14="http://schemas.microsoft.com/office/drawing/2010/main" xmlns="" w="9525">
                   <a:solidFill>
                     <a:srgbClr val="000000"/>
                   </a:solidFill>
@@ -16976,7 +17069,7 @@
             </a:ln>
             <a:extLst>
               <a:ext uri="{91240B29-F687-4f45-9708-019B960494DF}">
-                <a14:hiddenLine xmlns="" xmlns:a14="http://schemas.microsoft.com/office/drawing/2010/main" w="9525">
+                <a14:hiddenLine xmlns:a14="http://schemas.microsoft.com/office/drawing/2010/main" xmlns="" w="9525">
                   <a:solidFill>
                     <a:srgbClr val="000000"/>
                   </a:solidFill>
@@ -17038,7 +17131,7 @@
             </a:ln>
             <a:extLst>
               <a:ext uri="{91240B29-F687-4f45-9708-019B960494DF}">
-                <a14:hiddenLine xmlns="" xmlns:a14="http://schemas.microsoft.com/office/drawing/2010/main" w="9525">
+                <a14:hiddenLine xmlns:a14="http://schemas.microsoft.com/office/drawing/2010/main" xmlns="" w="9525">
                   <a:solidFill>
                     <a:srgbClr val="000000"/>
                   </a:solidFill>
@@ -17100,7 +17193,7 @@
             </a:ln>
             <a:extLst>
               <a:ext uri="{91240B29-F687-4f45-9708-019B960494DF}">
-                <a14:hiddenLine xmlns="" xmlns:a14="http://schemas.microsoft.com/office/drawing/2010/main" w="9525">
+                <a14:hiddenLine xmlns:a14="http://schemas.microsoft.com/office/drawing/2010/main" xmlns="" w="9525">
                   <a:solidFill>
                     <a:srgbClr val="000000"/>
                   </a:solidFill>
@@ -17190,7 +17283,7 @@
             </a:ln>
             <a:extLst>
               <a:ext uri="{91240B29-F687-4f45-9708-019B960494DF}">
-                <a14:hiddenLine xmlns="" xmlns:a14="http://schemas.microsoft.com/office/drawing/2010/main" w="9525">
+                <a14:hiddenLine xmlns:a14="http://schemas.microsoft.com/office/drawing/2010/main" xmlns="" w="9525">
                   <a:solidFill>
                     <a:srgbClr val="000000"/>
                   </a:solidFill>
@@ -17258,7 +17351,7 @@
             </a:ln>
             <a:extLst>
               <a:ext uri="{91240B29-F687-4f45-9708-019B960494DF}">
-                <a14:hiddenLine xmlns="" xmlns:a14="http://schemas.microsoft.com/office/drawing/2010/main" w="9525">
+                <a14:hiddenLine xmlns:a14="http://schemas.microsoft.com/office/drawing/2010/main" xmlns="" w="9525">
                   <a:solidFill>
                     <a:srgbClr val="000000"/>
                   </a:solidFill>
@@ -17320,7 +17413,7 @@
             </a:ln>
             <a:extLst>
               <a:ext uri="{91240B29-F687-4f45-9708-019B960494DF}">
-                <a14:hiddenLine xmlns="" xmlns:a14="http://schemas.microsoft.com/office/drawing/2010/main" w="9525">
+                <a14:hiddenLine xmlns:a14="http://schemas.microsoft.com/office/drawing/2010/main" xmlns="" w="9525">
                   <a:solidFill>
                     <a:srgbClr val="000000"/>
                   </a:solidFill>
@@ -17410,7 +17503,7 @@
             </a:ln>
             <a:extLst>
               <a:ext uri="{91240B29-F687-4f45-9708-019B960494DF}">
-                <a14:hiddenLine xmlns="" xmlns:a14="http://schemas.microsoft.com/office/drawing/2010/main" w="9525">
+                <a14:hiddenLine xmlns:a14="http://schemas.microsoft.com/office/drawing/2010/main" xmlns="" w="9525">
                   <a:solidFill>
                     <a:srgbClr val="000000"/>
                   </a:solidFill>
@@ -17472,7 +17565,7 @@
             </a:ln>
             <a:extLst>
               <a:ext uri="{91240B29-F687-4f45-9708-019B960494DF}">
-                <a14:hiddenLine xmlns="" xmlns:a14="http://schemas.microsoft.com/office/drawing/2010/main" w="9525">
+                <a14:hiddenLine xmlns:a14="http://schemas.microsoft.com/office/drawing/2010/main" xmlns="" w="9525">
                   <a:solidFill>
                     <a:srgbClr val="000000"/>
                   </a:solidFill>
@@ -17562,7 +17655,7 @@
             </a:ln>
             <a:extLst>
               <a:ext uri="{91240B29-F687-4f45-9708-019B960494DF}">
-                <a14:hiddenLine xmlns="" xmlns:a14="http://schemas.microsoft.com/office/drawing/2010/main" w="9525">
+                <a14:hiddenLine xmlns:a14="http://schemas.microsoft.com/office/drawing/2010/main" xmlns="" w="9525">
                   <a:solidFill>
                     <a:srgbClr val="000000"/>
                   </a:solidFill>
@@ -17624,7 +17717,7 @@
             </a:ln>
             <a:extLst>
               <a:ext uri="{91240B29-F687-4f45-9708-019B960494DF}">
-                <a14:hiddenLine xmlns="" xmlns:a14="http://schemas.microsoft.com/office/drawing/2010/main" w="9525">
+                <a14:hiddenLine xmlns:a14="http://schemas.microsoft.com/office/drawing/2010/main" xmlns="" w="9525">
                   <a:solidFill>
                     <a:srgbClr val="000000"/>
                   </a:solidFill>
@@ -17714,7 +17807,7 @@
             </a:ln>
             <a:extLst>
               <a:ext uri="{91240B29-F687-4f45-9708-019B960494DF}">
-                <a14:hiddenLine xmlns="" xmlns:a14="http://schemas.microsoft.com/office/drawing/2010/main" w="9525">
+                <a14:hiddenLine xmlns:a14="http://schemas.microsoft.com/office/drawing/2010/main" xmlns="" w="9525">
                   <a:solidFill>
                     <a:srgbClr val="000000"/>
                   </a:solidFill>
@@ -17748,7 +17841,7 @@
             </a:ln>
             <a:extLst>
               <a:ext uri="{91240B29-F687-4f45-9708-019B960494DF}">
-                <a14:hiddenLine xmlns="" xmlns:a14="http://schemas.microsoft.com/office/drawing/2010/main" w="9525">
+                <a14:hiddenLine xmlns:a14="http://schemas.microsoft.com/office/drawing/2010/main" xmlns="" w="9525">
                   <a:solidFill>
                     <a:srgbClr val="000000"/>
                   </a:solidFill>
@@ -17813,7 +17906,7 @@
             </a:ln>
             <a:extLst>
               <a:ext uri="{91240B29-F687-4f45-9708-019B960494DF}">
-                <a14:hiddenLine xmlns="" xmlns:a14="http://schemas.microsoft.com/office/drawing/2010/main" w="9525">
+                <a14:hiddenLine xmlns:a14="http://schemas.microsoft.com/office/drawing/2010/main" xmlns="" w="9525">
                   <a:solidFill>
                     <a:srgbClr val="000000"/>
                   </a:solidFill>
@@ -17903,7 +17996,7 @@
             </a:ln>
             <a:extLst>
               <a:ext uri="{91240B29-F687-4f45-9708-019B960494DF}">
-                <a14:hiddenLine xmlns="" xmlns:a14="http://schemas.microsoft.com/office/drawing/2010/main" w="9525">
+                <a14:hiddenLine xmlns:a14="http://schemas.microsoft.com/office/drawing/2010/main" xmlns="" w="9525">
                   <a:solidFill>
                     <a:srgbClr val="000000"/>
                   </a:solidFill>
@@ -17965,7 +18058,7 @@
             </a:ln>
             <a:extLst>
               <a:ext uri="{91240B29-F687-4f45-9708-019B960494DF}">
-                <a14:hiddenLine xmlns="" xmlns:a14="http://schemas.microsoft.com/office/drawing/2010/main" w="9525">
+                <a14:hiddenLine xmlns:a14="http://schemas.microsoft.com/office/drawing/2010/main" xmlns="" w="9525">
                   <a:solidFill>
                     <a:srgbClr val="000000"/>
                   </a:solidFill>
@@ -18055,7 +18148,7 @@
             </a:ln>
             <a:extLst>
               <a:ext uri="{91240B29-F687-4f45-9708-019B960494DF}">
-                <a14:hiddenLine xmlns="" xmlns:a14="http://schemas.microsoft.com/office/drawing/2010/main" w="9525">
+                <a14:hiddenLine xmlns:a14="http://schemas.microsoft.com/office/drawing/2010/main" xmlns="" w="9525">
                   <a:solidFill>
                     <a:srgbClr val="000000"/>
                   </a:solidFill>
@@ -18145,7 +18238,7 @@
             </a:ln>
             <a:extLst>
               <a:ext uri="{91240B29-F687-4f45-9708-019B960494DF}">
-                <a14:hiddenLine xmlns="" xmlns:a14="http://schemas.microsoft.com/office/drawing/2010/main" w="9525">
+                <a14:hiddenLine xmlns:a14="http://schemas.microsoft.com/office/drawing/2010/main" xmlns="" w="9525">
                   <a:solidFill>
                     <a:srgbClr val="000000"/>
                   </a:solidFill>
@@ -18210,7 +18303,7 @@
             </a:ln>
             <a:extLst>
               <a:ext uri="{91240B29-F687-4f45-9708-019B960494DF}">
-                <a14:hiddenLine xmlns="" xmlns:a14="http://schemas.microsoft.com/office/drawing/2010/main" w="9525">
+                <a14:hiddenLine xmlns:a14="http://schemas.microsoft.com/office/drawing/2010/main" xmlns="" w="9525">
                   <a:solidFill>
                     <a:srgbClr val="000000"/>
                   </a:solidFill>
@@ -18272,7 +18365,7 @@
             </a:ln>
             <a:extLst>
               <a:ext uri="{91240B29-F687-4f45-9708-019B960494DF}">
-                <a14:hiddenLine xmlns="" xmlns:a14="http://schemas.microsoft.com/office/drawing/2010/main" w="9525">
+                <a14:hiddenLine xmlns:a14="http://schemas.microsoft.com/office/drawing/2010/main" xmlns="" w="9525">
                   <a:solidFill>
                     <a:srgbClr val="000000"/>
                   </a:solidFill>
@@ -18362,7 +18455,7 @@
             </a:ln>
             <a:extLst>
               <a:ext uri="{91240B29-F687-4f45-9708-019B960494DF}">
-                <a14:hiddenLine xmlns="" xmlns:a14="http://schemas.microsoft.com/office/drawing/2010/main" w="9525">
+                <a14:hiddenLine xmlns:a14="http://schemas.microsoft.com/office/drawing/2010/main" xmlns="" w="9525">
                   <a:solidFill>
                     <a:srgbClr val="000000"/>
                   </a:solidFill>
@@ -18452,7 +18545,7 @@
             </a:ln>
             <a:extLst>
               <a:ext uri="{91240B29-F687-4f45-9708-019B960494DF}">
-                <a14:hiddenLine xmlns="" xmlns:a14="http://schemas.microsoft.com/office/drawing/2010/main" w="9525">
+                <a14:hiddenLine xmlns:a14="http://schemas.microsoft.com/office/drawing/2010/main" xmlns="" w="9525">
                   <a:solidFill>
                     <a:srgbClr val="000000"/>
                   </a:solidFill>
@@ -18514,7 +18607,7 @@
             </a:ln>
             <a:extLst>
               <a:ext uri="{91240B29-F687-4f45-9708-019B960494DF}">
-                <a14:hiddenLine xmlns="" xmlns:a14="http://schemas.microsoft.com/office/drawing/2010/main" w="9525">
+                <a14:hiddenLine xmlns:a14="http://schemas.microsoft.com/office/drawing/2010/main" xmlns="" w="9525">
                   <a:solidFill>
                     <a:srgbClr val="000000"/>
                   </a:solidFill>
@@ -18634,7 +18727,7 @@
             </a:ln>
             <a:extLst>
               <a:ext uri="{91240B29-F687-4f45-9708-019B960494DF}">
-                <a14:hiddenLine xmlns="" xmlns:a14="http://schemas.microsoft.com/office/drawing/2010/main" w="9525">
+                <a14:hiddenLine xmlns:a14="http://schemas.microsoft.com/office/drawing/2010/main" xmlns="" w="9525">
                   <a:solidFill>
                     <a:srgbClr val="000000"/>
                   </a:solidFill>
@@ -18702,7 +18795,7 @@
             </a:ln>
             <a:extLst>
               <a:ext uri="{91240B29-F687-4f45-9708-019B960494DF}">
-                <a14:hiddenLine xmlns="" xmlns:a14="http://schemas.microsoft.com/office/drawing/2010/main" w="9525">
+                <a14:hiddenLine xmlns:a14="http://schemas.microsoft.com/office/drawing/2010/main" xmlns="" w="9525">
                   <a:solidFill>
                     <a:srgbClr val="000000"/>
                   </a:solidFill>
@@ -18792,7 +18885,7 @@
             </a:ln>
             <a:extLst>
               <a:ext uri="{91240B29-F687-4f45-9708-019B960494DF}">
-                <a14:hiddenLine xmlns="" xmlns:a14="http://schemas.microsoft.com/office/drawing/2010/main" w="9525">
+                <a14:hiddenLine xmlns:a14="http://schemas.microsoft.com/office/drawing/2010/main" xmlns="" w="9525">
                   <a:solidFill>
                     <a:srgbClr val="000000"/>
                   </a:solidFill>
@@ -18932,7 +19025,7 @@
           <a:p>
             <a:fld id="{B76943AF-B946-47F7-8510-2C710F5C29B5}" type="datetimeFigureOut">
               <a:rPr lang="en-US" smtClean="0"/>
-              <a:t>25-Apr-18</a:t>
+              <a:t>4/26/2018</a:t>
             </a:fld>
             <a:endParaRPr lang="en-US" dirty="0"/>
           </a:p>
@@ -19198,7 +19291,7 @@
           <a:p>
             <a:fld id="{B76943AF-B946-47F7-8510-2C710F5C29B5}" type="datetimeFigureOut">
               <a:rPr lang="en-US" smtClean="0"/>
-              <a:t>25-Apr-18</a:t>
+              <a:t>4/26/2018</a:t>
             </a:fld>
             <a:endParaRPr lang="en-US" dirty="0"/>
           </a:p>
@@ -19394,7 +19487,7 @@
           <a:p>
             <a:fld id="{B76943AF-B946-47F7-8510-2C710F5C29B5}" type="datetimeFigureOut">
               <a:rPr lang="en-US" smtClean="0"/>
-              <a:t>25-Apr-18</a:t>
+              <a:t>4/26/2018</a:t>
             </a:fld>
             <a:endParaRPr lang="en-US" dirty="0"/>
           </a:p>
@@ -19657,7 +19750,7 @@
           <a:p>
             <a:fld id="{B76943AF-B946-47F7-8510-2C710F5C29B5}" type="datetimeFigureOut">
               <a:rPr lang="en-US" smtClean="0"/>
-              <a:t>25-Apr-18</a:t>
+              <a:t>4/26/2018</a:t>
             </a:fld>
             <a:endParaRPr lang="en-US" dirty="0"/>
           </a:p>
@@ -20136,7 +20229,7 @@
           <a:p>
             <a:fld id="{B76943AF-B946-47F7-8510-2C710F5C29B5}" type="datetimeFigureOut">
               <a:rPr lang="en-US" smtClean="0"/>
-              <a:t>25-Apr-18</a:t>
+              <a:t>4/26/2018</a:t>
             </a:fld>
             <a:endParaRPr lang="en-US" dirty="0"/>
           </a:p>
@@ -20682,7 +20775,7 @@
           <a:p>
             <a:fld id="{B76943AF-B946-47F7-8510-2C710F5C29B5}" type="datetimeFigureOut">
               <a:rPr lang="en-US" smtClean="0"/>
-              <a:t>25-Apr-18</a:t>
+              <a:t>4/26/2018</a:t>
             </a:fld>
             <a:endParaRPr lang="en-US" dirty="0"/>
           </a:p>
@@ -21399,7 +21492,7 @@
           <a:p>
             <a:fld id="{B76943AF-B946-47F7-8510-2C710F5C29B5}" type="datetimeFigureOut">
               <a:rPr lang="en-US" smtClean="0"/>
-              <a:t>25-Apr-18</a:t>
+              <a:t>4/26/2018</a:t>
             </a:fld>
             <a:endParaRPr lang="en-US" dirty="0"/>
           </a:p>
@@ -21569,7 +21662,7 @@
           <a:p>
             <a:fld id="{B76943AF-B946-47F7-8510-2C710F5C29B5}" type="datetimeFigureOut">
               <a:rPr lang="en-US" smtClean="0"/>
-              <a:t>25-Apr-18</a:t>
+              <a:t>4/26/2018</a:t>
             </a:fld>
             <a:endParaRPr lang="en-US" dirty="0"/>
           </a:p>
@@ -21749,7 +21842,7 @@
           <a:p>
             <a:fld id="{B76943AF-B946-47F7-8510-2C710F5C29B5}" type="datetimeFigureOut">
               <a:rPr lang="en-US" smtClean="0"/>
-              <a:t>25-Apr-18</a:t>
+              <a:t>4/26/2018</a:t>
             </a:fld>
             <a:endParaRPr lang="en-US" dirty="0"/>
           </a:p>
@@ -21919,7 +22012,7 @@
           <a:p>
             <a:fld id="{B76943AF-B946-47F7-8510-2C710F5C29B5}" type="datetimeFigureOut">
               <a:rPr lang="en-US" smtClean="0"/>
-              <a:t>25-Apr-18</a:t>
+              <a:t>4/26/2018</a:t>
             </a:fld>
             <a:endParaRPr lang="en-US" dirty="0"/>
           </a:p>
@@ -22259,7 +22352,7 @@
           <a:p>
             <a:fld id="{B76943AF-B946-47F7-8510-2C710F5C29B5}" type="datetimeFigureOut">
               <a:rPr lang="en-US" smtClean="0"/>
-              <a:t>25-Apr-18</a:t>
+              <a:t>4/26/2018</a:t>
             </a:fld>
             <a:endParaRPr lang="en-US" dirty="0"/>
           </a:p>
@@ -22491,7 +22584,7 @@
           <a:p>
             <a:fld id="{B76943AF-B946-47F7-8510-2C710F5C29B5}" type="datetimeFigureOut">
               <a:rPr lang="en-US" smtClean="0"/>
-              <a:t>25-Apr-18</a:t>
+              <a:t>4/26/2018</a:t>
             </a:fld>
             <a:endParaRPr lang="en-US" dirty="0"/>
           </a:p>
@@ -22872,7 +22965,7 @@
           <a:p>
             <a:fld id="{B76943AF-B946-47F7-8510-2C710F5C29B5}" type="datetimeFigureOut">
               <a:rPr lang="en-US" smtClean="0"/>
-              <a:t>25-Apr-18</a:t>
+              <a:t>4/26/2018</a:t>
             </a:fld>
             <a:endParaRPr lang="en-US" dirty="0"/>
           </a:p>
@@ -22990,7 +23083,7 @@
           <a:p>
             <a:fld id="{B76943AF-B946-47F7-8510-2C710F5C29B5}" type="datetimeFigureOut">
               <a:rPr lang="en-US" smtClean="0"/>
-              <a:t>25-Apr-18</a:t>
+              <a:t>4/26/2018</a:t>
             </a:fld>
             <a:endParaRPr lang="en-US" dirty="0"/>
           </a:p>
@@ -23085,7 +23178,7 @@
           <a:p>
             <a:fld id="{B76943AF-B946-47F7-8510-2C710F5C29B5}" type="datetimeFigureOut">
               <a:rPr lang="en-US" smtClean="0"/>
-              <a:t>25-Apr-18</a:t>
+              <a:t>4/26/2018</a:t>
             </a:fld>
             <a:endParaRPr lang="en-US" dirty="0"/>
           </a:p>
@@ -23334,7 +23427,7 @@
           <a:p>
             <a:fld id="{B76943AF-B946-47F7-8510-2C710F5C29B5}" type="datetimeFigureOut">
               <a:rPr lang="en-US" smtClean="0"/>
-              <a:t>25-Apr-18</a:t>
+              <a:t>4/26/2018</a:t>
             </a:fld>
             <a:endParaRPr lang="en-US" dirty="0"/>
           </a:p>
@@ -23613,7 +23706,7 @@
           <a:p>
             <a:fld id="{B76943AF-B946-47F7-8510-2C710F5C29B5}" type="datetimeFigureOut">
               <a:rPr lang="en-US" smtClean="0"/>
-              <a:t>25-Apr-18</a:t>
+              <a:t>4/26/2018</a:t>
             </a:fld>
             <a:endParaRPr lang="en-US" dirty="0"/>
           </a:p>
@@ -23772,7 +23865,7 @@
               </a:ln>
               <a:extLst>
                 <a:ext uri="{91240B29-F687-4f45-9708-019B960494DF}">
-                  <a14:hiddenLine xmlns="" xmlns:a14="http://schemas.microsoft.com/office/drawing/2010/main" w="9525">
+                  <a14:hiddenLine xmlns:a14="http://schemas.microsoft.com/office/drawing/2010/main" xmlns="" w="9525">
                     <a:solidFill>
                       <a:srgbClr val="000000"/>
                     </a:solidFill>
@@ -23862,7 +23955,7 @@
               </a:ln>
               <a:extLst>
                 <a:ext uri="{91240B29-F687-4f45-9708-019B960494DF}">
-                  <a14:hiddenLine xmlns="" xmlns:a14="http://schemas.microsoft.com/office/drawing/2010/main" w="9525">
+                  <a14:hiddenLine xmlns:a14="http://schemas.microsoft.com/office/drawing/2010/main" xmlns="" w="9525">
                     <a:solidFill>
                       <a:srgbClr val="000000"/>
                     </a:solidFill>
@@ -23952,7 +24045,7 @@
               </a:ln>
               <a:extLst>
                 <a:ext uri="{91240B29-F687-4f45-9708-019B960494DF}">
-                  <a14:hiddenLine xmlns="" xmlns:a14="http://schemas.microsoft.com/office/drawing/2010/main" w="9525">
+                  <a14:hiddenLine xmlns:a14="http://schemas.microsoft.com/office/drawing/2010/main" xmlns="" w="9525">
                     <a:solidFill>
                       <a:srgbClr val="000000"/>
                     </a:solidFill>
@@ -24014,7 +24107,7 @@
               </a:ln>
               <a:extLst>
                 <a:ext uri="{91240B29-F687-4f45-9708-019B960494DF}">
-                  <a14:hiddenLine xmlns="" xmlns:a14="http://schemas.microsoft.com/office/drawing/2010/main" w="9525">
+                  <a14:hiddenLine xmlns:a14="http://schemas.microsoft.com/office/drawing/2010/main" xmlns="" w="9525">
                     <a:solidFill>
                       <a:srgbClr val="000000"/>
                     </a:solidFill>
@@ -24104,7 +24197,7 @@
               </a:ln>
               <a:extLst>
                 <a:ext uri="{91240B29-F687-4f45-9708-019B960494DF}">
-                  <a14:hiddenLine xmlns="" xmlns:a14="http://schemas.microsoft.com/office/drawing/2010/main" w="9525">
+                  <a14:hiddenLine xmlns:a14="http://schemas.microsoft.com/office/drawing/2010/main" xmlns="" w="9525">
                     <a:solidFill>
                       <a:srgbClr val="000000"/>
                     </a:solidFill>
@@ -24166,7 +24259,7 @@
               </a:ln>
               <a:extLst>
                 <a:ext uri="{91240B29-F687-4f45-9708-019B960494DF}">
-                  <a14:hiddenLine xmlns="" xmlns:a14="http://schemas.microsoft.com/office/drawing/2010/main" w="9525">
+                  <a14:hiddenLine xmlns:a14="http://schemas.microsoft.com/office/drawing/2010/main" xmlns="" w="9525">
                     <a:solidFill>
                       <a:srgbClr val="000000"/>
                     </a:solidFill>
@@ -24228,7 +24321,7 @@
               </a:ln>
               <a:extLst>
                 <a:ext uri="{91240B29-F687-4f45-9708-019B960494DF}">
-                  <a14:hiddenLine xmlns="" xmlns:a14="http://schemas.microsoft.com/office/drawing/2010/main" w="9525">
+                  <a14:hiddenLine xmlns:a14="http://schemas.microsoft.com/office/drawing/2010/main" xmlns="" w="9525">
                     <a:solidFill>
                       <a:srgbClr val="000000"/>
                     </a:solidFill>
@@ -24318,7 +24411,7 @@
               </a:ln>
               <a:extLst>
                 <a:ext uri="{91240B29-F687-4f45-9708-019B960494DF}">
-                  <a14:hiddenLine xmlns="" xmlns:a14="http://schemas.microsoft.com/office/drawing/2010/main" w="9525">
+                  <a14:hiddenLine xmlns:a14="http://schemas.microsoft.com/office/drawing/2010/main" xmlns="" w="9525">
                     <a:solidFill>
                       <a:srgbClr val="000000"/>
                     </a:solidFill>
@@ -24408,7 +24501,7 @@
               </a:ln>
               <a:extLst>
                 <a:ext uri="{91240B29-F687-4f45-9708-019B960494DF}">
-                  <a14:hiddenLine xmlns="" xmlns:a14="http://schemas.microsoft.com/office/drawing/2010/main" w="9525">
+                  <a14:hiddenLine xmlns:a14="http://schemas.microsoft.com/office/drawing/2010/main" xmlns="" w="9525">
                     <a:solidFill>
                       <a:srgbClr val="000000"/>
                     </a:solidFill>
@@ -24470,7 +24563,7 @@
               </a:ln>
               <a:extLst>
                 <a:ext uri="{91240B29-F687-4f45-9708-019B960494DF}">
-                  <a14:hiddenLine xmlns="" xmlns:a14="http://schemas.microsoft.com/office/drawing/2010/main" w="9525">
+                  <a14:hiddenLine xmlns:a14="http://schemas.microsoft.com/office/drawing/2010/main" xmlns="" w="9525">
                     <a:solidFill>
                       <a:srgbClr val="000000"/>
                     </a:solidFill>
@@ -24580,7 +24673,7 @@
               </a:ln>
               <a:extLst>
                 <a:ext uri="{91240B29-F687-4f45-9708-019B960494DF}">
-                  <a14:hiddenLine xmlns="" xmlns:a14="http://schemas.microsoft.com/office/drawing/2010/main" w="9525">
+                  <a14:hiddenLine xmlns:a14="http://schemas.microsoft.com/office/drawing/2010/main" xmlns="" w="9525">
                     <a:solidFill>
                       <a:srgbClr val="000000"/>
                     </a:solidFill>
@@ -24664,7 +24757,7 @@
               </a:ln>
               <a:extLst>
                 <a:ext uri="{91240B29-F687-4f45-9708-019B960494DF}">
-                  <a14:hiddenLine xmlns="" xmlns:a14="http://schemas.microsoft.com/office/drawing/2010/main" w="9525">
+                  <a14:hiddenLine xmlns:a14="http://schemas.microsoft.com/office/drawing/2010/main" xmlns="" w="9525">
                     <a:solidFill>
                       <a:srgbClr val="000000"/>
                     </a:solidFill>
@@ -24726,7 +24819,7 @@
               </a:ln>
               <a:extLst>
                 <a:ext uri="{91240B29-F687-4f45-9708-019B960494DF}">
-                  <a14:hiddenLine xmlns="" xmlns:a14="http://schemas.microsoft.com/office/drawing/2010/main" w="9525">
+                  <a14:hiddenLine xmlns:a14="http://schemas.microsoft.com/office/drawing/2010/main" xmlns="" w="9525">
                     <a:solidFill>
                       <a:srgbClr val="000000"/>
                     </a:solidFill>
@@ -24788,7 +24881,7 @@
               </a:ln>
               <a:extLst>
                 <a:ext uri="{91240B29-F687-4f45-9708-019B960494DF}">
-                  <a14:hiddenLine xmlns="" xmlns:a14="http://schemas.microsoft.com/office/drawing/2010/main" w="9525">
+                  <a14:hiddenLine xmlns:a14="http://schemas.microsoft.com/office/drawing/2010/main" xmlns="" w="9525">
                     <a:solidFill>
                       <a:srgbClr val="000000"/>
                     </a:solidFill>
@@ -24878,7 +24971,7 @@
               </a:ln>
               <a:extLst>
                 <a:ext uri="{91240B29-F687-4f45-9708-019B960494DF}">
-                  <a14:hiddenLine xmlns="" xmlns:a14="http://schemas.microsoft.com/office/drawing/2010/main" w="9525">
+                  <a14:hiddenLine xmlns:a14="http://schemas.microsoft.com/office/drawing/2010/main" xmlns="" w="9525">
                     <a:solidFill>
                       <a:srgbClr val="000000"/>
                     </a:solidFill>
@@ -24912,7 +25005,7 @@
               </a:ln>
               <a:extLst>
                 <a:ext uri="{91240B29-F687-4f45-9708-019B960494DF}">
-                  <a14:hiddenLine xmlns="" xmlns:a14="http://schemas.microsoft.com/office/drawing/2010/main" w="9525">
+                  <a14:hiddenLine xmlns:a14="http://schemas.microsoft.com/office/drawing/2010/main" xmlns="" w="9525">
                     <a:solidFill>
                       <a:srgbClr val="000000"/>
                     </a:solidFill>
@@ -24977,7 +25070,7 @@
               </a:ln>
               <a:extLst>
                 <a:ext uri="{91240B29-F687-4f45-9708-019B960494DF}">
-                  <a14:hiddenLine xmlns="" xmlns:a14="http://schemas.microsoft.com/office/drawing/2010/main" w="9525">
+                  <a14:hiddenLine xmlns:a14="http://schemas.microsoft.com/office/drawing/2010/main" xmlns="" w="9525">
                     <a:solidFill>
                       <a:srgbClr val="000000"/>
                     </a:solidFill>
@@ -25067,7 +25160,7 @@
               </a:ln>
               <a:extLst>
                 <a:ext uri="{91240B29-F687-4f45-9708-019B960494DF}">
-                  <a14:hiddenLine xmlns="" xmlns:a14="http://schemas.microsoft.com/office/drawing/2010/main" w="9525">
+                  <a14:hiddenLine xmlns:a14="http://schemas.microsoft.com/office/drawing/2010/main" xmlns="" w="9525">
                     <a:solidFill>
                       <a:srgbClr val="000000"/>
                     </a:solidFill>
@@ -25129,7 +25222,7 @@
               </a:ln>
               <a:extLst>
                 <a:ext uri="{91240B29-F687-4f45-9708-019B960494DF}">
-                  <a14:hiddenLine xmlns="" xmlns:a14="http://schemas.microsoft.com/office/drawing/2010/main" w="9525">
+                  <a14:hiddenLine xmlns:a14="http://schemas.microsoft.com/office/drawing/2010/main" xmlns="" w="9525">
                     <a:solidFill>
                       <a:srgbClr val="000000"/>
                     </a:solidFill>
@@ -25219,7 +25312,7 @@
               </a:ln>
               <a:extLst>
                 <a:ext uri="{91240B29-F687-4f45-9708-019B960494DF}">
-                  <a14:hiddenLine xmlns="" xmlns:a14="http://schemas.microsoft.com/office/drawing/2010/main" w="9525">
+                  <a14:hiddenLine xmlns:a14="http://schemas.microsoft.com/office/drawing/2010/main" xmlns="" w="9525">
                     <a:solidFill>
                       <a:srgbClr val="000000"/>
                     </a:solidFill>
@@ -25284,7 +25377,7 @@
               </a:ln>
               <a:extLst>
                 <a:ext uri="{91240B29-F687-4f45-9708-019B960494DF}">
-                  <a14:hiddenLine xmlns="" xmlns:a14="http://schemas.microsoft.com/office/drawing/2010/main" w="9525">
+                  <a14:hiddenLine xmlns:a14="http://schemas.microsoft.com/office/drawing/2010/main" xmlns="" w="9525">
                     <a:solidFill>
                       <a:srgbClr val="000000"/>
                     </a:solidFill>
@@ -25346,7 +25439,7 @@
               </a:ln>
               <a:extLst>
                 <a:ext uri="{91240B29-F687-4f45-9708-019B960494DF}">
-                  <a14:hiddenLine xmlns="" xmlns:a14="http://schemas.microsoft.com/office/drawing/2010/main" w="9525">
+                  <a14:hiddenLine xmlns:a14="http://schemas.microsoft.com/office/drawing/2010/main" xmlns="" w="9525">
                     <a:solidFill>
                       <a:srgbClr val="000000"/>
                     </a:solidFill>
@@ -25436,7 +25529,7 @@
               </a:ln>
               <a:extLst>
                 <a:ext uri="{91240B29-F687-4f45-9708-019B960494DF}">
-                  <a14:hiddenLine xmlns="" xmlns:a14="http://schemas.microsoft.com/office/drawing/2010/main" w="9525">
+                  <a14:hiddenLine xmlns:a14="http://schemas.microsoft.com/office/drawing/2010/main" xmlns="" w="9525">
                     <a:solidFill>
                       <a:srgbClr val="000000"/>
                     </a:solidFill>
@@ -25526,7 +25619,7 @@
               </a:ln>
               <a:extLst>
                 <a:ext uri="{91240B29-F687-4f45-9708-019B960494DF}">
-                  <a14:hiddenLine xmlns="" xmlns:a14="http://schemas.microsoft.com/office/drawing/2010/main" w="9525">
+                  <a14:hiddenLine xmlns:a14="http://schemas.microsoft.com/office/drawing/2010/main" xmlns="" w="9525">
                     <a:solidFill>
                       <a:srgbClr val="000000"/>
                     </a:solidFill>
@@ -25591,7 +25684,7 @@
               </a:ln>
               <a:extLst>
                 <a:ext uri="{91240B29-F687-4f45-9708-019B960494DF}">
-                  <a14:hiddenLine xmlns="" xmlns:a14="http://schemas.microsoft.com/office/drawing/2010/main" w="9525">
+                  <a14:hiddenLine xmlns:a14="http://schemas.microsoft.com/office/drawing/2010/main" xmlns="" w="9525">
                     <a:solidFill>
                       <a:srgbClr val="000000"/>
                     </a:solidFill>
@@ -25711,7 +25804,7 @@
               </a:ln>
               <a:extLst>
                 <a:ext uri="{91240B29-F687-4f45-9708-019B960494DF}">
-                  <a14:hiddenLine xmlns="" xmlns:a14="http://schemas.microsoft.com/office/drawing/2010/main" w="9525">
+                  <a14:hiddenLine xmlns:a14="http://schemas.microsoft.com/office/drawing/2010/main" xmlns="" w="9525">
                     <a:solidFill>
                       <a:srgbClr val="000000"/>
                     </a:solidFill>
@@ -25809,7 +25902,7 @@
               </a:ln>
               <a:extLst>
                 <a:ext uri="{91240B29-F687-4f45-9708-019B960494DF}">
-                  <a14:hiddenLine xmlns="" xmlns:a14="http://schemas.microsoft.com/office/drawing/2010/main" w="9525">
+                  <a14:hiddenLine xmlns:a14="http://schemas.microsoft.com/office/drawing/2010/main" xmlns="" w="9525">
                     <a:solidFill>
                       <a:srgbClr val="000000"/>
                     </a:solidFill>
@@ -25924,7 +26017,7 @@
               </a:ln>
               <a:extLst>
                 <a:ext uri="{91240B29-F687-4f45-9708-019B960494DF}">
-                  <a14:hiddenLine xmlns="" xmlns:a14="http://schemas.microsoft.com/office/drawing/2010/main" w="9525">
+                  <a14:hiddenLine xmlns:a14="http://schemas.microsoft.com/office/drawing/2010/main" xmlns="" w="9525">
                     <a:solidFill>
                       <a:srgbClr val="000000"/>
                     </a:solidFill>
@@ -26014,7 +26107,7 @@
               </a:ln>
               <a:extLst>
                 <a:ext uri="{91240B29-F687-4f45-9708-019B960494DF}">
-                  <a14:hiddenLine xmlns="" xmlns:a14="http://schemas.microsoft.com/office/drawing/2010/main" w="9525">
+                  <a14:hiddenLine xmlns:a14="http://schemas.microsoft.com/office/drawing/2010/main" xmlns="" w="9525">
                     <a:solidFill>
                       <a:srgbClr val="000000"/>
                     </a:solidFill>
@@ -26079,7 +26172,7 @@
               </a:ln>
               <a:extLst>
                 <a:ext uri="{91240B29-F687-4f45-9708-019B960494DF}">
-                  <a14:hiddenLine xmlns="" xmlns:a14="http://schemas.microsoft.com/office/drawing/2010/main" w="9525">
+                  <a14:hiddenLine xmlns:a14="http://schemas.microsoft.com/office/drawing/2010/main" xmlns="" w="9525">
                     <a:solidFill>
                       <a:srgbClr val="000000"/>
                     </a:solidFill>
@@ -26169,7 +26262,7 @@
               </a:ln>
               <a:extLst>
                 <a:ext uri="{91240B29-F687-4f45-9708-019B960494DF}">
-                  <a14:hiddenLine xmlns="" xmlns:a14="http://schemas.microsoft.com/office/drawing/2010/main" w="9525">
+                  <a14:hiddenLine xmlns:a14="http://schemas.microsoft.com/office/drawing/2010/main" xmlns="" w="9525">
                     <a:solidFill>
                       <a:srgbClr val="000000"/>
                     </a:solidFill>
@@ -26237,7 +26330,7 @@
               </a:ln>
               <a:extLst>
                 <a:ext uri="{91240B29-F687-4f45-9708-019B960494DF}">
-                  <a14:hiddenLine xmlns="" xmlns:a14="http://schemas.microsoft.com/office/drawing/2010/main" w="9525">
+                  <a14:hiddenLine xmlns:a14="http://schemas.microsoft.com/office/drawing/2010/main" xmlns="" w="9525">
                     <a:solidFill>
                       <a:srgbClr val="000000"/>
                     </a:solidFill>
@@ -26327,7 +26420,7 @@
               </a:ln>
               <a:extLst>
                 <a:ext uri="{91240B29-F687-4f45-9708-019B960494DF}">
-                  <a14:hiddenLine xmlns="" xmlns:a14="http://schemas.microsoft.com/office/drawing/2010/main" w="9525">
+                  <a14:hiddenLine xmlns:a14="http://schemas.microsoft.com/office/drawing/2010/main" xmlns="" w="9525">
                     <a:solidFill>
                       <a:srgbClr val="000000"/>
                     </a:solidFill>
@@ -26395,7 +26488,7 @@
               </a:ln>
               <a:extLst>
                 <a:ext uri="{91240B29-F687-4f45-9708-019B960494DF}">
-                  <a14:hiddenLine xmlns="" xmlns:a14="http://schemas.microsoft.com/office/drawing/2010/main" w="9525">
+                  <a14:hiddenLine xmlns:a14="http://schemas.microsoft.com/office/drawing/2010/main" xmlns="" w="9525">
                     <a:solidFill>
                       <a:srgbClr val="000000"/>
                     </a:solidFill>
@@ -26485,7 +26578,7 @@
               </a:ln>
               <a:extLst>
                 <a:ext uri="{91240B29-F687-4f45-9708-019B960494DF}">
-                  <a14:hiddenLine xmlns="" xmlns:a14="http://schemas.microsoft.com/office/drawing/2010/main" w="9525">
+                  <a14:hiddenLine xmlns:a14="http://schemas.microsoft.com/office/drawing/2010/main" xmlns="" w="9525">
                     <a:solidFill>
                       <a:srgbClr val="000000"/>
                     </a:solidFill>
@@ -26519,7 +26612,7 @@
               </a:ln>
               <a:extLst>
                 <a:ext uri="{91240B29-F687-4f45-9708-019B960494DF}">
-                  <a14:hiddenLine xmlns="" xmlns:a14="http://schemas.microsoft.com/office/drawing/2010/main" w="9525">
+                  <a14:hiddenLine xmlns:a14="http://schemas.microsoft.com/office/drawing/2010/main" xmlns="" w="9525">
                     <a:solidFill>
                       <a:srgbClr val="000000"/>
                     </a:solidFill>
@@ -26659,7 +26752,7 @@
           <a:p>
             <a:fld id="{B76943AF-B946-47F7-8510-2C710F5C29B5}" type="datetimeFigureOut">
               <a:rPr lang="en-US" smtClean="0"/>
-              <a:t>25-Apr-18</a:t>
+              <a:t>4/26/2018</a:t>
             </a:fld>
             <a:endParaRPr lang="en-US" dirty="0"/>
           </a:p>
@@ -27293,7 +27386,7 @@
           <p:cNvPr id="2" name="Title 1">
             <a:extLst>
               <a:ext uri="{FF2B5EF4-FFF2-40B4-BE49-F238E27FC236}">
-                <a16:creationId xmlns:a16="http://schemas.microsoft.com/office/drawing/2014/main" id="{EF64A133-A75A-4EA3-AFC9-6C6E1297A1F6}"/>
+                <a16:creationId xmlns:a16="http://schemas.microsoft.com/office/drawing/2014/main" id="{DCC904C0-05DD-4AC7-85C7-49ECB559433D}"/>
               </a:ext>
             </a:extLst>
           </p:cNvPr>
@@ -27304,38 +27397,48 @@
             <p:ph type="title"/>
           </p:nvPr>
         </p:nvSpPr>
-        <p:spPr/>
+        <p:spPr>
+          <a:xfrm>
+            <a:off x="1446212" y="609599"/>
+            <a:ext cx="9302752" cy="2748429"/>
+          </a:xfrm>
+        </p:spPr>
         <p:txBody>
           <a:bodyPr/>
           <a:lstStyle/>
           <a:p>
             <a:r>
-              <a:rPr lang="pl-PL" dirty="0"/>
-              <a:t>WHAT DOES </a:t>
-            </a:r>
-            <a:r>
-              <a:rPr lang="pl-PL" dirty="0">
+              <a:rPr lang="en-US" cap="none" dirty="0"/>
+              <a:t>The entrepreneur wants a business where they can deal with people and </a:t>
+            </a:r>
+            <a:r>
+              <a:rPr lang="en-US" cap="none" dirty="0">
                 <a:solidFill>
                   <a:schemeClr val="tx2">
                     <a:lumMod val="75000"/>
                   </a:schemeClr>
                 </a:solidFill>
               </a:rPr>
-              <a:t>THE BUSINESS </a:t>
-            </a:r>
-            <a:r>
-              <a:rPr lang="pl-PL" dirty="0"/>
-              <a:t>NEED?</a:t>
-            </a:r>
+              <a:t>build profits</a:t>
+            </a:r>
+            <a:r>
+              <a:rPr lang="en-US" cap="none" dirty="0"/>
+              <a:t>, not extract profits</a:t>
+            </a:r>
+            <a:r>
+              <a:rPr lang="pl-PL" cap="none" dirty="0"/>
+              <a:t>.</a:t>
+            </a:r>
+            <a:endParaRPr lang="en-US" cap="none" dirty="0"/>
           </a:p>
         </p:txBody>
       </p:sp>
       <p:sp>
         <p:nvSpPr>
-          <p:cNvPr id="3" name="Content Placeholder 2">
+          <p:cNvPr id="3" name="Text Placeholder 2">
             <a:extLst>
               <a:ext uri="{FF2B5EF4-FFF2-40B4-BE49-F238E27FC236}">
-                <a16:creationId xmlns:a16="http://schemas.microsoft.com/office/drawing/2014/main" id="{21BC3B13-91C2-4964-A2E1-5141059D33C9}"/>
+                <a16:creationId xmlns:a16="http://schemas.microsoft.com/office/drawing/2014/main" id="{3EA1BABA-F0F9-4F4D-8FFF-D09C4F6FE1E8}"/>
               </a:ext>
             </a:extLst>
           </p:cNvPr>
@@ -27343,135 +27446,53 @@
             <a:spLocks noGrp="1"/>
           </p:cNvSpPr>
           <p:nvPr>
-            <p:ph idx="1"/>
+            <p:ph type="body" sz="half" idx="13"/>
           </p:nvPr>
         </p:nvSpPr>
-        <p:spPr/>
+        <p:spPr>
+          <a:xfrm>
+            <a:off x="1443036" y="3358028"/>
+            <a:ext cx="8752299" cy="548968"/>
+          </a:xfrm>
+        </p:spPr>
         <p:txBody>
-          <a:bodyPr/>
+          <a:bodyPr>
+            <a:normAutofit/>
+          </a:bodyPr>
           <a:lstStyle/>
           <a:p>
             <a:r>
-              <a:rPr lang="en-US" dirty="0"/>
-              <a:t>We're looking for </a:t>
-            </a:r>
-            <a:r>
-              <a:rPr lang="pl-PL" dirty="0"/>
-              <a:t>a</a:t>
-            </a:r>
-            <a:r>
-              <a:rPr lang="en-US" dirty="0"/>
-              <a:t> repeated, no-end-in-sight game</a:t>
-            </a:r>
-            <a:endParaRPr lang="pl-PL" dirty="0"/>
-          </a:p>
-          <a:p>
-            <a:r>
-              <a:rPr lang="pl-PL" dirty="0"/>
-              <a:t>W</a:t>
-            </a:r>
-            <a:r>
-              <a:rPr lang="en-US" dirty="0"/>
-              <a:t>e want to remember who we are dealing with</a:t>
-            </a:r>
-            <a:endParaRPr lang="pl-PL" dirty="0"/>
-          </a:p>
-          <a:p>
-            <a:r>
-              <a:rPr lang="pl-PL" dirty="0"/>
-              <a:t>W</a:t>
-            </a:r>
-            <a:r>
-              <a:rPr lang="en-US" dirty="0"/>
-              <a:t>e need rules of the game</a:t>
-            </a:r>
-            <a:r>
-              <a:rPr lang="pl-PL" dirty="0"/>
-              <a:t> &amp; we </a:t>
-            </a:r>
-            <a:r>
-              <a:rPr lang="pl-PL" dirty="0" err="1"/>
-              <a:t>need</a:t>
-            </a:r>
-            <a:r>
-              <a:rPr lang="pl-PL" dirty="0"/>
-              <a:t> a</a:t>
-            </a:r>
-            <a:r>
-              <a:rPr lang="en-US" dirty="0"/>
-              <a:t> way to hold </a:t>
-            </a:r>
-            <a:r>
-              <a:rPr lang="pl-PL" dirty="0"/>
-              <a:t>a </a:t>
-            </a:r>
-            <a:r>
-              <a:rPr lang="pl-PL" dirty="0" err="1"/>
-              <a:t>violator</a:t>
-            </a:r>
-            <a:r>
-              <a:rPr lang="pl-PL" dirty="0"/>
+              <a:rPr lang="pl-PL" sz="1600" dirty="0" err="1"/>
+              <a:t>Ian</a:t>
+            </a:r>
+            <a:r>
+              <a:rPr lang="pl-PL" sz="1600" dirty="0"/>
               <a:t> </a:t>
             </a:r>
             <a:r>
-              <a:rPr lang="en-US" dirty="0"/>
-              <a:t>to account</a:t>
-            </a:r>
-            <a:endParaRPr lang="pl-PL" dirty="0"/>
-          </a:p>
-          <a:p>
-            <a:r>
-              <a:rPr lang="pl-PL" dirty="0"/>
-              <a:t>We </a:t>
-            </a:r>
-            <a:r>
-              <a:rPr lang="pl-PL" dirty="0" err="1"/>
-              <a:t>need</a:t>
-            </a:r>
-            <a:r>
-              <a:rPr lang="pl-PL" dirty="0"/>
-              <a:t> a </a:t>
-            </a:r>
-            <a:r>
-              <a:rPr lang="pl-PL" dirty="0">
-                <a:solidFill>
-                  <a:schemeClr val="tx2">
-                    <a:lumMod val="75000"/>
-                  </a:schemeClr>
-                </a:solidFill>
-              </a:rPr>
-              <a:t>win-win</a:t>
-            </a:r>
-            <a:r>
-              <a:rPr lang="pl-PL" dirty="0"/>
-              <a:t> /</a:t>
-            </a:r>
-            <a:r>
-              <a:rPr lang="en-US" dirty="0"/>
-              <a:t> </a:t>
-            </a:r>
-            <a:r>
-              <a:rPr lang="en-US" dirty="0">
-                <a:solidFill>
-                  <a:schemeClr val="tx2">
-                    <a:lumMod val="75000"/>
-                  </a:schemeClr>
-                </a:solidFill>
-              </a:rPr>
-              <a:t>net-positive</a:t>
-            </a:r>
-            <a:r>
-              <a:rPr lang="en-US" dirty="0"/>
-              <a:t> game</a:t>
-            </a:r>
-            <a:endParaRPr lang="pl-PL" dirty="0"/>
+              <a:rPr lang="pl-PL" sz="1600" dirty="0" err="1"/>
+              <a:t>Grigg</a:t>
+            </a:r>
+            <a:r>
+              <a:rPr lang="pl-PL" sz="1600" dirty="0"/>
+              <a:t>, </a:t>
+            </a:r>
+            <a:r>
+              <a:rPr lang="pl-PL" sz="1600" dirty="0" err="1"/>
+              <a:t>block.one</a:t>
+            </a:r>
+            <a:r>
+              <a:rPr lang="pl-PL" sz="1600" dirty="0"/>
+              <a:t> partner</a:t>
+            </a:r>
+            <a:endParaRPr lang="en-US" sz="1600" dirty="0"/>
           </a:p>
         </p:txBody>
       </p:sp>
     </p:spTree>
     <p:extLst>
       <p:ext uri="{BB962C8B-B14F-4D97-AF65-F5344CB8AC3E}">
-        <p14:creationId xmlns:p14="http://schemas.microsoft.com/office/powerpoint/2010/main" val="3886206608"/>
+        <p14:creationId xmlns:p14="http://schemas.microsoft.com/office/powerpoint/2010/main" val="4053895154"/>
       </p:ext>
     </p:extLst>
   </p:cSld>
@@ -27528,8 +27549,12 @@
           <a:lstStyle/>
           <a:p>
             <a:r>
+              <a:rPr lang="pl-PL" cap="none" dirty="0"/>
+              <a:t>T</a:t>
+            </a:r>
+            <a:r>
               <a:rPr lang="en-US" cap="none" dirty="0"/>
-              <a:t>The entrepreneur wants a business where they can deal with people and </a:t>
+              <a:t>he blockchain for business is the blockchain that </a:t>
             </a:r>
             <a:r>
               <a:rPr lang="en-US" cap="none" dirty="0">
@@ -27539,17 +27564,12 @@
                   </a:schemeClr>
                 </a:solidFill>
               </a:rPr>
-              <a:t>build profits</a:t>
+              <a:t>solves the black swan</a:t>
             </a:r>
             <a:r>
               <a:rPr lang="en-US" cap="none" dirty="0"/>
-              <a:t>, not extract profits</a:t>
-            </a:r>
-            <a:r>
-              <a:rPr lang="pl-PL" cap="none" dirty="0"/>
               <a:t>.</a:t>
             </a:r>
-            <a:endParaRPr lang="en-US" cap="none" dirty="0"/>
           </a:p>
         </p:txBody>
       </p:sp>
@@ -27612,7 +27632,7 @@
     </p:spTree>
     <p:extLst>
       <p:ext uri="{BB962C8B-B14F-4D97-AF65-F5344CB8AC3E}">
-        <p14:creationId xmlns:p14="http://schemas.microsoft.com/office/powerpoint/2010/main" val="4053895154"/>
+        <p14:creationId xmlns:p14="http://schemas.microsoft.com/office/powerpoint/2010/main" val="1126556810"/>
       </p:ext>
     </p:extLst>
   </p:cSld>
@@ -28034,7 +28054,13 @@
               <a:t>The </a:t>
             </a:r>
             <a:r>
-              <a:rPr lang="pl-PL" dirty="0" err="1"/>
+              <a:rPr lang="pl-PL" dirty="0">
+                <a:solidFill>
+                  <a:schemeClr val="tx2">
+                    <a:lumMod val="75000"/>
+                  </a:schemeClr>
+                </a:solidFill>
+              </a:rPr>
               <a:t>unpermissioned</a:t>
             </a:r>
             <a:r>
@@ -28092,7 +28118,13 @@
               <a:t>The </a:t>
             </a:r>
             <a:r>
-              <a:rPr lang="pl-PL" dirty="0" err="1"/>
+              <a:rPr lang="pl-PL" dirty="0" err="1">
+                <a:solidFill>
+                  <a:schemeClr val="tx2">
+                    <a:lumMod val="75000"/>
+                  </a:schemeClr>
+                </a:solidFill>
+              </a:rPr>
               <a:t>permissioned</a:t>
             </a:r>
             <a:r>
@@ -28634,7 +28666,7 @@
 </file>
 
 <file path=ppt/slides/slide17.xml><?xml version="1.0" encoding="utf-8"?>
-<p:sld xmlns:a="http://schemas.openxmlformats.org/drawingml/2006/main" xmlns:r="http://schemas.openxmlformats.org/officeDocument/2006/relationships" xmlns:p="http://schemas.openxmlformats.org/presentationml/2006/main">
+<p:sld xmlns:a="http://schemas.openxmlformats.org/drawingml/2006/main" xmlns:r="http://schemas.openxmlformats.org/officeDocument/2006/relationships" xmlns:p="http://schemas.openxmlformats.org/presentationml/2006/main" show="0">
   <p:cSld>
     <p:spTree>
       <p:nvGrpSpPr>
@@ -28748,13 +28780,13 @@
   <p:clrMapOvr>
     <a:masterClrMapping/>
   </p:clrMapOvr>
-  <mc:AlternateContent xmlns:mc="http://schemas.openxmlformats.org/markup-compatibility/2006" xmlns:p14="http://schemas.microsoft.com/office/powerpoint/2010/main">
-    <mc:Choice Requires="p14">
+  <mc:AlternateContent xmlns:mc="http://schemas.openxmlformats.org/markup-compatibility/2006">
+    <mc:Choice xmlns:p14="http://schemas.microsoft.com/office/powerpoint/2010/main" Requires="p14">
       <p:transition spd="slow" p14:dur="2500">
         <p:checker/>
       </p:transition>
     </mc:Choice>
-    <mc:Fallback xmlns="">
+    <mc:Fallback>
       <p:transition spd="slow">
         <p:checker/>
       </p:transition>
@@ -28764,7 +28796,7 @@
 </file>
 
 <file path=ppt/slides/slide18.xml><?xml version="1.0" encoding="utf-8"?>
-<p:sld xmlns:a="http://schemas.openxmlformats.org/drawingml/2006/main" xmlns:r="http://schemas.openxmlformats.org/officeDocument/2006/relationships" xmlns:p="http://schemas.openxmlformats.org/presentationml/2006/main">
+<p:sld xmlns:a="http://schemas.openxmlformats.org/drawingml/2006/main" xmlns:r="http://schemas.openxmlformats.org/officeDocument/2006/relationships" xmlns:p="http://schemas.openxmlformats.org/presentationml/2006/main" show="0">
   <p:cSld>
     <p:spTree>
       <p:nvGrpSpPr>
@@ -28890,7 +28922,7 @@
 </file>
 
 <file path=ppt/slides/slide19.xml><?xml version="1.0" encoding="utf-8"?>
-<p:sld xmlns:a="http://schemas.openxmlformats.org/drawingml/2006/main" xmlns:r="http://schemas.openxmlformats.org/officeDocument/2006/relationships" xmlns:p="http://schemas.openxmlformats.org/presentationml/2006/main">
+<p:sld xmlns:a="http://schemas.openxmlformats.org/drawingml/2006/main" xmlns:r="http://schemas.openxmlformats.org/officeDocument/2006/relationships" xmlns:p="http://schemas.openxmlformats.org/presentationml/2006/main" show="0">
   <p:cSld>
     <p:spTree>
       <p:nvGrpSpPr>
@@ -29859,11 +29891,35 @@
                   </a:schemeClr>
                 </a:solidFill>
               </a:rPr>
-              <a:t>Deus ex Machina</a:t>
+              <a:t>FULLY</a:t>
             </a:r>
             <a:r>
               <a:rPr lang="pl-PL" dirty="0"/>
               <a:t> </a:t>
+            </a:r>
+            <a:r>
+              <a:rPr lang="pl-PL" dirty="0" err="1">
+                <a:solidFill>
+                  <a:schemeClr val="tx2">
+                    <a:lumMod val="75000"/>
+                  </a:schemeClr>
+                </a:solidFill>
+              </a:rPr>
+              <a:t>autonomous</a:t>
+            </a:r>
+            <a:r>
+              <a:rPr lang="pl-PL" dirty="0">
+                <a:solidFill>
+                  <a:schemeClr val="tx2">
+                    <a:lumMod val="75000"/>
+                  </a:schemeClr>
+                </a:solidFill>
+              </a:rPr>
+              <a:t> </a:t>
+            </a:r>
+            <a:r>
+              <a:rPr lang="pl-PL" dirty="0"/>
+              <a:t>SYSTEM </a:t>
             </a:r>
             <a:r>
               <a:rPr lang="pl-PL" dirty="0" err="1"/>
@@ -29976,7 +30032,7 @@
             </a:r>
             <a:r>
               <a:rPr lang="pl-PL" dirty="0" err="1"/>
-              <a:t>autonomous</a:t>
+              <a:t>self-suffcient</a:t>
             </a:r>
             <a:r>
               <a:rPr lang="pl-PL" dirty="0"/>
@@ -30056,11 +30112,7 @@
             </a:r>
             <a:r>
               <a:rPr lang="pl-PL" dirty="0"/>
-              <a:t>, </a:t>
-            </a:r>
-            <a:r>
-              <a:rPr lang="pl-PL"/>
-              <a:t>i.e. </a:t>
+              <a:t>, i.e. </a:t>
             </a:r>
             <a:r>
               <a:rPr lang="pl-PL" dirty="0" err="1"/>
@@ -30260,18 +30312,9 @@
   <p:clrMapOvr>
     <a:masterClrMapping/>
   </p:clrMapOvr>
-  <mc:AlternateContent xmlns:mc="http://schemas.openxmlformats.org/markup-compatibility/2006" xmlns:p14="http://schemas.microsoft.com/office/powerpoint/2010/main">
-    <mc:Choice Requires="p14">
-      <p:transition spd="slow" p14:dur="2500">
-        <p:checker/>
-      </p:transition>
-    </mc:Choice>
-    <mc:Fallback xmlns="">
-      <p:transition spd="slow">
-        <p:checker/>
-      </p:transition>
-    </mc:Fallback>
-  </mc:AlternateContent>
+  <p:transition spd="slow">
+    <p:randomBar dir="vert"/>
+  </p:transition>
 </p:sld>
 </file>
 
@@ -30629,6 +30672,414 @@
           <p:cNvPr id="2" name="Title 1">
             <a:extLst>
               <a:ext uri="{FF2B5EF4-FFF2-40B4-BE49-F238E27FC236}">
+                <a16:creationId xmlns:a16="http://schemas.microsoft.com/office/drawing/2014/main" id="{15E89C6E-E7C0-4FEB-BB3A-5CD62A36F8E4}"/>
+              </a:ext>
+            </a:extLst>
+          </p:cNvPr>
+          <p:cNvSpPr>
+            <a:spLocks noGrp="1"/>
+          </p:cNvSpPr>
+          <p:nvPr>
+            <p:ph type="title"/>
+          </p:nvPr>
+        </p:nvSpPr>
+        <p:spPr/>
+        <p:txBody>
+          <a:bodyPr/>
+          <a:lstStyle/>
+          <a:p>
+            <a:r>
+              <a:rPr lang="pl-PL" dirty="0"/>
+              <a:t>BLOCKCHAIN Evolution</a:t>
+            </a:r>
+            <a:endParaRPr lang="en-US" dirty="0"/>
+          </a:p>
+        </p:txBody>
+      </p:sp>
+      <p:graphicFrame>
+        <p:nvGraphicFramePr>
+          <p:cNvPr id="5" name="Content Placeholder 4">
+            <a:extLst>
+              <a:ext uri="{FF2B5EF4-FFF2-40B4-BE49-F238E27FC236}">
+                <a16:creationId xmlns:a16="http://schemas.microsoft.com/office/drawing/2014/main" id="{387A02C2-F0F7-49FD-9322-4259EF1AE786}"/>
+              </a:ext>
+            </a:extLst>
+          </p:cNvPr>
+          <p:cNvGraphicFramePr>
+            <a:graphicFrameLocks noGrp="1"/>
+          </p:cNvGraphicFramePr>
+          <p:nvPr>
+            <p:ph idx="1"/>
+            <p:extLst>
+              <p:ext uri="{D42A27DB-BD31-4B8C-83A1-F6EECF244321}">
+                <p14:modId xmlns:p14="http://schemas.microsoft.com/office/powerpoint/2010/main" val="2455082816"/>
+              </p:ext>
+            </p:extLst>
+          </p:nvPr>
+        </p:nvGraphicFramePr>
+        <p:xfrm>
+          <a:off x="1361752" y="2313655"/>
+          <a:ext cx="9905999" cy="1815737"/>
+        </p:xfrm>
+        <a:graphic>
+          <a:graphicData uri="http://schemas.openxmlformats.org/drawingml/2006/diagram">
+            <dgm:relIds xmlns:dgm="http://schemas.openxmlformats.org/drawingml/2006/diagram" xmlns:r="http://schemas.openxmlformats.org/officeDocument/2006/relationships" r:dm="rId2" r:lo="rId3" r:qs="rId4" r:cs="rId5"/>
+          </a:graphicData>
+        </a:graphic>
+      </p:graphicFrame>
+    </p:spTree>
+    <p:extLst>
+      <p:ext uri="{BB962C8B-B14F-4D97-AF65-F5344CB8AC3E}">
+        <p14:creationId xmlns:p14="http://schemas.microsoft.com/office/powerpoint/2010/main" val="2472020034"/>
+      </p:ext>
+    </p:extLst>
+  </p:cSld>
+  <p:clrMapOvr>
+    <a:masterClrMapping/>
+  </p:clrMapOvr>
+  <mc:AlternateContent xmlns:mc="http://schemas.openxmlformats.org/markup-compatibility/2006" xmlns:p14="http://schemas.microsoft.com/office/powerpoint/2010/main">
+    <mc:Choice Requires="p14">
+      <p:transition spd="slow" p14:dur="2500">
+        <p:checker/>
+      </p:transition>
+    </mc:Choice>
+    <mc:Fallback xmlns="">
+      <p:transition spd="slow">
+        <p:checker/>
+      </p:transition>
+    </mc:Fallback>
+  </mc:AlternateContent>
+  <p:timing>
+    <p:tnLst>
+      <p:par>
+        <p:cTn id="1" dur="indefinite" restart="never" nodeType="tmRoot">
+          <p:childTnLst>
+            <p:seq concurrent="1" nextAc="seek">
+              <p:cTn id="2" dur="indefinite" nodeType="mainSeq">
+                <p:childTnLst>
+                  <p:par>
+                    <p:cTn id="3" fill="hold">
+                      <p:stCondLst>
+                        <p:cond delay="indefinite"/>
+                      </p:stCondLst>
+                      <p:childTnLst>
+                        <p:par>
+                          <p:cTn id="4" fill="hold">
+                            <p:stCondLst>
+                              <p:cond delay="0"/>
+                            </p:stCondLst>
+                            <p:childTnLst>
+                              <p:par>
+                                <p:cTn id="5" presetID="10" presetClass="entr" presetSubtype="0" fill="hold" grpId="0" nodeType="clickEffect">
+                                  <p:stCondLst>
+                                    <p:cond delay="0"/>
+                                  </p:stCondLst>
+                                  <p:childTnLst>
+                                    <p:set>
+                                      <p:cBhvr>
+                                        <p:cTn id="6" dur="1" fill="hold">
+                                          <p:stCondLst>
+                                            <p:cond delay="0"/>
+                                          </p:stCondLst>
+                                        </p:cTn>
+                                        <p:tgtEl>
+                                          <p:spTgt spid="5">
+                                            <p:graphicEl>
+                                              <a:dgm id="{E40EF4B3-8BA8-436A-B15B-C0F795B9ECAC}"/>
+                                            </p:graphicEl>
+                                          </p:spTgt>
+                                        </p:tgtEl>
+                                        <p:attrNameLst>
+                                          <p:attrName>style.visibility</p:attrName>
+                                        </p:attrNameLst>
+                                      </p:cBhvr>
+                                      <p:to>
+                                        <p:strVal val="visible"/>
+                                      </p:to>
+                                    </p:set>
+                                    <p:animEffect transition="in" filter="fade">
+                                      <p:cBhvr>
+                                        <p:cTn id="7" dur="500"/>
+                                        <p:tgtEl>
+                                          <p:spTgt spid="5">
+                                            <p:graphicEl>
+                                              <a:dgm id="{E40EF4B3-8BA8-436A-B15B-C0F795B9ECAC}"/>
+                                            </p:graphicEl>
+                                          </p:spTgt>
+                                        </p:tgtEl>
+                                      </p:cBhvr>
+                                    </p:animEffect>
+                                  </p:childTnLst>
+                                </p:cTn>
+                              </p:par>
+                            </p:childTnLst>
+                          </p:cTn>
+                        </p:par>
+                      </p:childTnLst>
+                    </p:cTn>
+                  </p:par>
+                  <p:par>
+                    <p:cTn id="8" fill="hold">
+                      <p:stCondLst>
+                        <p:cond delay="indefinite"/>
+                      </p:stCondLst>
+                      <p:childTnLst>
+                        <p:par>
+                          <p:cTn id="9" fill="hold">
+                            <p:stCondLst>
+                              <p:cond delay="0"/>
+                            </p:stCondLst>
+                            <p:childTnLst>
+                              <p:par>
+                                <p:cTn id="10" presetID="10" presetClass="entr" presetSubtype="0" fill="hold" grpId="0" nodeType="clickEffect">
+                                  <p:stCondLst>
+                                    <p:cond delay="0"/>
+                                  </p:stCondLst>
+                                  <p:childTnLst>
+                                    <p:set>
+                                      <p:cBhvr>
+                                        <p:cTn id="11" dur="1" fill="hold">
+                                          <p:stCondLst>
+                                            <p:cond delay="0"/>
+                                          </p:stCondLst>
+                                        </p:cTn>
+                                        <p:tgtEl>
+                                          <p:spTgt spid="5">
+                                            <p:graphicEl>
+                                              <a:dgm id="{C3550AE3-EAA5-4345-96A2-2D49ABF0C995}"/>
+                                            </p:graphicEl>
+                                          </p:spTgt>
+                                        </p:tgtEl>
+                                        <p:attrNameLst>
+                                          <p:attrName>style.visibility</p:attrName>
+                                        </p:attrNameLst>
+                                      </p:cBhvr>
+                                      <p:to>
+                                        <p:strVal val="visible"/>
+                                      </p:to>
+                                    </p:set>
+                                    <p:animEffect transition="in" filter="fade">
+                                      <p:cBhvr>
+                                        <p:cTn id="12" dur="500"/>
+                                        <p:tgtEl>
+                                          <p:spTgt spid="5">
+                                            <p:graphicEl>
+                                              <a:dgm id="{C3550AE3-EAA5-4345-96A2-2D49ABF0C995}"/>
+                                            </p:graphicEl>
+                                          </p:spTgt>
+                                        </p:tgtEl>
+                                      </p:cBhvr>
+                                    </p:animEffect>
+                                  </p:childTnLst>
+                                </p:cTn>
+                              </p:par>
+                              <p:par>
+                                <p:cTn id="13" presetID="10" presetClass="entr" presetSubtype="0" fill="hold" grpId="0" nodeType="withEffect">
+                                  <p:stCondLst>
+                                    <p:cond delay="0"/>
+                                  </p:stCondLst>
+                                  <p:childTnLst>
+                                    <p:set>
+                                      <p:cBhvr>
+                                        <p:cTn id="14" dur="1" fill="hold">
+                                          <p:stCondLst>
+                                            <p:cond delay="0"/>
+                                          </p:stCondLst>
+                                        </p:cTn>
+                                        <p:tgtEl>
+                                          <p:spTgt spid="5">
+                                            <p:graphicEl>
+                                              <a:dgm id="{8D6DEFCB-1384-46AE-A406-C24CBCF29DBA}"/>
+                                            </p:graphicEl>
+                                          </p:spTgt>
+                                        </p:tgtEl>
+                                        <p:attrNameLst>
+                                          <p:attrName>style.visibility</p:attrName>
+                                        </p:attrNameLst>
+                                      </p:cBhvr>
+                                      <p:to>
+                                        <p:strVal val="visible"/>
+                                      </p:to>
+                                    </p:set>
+                                    <p:animEffect transition="in" filter="fade">
+                                      <p:cBhvr>
+                                        <p:cTn id="15" dur="500"/>
+                                        <p:tgtEl>
+                                          <p:spTgt spid="5">
+                                            <p:graphicEl>
+                                              <a:dgm id="{8D6DEFCB-1384-46AE-A406-C24CBCF29DBA}"/>
+                                            </p:graphicEl>
+                                          </p:spTgt>
+                                        </p:tgtEl>
+                                      </p:cBhvr>
+                                    </p:animEffect>
+                                  </p:childTnLst>
+                                </p:cTn>
+                              </p:par>
+                            </p:childTnLst>
+                          </p:cTn>
+                        </p:par>
+                      </p:childTnLst>
+                    </p:cTn>
+                  </p:par>
+                  <p:par>
+                    <p:cTn id="16" fill="hold">
+                      <p:stCondLst>
+                        <p:cond delay="indefinite"/>
+                      </p:stCondLst>
+                      <p:childTnLst>
+                        <p:par>
+                          <p:cTn id="17" fill="hold">
+                            <p:stCondLst>
+                              <p:cond delay="0"/>
+                            </p:stCondLst>
+                            <p:childTnLst>
+                              <p:par>
+                                <p:cTn id="18" presetID="10" presetClass="entr" presetSubtype="0" fill="hold" grpId="0" nodeType="clickEffect">
+                                  <p:stCondLst>
+                                    <p:cond delay="0"/>
+                                  </p:stCondLst>
+                                  <p:childTnLst>
+                                    <p:set>
+                                      <p:cBhvr>
+                                        <p:cTn id="19" dur="1" fill="hold">
+                                          <p:stCondLst>
+                                            <p:cond delay="0"/>
+                                          </p:stCondLst>
+                                        </p:cTn>
+                                        <p:tgtEl>
+                                          <p:spTgt spid="5">
+                                            <p:graphicEl>
+                                              <a:dgm id="{D9CD9F60-125D-422C-A4B2-7AB9DC41F197}"/>
+                                            </p:graphicEl>
+                                          </p:spTgt>
+                                        </p:tgtEl>
+                                        <p:attrNameLst>
+                                          <p:attrName>style.visibility</p:attrName>
+                                        </p:attrNameLst>
+                                      </p:cBhvr>
+                                      <p:to>
+                                        <p:strVal val="visible"/>
+                                      </p:to>
+                                    </p:set>
+                                    <p:animEffect transition="in" filter="fade">
+                                      <p:cBhvr>
+                                        <p:cTn id="20" dur="500"/>
+                                        <p:tgtEl>
+                                          <p:spTgt spid="5">
+                                            <p:graphicEl>
+                                              <a:dgm id="{D9CD9F60-125D-422C-A4B2-7AB9DC41F197}"/>
+                                            </p:graphicEl>
+                                          </p:spTgt>
+                                        </p:tgtEl>
+                                      </p:cBhvr>
+                                    </p:animEffect>
+                                  </p:childTnLst>
+                                </p:cTn>
+                              </p:par>
+                              <p:par>
+                                <p:cTn id="21" presetID="10" presetClass="entr" presetSubtype="0" fill="hold" grpId="0" nodeType="withEffect">
+                                  <p:stCondLst>
+                                    <p:cond delay="0"/>
+                                  </p:stCondLst>
+                                  <p:childTnLst>
+                                    <p:set>
+                                      <p:cBhvr>
+                                        <p:cTn id="22" dur="1" fill="hold">
+                                          <p:stCondLst>
+                                            <p:cond delay="0"/>
+                                          </p:stCondLst>
+                                        </p:cTn>
+                                        <p:tgtEl>
+                                          <p:spTgt spid="5">
+                                            <p:graphicEl>
+                                              <a:dgm id="{904AA21A-6637-412F-8D19-6AEBE54B6CFC}"/>
+                                            </p:graphicEl>
+                                          </p:spTgt>
+                                        </p:tgtEl>
+                                        <p:attrNameLst>
+                                          <p:attrName>style.visibility</p:attrName>
+                                        </p:attrNameLst>
+                                      </p:cBhvr>
+                                      <p:to>
+                                        <p:strVal val="visible"/>
+                                      </p:to>
+                                    </p:set>
+                                    <p:animEffect transition="in" filter="fade">
+                                      <p:cBhvr>
+                                        <p:cTn id="23" dur="500"/>
+                                        <p:tgtEl>
+                                          <p:spTgt spid="5">
+                                            <p:graphicEl>
+                                              <a:dgm id="{904AA21A-6637-412F-8D19-6AEBE54B6CFC}"/>
+                                            </p:graphicEl>
+                                          </p:spTgt>
+                                        </p:tgtEl>
+                                      </p:cBhvr>
+                                    </p:animEffect>
+                                  </p:childTnLst>
+                                </p:cTn>
+                              </p:par>
+                            </p:childTnLst>
+                          </p:cTn>
+                        </p:par>
+                      </p:childTnLst>
+                    </p:cTn>
+                  </p:par>
+                </p:childTnLst>
+              </p:cTn>
+              <p:prevCondLst>
+                <p:cond evt="onPrev" delay="0">
+                  <p:tgtEl>
+                    <p:sldTgt/>
+                  </p:tgtEl>
+                </p:cond>
+              </p:prevCondLst>
+              <p:nextCondLst>
+                <p:cond evt="onNext" delay="0">
+                  <p:tgtEl>
+                    <p:sldTgt/>
+                  </p:tgtEl>
+                </p:cond>
+              </p:nextCondLst>
+            </p:seq>
+          </p:childTnLst>
+        </p:cTn>
+      </p:par>
+    </p:tnLst>
+    <p:bldLst>
+      <p:bldGraphic spid="5" grpId="0">
+        <p:bldSub>
+          <a:bldDgm bld="one"/>
+        </p:bldSub>
+      </p:bldGraphic>
+    </p:bldLst>
+  </p:timing>
+</p:sld>
+</file>
+
+<file path=ppt/slides/slide27.xml><?xml version="1.0" encoding="utf-8"?>
+<p:sld xmlns:a="http://schemas.openxmlformats.org/drawingml/2006/main" xmlns:r="http://schemas.openxmlformats.org/officeDocument/2006/relationships" xmlns:p="http://schemas.openxmlformats.org/presentationml/2006/main" show="0">
+  <p:cSld>
+    <p:spTree>
+      <p:nvGrpSpPr>
+        <p:cNvPr id="1" name=""/>
+        <p:cNvGrpSpPr/>
+        <p:nvPr/>
+      </p:nvGrpSpPr>
+      <p:grpSpPr>
+        <a:xfrm>
+          <a:off x="0" y="0"/>
+          <a:ext cx="0" cy="0"/>
+          <a:chOff x="0" y="0"/>
+          <a:chExt cx="0" cy="0"/>
+        </a:xfrm>
+      </p:grpSpPr>
+      <p:sp>
+        <p:nvSpPr>
+          <p:cNvPr id="2" name="Title 1">
+            <a:extLst>
+              <a:ext uri="{FF2B5EF4-FFF2-40B4-BE49-F238E27FC236}">
                 <a16:creationId xmlns:a16="http://schemas.microsoft.com/office/drawing/2014/main" id="{56E62370-2827-46F6-B537-BB4DCFBE7ECE}"/>
               </a:ext>
             </a:extLst>
@@ -30912,7 +31363,7 @@
 </p:sld>
 </file>
 
-<file path=ppt/slides/slide27.xml><?xml version="1.0" encoding="utf-8"?>
+<file path=ppt/slides/slide28.xml><?xml version="1.0" encoding="utf-8"?>
 <p:sld xmlns:a="http://schemas.openxmlformats.org/drawingml/2006/main" xmlns:r="http://schemas.openxmlformats.org/officeDocument/2006/relationships" xmlns:p="http://schemas.openxmlformats.org/presentationml/2006/main" show="0">
   <p:cSld>
     <p:spTree>
@@ -31221,7 +31672,7 @@
 </p:sld>
 </file>
 
-<file path=ppt/slides/slide28.xml><?xml version="1.0" encoding="utf-8"?>
+<file path=ppt/slides/slide29.xml><?xml version="1.0" encoding="utf-8"?>
 <p:sld xmlns:a="http://schemas.openxmlformats.org/drawingml/2006/main" xmlns:r="http://schemas.openxmlformats.org/officeDocument/2006/relationships" xmlns:p="http://schemas.openxmlformats.org/presentationml/2006/main" show="0">
   <p:cSld>
     <p:spTree>
@@ -31321,7 +31772,191 @@
 </p:sld>
 </file>
 
-<file path=ppt/slides/slide29.xml><?xml version="1.0" encoding="utf-8"?>
+<file path=ppt/slides/slide3.xml><?xml version="1.0" encoding="utf-8"?>
+<p:sld xmlns:a="http://schemas.openxmlformats.org/drawingml/2006/main" xmlns:r="http://schemas.openxmlformats.org/officeDocument/2006/relationships" xmlns:p="http://schemas.openxmlformats.org/presentationml/2006/main">
+  <p:cSld>
+    <p:spTree>
+      <p:nvGrpSpPr>
+        <p:cNvPr id="1" name=""/>
+        <p:cNvGrpSpPr/>
+        <p:nvPr/>
+      </p:nvGrpSpPr>
+      <p:grpSpPr>
+        <a:xfrm>
+          <a:off x="0" y="0"/>
+          <a:ext cx="0" cy="0"/>
+          <a:chOff x="0" y="0"/>
+          <a:chExt cx="0" cy="0"/>
+        </a:xfrm>
+      </p:grpSpPr>
+      <p:sp>
+        <p:nvSpPr>
+          <p:cNvPr id="2" name="Title 1">
+            <a:extLst>
+              <a:ext uri="{FF2B5EF4-FFF2-40B4-BE49-F238E27FC236}">
+                <a16:creationId xmlns:a16="http://schemas.microsoft.com/office/drawing/2014/main" id="{FAF0BC76-5138-4CC2-A8B3-D4017FE6E1B9}"/>
+              </a:ext>
+            </a:extLst>
+          </p:cNvPr>
+          <p:cNvSpPr>
+            <a:spLocks noGrp="1"/>
+          </p:cNvSpPr>
+          <p:nvPr>
+            <p:ph type="title"/>
+          </p:nvPr>
+        </p:nvSpPr>
+        <p:spPr/>
+        <p:txBody>
+          <a:bodyPr/>
+          <a:lstStyle/>
+          <a:p>
+            <a:r>
+              <a:rPr lang="pl-PL" dirty="0">
+                <a:solidFill>
+                  <a:schemeClr val="tx2">
+                    <a:lumMod val="75000"/>
+                  </a:schemeClr>
+                </a:solidFill>
+              </a:rPr>
+              <a:t>CREDITS</a:t>
+            </a:r>
+            <a:endParaRPr lang="en-US" dirty="0">
+              <a:solidFill>
+                <a:schemeClr val="tx2">
+                  <a:lumMod val="75000"/>
+                </a:schemeClr>
+              </a:solidFill>
+            </a:endParaRPr>
+          </a:p>
+        </p:txBody>
+      </p:sp>
+      <p:pic>
+        <p:nvPicPr>
+          <p:cNvPr id="5" name="Content Placeholder 4">
+            <a:extLst>
+              <a:ext uri="{FF2B5EF4-FFF2-40B4-BE49-F238E27FC236}">
+                <a16:creationId xmlns:a16="http://schemas.microsoft.com/office/drawing/2014/main" id="{8549313D-E5BE-4144-8C87-916162F2EB8C}"/>
+              </a:ext>
+            </a:extLst>
+          </p:cNvPr>
+          <p:cNvPicPr>
+            <a:picLocks noGrp="1" noChangeAspect="1"/>
+          </p:cNvPicPr>
+          <p:nvPr>
+            <p:ph idx="1"/>
+          </p:nvPr>
+        </p:nvPicPr>
+        <p:blipFill rotWithShape="1">
+          <a:blip r:embed="rId3">
+            <a:extLst>
+              <a:ext uri="{28A0092B-C50C-407E-A947-70E740481C1C}">
+                <a14:useLocalDpi xmlns:a14="http://schemas.microsoft.com/office/drawing/2010/main" val="0"/>
+              </a:ext>
+            </a:extLst>
+          </a:blip>
+          <a:srcRect l="7084" t="4658" r="14462" b="1197"/>
+          <a:stretch/>
+        </p:blipFill>
+        <p:spPr>
+          <a:xfrm>
+            <a:off x="1440000" y="2340000"/>
+            <a:ext cx="1800000" cy="2160000"/>
+          </a:xfrm>
+        </p:spPr>
+      </p:pic>
+      <p:sp>
+        <p:nvSpPr>
+          <p:cNvPr id="7" name="TextBox 6">
+            <a:extLst>
+              <a:ext uri="{FF2B5EF4-FFF2-40B4-BE49-F238E27FC236}">
+                <a16:creationId xmlns:a16="http://schemas.microsoft.com/office/drawing/2014/main" id="{226A4564-A424-4287-BAA5-457831A54B0E}"/>
+              </a:ext>
+            </a:extLst>
+          </p:cNvPr>
+          <p:cNvSpPr txBox="1"/>
+          <p:nvPr/>
+        </p:nvSpPr>
+        <p:spPr>
+          <a:xfrm>
+            <a:off x="3365889" y="2233126"/>
+            <a:ext cx="5077839" cy="2308324"/>
+          </a:xfrm>
+          <a:prstGeom prst="rect">
+            <a:avLst/>
+          </a:prstGeom>
+          <a:noFill/>
+        </p:spPr>
+        <p:txBody>
+          <a:bodyPr wrap="square" rtlCol="0">
+            <a:spAutoFit/>
+          </a:bodyPr>
+          <a:lstStyle/>
+          <a:p>
+            <a:r>
+              <a:rPr lang="en-US" dirty="0">
+                <a:solidFill>
+                  <a:schemeClr val="tx2">
+                    <a:lumMod val="75000"/>
+                  </a:schemeClr>
+                </a:solidFill>
+              </a:rPr>
+              <a:t>Ian Grigg</a:t>
+            </a:r>
+            <a:r>
+              <a:rPr lang="en-US" dirty="0"/>
+              <a:t> has been in the financial cryptography space since 1995, when he ran a startup to issue and trade bonds </a:t>
+            </a:r>
+            <a:r>
+              <a:rPr lang="en-US" dirty="0" err="1"/>
+              <a:t>digitised</a:t>
+            </a:r>
+            <a:r>
+              <a:rPr lang="en-US" dirty="0"/>
+              <a:t> as contracts.</a:t>
+            </a:r>
+            <a:br>
+              <a:rPr lang="pl-PL" dirty="0"/>
+            </a:br>
+            <a:r>
+              <a:rPr lang="en-US" dirty="0"/>
+              <a:t>Since then he has worked on </a:t>
+            </a:r>
+            <a:r>
+              <a:rPr lang="en-US" dirty="0" err="1"/>
+              <a:t>digitising</a:t>
+            </a:r>
+            <a:r>
+              <a:rPr lang="en-US" dirty="0"/>
+              <a:t> cash, precious metals, identity, social savings, and bringing DLT to financial institutions. </a:t>
+            </a:r>
+            <a:br>
+              <a:rPr lang="pl-PL" dirty="0"/>
+            </a:br>
+            <a:r>
+              <a:rPr lang="en-US" dirty="0"/>
+              <a:t>He is now working on a number of blockchain and DLT related projects including EOS.</a:t>
+            </a:r>
+            <a:endParaRPr lang="pl-PL" dirty="0"/>
+          </a:p>
+        </p:txBody>
+      </p:sp>
+    </p:spTree>
+    <p:extLst>
+      <p:ext uri="{BB962C8B-B14F-4D97-AF65-F5344CB8AC3E}">
+        <p14:creationId xmlns:p14="http://schemas.microsoft.com/office/powerpoint/2010/main" val="875310649"/>
+      </p:ext>
+    </p:extLst>
+  </p:cSld>
+  <p:clrMapOvr>
+    <a:masterClrMapping/>
+  </p:clrMapOvr>
+  <p:transition spd="slow">
+    <p:randomBar dir="vert"/>
+  </p:transition>
+</p:sld>
+</file>
+
+<file path=ppt/slides/slide30.xml><?xml version="1.0" encoding="utf-8"?>
 <p:sld xmlns:a="http://schemas.openxmlformats.org/drawingml/2006/main" xmlns:r="http://schemas.openxmlformats.org/officeDocument/2006/relationships" xmlns:p="http://schemas.openxmlformats.org/presentationml/2006/main" show="0">
   <p:cSld>
     <p:spTree>
@@ -32920,415 +33555,7 @@
 </p:sld>
 </file>
 
-<file path=ppt/slides/slide3.xml><?xml version="1.0" encoding="utf-8"?>
-<p:sld xmlns:a="http://schemas.openxmlformats.org/drawingml/2006/main" xmlns:r="http://schemas.openxmlformats.org/officeDocument/2006/relationships" xmlns:p="http://schemas.openxmlformats.org/presentationml/2006/main" show="0">
-  <p:cSld>
-    <p:spTree>
-      <p:nvGrpSpPr>
-        <p:cNvPr id="1" name=""/>
-        <p:cNvGrpSpPr/>
-        <p:nvPr/>
-      </p:nvGrpSpPr>
-      <p:grpSpPr>
-        <a:xfrm>
-          <a:off x="0" y="0"/>
-          <a:ext cx="0" cy="0"/>
-          <a:chOff x="0" y="0"/>
-          <a:chExt cx="0" cy="0"/>
-        </a:xfrm>
-      </p:grpSpPr>
-      <p:sp>
-        <p:nvSpPr>
-          <p:cNvPr id="2" name="Title 1">
-            <a:extLst>
-              <a:ext uri="{FF2B5EF4-FFF2-40B4-BE49-F238E27FC236}">
-                <a16:creationId xmlns:a16="http://schemas.microsoft.com/office/drawing/2014/main" id="{15E89C6E-E7C0-4FEB-BB3A-5CD62A36F8E4}"/>
-              </a:ext>
-            </a:extLst>
-          </p:cNvPr>
-          <p:cNvSpPr>
-            <a:spLocks noGrp="1"/>
-          </p:cNvSpPr>
-          <p:nvPr>
-            <p:ph type="title"/>
-          </p:nvPr>
-        </p:nvSpPr>
-        <p:spPr/>
-        <p:txBody>
-          <a:bodyPr/>
-          <a:lstStyle/>
-          <a:p>
-            <a:r>
-              <a:rPr lang="pl-PL" dirty="0"/>
-              <a:t>BLOCKCHAIN Evolution</a:t>
-            </a:r>
-            <a:endParaRPr lang="en-US" dirty="0"/>
-          </a:p>
-        </p:txBody>
-      </p:sp>
-      <p:graphicFrame>
-        <p:nvGraphicFramePr>
-          <p:cNvPr id="5" name="Content Placeholder 4">
-            <a:extLst>
-              <a:ext uri="{FF2B5EF4-FFF2-40B4-BE49-F238E27FC236}">
-                <a16:creationId xmlns:a16="http://schemas.microsoft.com/office/drawing/2014/main" id="{387A02C2-F0F7-49FD-9322-4259EF1AE786}"/>
-              </a:ext>
-            </a:extLst>
-          </p:cNvPr>
-          <p:cNvGraphicFramePr>
-            <a:graphicFrameLocks noGrp="1"/>
-          </p:cNvGraphicFramePr>
-          <p:nvPr>
-            <p:ph idx="1"/>
-            <p:extLst>
-              <p:ext uri="{D42A27DB-BD31-4B8C-83A1-F6EECF244321}">
-                <p14:modId xmlns:p14="http://schemas.microsoft.com/office/powerpoint/2010/main" val="2455082816"/>
-              </p:ext>
-            </p:extLst>
-          </p:nvPr>
-        </p:nvGraphicFramePr>
-        <p:xfrm>
-          <a:off x="1361752" y="2313655"/>
-          <a:ext cx="9905999" cy="1815737"/>
-        </p:xfrm>
-        <a:graphic>
-          <a:graphicData uri="http://schemas.openxmlformats.org/drawingml/2006/diagram">
-            <dgm:relIds xmlns:dgm="http://schemas.openxmlformats.org/drawingml/2006/diagram" xmlns:r="http://schemas.openxmlformats.org/officeDocument/2006/relationships" r:dm="rId2" r:lo="rId3" r:qs="rId4" r:cs="rId5"/>
-          </a:graphicData>
-        </a:graphic>
-      </p:graphicFrame>
-    </p:spTree>
-    <p:extLst>
-      <p:ext uri="{BB962C8B-B14F-4D97-AF65-F5344CB8AC3E}">
-        <p14:creationId xmlns:p14="http://schemas.microsoft.com/office/powerpoint/2010/main" val="2472020034"/>
-      </p:ext>
-    </p:extLst>
-  </p:cSld>
-  <p:clrMapOvr>
-    <a:masterClrMapping/>
-  </p:clrMapOvr>
-  <mc:AlternateContent xmlns:mc="http://schemas.openxmlformats.org/markup-compatibility/2006" xmlns:p14="http://schemas.microsoft.com/office/powerpoint/2010/main">
-    <mc:Choice Requires="p14">
-      <p:transition spd="slow" p14:dur="2500">
-        <p:checker/>
-      </p:transition>
-    </mc:Choice>
-    <mc:Fallback xmlns="">
-      <p:transition spd="slow">
-        <p:checker/>
-      </p:transition>
-    </mc:Fallback>
-  </mc:AlternateContent>
-  <p:timing>
-    <p:tnLst>
-      <p:par>
-        <p:cTn id="1" dur="indefinite" restart="never" nodeType="tmRoot">
-          <p:childTnLst>
-            <p:seq concurrent="1" nextAc="seek">
-              <p:cTn id="2" dur="indefinite" nodeType="mainSeq">
-                <p:childTnLst>
-                  <p:par>
-                    <p:cTn id="3" fill="hold">
-                      <p:stCondLst>
-                        <p:cond delay="indefinite"/>
-                      </p:stCondLst>
-                      <p:childTnLst>
-                        <p:par>
-                          <p:cTn id="4" fill="hold">
-                            <p:stCondLst>
-                              <p:cond delay="0"/>
-                            </p:stCondLst>
-                            <p:childTnLst>
-                              <p:par>
-                                <p:cTn id="5" presetID="10" presetClass="entr" presetSubtype="0" fill="hold" grpId="0" nodeType="clickEffect">
-                                  <p:stCondLst>
-                                    <p:cond delay="0"/>
-                                  </p:stCondLst>
-                                  <p:childTnLst>
-                                    <p:set>
-                                      <p:cBhvr>
-                                        <p:cTn id="6" dur="1" fill="hold">
-                                          <p:stCondLst>
-                                            <p:cond delay="0"/>
-                                          </p:stCondLst>
-                                        </p:cTn>
-                                        <p:tgtEl>
-                                          <p:spTgt spid="5">
-                                            <p:graphicEl>
-                                              <a:dgm id="{E40EF4B3-8BA8-436A-B15B-C0F795B9ECAC}"/>
-                                            </p:graphicEl>
-                                          </p:spTgt>
-                                        </p:tgtEl>
-                                        <p:attrNameLst>
-                                          <p:attrName>style.visibility</p:attrName>
-                                        </p:attrNameLst>
-                                      </p:cBhvr>
-                                      <p:to>
-                                        <p:strVal val="visible"/>
-                                      </p:to>
-                                    </p:set>
-                                    <p:animEffect transition="in" filter="fade">
-                                      <p:cBhvr>
-                                        <p:cTn id="7" dur="500"/>
-                                        <p:tgtEl>
-                                          <p:spTgt spid="5">
-                                            <p:graphicEl>
-                                              <a:dgm id="{E40EF4B3-8BA8-436A-B15B-C0F795B9ECAC}"/>
-                                            </p:graphicEl>
-                                          </p:spTgt>
-                                        </p:tgtEl>
-                                      </p:cBhvr>
-                                    </p:animEffect>
-                                  </p:childTnLst>
-                                </p:cTn>
-                              </p:par>
-                            </p:childTnLst>
-                          </p:cTn>
-                        </p:par>
-                      </p:childTnLst>
-                    </p:cTn>
-                  </p:par>
-                  <p:par>
-                    <p:cTn id="8" fill="hold">
-                      <p:stCondLst>
-                        <p:cond delay="indefinite"/>
-                      </p:stCondLst>
-                      <p:childTnLst>
-                        <p:par>
-                          <p:cTn id="9" fill="hold">
-                            <p:stCondLst>
-                              <p:cond delay="0"/>
-                            </p:stCondLst>
-                            <p:childTnLst>
-                              <p:par>
-                                <p:cTn id="10" presetID="10" presetClass="entr" presetSubtype="0" fill="hold" grpId="0" nodeType="clickEffect">
-                                  <p:stCondLst>
-                                    <p:cond delay="0"/>
-                                  </p:stCondLst>
-                                  <p:childTnLst>
-                                    <p:set>
-                                      <p:cBhvr>
-                                        <p:cTn id="11" dur="1" fill="hold">
-                                          <p:stCondLst>
-                                            <p:cond delay="0"/>
-                                          </p:stCondLst>
-                                        </p:cTn>
-                                        <p:tgtEl>
-                                          <p:spTgt spid="5">
-                                            <p:graphicEl>
-                                              <a:dgm id="{C3550AE3-EAA5-4345-96A2-2D49ABF0C995}"/>
-                                            </p:graphicEl>
-                                          </p:spTgt>
-                                        </p:tgtEl>
-                                        <p:attrNameLst>
-                                          <p:attrName>style.visibility</p:attrName>
-                                        </p:attrNameLst>
-                                      </p:cBhvr>
-                                      <p:to>
-                                        <p:strVal val="visible"/>
-                                      </p:to>
-                                    </p:set>
-                                    <p:animEffect transition="in" filter="fade">
-                                      <p:cBhvr>
-                                        <p:cTn id="12" dur="500"/>
-                                        <p:tgtEl>
-                                          <p:spTgt spid="5">
-                                            <p:graphicEl>
-                                              <a:dgm id="{C3550AE3-EAA5-4345-96A2-2D49ABF0C995}"/>
-                                            </p:graphicEl>
-                                          </p:spTgt>
-                                        </p:tgtEl>
-                                      </p:cBhvr>
-                                    </p:animEffect>
-                                  </p:childTnLst>
-                                </p:cTn>
-                              </p:par>
-                              <p:par>
-                                <p:cTn id="13" presetID="10" presetClass="entr" presetSubtype="0" fill="hold" grpId="0" nodeType="withEffect">
-                                  <p:stCondLst>
-                                    <p:cond delay="0"/>
-                                  </p:stCondLst>
-                                  <p:childTnLst>
-                                    <p:set>
-                                      <p:cBhvr>
-                                        <p:cTn id="14" dur="1" fill="hold">
-                                          <p:stCondLst>
-                                            <p:cond delay="0"/>
-                                          </p:stCondLst>
-                                        </p:cTn>
-                                        <p:tgtEl>
-                                          <p:spTgt spid="5">
-                                            <p:graphicEl>
-                                              <a:dgm id="{8D6DEFCB-1384-46AE-A406-C24CBCF29DBA}"/>
-                                            </p:graphicEl>
-                                          </p:spTgt>
-                                        </p:tgtEl>
-                                        <p:attrNameLst>
-                                          <p:attrName>style.visibility</p:attrName>
-                                        </p:attrNameLst>
-                                      </p:cBhvr>
-                                      <p:to>
-                                        <p:strVal val="visible"/>
-                                      </p:to>
-                                    </p:set>
-                                    <p:animEffect transition="in" filter="fade">
-                                      <p:cBhvr>
-                                        <p:cTn id="15" dur="500"/>
-                                        <p:tgtEl>
-                                          <p:spTgt spid="5">
-                                            <p:graphicEl>
-                                              <a:dgm id="{8D6DEFCB-1384-46AE-A406-C24CBCF29DBA}"/>
-                                            </p:graphicEl>
-                                          </p:spTgt>
-                                        </p:tgtEl>
-                                      </p:cBhvr>
-                                    </p:animEffect>
-                                  </p:childTnLst>
-                                </p:cTn>
-                              </p:par>
-                            </p:childTnLst>
-                          </p:cTn>
-                        </p:par>
-                      </p:childTnLst>
-                    </p:cTn>
-                  </p:par>
-                  <p:par>
-                    <p:cTn id="16" fill="hold">
-                      <p:stCondLst>
-                        <p:cond delay="indefinite"/>
-                      </p:stCondLst>
-                      <p:childTnLst>
-                        <p:par>
-                          <p:cTn id="17" fill="hold">
-                            <p:stCondLst>
-                              <p:cond delay="0"/>
-                            </p:stCondLst>
-                            <p:childTnLst>
-                              <p:par>
-                                <p:cTn id="18" presetID="10" presetClass="entr" presetSubtype="0" fill="hold" grpId="0" nodeType="clickEffect">
-                                  <p:stCondLst>
-                                    <p:cond delay="0"/>
-                                  </p:stCondLst>
-                                  <p:childTnLst>
-                                    <p:set>
-                                      <p:cBhvr>
-                                        <p:cTn id="19" dur="1" fill="hold">
-                                          <p:stCondLst>
-                                            <p:cond delay="0"/>
-                                          </p:stCondLst>
-                                        </p:cTn>
-                                        <p:tgtEl>
-                                          <p:spTgt spid="5">
-                                            <p:graphicEl>
-                                              <a:dgm id="{D9CD9F60-125D-422C-A4B2-7AB9DC41F197}"/>
-                                            </p:graphicEl>
-                                          </p:spTgt>
-                                        </p:tgtEl>
-                                        <p:attrNameLst>
-                                          <p:attrName>style.visibility</p:attrName>
-                                        </p:attrNameLst>
-                                      </p:cBhvr>
-                                      <p:to>
-                                        <p:strVal val="visible"/>
-                                      </p:to>
-                                    </p:set>
-                                    <p:animEffect transition="in" filter="fade">
-                                      <p:cBhvr>
-                                        <p:cTn id="20" dur="500"/>
-                                        <p:tgtEl>
-                                          <p:spTgt spid="5">
-                                            <p:graphicEl>
-                                              <a:dgm id="{D9CD9F60-125D-422C-A4B2-7AB9DC41F197}"/>
-                                            </p:graphicEl>
-                                          </p:spTgt>
-                                        </p:tgtEl>
-                                      </p:cBhvr>
-                                    </p:animEffect>
-                                  </p:childTnLst>
-                                </p:cTn>
-                              </p:par>
-                              <p:par>
-                                <p:cTn id="21" presetID="10" presetClass="entr" presetSubtype="0" fill="hold" grpId="0" nodeType="withEffect">
-                                  <p:stCondLst>
-                                    <p:cond delay="0"/>
-                                  </p:stCondLst>
-                                  <p:childTnLst>
-                                    <p:set>
-                                      <p:cBhvr>
-                                        <p:cTn id="22" dur="1" fill="hold">
-                                          <p:stCondLst>
-                                            <p:cond delay="0"/>
-                                          </p:stCondLst>
-                                        </p:cTn>
-                                        <p:tgtEl>
-                                          <p:spTgt spid="5">
-                                            <p:graphicEl>
-                                              <a:dgm id="{904AA21A-6637-412F-8D19-6AEBE54B6CFC}"/>
-                                            </p:graphicEl>
-                                          </p:spTgt>
-                                        </p:tgtEl>
-                                        <p:attrNameLst>
-                                          <p:attrName>style.visibility</p:attrName>
-                                        </p:attrNameLst>
-                                      </p:cBhvr>
-                                      <p:to>
-                                        <p:strVal val="visible"/>
-                                      </p:to>
-                                    </p:set>
-                                    <p:animEffect transition="in" filter="fade">
-                                      <p:cBhvr>
-                                        <p:cTn id="23" dur="500"/>
-                                        <p:tgtEl>
-                                          <p:spTgt spid="5">
-                                            <p:graphicEl>
-                                              <a:dgm id="{904AA21A-6637-412F-8D19-6AEBE54B6CFC}"/>
-                                            </p:graphicEl>
-                                          </p:spTgt>
-                                        </p:tgtEl>
-                                      </p:cBhvr>
-                                    </p:animEffect>
-                                  </p:childTnLst>
-                                </p:cTn>
-                              </p:par>
-                            </p:childTnLst>
-                          </p:cTn>
-                        </p:par>
-                      </p:childTnLst>
-                    </p:cTn>
-                  </p:par>
-                </p:childTnLst>
-              </p:cTn>
-              <p:prevCondLst>
-                <p:cond evt="onPrev" delay="0">
-                  <p:tgtEl>
-                    <p:sldTgt/>
-                  </p:tgtEl>
-                </p:cond>
-              </p:prevCondLst>
-              <p:nextCondLst>
-                <p:cond evt="onNext" delay="0">
-                  <p:tgtEl>
-                    <p:sldTgt/>
-                  </p:tgtEl>
-                </p:cond>
-              </p:nextCondLst>
-            </p:seq>
-          </p:childTnLst>
-        </p:cTn>
-      </p:par>
-    </p:tnLst>
-    <p:bldLst>
-      <p:bldGraphic spid="5" grpId="0">
-        <p:bldSub>
-          <a:bldDgm bld="one"/>
-        </p:bldSub>
-      </p:bldGraphic>
-    </p:bldLst>
-  </p:timing>
-</p:sld>
-</file>
-
-<file path=ppt/slides/slide30.xml><?xml version="1.0" encoding="utf-8"?>
+<file path=ppt/slides/slide31.xml><?xml version="1.0" encoding="utf-8"?>
 <p:sld xmlns:a="http://schemas.openxmlformats.org/drawingml/2006/main" xmlns:r="http://schemas.openxmlformats.org/officeDocument/2006/relationships" xmlns:p="http://schemas.openxmlformats.org/presentationml/2006/main" show="0">
   <p:cSld>
     <p:spTree>
@@ -34807,7 +35034,7 @@
 </p:sld>
 </file>
 
-<file path=ppt/slides/slide31.xml><?xml version="1.0" encoding="utf-8"?>
+<file path=ppt/slides/slide32.xml><?xml version="1.0" encoding="utf-8"?>
 <p:sld xmlns:a="http://schemas.openxmlformats.org/drawingml/2006/main" xmlns:r="http://schemas.openxmlformats.org/officeDocument/2006/relationships" xmlns:p="http://schemas.openxmlformats.org/presentationml/2006/main" show="0">
   <p:cSld>
     <p:spTree>
@@ -35920,7 +36147,7 @@
 </p:sld>
 </file>
 
-<file path=ppt/slides/slide32.xml><?xml version="1.0" encoding="utf-8"?>
+<file path=ppt/slides/slide33.xml><?xml version="1.0" encoding="utf-8"?>
 <p:sld xmlns:a="http://schemas.openxmlformats.org/drawingml/2006/main" xmlns:r="http://schemas.openxmlformats.org/officeDocument/2006/relationships" xmlns:p="http://schemas.openxmlformats.org/presentationml/2006/main" show="0">
   <p:cSld>
     <p:spTree>
@@ -36128,7 +36355,7 @@
 </p:sld>
 </file>
 
-<file path=ppt/slides/slide33.xml><?xml version="1.0" encoding="utf-8"?>
+<file path=ppt/slides/slide34.xml><?xml version="1.0" encoding="utf-8"?>
 <p:sld xmlns:a="http://schemas.openxmlformats.org/drawingml/2006/main" xmlns:r="http://schemas.openxmlformats.org/officeDocument/2006/relationships" xmlns:p="http://schemas.openxmlformats.org/presentationml/2006/main" show="0">
   <p:cSld>
     <p:spTree>
@@ -36622,7 +36849,7 @@
 </p:sld>
 </file>
 
-<file path=ppt/slides/slide34.xml><?xml version="1.0" encoding="utf-8"?>
+<file path=ppt/slides/slide35.xml><?xml version="1.0" encoding="utf-8"?>
 <p:sld xmlns:a="http://schemas.openxmlformats.org/drawingml/2006/main" xmlns:r="http://schemas.openxmlformats.org/officeDocument/2006/relationships" xmlns:p="http://schemas.openxmlformats.org/presentationml/2006/main">
   <p:cSld>
     <p:spTree>
@@ -37106,7 +37333,7 @@
 </p:sld>
 </file>
 
-<file path=ppt/slides/slide35.xml><?xml version="1.0" encoding="utf-8"?>
+<file path=ppt/slides/slide36.xml><?xml version="1.0" encoding="utf-8"?>
 <p:sld xmlns:a="http://schemas.openxmlformats.org/drawingml/2006/main" xmlns:r="http://schemas.openxmlformats.org/officeDocument/2006/relationships" xmlns:p="http://schemas.openxmlformats.org/presentationml/2006/main">
   <p:cSld>
     <p:spTree>
@@ -37880,9 +38107,24 @@
               <a:rPr lang="pl-PL" dirty="0" err="1"/>
               <a:t>Hyperledger</a:t>
             </a:r>
+            <a:endParaRPr lang="pl-PL" dirty="0"/>
+          </a:p>
+          <a:p>
+            <a:r>
+              <a:rPr lang="pl-PL" dirty="0" err="1"/>
+              <a:t>Ideally</a:t>
+            </a:r>
             <a:r>
               <a:rPr lang="pl-PL" dirty="0"/>
-              <a:t> (for </a:t>
+              <a:t> </a:t>
+            </a:r>
+            <a:r>
+              <a:rPr lang="pl-PL" dirty="0" err="1"/>
+              <a:t>suited</a:t>
+            </a:r>
+            <a:r>
+              <a:rPr lang="pl-PL" dirty="0"/>
+              <a:t> for </a:t>
             </a:r>
             <a:r>
               <a:rPr lang="pl-PL" dirty="0" err="1"/>
@@ -37904,10 +38146,7 @@
               <a:rPr lang="pl-PL" dirty="0" err="1"/>
               <a:t>institutions</a:t>
             </a:r>
-            <a:r>
-              <a:rPr lang="pl-PL" dirty="0"/>
-              <a:t>)</a:t>
-            </a:r>
+            <a:endParaRPr lang="pl-PL" dirty="0"/>
           </a:p>
           <a:p>
             <a:r>
@@ -38201,7 +38440,7 @@
           <p:cNvPr id="2" name="Title 1">
             <a:extLst>
               <a:ext uri="{FF2B5EF4-FFF2-40B4-BE49-F238E27FC236}">
-                <a16:creationId xmlns:a16="http://schemas.microsoft.com/office/drawing/2014/main" id="{DCC904C0-05DD-4AC7-85C7-49ECB559433D}"/>
+                <a16:creationId xmlns:a16="http://schemas.microsoft.com/office/drawing/2014/main" id="{EF64A133-A75A-4EA3-AFC9-6C6E1297A1F6}"/>
               </a:ext>
             </a:extLst>
           </p:cNvPr>
@@ -38212,47 +38451,44 @@
             <p:ph type="title"/>
           </p:nvPr>
         </p:nvSpPr>
-        <p:spPr>
-          <a:xfrm>
-            <a:off x="1446212" y="609599"/>
-            <a:ext cx="9302752" cy="2748429"/>
-          </a:xfrm>
-        </p:spPr>
+        <p:spPr/>
         <p:txBody>
           <a:bodyPr/>
           <a:lstStyle/>
           <a:p>
             <a:r>
-              <a:rPr lang="pl-PL" cap="none" dirty="0"/>
-              <a:t>T</a:t>
-            </a:r>
-            <a:r>
-              <a:rPr lang="en-US" cap="none" dirty="0"/>
-              <a:t>he blockchain for business is the blockchain that </a:t>
-            </a:r>
-            <a:r>
-              <a:rPr lang="en-US" cap="none" dirty="0">
+              <a:rPr lang="pl-PL" dirty="0"/>
+              <a:t>THE PROBLEM WITH </a:t>
+            </a:r>
+            <a:r>
+              <a:rPr lang="en-US" dirty="0">
                 <a:solidFill>
                   <a:schemeClr val="tx2">
                     <a:lumMod val="75000"/>
                   </a:schemeClr>
                 </a:solidFill>
               </a:rPr>
-              <a:t>solves the black swan</a:t>
-            </a:r>
-            <a:r>
-              <a:rPr lang="en-US" cap="none" dirty="0"/>
-              <a:t>.</a:t>
+              <a:t>black </a:t>
+            </a:r>
+            <a:r>
+              <a:rPr lang="pl-PL" dirty="0">
+                <a:solidFill>
+                  <a:schemeClr val="tx2">
+                    <a:lumMod val="75000"/>
+                  </a:schemeClr>
+                </a:solidFill>
+              </a:rPr>
+              <a:t>SWAN</a:t>
             </a:r>
           </a:p>
         </p:txBody>
       </p:sp>
       <p:sp>
         <p:nvSpPr>
-          <p:cNvPr id="3" name="Text Placeholder 2">
+          <p:cNvPr id="3" name="Content Placeholder 2">
             <a:extLst>
               <a:ext uri="{FF2B5EF4-FFF2-40B4-BE49-F238E27FC236}">
-                <a16:creationId xmlns:a16="http://schemas.microsoft.com/office/drawing/2014/main" id="{3EA1BABA-F0F9-4F4D-8FFF-D09C4F6FE1E8}"/>
+                <a16:creationId xmlns:a16="http://schemas.microsoft.com/office/drawing/2014/main" id="{21BC3B13-91C2-4964-A2E1-5141059D33C9}"/>
               </a:ext>
             </a:extLst>
           </p:cNvPr>
@@ -38260,53 +38496,200 @@
             <a:spLocks noGrp="1"/>
           </p:cNvSpPr>
           <p:nvPr>
-            <p:ph type="body" sz="half" idx="13"/>
+            <p:ph idx="1"/>
           </p:nvPr>
         </p:nvSpPr>
-        <p:spPr>
-          <a:xfrm>
-            <a:off x="1443036" y="3358028"/>
-            <a:ext cx="8752299" cy="548968"/>
-          </a:xfrm>
-        </p:spPr>
+        <p:spPr/>
         <p:txBody>
-          <a:bodyPr>
-            <a:normAutofit/>
-          </a:bodyPr>
+          <a:bodyPr/>
           <a:lstStyle/>
           <a:p>
             <a:r>
-              <a:rPr lang="pl-PL" sz="1600" dirty="0" err="1"/>
-              <a:t>Ian</a:t>
-            </a:r>
-            <a:r>
-              <a:rPr lang="pl-PL" sz="1600" dirty="0"/>
+              <a:rPr lang="pl-PL" dirty="0"/>
+              <a:t>In real-life </a:t>
+            </a:r>
+            <a:r>
+              <a:rPr lang="pl-PL" dirty="0" err="1"/>
+              <a:t>there</a:t>
+            </a:r>
+            <a:r>
+              <a:rPr lang="pl-PL" dirty="0"/>
               <a:t> </a:t>
             </a:r>
             <a:r>
-              <a:rPr lang="pl-PL" sz="1600" dirty="0" err="1"/>
-              <a:t>Grigg</a:t>
-            </a:r>
-            <a:r>
-              <a:rPr lang="pl-PL" sz="1600" dirty="0"/>
-              <a:t>, </a:t>
-            </a:r>
-            <a:r>
-              <a:rPr lang="pl-PL" sz="1600" dirty="0" err="1"/>
-              <a:t>block.one</a:t>
-            </a:r>
-            <a:r>
-              <a:rPr lang="pl-PL" sz="1600" dirty="0"/>
-              <a:t> partner</a:t>
-            </a:r>
-            <a:endParaRPr lang="en-US" sz="1600" dirty="0"/>
+              <a:rPr lang="pl-PL" dirty="0" err="1"/>
+              <a:t>are</a:t>
+            </a:r>
+            <a:r>
+              <a:rPr lang="pl-PL" dirty="0"/>
+              <a:t> </a:t>
+            </a:r>
+            <a:r>
+              <a:rPr lang="pl-PL" dirty="0" err="1"/>
+              <a:t>safety</a:t>
+            </a:r>
+            <a:r>
+              <a:rPr lang="pl-PL" dirty="0"/>
+              <a:t> </a:t>
+            </a:r>
+            <a:r>
+              <a:rPr lang="pl-PL" dirty="0" err="1"/>
+              <a:t>mechanisms</a:t>
+            </a:r>
+            <a:r>
+              <a:rPr lang="pl-PL" dirty="0"/>
+              <a:t>, i.e. </a:t>
+            </a:r>
+            <a:r>
+              <a:rPr lang="pl-PL" dirty="0" err="1"/>
+              <a:t>legal</a:t>
+            </a:r>
+            <a:r>
+              <a:rPr lang="pl-PL" dirty="0"/>
+              <a:t> </a:t>
+            </a:r>
+            <a:r>
+              <a:rPr lang="pl-PL" dirty="0" err="1"/>
+              <a:t>infrastructure</a:t>
+            </a:r>
+            <a:endParaRPr lang="pl-PL" dirty="0"/>
+          </a:p>
+          <a:p>
+            <a:r>
+              <a:rPr lang="pl-PL" dirty="0"/>
+              <a:t>On a blockchain: no </a:t>
+            </a:r>
+            <a:r>
+              <a:rPr lang="pl-PL" dirty="0" err="1"/>
+              <a:t>safety</a:t>
+            </a:r>
+            <a:r>
+              <a:rPr lang="pl-PL" dirty="0"/>
+              <a:t> net, </a:t>
+            </a:r>
+            <a:r>
+              <a:rPr lang="pl-PL" dirty="0" err="1"/>
+              <a:t>e.g</a:t>
+            </a:r>
+            <a:r>
+              <a:rPr lang="pl-PL" dirty="0"/>
+              <a:t>. the DAO </a:t>
+            </a:r>
+            <a:r>
+              <a:rPr lang="pl-PL" dirty="0" err="1"/>
+              <a:t>incident</a:t>
+            </a:r>
+            <a:endParaRPr lang="pl-PL" dirty="0"/>
+          </a:p>
+          <a:p>
+            <a:r>
+              <a:rPr lang="pl-PL" dirty="0"/>
+              <a:t>Unpermissioned blockchain </a:t>
+            </a:r>
+            <a:r>
+              <a:rPr lang="pl-PL" dirty="0" err="1"/>
+              <a:t>encourages</a:t>
+            </a:r>
+            <a:r>
+              <a:rPr lang="pl-PL" dirty="0"/>
+              <a:t> </a:t>
+            </a:r>
+            <a:r>
+              <a:rPr lang="pl-PL" dirty="0">
+                <a:solidFill>
+                  <a:schemeClr val="tx2">
+                    <a:lumMod val="75000"/>
+                  </a:schemeClr>
+                </a:solidFill>
+              </a:rPr>
+              <a:t>w</a:t>
+            </a:r>
+            <a:r>
+              <a:rPr lang="en-US" dirty="0">
+                <a:solidFill>
+                  <a:schemeClr val="tx2">
+                    <a:lumMod val="75000"/>
+                  </a:schemeClr>
+                </a:solidFill>
+              </a:rPr>
+              <a:t>in-lose</a:t>
+            </a:r>
+            <a:r>
+              <a:rPr lang="en-US" dirty="0"/>
+              <a:t> </a:t>
+            </a:r>
+            <a:r>
+              <a:rPr lang="pl-PL" dirty="0"/>
+              <a:t>/</a:t>
+            </a:r>
+            <a:r>
+              <a:rPr lang="en-US" dirty="0"/>
+              <a:t> </a:t>
+            </a:r>
+            <a:r>
+              <a:rPr lang="en-US" dirty="0">
+                <a:solidFill>
+                  <a:schemeClr val="tx2">
+                    <a:lumMod val="75000"/>
+                  </a:schemeClr>
+                </a:solidFill>
+              </a:rPr>
+              <a:t>zero-sum</a:t>
+            </a:r>
+            <a:r>
+              <a:rPr lang="en-US" dirty="0"/>
+              <a:t> game</a:t>
+            </a:r>
+            <a:r>
+              <a:rPr lang="pl-PL" dirty="0"/>
+              <a:t>:</a:t>
+            </a:r>
+          </a:p>
+          <a:p>
+            <a:pPr lvl="1"/>
+            <a:r>
+              <a:rPr lang="pl-PL" dirty="0" err="1"/>
+              <a:t>if</a:t>
+            </a:r>
+            <a:r>
+              <a:rPr lang="pl-PL" dirty="0"/>
+              <a:t> </a:t>
+            </a:r>
+            <a:r>
+              <a:rPr lang="en-US" dirty="0"/>
+              <a:t>you want to get ahead in a trade, let's do a DDoS</a:t>
+            </a:r>
+            <a:endParaRPr lang="pl-PL" dirty="0"/>
+          </a:p>
+          <a:p>
+            <a:pPr lvl="1"/>
+            <a:r>
+              <a:rPr lang="pl-PL" dirty="0"/>
+              <a:t>i</a:t>
+            </a:r>
+            <a:r>
+              <a:rPr lang="en-US" dirty="0"/>
+              <a:t>f you want to get ahead with a contract, </a:t>
+            </a:r>
+            <a:r>
+              <a:rPr lang="pl-PL" dirty="0" err="1"/>
+              <a:t>let’s</a:t>
+            </a:r>
+            <a:r>
+              <a:rPr lang="en-US" dirty="0"/>
+              <a:t> hack the contract</a:t>
+            </a:r>
+            <a:endParaRPr lang="pl-PL" dirty="0"/>
+          </a:p>
+          <a:p>
+            <a:endParaRPr lang="pl-PL" dirty="0"/>
           </a:p>
         </p:txBody>
       </p:sp>
     </p:spTree>
     <p:extLst>
       <p:ext uri="{BB962C8B-B14F-4D97-AF65-F5344CB8AC3E}">
-        <p14:creationId xmlns:p14="http://schemas.microsoft.com/office/powerpoint/2010/main" val="1126556810"/>
+        <p14:creationId xmlns:p14="http://schemas.microsoft.com/office/powerpoint/2010/main" val="667857216"/>
       </p:ext>
     </p:extLst>
   </p:cSld>
@@ -38359,17 +38742,7 @@
           <a:p>
             <a:r>
               <a:rPr lang="pl-PL" dirty="0"/>
-              <a:t>THE PROBLEM WITH </a:t>
-            </a:r>
-            <a:r>
-              <a:rPr lang="en-US" dirty="0">
-                <a:solidFill>
-                  <a:schemeClr val="tx2">
-                    <a:lumMod val="75000"/>
-                  </a:schemeClr>
-                </a:solidFill>
-              </a:rPr>
-              <a:t>black </a:t>
+              <a:t>WHAT DOES </a:t>
             </a:r>
             <a:r>
               <a:rPr lang="pl-PL" dirty="0">
@@ -38379,7 +38752,11 @@
                   </a:schemeClr>
                 </a:solidFill>
               </a:rPr>
-              <a:t>SWAN</a:t>
+              <a:t>THE BUSINESS </a:t>
+            </a:r>
+            <a:r>
+              <a:rPr lang="pl-PL" dirty="0"/>
+              <a:t>NEED?</a:t>
             </a:r>
           </a:p>
         </p:txBody>
@@ -38406,101 +38783,85 @@
           <a:lstStyle/>
           <a:p>
             <a:r>
+              <a:rPr lang="en-US" dirty="0"/>
+              <a:t>We're looking for </a:t>
+            </a:r>
+            <a:r>
               <a:rPr lang="pl-PL" dirty="0"/>
-              <a:t>In real-life </a:t>
-            </a:r>
-            <a:r>
-              <a:rPr lang="pl-PL" dirty="0" err="1"/>
-              <a:t>there</a:t>
-            </a:r>
-            <a:r>
-              <a:rPr lang="pl-PL" dirty="0"/>
-              <a:t> </a:t>
-            </a:r>
-            <a:r>
-              <a:rPr lang="pl-PL" dirty="0" err="1"/>
-              <a:t>are</a:t>
-            </a:r>
-            <a:r>
-              <a:rPr lang="pl-PL" dirty="0"/>
-              <a:t> </a:t>
-            </a:r>
-            <a:r>
-              <a:rPr lang="pl-PL" dirty="0" err="1"/>
-              <a:t>safety</a:t>
-            </a:r>
-            <a:r>
-              <a:rPr lang="pl-PL" dirty="0"/>
-              <a:t> </a:t>
-            </a:r>
-            <a:r>
-              <a:rPr lang="pl-PL" dirty="0" err="1"/>
-              <a:t>mechanisms</a:t>
-            </a:r>
-            <a:r>
-              <a:rPr lang="pl-PL" dirty="0"/>
-              <a:t>, </a:t>
-            </a:r>
-            <a:r>
-              <a:rPr lang="pl-PL" dirty="0" err="1"/>
-              <a:t>e.g</a:t>
-            </a:r>
-            <a:r>
-              <a:rPr lang="pl-PL" dirty="0"/>
-              <a:t>. </a:t>
-            </a:r>
-            <a:r>
-              <a:rPr lang="pl-PL" dirty="0" err="1"/>
-              <a:t>courts</a:t>
-            </a:r>
-            <a:r>
-              <a:rPr lang="pl-PL" dirty="0"/>
-              <a:t> of law</a:t>
-            </a:r>
-          </a:p>
-          <a:p>
-            <a:r>
-              <a:rPr lang="pl-PL" dirty="0"/>
-              <a:t>On a blockchain: no </a:t>
-            </a:r>
-            <a:r>
-              <a:rPr lang="pl-PL" dirty="0" err="1"/>
-              <a:t>safety</a:t>
-            </a:r>
-            <a:r>
-              <a:rPr lang="pl-PL" dirty="0"/>
-              <a:t> net, </a:t>
-            </a:r>
-            <a:r>
-              <a:rPr lang="pl-PL" dirty="0" err="1"/>
-              <a:t>e.g</a:t>
-            </a:r>
-            <a:r>
-              <a:rPr lang="pl-PL" dirty="0"/>
-              <a:t>. the DAO </a:t>
-            </a:r>
-            <a:r>
-              <a:rPr lang="pl-PL" dirty="0" err="1"/>
-              <a:t>incident</a:t>
+              <a:t>a</a:t>
+            </a:r>
+            <a:r>
+              <a:rPr lang="en-US" dirty="0"/>
+              <a:t> repeated, no-end-in-sight game</a:t>
             </a:r>
             <a:endParaRPr lang="pl-PL" dirty="0"/>
           </a:p>
           <a:p>
             <a:r>
+              <a:rPr lang="pl-PL" dirty="0"/>
+              <a:t>W</a:t>
+            </a:r>
+            <a:r>
+              <a:rPr lang="en-US" dirty="0"/>
+              <a:t>e want to remember who we are dealing with</a:t>
+            </a:r>
+            <a:endParaRPr lang="pl-PL" dirty="0"/>
+          </a:p>
+          <a:p>
+            <a:r>
+              <a:rPr lang="pl-PL" dirty="0"/>
+              <a:t>W</a:t>
+            </a:r>
+            <a:r>
+              <a:rPr lang="en-US" dirty="0"/>
+              <a:t>e need rules of the game</a:t>
+            </a:r>
+            <a:r>
+              <a:rPr lang="pl-PL" dirty="0"/>
+              <a:t> &amp; we </a:t>
+            </a:r>
+            <a:r>
               <a:rPr lang="pl-PL" dirty="0" err="1"/>
-              <a:t>Pure</a:t>
+              <a:t>need</a:t>
             </a:r>
             <a:r>
               <a:rPr lang="pl-PL" dirty="0"/>
-              <a:t> blockchain </a:t>
+              <a:t> a</a:t>
+            </a:r>
+            <a:r>
+              <a:rPr lang="en-US" dirty="0"/>
+              <a:t> way to hold </a:t>
+            </a:r>
+            <a:r>
+              <a:rPr lang="pl-PL" dirty="0"/>
+              <a:t>a </a:t>
             </a:r>
             <a:r>
               <a:rPr lang="pl-PL" dirty="0" err="1"/>
-              <a:t>encourages</a:t>
+              <a:t>violator</a:t>
             </a:r>
             <a:r>
               <a:rPr lang="pl-PL" dirty="0"/>
               <a:t> </a:t>
+            </a:r>
+            <a:r>
+              <a:rPr lang="en-US" dirty="0"/>
+              <a:t>to account</a:t>
+            </a:r>
+            <a:endParaRPr lang="pl-PL" dirty="0"/>
+          </a:p>
+          <a:p>
+            <a:r>
+              <a:rPr lang="pl-PL" dirty="0"/>
+              <a:t>We </a:t>
+            </a:r>
+            <a:r>
+              <a:rPr lang="pl-PL" dirty="0" err="1"/>
+              <a:t>need</a:t>
+            </a:r>
+            <a:r>
+              <a:rPr lang="pl-PL" dirty="0"/>
+              <a:t> a </a:t>
             </a:r>
             <a:r>
               <a:rPr lang="pl-PL" dirty="0">
@@ -38510,7 +38871,15 @@
                   </a:schemeClr>
                 </a:solidFill>
               </a:rPr>
-              <a:t>w</a:t>
+              <a:t>win-win</a:t>
+            </a:r>
+            <a:r>
+              <a:rPr lang="pl-PL" dirty="0"/>
+              <a:t> /</a:t>
+            </a:r>
+            <a:r>
+              <a:rPr lang="en-US" dirty="0"/>
+              <a:t> </a:t>
             </a:r>
             <a:r>
               <a:rPr lang="en-US" dirty="0">
@@ -38520,76 +38889,12 @@
                   </a:schemeClr>
                 </a:solidFill>
               </a:rPr>
-              <a:t>in-lose</a:t>
-            </a:r>
-            <a:r>
-              <a:rPr lang="en-US" dirty="0"/>
-              <a:t> </a:t>
-            </a:r>
-            <a:r>
-              <a:rPr lang="pl-PL" dirty="0"/>
-              <a:t>/</a:t>
-            </a:r>
-            <a:r>
-              <a:rPr lang="en-US" dirty="0"/>
-              <a:t> </a:t>
-            </a:r>
-            <a:r>
-              <a:rPr lang="en-US" dirty="0">
-                <a:solidFill>
-                  <a:schemeClr val="tx2">
-                    <a:lumMod val="75000"/>
-                  </a:schemeClr>
-                </a:solidFill>
-              </a:rPr>
-              <a:t>zero-sum</a:t>
+              <a:t>net-positive</a:t>
             </a:r>
             <a:r>
               <a:rPr lang="en-US" dirty="0"/>
               <a:t> game</a:t>
             </a:r>
-            <a:r>
-              <a:rPr lang="pl-PL" dirty="0"/>
-              <a:t>:</a:t>
-            </a:r>
-          </a:p>
-          <a:p>
-            <a:pPr lvl="1"/>
-            <a:r>
-              <a:rPr lang="pl-PL" dirty="0" err="1"/>
-              <a:t>if</a:t>
-            </a:r>
-            <a:r>
-              <a:rPr lang="pl-PL" dirty="0"/>
-              <a:t> </a:t>
-            </a:r>
-            <a:r>
-              <a:rPr lang="en-US" dirty="0"/>
-              <a:t>you want to get ahead in a trade, let's do a DDoS</a:t>
-            </a:r>
-            <a:endParaRPr lang="pl-PL" dirty="0"/>
-          </a:p>
-          <a:p>
-            <a:pPr lvl="1"/>
-            <a:r>
-              <a:rPr lang="pl-PL" dirty="0"/>
-              <a:t>i</a:t>
-            </a:r>
-            <a:r>
-              <a:rPr lang="en-US" dirty="0"/>
-              <a:t>f you want to get ahead with a contract, </a:t>
-            </a:r>
-            <a:r>
-              <a:rPr lang="pl-PL" dirty="0" err="1"/>
-              <a:t>let’s</a:t>
-            </a:r>
-            <a:r>
-              <a:rPr lang="en-US" dirty="0"/>
-              <a:t> hack the contract</a:t>
-            </a:r>
-            <a:endParaRPr lang="pl-PL" dirty="0"/>
-          </a:p>
-          <a:p>
             <a:endParaRPr lang="pl-PL" dirty="0"/>
           </a:p>
         </p:txBody>
@@ -38597,7 +38902,7 @@
     </p:spTree>
     <p:extLst>
       <p:ext uri="{BB962C8B-B14F-4D97-AF65-F5344CB8AC3E}">
-        <p14:creationId xmlns:p14="http://schemas.microsoft.com/office/powerpoint/2010/main" val="667857216"/>
+        <p14:creationId xmlns:p14="http://schemas.microsoft.com/office/powerpoint/2010/main" val="3886206608"/>
       </p:ext>
     </p:extLst>
   </p:cSld>
